--- a/Presentation/Health_Trends_In_Recipe_Data.pptx
+++ b/Presentation/Health_Trends_In_Recipe_Data.pptx
@@ -1,39 +1,47 @@
 
 <file path=ppt/presentation.xml><?xml version="1.0" encoding="utf-8"?>
-<p:presentation xmlns:a="http://schemas.openxmlformats.org/drawingml/2006/main" xmlns:r="http://schemas.openxmlformats.org/officeDocument/2006/relationships" xmlns:p="http://schemas.openxmlformats.org/presentationml/2006/main" strictFirstAndLastChars="0" embedTrueTypeFonts="1" saveSubsetFonts="1" autoCompressPictures="0">
+<p:presentation xmlns:a="http://schemas.openxmlformats.org/drawingml/2006/main" xmlns:r="http://schemas.openxmlformats.org/officeDocument/2006/relationships" xmlns:mc="http://schemas.openxmlformats.org/markup-compatibility/2006" xmlns:mv="urn:schemas-microsoft-com:mac:vml" xmlns:p="http://schemas.openxmlformats.org/presentationml/2006/main" xmlns:c="http://schemas.openxmlformats.org/drawingml/2006/chart" xmlns:dgm="http://schemas.openxmlformats.org/drawingml/2006/diagram" xmlns:o="urn:schemas-microsoft-com:office:office" xmlns:v="urn:schemas-microsoft-com:vml" xmlns:pvml="urn:schemas-microsoft-com:office:powerpoint" xmlns:com="http://schemas.openxmlformats.org/drawingml/2006/compatibility" xmlns:p14="http://schemas.microsoft.com/office/powerpoint/2010/main" xmlns:p15="http://schemas.microsoft.com/office/powerpoint/2012/main" xmlns:ahyp="http://schemas.microsoft.com/office/drawing/2018/hyperlinkcolor" autoCompressPictures="0" embedTrueTypeFonts="1" strictFirstAndLastChars="0" saveSubsetFonts="1">
   <p:sldMasterIdLst>
-    <p:sldMasterId id="2147483659" r:id="rId1"/>
+    <p:sldMasterId id="2147483659" r:id="rId4"/>
   </p:sldMasterIdLst>
   <p:notesMasterIdLst>
-    <p:notesMasterId r:id="rId16"/>
+    <p:notesMasterId r:id="rId5"/>
   </p:notesMasterIdLst>
   <p:sldIdLst>
-    <p:sldId id="256" r:id="rId2"/>
-    <p:sldId id="257" r:id="rId3"/>
-    <p:sldId id="258" r:id="rId4"/>
-    <p:sldId id="259" r:id="rId5"/>
-    <p:sldId id="260" r:id="rId6"/>
-    <p:sldId id="261" r:id="rId7"/>
-    <p:sldId id="262" r:id="rId8"/>
-    <p:sldId id="263" r:id="rId9"/>
-    <p:sldId id="264" r:id="rId10"/>
-    <p:sldId id="265" r:id="rId11"/>
-    <p:sldId id="266" r:id="rId12"/>
-    <p:sldId id="267" r:id="rId13"/>
-    <p:sldId id="268" r:id="rId14"/>
-    <p:sldId id="269" r:id="rId15"/>
+    <p:sldId id="256" r:id="rId6"/>
+    <p:sldId id="257" r:id="rId7"/>
+    <p:sldId id="258" r:id="rId8"/>
+    <p:sldId id="259" r:id="rId9"/>
+    <p:sldId id="260" r:id="rId10"/>
+    <p:sldId id="261" r:id="rId11"/>
+    <p:sldId id="262" r:id="rId12"/>
+    <p:sldId id="263" r:id="rId13"/>
+    <p:sldId id="264" r:id="rId14"/>
+    <p:sldId id="265" r:id="rId15"/>
+    <p:sldId id="266" r:id="rId16"/>
+    <p:sldId id="267" r:id="rId17"/>
+    <p:sldId id="268" r:id="rId18"/>
+    <p:sldId id="269" r:id="rId19"/>
+    <p:sldId id="270" r:id="rId20"/>
   </p:sldIdLst>
-  <p:sldSz cx="9144000" cy="5143500" type="screen16x9"/>
+  <p:sldSz cy="5143500" cx="9144000"/>
   <p:notesSz cx="6858000" cy="9144000"/>
   <p:embeddedFontLst>
     <p:embeddedFont>
-      <p:font typeface="Comfortaa" pitchFamily="2" charset="0"/>
-      <p:regular r:id="rId17"/>
-      <p:bold r:id="rId18"/>
+      <p:font typeface="Roboto"/>
+      <p:regular r:id="rId21"/>
+      <p:bold r:id="rId22"/>
+      <p:italic r:id="rId23"/>
+      <p:boldItalic r:id="rId24"/>
+    </p:embeddedFont>
+    <p:embeddedFont>
+      <p:font typeface="Comfortaa"/>
+      <p:regular r:id="rId25"/>
+      <p:bold r:id="rId26"/>
     </p:embeddedFont>
   </p:embeddedFontLst>
   <p:defaultTextStyle>
-    <a:defPPr marR="0" lvl="0" algn="l" rtl="0">
+    <a:defPPr lvl="0" marR="0" rtl="0" algn="l">
       <a:lnSpc>
         <a:spcPct val="100000"/>
       </a:lnSpc>
@@ -44,7 +52,7 @@
         <a:spcPts val="0"/>
       </a:spcAft>
     </a:defPPr>
-    <a:lvl1pPr marR="0" lvl="0" algn="l" rtl="0">
+    <a:lvl1pPr lvl="0" marR="0" rtl="0" algn="l">
       <a:lnSpc>
         <a:spcPct val="100000"/>
       </a:lnSpc>
@@ -58,7 +66,7 @@
         <a:srgbClr val="000000"/>
       </a:buClr>
       <a:buFont typeface="Arial"/>
-      <a:defRPr sz="1400" b="0" i="0" u="none" strike="noStrike" cap="none">
+      <a:defRPr b="0" i="0" sz="1400" u="none" cap="none" strike="noStrike">
         <a:solidFill>
           <a:srgbClr val="000000"/>
         </a:solidFill>
@@ -68,7 +76,7 @@
         <a:sym typeface="Arial"/>
       </a:defRPr>
     </a:lvl1pPr>
-    <a:lvl2pPr marR="0" lvl="1" algn="l" rtl="0">
+    <a:lvl2pPr lvl="1" marR="0" rtl="0" algn="l">
       <a:lnSpc>
         <a:spcPct val="100000"/>
       </a:lnSpc>
@@ -82,7 +90,7 @@
         <a:srgbClr val="000000"/>
       </a:buClr>
       <a:buFont typeface="Arial"/>
-      <a:defRPr sz="1400" b="0" i="0" u="none" strike="noStrike" cap="none">
+      <a:defRPr b="0" i="0" sz="1400" u="none" cap="none" strike="noStrike">
         <a:solidFill>
           <a:srgbClr val="000000"/>
         </a:solidFill>
@@ -92,7 +100,7 @@
         <a:sym typeface="Arial"/>
       </a:defRPr>
     </a:lvl2pPr>
-    <a:lvl3pPr marR="0" lvl="2" algn="l" rtl="0">
+    <a:lvl3pPr lvl="2" marR="0" rtl="0" algn="l">
       <a:lnSpc>
         <a:spcPct val="100000"/>
       </a:lnSpc>
@@ -106,7 +114,7 @@
         <a:srgbClr val="000000"/>
       </a:buClr>
       <a:buFont typeface="Arial"/>
-      <a:defRPr sz="1400" b="0" i="0" u="none" strike="noStrike" cap="none">
+      <a:defRPr b="0" i="0" sz="1400" u="none" cap="none" strike="noStrike">
         <a:solidFill>
           <a:srgbClr val="000000"/>
         </a:solidFill>
@@ -116,7 +124,7 @@
         <a:sym typeface="Arial"/>
       </a:defRPr>
     </a:lvl3pPr>
-    <a:lvl4pPr marR="0" lvl="3" algn="l" rtl="0">
+    <a:lvl4pPr lvl="3" marR="0" rtl="0" algn="l">
       <a:lnSpc>
         <a:spcPct val="100000"/>
       </a:lnSpc>
@@ -130,7 +138,7 @@
         <a:srgbClr val="000000"/>
       </a:buClr>
       <a:buFont typeface="Arial"/>
-      <a:defRPr sz="1400" b="0" i="0" u="none" strike="noStrike" cap="none">
+      <a:defRPr b="0" i="0" sz="1400" u="none" cap="none" strike="noStrike">
         <a:solidFill>
           <a:srgbClr val="000000"/>
         </a:solidFill>
@@ -140,7 +148,7 @@
         <a:sym typeface="Arial"/>
       </a:defRPr>
     </a:lvl4pPr>
-    <a:lvl5pPr marR="0" lvl="4" algn="l" rtl="0">
+    <a:lvl5pPr lvl="4" marR="0" rtl="0" algn="l">
       <a:lnSpc>
         <a:spcPct val="100000"/>
       </a:lnSpc>
@@ -154,7 +162,7 @@
         <a:srgbClr val="000000"/>
       </a:buClr>
       <a:buFont typeface="Arial"/>
-      <a:defRPr sz="1400" b="0" i="0" u="none" strike="noStrike" cap="none">
+      <a:defRPr b="0" i="0" sz="1400" u="none" cap="none" strike="noStrike">
         <a:solidFill>
           <a:srgbClr val="000000"/>
         </a:solidFill>
@@ -164,7 +172,7 @@
         <a:sym typeface="Arial"/>
       </a:defRPr>
     </a:lvl5pPr>
-    <a:lvl6pPr marR="0" lvl="5" algn="l" rtl="0">
+    <a:lvl6pPr lvl="5" marR="0" rtl="0" algn="l">
       <a:lnSpc>
         <a:spcPct val="100000"/>
       </a:lnSpc>
@@ -178,7 +186,7 @@
         <a:srgbClr val="000000"/>
       </a:buClr>
       <a:buFont typeface="Arial"/>
-      <a:defRPr sz="1400" b="0" i="0" u="none" strike="noStrike" cap="none">
+      <a:defRPr b="0" i="0" sz="1400" u="none" cap="none" strike="noStrike">
         <a:solidFill>
           <a:srgbClr val="000000"/>
         </a:solidFill>
@@ -188,7 +196,7 @@
         <a:sym typeface="Arial"/>
       </a:defRPr>
     </a:lvl6pPr>
-    <a:lvl7pPr marR="0" lvl="6" algn="l" rtl="0">
+    <a:lvl7pPr lvl="6" marR="0" rtl="0" algn="l">
       <a:lnSpc>
         <a:spcPct val="100000"/>
       </a:lnSpc>
@@ -202,7 +210,7 @@
         <a:srgbClr val="000000"/>
       </a:buClr>
       <a:buFont typeface="Arial"/>
-      <a:defRPr sz="1400" b="0" i="0" u="none" strike="noStrike" cap="none">
+      <a:defRPr b="0" i="0" sz="1400" u="none" cap="none" strike="noStrike">
         <a:solidFill>
           <a:srgbClr val="000000"/>
         </a:solidFill>
@@ -212,7 +220,7 @@
         <a:sym typeface="Arial"/>
       </a:defRPr>
     </a:lvl7pPr>
-    <a:lvl8pPr marR="0" lvl="7" algn="l" rtl="0">
+    <a:lvl8pPr lvl="7" marR="0" rtl="0" algn="l">
       <a:lnSpc>
         <a:spcPct val="100000"/>
       </a:lnSpc>
@@ -226,7 +234,7 @@
         <a:srgbClr val="000000"/>
       </a:buClr>
       <a:buFont typeface="Arial"/>
-      <a:defRPr sz="1400" b="0" i="0" u="none" strike="noStrike" cap="none">
+      <a:defRPr b="0" i="0" sz="1400" u="none" cap="none" strike="noStrike">
         <a:solidFill>
           <a:srgbClr val="000000"/>
         </a:solidFill>
@@ -236,7 +244,7 @@
         <a:sym typeface="Arial"/>
       </a:defRPr>
     </a:lvl8pPr>
-    <a:lvl9pPr marR="0" lvl="8" algn="l" rtl="0">
+    <a:lvl9pPr lvl="8" marR="0" rtl="0" algn="l">
       <a:lnSpc>
         <a:spcPct val="100000"/>
       </a:lnSpc>
@@ -250,7 +258,7 @@
         <a:srgbClr val="000000"/>
       </a:buClr>
       <a:buFont typeface="Arial"/>
-      <a:defRPr sz="1400" b="0" i="0" u="none" strike="noStrike" cap="none">
+      <a:defRPr b="0" i="0" sz="1400" u="none" cap="none" strike="noStrike">
         <a:solidFill>
           <a:srgbClr val="000000"/>
         </a:solidFill>
@@ -263,7 +271,7 @@
   </p:defaultTextStyle>
   <p:extLst>
     <p:ext uri="{EFAFB233-063F-42B5-8137-9DF3F51BA10A}">
-      <p15:sldGuideLst xmlns:p15="http://schemas.microsoft.com/office/powerpoint/2012/main">
+      <p15:sldGuideLst>
         <p15:guide id="1" orient="horz" pos="1620">
           <p15:clr>
             <a:srgbClr val="A4A3A4"/>
@@ -281,16 +289,11 @@
 </file>
 
 <file path=ppt/notesMasters/notesMaster1.xml><?xml version="1.0" encoding="utf-8"?>
-<p:notesMaster xmlns:a="http://schemas.openxmlformats.org/drawingml/2006/main" xmlns:r="http://schemas.openxmlformats.org/officeDocument/2006/relationships" xmlns:p="http://schemas.openxmlformats.org/presentationml/2006/main">
+<p:notesMaster xmlns:a="http://schemas.openxmlformats.org/drawingml/2006/main" xmlns:r="http://schemas.openxmlformats.org/officeDocument/2006/relationships" xmlns:mc="http://schemas.openxmlformats.org/markup-compatibility/2006" xmlns:mv="urn:schemas-microsoft-com:mac:vml" xmlns:p="http://schemas.openxmlformats.org/presentationml/2006/main" xmlns:c="http://schemas.openxmlformats.org/drawingml/2006/chart" xmlns:dgm="http://schemas.openxmlformats.org/drawingml/2006/diagram" xmlns:o="urn:schemas-microsoft-com:office:office" xmlns:v="urn:schemas-microsoft-com:vml" xmlns:pvml="urn:schemas-microsoft-com:office:powerpoint" xmlns:com="http://schemas.openxmlformats.org/drawingml/2006/compatibility" xmlns:p14="http://schemas.microsoft.com/office/powerpoint/2010/main" xmlns:p15="http://schemas.microsoft.com/office/powerpoint/2012/main" xmlns:ahyp="http://schemas.microsoft.com/office/drawing/2018/hyperlinkcolor">
   <p:cSld>
-    <p:bg>
-      <p:bgRef idx="1001">
-        <a:schemeClr val="bg1"/>
-      </p:bgRef>
-    </p:bg>
     <p:spTree>
       <p:nvGrpSpPr>
-        <p:cNvPr id="1" name="Shape 2"/>
+        <p:cNvPr id="2" name="Shape 2"/>
         <p:cNvGrpSpPr/>
         <p:nvPr/>
       </p:nvGrpSpPr>
@@ -305,11 +308,9 @@
       <p:sp>
         <p:nvSpPr>
           <p:cNvPr id="3" name="Google Shape;3;n"/>
-          <p:cNvSpPr>
-            <a:spLocks noGrp="1" noRot="1" noChangeAspect="1"/>
-          </p:cNvSpPr>
+          <p:cNvSpPr/>
           <p:nvPr>
-            <p:ph type="sldImg" idx="2"/>
+            <p:ph idx="2" type="sldImg"/>
           </p:nvPr>
         </p:nvSpPr>
         <p:spPr>
@@ -318,13 +319,9 @@
             <a:ext cx="6096075" cy="3429000"/>
           </a:xfrm>
           <a:custGeom>
-            <a:avLst/>
-            <a:gdLst/>
-            <a:ahLst/>
-            <a:cxnLst/>
-            <a:rect l="l" t="t" r="r" b="b"/>
+            <a:rect b="b" l="l" r="r" t="t"/>
             <a:pathLst>
-              <a:path w="120000" h="120000" extrusionOk="0">
+              <a:path extrusionOk="0" h="120000" w="120000">
                 <a:moveTo>
                   <a:pt x="0" y="0"/>
                 </a:moveTo>
@@ -342,25 +339,23 @@
             </a:pathLst>
           </a:custGeom>
           <a:noFill/>
-          <a:ln w="9525" cap="flat" cmpd="sng">
+          <a:ln cap="flat" cmpd="sng" w="9525">
             <a:solidFill>
               <a:srgbClr val="000000"/>
             </a:solidFill>
             <a:prstDash val="solid"/>
             <a:round/>
-            <a:headEnd type="none" w="sm" len="sm"/>
-            <a:tailEnd type="none" w="sm" len="sm"/>
+            <a:headEnd len="sm" w="sm" type="none"/>
+            <a:tailEnd len="sm" w="sm" type="none"/>
           </a:ln>
         </p:spPr>
       </p:sp>
       <p:sp>
         <p:nvSpPr>
           <p:cNvPr id="4" name="Google Shape;4;n"/>
-          <p:cNvSpPr txBox="1">
-            <a:spLocks noGrp="1"/>
-          </p:cNvSpPr>
+          <p:cNvSpPr txBox="1"/>
           <p:nvPr>
-            <p:ph type="body" idx="1"/>
+            <p:ph idx="1" type="body"/>
           </p:nvPr>
         </p:nvSpPr>
         <p:spPr>
@@ -377,11 +372,11 @@
           </a:ln>
         </p:spPr>
         <p:txBody>
-          <a:bodyPr spcFirstLastPara="1" wrap="square" lIns="91425" tIns="91425" rIns="91425" bIns="91425" anchor="t" anchorCtr="0">
+          <a:bodyPr anchorCtr="0" anchor="t" bIns="91425" lIns="91425" spcFirstLastPara="1" rIns="91425" wrap="square" tIns="91425">
             <a:noAutofit/>
           </a:bodyPr>
           <a:lstStyle>
-            <a:lvl1pPr marL="457200" lvl="0" indent="-298450">
+            <a:lvl1pPr indent="-298450" lvl="0" marL="457200">
               <a:spcBef>
                 <a:spcPts val="0"/>
               </a:spcBef>
@@ -392,7 +387,7 @@
               <a:buChar char="●"/>
               <a:defRPr sz="1100"/>
             </a:lvl1pPr>
-            <a:lvl2pPr marL="914400" lvl="1" indent="-298450">
+            <a:lvl2pPr indent="-298450" lvl="1" marL="914400">
               <a:spcBef>
                 <a:spcPts val="0"/>
               </a:spcBef>
@@ -403,7 +398,7 @@
               <a:buChar char="○"/>
               <a:defRPr sz="1100"/>
             </a:lvl2pPr>
-            <a:lvl3pPr marL="1371600" lvl="2" indent="-298450">
+            <a:lvl3pPr indent="-298450" lvl="2" marL="1371600">
               <a:spcBef>
                 <a:spcPts val="0"/>
               </a:spcBef>
@@ -414,7 +409,7 @@
               <a:buChar char="■"/>
               <a:defRPr sz="1100"/>
             </a:lvl3pPr>
-            <a:lvl4pPr marL="1828800" lvl="3" indent="-298450">
+            <a:lvl4pPr indent="-298450" lvl="3" marL="1828800">
               <a:spcBef>
                 <a:spcPts val="0"/>
               </a:spcBef>
@@ -425,7 +420,7 @@
               <a:buChar char="●"/>
               <a:defRPr sz="1100"/>
             </a:lvl4pPr>
-            <a:lvl5pPr marL="2286000" lvl="4" indent="-298450">
+            <a:lvl5pPr indent="-298450" lvl="4" marL="2286000">
               <a:spcBef>
                 <a:spcPts val="0"/>
               </a:spcBef>
@@ -436,7 +431,7 @@
               <a:buChar char="○"/>
               <a:defRPr sz="1100"/>
             </a:lvl5pPr>
-            <a:lvl6pPr marL="2743200" lvl="5" indent="-298450">
+            <a:lvl6pPr indent="-298450" lvl="5" marL="2743200">
               <a:spcBef>
                 <a:spcPts val="0"/>
               </a:spcBef>
@@ -447,7 +442,7 @@
               <a:buChar char="■"/>
               <a:defRPr sz="1100"/>
             </a:lvl6pPr>
-            <a:lvl7pPr marL="3200400" lvl="6" indent="-298450">
+            <a:lvl7pPr indent="-298450" lvl="6" marL="3200400">
               <a:spcBef>
                 <a:spcPts val="0"/>
               </a:spcBef>
@@ -458,7 +453,7 @@
               <a:buChar char="●"/>
               <a:defRPr sz="1100"/>
             </a:lvl7pPr>
-            <a:lvl8pPr marL="3657600" lvl="7" indent="-298450">
+            <a:lvl8pPr indent="-298450" lvl="7" marL="3657600">
               <a:spcBef>
                 <a:spcPts val="0"/>
               </a:spcBef>
@@ -469,7 +464,7 @@
               <a:buChar char="○"/>
               <a:defRPr sz="1100"/>
             </a:lvl8pPr>
-            <a:lvl9pPr marL="4114800" lvl="8" indent="-298450">
+            <a:lvl9pPr indent="-298450" lvl="8" marL="4114800">
               <a:spcBef>
                 <a:spcPts val="0"/>
               </a:spcBef>
@@ -481,16 +476,14 @@
               <a:defRPr sz="1100"/>
             </a:lvl9pPr>
           </a:lstStyle>
-          <a:p>
-            <a:endParaRPr/>
-          </a:p>
+          <a:p/>
         </p:txBody>
       </p:sp>
     </p:spTree>
   </p:cSld>
-  <p:clrMap bg1="lt1" tx1="dk1" bg2="dk2" tx2="lt2" accent1="accent1" accent2="accent2" accent3="accent3" accent4="accent4" accent5="accent5" accent6="accent6" hlink="hlink" folHlink="folHlink"/>
+  <p:clrMap accent1="accent1" accent2="accent2" accent3="accent3" accent4="accent4" accent5="accent5" accent6="accent6" bg1="lt1" bg2="dk2" tx1="dk1" tx2="lt2" folHlink="folHlink" hlink="hlink"/>
   <p:notesStyle>
-    <a:defPPr marR="0" lvl="0" algn="l" rtl="0">
+    <a:defPPr lvl="0" marR="0" rtl="0" algn="l">
       <a:lnSpc>
         <a:spcPct val="100000"/>
       </a:lnSpc>
@@ -501,7 +494,7 @@
         <a:spcPts val="0"/>
       </a:spcAft>
     </a:defPPr>
-    <a:lvl1pPr marR="0" lvl="0" algn="l" rtl="0">
+    <a:lvl1pPr lvl="0" marR="0" rtl="0" algn="l">
       <a:lnSpc>
         <a:spcPct val="100000"/>
       </a:lnSpc>
@@ -515,7 +508,7 @@
         <a:srgbClr val="000000"/>
       </a:buClr>
       <a:buFont typeface="Arial"/>
-      <a:defRPr sz="1400" b="0" i="0" u="none" strike="noStrike" cap="none">
+      <a:defRPr b="0" i="0" sz="1400" u="none" cap="none" strike="noStrike">
         <a:solidFill>
           <a:srgbClr val="000000"/>
         </a:solidFill>
@@ -525,7 +518,7 @@
         <a:sym typeface="Arial"/>
       </a:defRPr>
     </a:lvl1pPr>
-    <a:lvl2pPr marR="0" lvl="1" algn="l" rtl="0">
+    <a:lvl2pPr lvl="1" marR="0" rtl="0" algn="l">
       <a:lnSpc>
         <a:spcPct val="100000"/>
       </a:lnSpc>
@@ -539,7 +532,7 @@
         <a:srgbClr val="000000"/>
       </a:buClr>
       <a:buFont typeface="Arial"/>
-      <a:defRPr sz="1400" b="0" i="0" u="none" strike="noStrike" cap="none">
+      <a:defRPr b="0" i="0" sz="1400" u="none" cap="none" strike="noStrike">
         <a:solidFill>
           <a:srgbClr val="000000"/>
         </a:solidFill>
@@ -549,7 +542,7 @@
         <a:sym typeface="Arial"/>
       </a:defRPr>
     </a:lvl2pPr>
-    <a:lvl3pPr marR="0" lvl="2" algn="l" rtl="0">
+    <a:lvl3pPr lvl="2" marR="0" rtl="0" algn="l">
       <a:lnSpc>
         <a:spcPct val="100000"/>
       </a:lnSpc>
@@ -563,7 +556,7 @@
         <a:srgbClr val="000000"/>
       </a:buClr>
       <a:buFont typeface="Arial"/>
-      <a:defRPr sz="1400" b="0" i="0" u="none" strike="noStrike" cap="none">
+      <a:defRPr b="0" i="0" sz="1400" u="none" cap="none" strike="noStrike">
         <a:solidFill>
           <a:srgbClr val="000000"/>
         </a:solidFill>
@@ -573,7 +566,7 @@
         <a:sym typeface="Arial"/>
       </a:defRPr>
     </a:lvl3pPr>
-    <a:lvl4pPr marR="0" lvl="3" algn="l" rtl="0">
+    <a:lvl4pPr lvl="3" marR="0" rtl="0" algn="l">
       <a:lnSpc>
         <a:spcPct val="100000"/>
       </a:lnSpc>
@@ -587,7 +580,7 @@
         <a:srgbClr val="000000"/>
       </a:buClr>
       <a:buFont typeface="Arial"/>
-      <a:defRPr sz="1400" b="0" i="0" u="none" strike="noStrike" cap="none">
+      <a:defRPr b="0" i="0" sz="1400" u="none" cap="none" strike="noStrike">
         <a:solidFill>
           <a:srgbClr val="000000"/>
         </a:solidFill>
@@ -597,7 +590,7 @@
         <a:sym typeface="Arial"/>
       </a:defRPr>
     </a:lvl4pPr>
-    <a:lvl5pPr marR="0" lvl="4" algn="l" rtl="0">
+    <a:lvl5pPr lvl="4" marR="0" rtl="0" algn="l">
       <a:lnSpc>
         <a:spcPct val="100000"/>
       </a:lnSpc>
@@ -611,7 +604,7 @@
         <a:srgbClr val="000000"/>
       </a:buClr>
       <a:buFont typeface="Arial"/>
-      <a:defRPr sz="1400" b="0" i="0" u="none" strike="noStrike" cap="none">
+      <a:defRPr b="0" i="0" sz="1400" u="none" cap="none" strike="noStrike">
         <a:solidFill>
           <a:srgbClr val="000000"/>
         </a:solidFill>
@@ -621,7 +614,7 @@
         <a:sym typeface="Arial"/>
       </a:defRPr>
     </a:lvl5pPr>
-    <a:lvl6pPr marR="0" lvl="5" algn="l" rtl="0">
+    <a:lvl6pPr lvl="5" marR="0" rtl="0" algn="l">
       <a:lnSpc>
         <a:spcPct val="100000"/>
       </a:lnSpc>
@@ -635,7 +628,7 @@
         <a:srgbClr val="000000"/>
       </a:buClr>
       <a:buFont typeface="Arial"/>
-      <a:defRPr sz="1400" b="0" i="0" u="none" strike="noStrike" cap="none">
+      <a:defRPr b="0" i="0" sz="1400" u="none" cap="none" strike="noStrike">
         <a:solidFill>
           <a:srgbClr val="000000"/>
         </a:solidFill>
@@ -645,7 +638,7 @@
         <a:sym typeface="Arial"/>
       </a:defRPr>
     </a:lvl6pPr>
-    <a:lvl7pPr marR="0" lvl="6" algn="l" rtl="0">
+    <a:lvl7pPr lvl="6" marR="0" rtl="0" algn="l">
       <a:lnSpc>
         <a:spcPct val="100000"/>
       </a:lnSpc>
@@ -659,7 +652,7 @@
         <a:srgbClr val="000000"/>
       </a:buClr>
       <a:buFont typeface="Arial"/>
-      <a:defRPr sz="1400" b="0" i="0" u="none" strike="noStrike" cap="none">
+      <a:defRPr b="0" i="0" sz="1400" u="none" cap="none" strike="noStrike">
         <a:solidFill>
           <a:srgbClr val="000000"/>
         </a:solidFill>
@@ -669,7 +662,7 @@
         <a:sym typeface="Arial"/>
       </a:defRPr>
     </a:lvl7pPr>
-    <a:lvl8pPr marR="0" lvl="7" algn="l" rtl="0">
+    <a:lvl8pPr lvl="7" marR="0" rtl="0" algn="l">
       <a:lnSpc>
         <a:spcPct val="100000"/>
       </a:lnSpc>
@@ -683,7 +676,7 @@
         <a:srgbClr val="000000"/>
       </a:buClr>
       <a:buFont typeface="Arial"/>
-      <a:defRPr sz="1400" b="0" i="0" u="none" strike="noStrike" cap="none">
+      <a:defRPr b="0" i="0" sz="1400" u="none" cap="none" strike="noStrike">
         <a:solidFill>
           <a:srgbClr val="000000"/>
         </a:solidFill>
@@ -693,7 +686,7 @@
         <a:sym typeface="Arial"/>
       </a:defRPr>
     </a:lvl8pPr>
-    <a:lvl9pPr marR="0" lvl="8" algn="l" rtl="0">
+    <a:lvl9pPr lvl="8" marR="0" rtl="0" algn="l">
       <a:lnSpc>
         <a:spcPct val="100000"/>
       </a:lnSpc>
@@ -707,7 +700,7 @@
         <a:srgbClr val="000000"/>
       </a:buClr>
       <a:buFont typeface="Arial"/>
-      <a:defRPr sz="1400" b="0" i="0" u="none" strike="noStrike" cap="none">
+      <a:defRPr b="0" i="0" sz="1400" u="none" cap="none" strike="noStrike">
         <a:solidFill>
           <a:srgbClr val="000000"/>
         </a:solidFill>
@@ -722,11 +715,11 @@
 </file>
 
 <file path=ppt/notesSlides/notesSlide1.xml><?xml version="1.0" encoding="utf-8"?>
-<p:notes xmlns:a="http://schemas.openxmlformats.org/drawingml/2006/main" xmlns:r="http://schemas.openxmlformats.org/officeDocument/2006/relationships" xmlns:p="http://schemas.openxmlformats.org/presentationml/2006/main" showMasterSp="0" showMasterPhAnim="0">
+<p:notes xmlns:a="http://schemas.openxmlformats.org/drawingml/2006/main" xmlns:r="http://schemas.openxmlformats.org/officeDocument/2006/relationships" xmlns:mc="http://schemas.openxmlformats.org/markup-compatibility/2006" xmlns:mv="urn:schemas-microsoft-com:mac:vml" xmlns:p="http://schemas.openxmlformats.org/presentationml/2006/main" xmlns:c="http://schemas.openxmlformats.org/drawingml/2006/chart" xmlns:dgm="http://schemas.openxmlformats.org/drawingml/2006/diagram" xmlns:o="urn:schemas-microsoft-com:office:office" xmlns:v="urn:schemas-microsoft-com:vml" xmlns:pvml="urn:schemas-microsoft-com:office:powerpoint" xmlns:com="http://schemas.openxmlformats.org/drawingml/2006/compatibility" xmlns:p14="http://schemas.microsoft.com/office/powerpoint/2010/main" xmlns:p15="http://schemas.microsoft.com/office/powerpoint/2012/main" xmlns:ahyp="http://schemas.microsoft.com/office/drawing/2018/hyperlinkcolor" showMasterPhAnim="0" showMasterSp="0">
   <p:cSld>
     <p:spTree>
       <p:nvGrpSpPr>
-        <p:cNvPr id="1" name="Shape 50"/>
+        <p:cNvPr id="50" name="Shape 50"/>
         <p:cNvGrpSpPr/>
         <p:nvPr/>
       </p:nvGrpSpPr>
@@ -741,11 +734,9 @@
       <p:sp>
         <p:nvSpPr>
           <p:cNvPr id="51" name="Google Shape;51;p:notes"/>
-          <p:cNvSpPr>
-            <a:spLocks noGrp="1" noRot="1" noChangeAspect="1"/>
-          </p:cNvSpPr>
+          <p:cNvSpPr/>
           <p:nvPr>
-            <p:ph type="sldImg" idx="2"/>
+            <p:ph idx="2" type="sldImg"/>
           </p:nvPr>
         </p:nvSpPr>
         <p:spPr>
@@ -754,13 +745,9 @@
             <a:ext cx="6096075" cy="3429000"/>
           </a:xfrm>
           <a:custGeom>
-            <a:avLst/>
-            <a:gdLst/>
-            <a:ahLst/>
-            <a:cxnLst/>
-            <a:rect l="l" t="t" r="r" b="b"/>
+            <a:rect b="b" l="l" r="r" t="t"/>
             <a:pathLst>
-              <a:path w="120000" h="120000" extrusionOk="0">
+              <a:path extrusionOk="0" h="120000" w="120000">
                 <a:moveTo>
                   <a:pt x="0" y="0"/>
                 </a:moveTo>
@@ -782,11 +769,9 @@
       <p:sp>
         <p:nvSpPr>
           <p:cNvPr id="52" name="Google Shape;52;p:notes"/>
-          <p:cNvSpPr txBox="1">
-            <a:spLocks noGrp="1"/>
-          </p:cNvSpPr>
+          <p:cNvSpPr txBox="1"/>
           <p:nvPr>
-            <p:ph type="body" idx="1"/>
+            <p:ph idx="1" type="body"/>
           </p:nvPr>
         </p:nvSpPr>
         <p:spPr>
@@ -799,20 +784,23 @@
           </a:prstGeom>
         </p:spPr>
         <p:txBody>
-          <a:bodyPr spcFirstLastPara="1" wrap="square" lIns="91425" tIns="91425" rIns="91425" bIns="91425" anchor="t" anchorCtr="0">
+          <a:bodyPr anchorCtr="0" anchor="t" bIns="91425" lIns="91425" spcFirstLastPara="1" rIns="91425" wrap="square" tIns="91425">
             <a:noAutofit/>
           </a:bodyPr>
           <a:lstStyle/>
           <a:p>
-            <a:pPr marL="0" lvl="0" indent="0" algn="l" rtl="0">
-              <a:spcBef>
-                <a:spcPts val="0"/>
-              </a:spcBef>
-              <a:spcAft>
-                <a:spcPts val="0"/>
-              </a:spcAft>
-              <a:buNone/>
-            </a:pPr>
+            <a:pPr indent="0" lvl="0" marL="0" rtl="0" algn="l">
+              <a:spcBef>
+                <a:spcPts val="0"/>
+              </a:spcBef>
+              <a:spcAft>
+                <a:spcPts val="0"/>
+              </a:spcAft>
+              <a:buNone/>
+            </a:pPr>
+            <a:r>
+              <a:t/>
+            </a:r>
             <a:endParaRPr/>
           </a:p>
         </p:txBody>
@@ -826,11 +814,11 @@
 </file>
 
 <file path=ppt/notesSlides/notesSlide10.xml><?xml version="1.0" encoding="utf-8"?>
-<p:notes xmlns:a="http://schemas.openxmlformats.org/drawingml/2006/main" xmlns:r="http://schemas.openxmlformats.org/officeDocument/2006/relationships" xmlns:p="http://schemas.openxmlformats.org/presentationml/2006/main" showMasterSp="0" showMasterPhAnim="0">
+<p:notes xmlns:a="http://schemas.openxmlformats.org/drawingml/2006/main" xmlns:r="http://schemas.openxmlformats.org/officeDocument/2006/relationships" xmlns:mc="http://schemas.openxmlformats.org/markup-compatibility/2006" xmlns:mv="urn:schemas-microsoft-com:mac:vml" xmlns:p="http://schemas.openxmlformats.org/presentationml/2006/main" xmlns:c="http://schemas.openxmlformats.org/drawingml/2006/chart" xmlns:dgm="http://schemas.openxmlformats.org/drawingml/2006/diagram" xmlns:o="urn:schemas-microsoft-com:office:office" xmlns:v="urn:schemas-microsoft-com:vml" xmlns:pvml="urn:schemas-microsoft-com:office:powerpoint" xmlns:com="http://schemas.openxmlformats.org/drawingml/2006/compatibility" xmlns:p14="http://schemas.microsoft.com/office/powerpoint/2010/main" xmlns:p15="http://schemas.microsoft.com/office/powerpoint/2012/main" xmlns:ahyp="http://schemas.microsoft.com/office/drawing/2018/hyperlinkcolor" showMasterPhAnim="0" showMasterSp="0">
   <p:cSld>
     <p:spTree>
       <p:nvGrpSpPr>
-        <p:cNvPr id="1" name="Shape 122"/>
+        <p:cNvPr id="122" name="Shape 122"/>
         <p:cNvGrpSpPr/>
         <p:nvPr/>
       </p:nvGrpSpPr>
@@ -844,12 +832,10 @@
       </p:grpSpPr>
       <p:sp>
         <p:nvSpPr>
-          <p:cNvPr id="123" name="Google Shape;123;gbfe607e2f1_0_1186:notes"/>
-          <p:cNvSpPr>
-            <a:spLocks noGrp="1" noRot="1" noChangeAspect="1"/>
-          </p:cNvSpPr>
+          <p:cNvPr id="123" name="Google Shape;123;gbfe607e2f1_0_1179:notes"/>
+          <p:cNvSpPr/>
           <p:nvPr>
-            <p:ph type="sldImg" idx="2"/>
+            <p:ph idx="2" type="sldImg"/>
           </p:nvPr>
         </p:nvSpPr>
         <p:spPr>
@@ -858,13 +844,9 @@
             <a:ext cx="6096000" cy="3429000"/>
           </a:xfrm>
           <a:custGeom>
-            <a:avLst/>
-            <a:gdLst/>
-            <a:ahLst/>
-            <a:cxnLst/>
-            <a:rect l="l" t="t" r="r" b="b"/>
+            <a:rect b="b" l="l" r="r" t="t"/>
             <a:pathLst>
-              <a:path w="120000" h="120000" extrusionOk="0">
+              <a:path extrusionOk="0" h="120000" w="120000">
                 <a:moveTo>
                   <a:pt x="0" y="0"/>
                 </a:moveTo>
@@ -885,12 +867,10 @@
       </p:sp>
       <p:sp>
         <p:nvSpPr>
-          <p:cNvPr id="124" name="Google Shape;124;gbfe607e2f1_0_1186:notes"/>
-          <p:cNvSpPr txBox="1">
-            <a:spLocks noGrp="1"/>
-          </p:cNvSpPr>
+          <p:cNvPr id="124" name="Google Shape;124;gbfe607e2f1_0_1179:notes"/>
+          <p:cNvSpPr txBox="1"/>
           <p:nvPr>
-            <p:ph type="body" idx="1"/>
+            <p:ph idx="1" type="body"/>
           </p:nvPr>
         </p:nvSpPr>
         <p:spPr>
@@ -903,20 +883,23 @@
           </a:prstGeom>
         </p:spPr>
         <p:txBody>
-          <a:bodyPr spcFirstLastPara="1" wrap="square" lIns="91425" tIns="91425" rIns="91425" bIns="91425" anchor="t" anchorCtr="0">
+          <a:bodyPr anchorCtr="0" anchor="t" bIns="91425" lIns="91425" spcFirstLastPara="1" rIns="91425" wrap="square" tIns="91425">
             <a:noAutofit/>
           </a:bodyPr>
           <a:lstStyle/>
           <a:p>
-            <a:pPr marL="0" lvl="0" indent="0" algn="l" rtl="0">
-              <a:spcBef>
-                <a:spcPts val="0"/>
-              </a:spcBef>
-              <a:spcAft>
-                <a:spcPts val="0"/>
-              </a:spcAft>
-              <a:buNone/>
-            </a:pPr>
+            <a:pPr indent="0" lvl="0" marL="0" rtl="0" algn="l">
+              <a:spcBef>
+                <a:spcPts val="0"/>
+              </a:spcBef>
+              <a:spcAft>
+                <a:spcPts val="0"/>
+              </a:spcAft>
+              <a:buNone/>
+            </a:pPr>
+            <a:r>
+              <a:t/>
+            </a:r>
             <a:endParaRPr/>
           </a:p>
         </p:txBody>
@@ -930,11 +913,11 @@
 </file>
 
 <file path=ppt/notesSlides/notesSlide11.xml><?xml version="1.0" encoding="utf-8"?>
-<p:notes xmlns:a="http://schemas.openxmlformats.org/drawingml/2006/main" xmlns:r="http://schemas.openxmlformats.org/officeDocument/2006/relationships" xmlns:p="http://schemas.openxmlformats.org/presentationml/2006/main" showMasterSp="0" showMasterPhAnim="0">
+<p:notes xmlns:a="http://schemas.openxmlformats.org/drawingml/2006/main" xmlns:r="http://schemas.openxmlformats.org/officeDocument/2006/relationships" xmlns:mc="http://schemas.openxmlformats.org/markup-compatibility/2006" xmlns:mv="urn:schemas-microsoft-com:mac:vml" xmlns:p="http://schemas.openxmlformats.org/presentationml/2006/main" xmlns:c="http://schemas.openxmlformats.org/drawingml/2006/chart" xmlns:dgm="http://schemas.openxmlformats.org/drawingml/2006/diagram" xmlns:o="urn:schemas-microsoft-com:office:office" xmlns:v="urn:schemas-microsoft-com:vml" xmlns:pvml="urn:schemas-microsoft-com:office:powerpoint" xmlns:com="http://schemas.openxmlformats.org/drawingml/2006/compatibility" xmlns:p14="http://schemas.microsoft.com/office/powerpoint/2010/main" xmlns:p15="http://schemas.microsoft.com/office/powerpoint/2012/main" xmlns:ahyp="http://schemas.microsoft.com/office/drawing/2018/hyperlinkcolor" showMasterPhAnim="0" showMasterSp="0">
   <p:cSld>
     <p:spTree>
       <p:nvGrpSpPr>
-        <p:cNvPr id="1" name="Shape 129"/>
+        <p:cNvPr id="129" name="Shape 129"/>
         <p:cNvGrpSpPr/>
         <p:nvPr/>
       </p:nvGrpSpPr>
@@ -948,12 +931,10 @@
       </p:grpSpPr>
       <p:sp>
         <p:nvSpPr>
-          <p:cNvPr id="130" name="Google Shape;130;gbfe607e2f1_0_1322:notes"/>
-          <p:cNvSpPr>
-            <a:spLocks noGrp="1" noRot="1" noChangeAspect="1"/>
-          </p:cNvSpPr>
+          <p:cNvPr id="130" name="Google Shape;130;gbfe607e2f1_0_1186:notes"/>
+          <p:cNvSpPr/>
           <p:nvPr>
-            <p:ph type="sldImg" idx="2"/>
+            <p:ph idx="2" type="sldImg"/>
           </p:nvPr>
         </p:nvSpPr>
         <p:spPr>
@@ -962,13 +943,9 @@
             <a:ext cx="6096000" cy="3429000"/>
           </a:xfrm>
           <a:custGeom>
-            <a:avLst/>
-            <a:gdLst/>
-            <a:ahLst/>
-            <a:cxnLst/>
-            <a:rect l="l" t="t" r="r" b="b"/>
+            <a:rect b="b" l="l" r="r" t="t"/>
             <a:pathLst>
-              <a:path w="120000" h="120000" extrusionOk="0">
+              <a:path extrusionOk="0" h="120000" w="120000">
                 <a:moveTo>
                   <a:pt x="0" y="0"/>
                 </a:moveTo>
@@ -989,12 +966,10 @@
       </p:sp>
       <p:sp>
         <p:nvSpPr>
-          <p:cNvPr id="131" name="Google Shape;131;gbfe607e2f1_0_1322:notes"/>
-          <p:cNvSpPr txBox="1">
-            <a:spLocks noGrp="1"/>
-          </p:cNvSpPr>
+          <p:cNvPr id="131" name="Google Shape;131;gbfe607e2f1_0_1186:notes"/>
+          <p:cNvSpPr txBox="1"/>
           <p:nvPr>
-            <p:ph type="body" idx="1"/>
+            <p:ph idx="1" type="body"/>
           </p:nvPr>
         </p:nvSpPr>
         <p:spPr>
@@ -1007,20 +982,23 @@
           </a:prstGeom>
         </p:spPr>
         <p:txBody>
-          <a:bodyPr spcFirstLastPara="1" wrap="square" lIns="91425" tIns="91425" rIns="91425" bIns="91425" anchor="t" anchorCtr="0">
+          <a:bodyPr anchorCtr="0" anchor="t" bIns="91425" lIns="91425" spcFirstLastPara="1" rIns="91425" wrap="square" tIns="91425">
             <a:noAutofit/>
           </a:bodyPr>
           <a:lstStyle/>
           <a:p>
-            <a:pPr marL="0" lvl="0" indent="0" algn="l" rtl="0">
-              <a:spcBef>
-                <a:spcPts val="0"/>
-              </a:spcBef>
-              <a:spcAft>
-                <a:spcPts val="0"/>
-              </a:spcAft>
-              <a:buNone/>
-            </a:pPr>
+            <a:pPr indent="0" lvl="0" marL="0" rtl="0" algn="l">
+              <a:spcBef>
+                <a:spcPts val="0"/>
+              </a:spcBef>
+              <a:spcAft>
+                <a:spcPts val="0"/>
+              </a:spcAft>
+              <a:buNone/>
+            </a:pPr>
+            <a:r>
+              <a:t/>
+            </a:r>
             <a:endParaRPr/>
           </a:p>
         </p:txBody>
@@ -1034,11 +1012,11 @@
 </file>
 
 <file path=ppt/notesSlides/notesSlide12.xml><?xml version="1.0" encoding="utf-8"?>
-<p:notes xmlns:a="http://schemas.openxmlformats.org/drawingml/2006/main" xmlns:r="http://schemas.openxmlformats.org/officeDocument/2006/relationships" xmlns:p="http://schemas.openxmlformats.org/presentationml/2006/main" showMasterSp="0" showMasterPhAnim="0">
+<p:notes xmlns:a="http://schemas.openxmlformats.org/drawingml/2006/main" xmlns:r="http://schemas.openxmlformats.org/officeDocument/2006/relationships" xmlns:mc="http://schemas.openxmlformats.org/markup-compatibility/2006" xmlns:mv="urn:schemas-microsoft-com:mac:vml" xmlns:p="http://schemas.openxmlformats.org/presentationml/2006/main" xmlns:c="http://schemas.openxmlformats.org/drawingml/2006/chart" xmlns:dgm="http://schemas.openxmlformats.org/drawingml/2006/diagram" xmlns:o="urn:schemas-microsoft-com:office:office" xmlns:v="urn:schemas-microsoft-com:vml" xmlns:pvml="urn:schemas-microsoft-com:office:powerpoint" xmlns:com="http://schemas.openxmlformats.org/drawingml/2006/compatibility" xmlns:p14="http://schemas.microsoft.com/office/powerpoint/2010/main" xmlns:p15="http://schemas.microsoft.com/office/powerpoint/2012/main" xmlns:ahyp="http://schemas.microsoft.com/office/drawing/2018/hyperlinkcolor" showMasterPhAnim="0" showMasterSp="0">
   <p:cSld>
     <p:spTree>
       <p:nvGrpSpPr>
-        <p:cNvPr id="1" name="Shape 136"/>
+        <p:cNvPr id="136" name="Shape 136"/>
         <p:cNvGrpSpPr/>
         <p:nvPr/>
       </p:nvGrpSpPr>
@@ -1052,12 +1030,10 @@
       </p:grpSpPr>
       <p:sp>
         <p:nvSpPr>
-          <p:cNvPr id="137" name="Google Shape;137;gbfe607e2f1_0_1281:notes"/>
-          <p:cNvSpPr>
-            <a:spLocks noGrp="1" noRot="1" noChangeAspect="1"/>
-          </p:cNvSpPr>
+          <p:cNvPr id="137" name="Google Shape;137;gbfe607e2f1_0_1322:notes"/>
+          <p:cNvSpPr/>
           <p:nvPr>
-            <p:ph type="sldImg" idx="2"/>
+            <p:ph idx="2" type="sldImg"/>
           </p:nvPr>
         </p:nvSpPr>
         <p:spPr>
@@ -1066,13 +1042,9 @@
             <a:ext cx="6096000" cy="3429000"/>
           </a:xfrm>
           <a:custGeom>
-            <a:avLst/>
-            <a:gdLst/>
-            <a:ahLst/>
-            <a:cxnLst/>
-            <a:rect l="l" t="t" r="r" b="b"/>
+            <a:rect b="b" l="l" r="r" t="t"/>
             <a:pathLst>
-              <a:path w="120000" h="120000" extrusionOk="0">
+              <a:path extrusionOk="0" h="120000" w="120000">
                 <a:moveTo>
                   <a:pt x="0" y="0"/>
                 </a:moveTo>
@@ -1093,12 +1065,10 @@
       </p:sp>
       <p:sp>
         <p:nvSpPr>
-          <p:cNvPr id="138" name="Google Shape;138;gbfe607e2f1_0_1281:notes"/>
-          <p:cNvSpPr txBox="1">
-            <a:spLocks noGrp="1"/>
-          </p:cNvSpPr>
+          <p:cNvPr id="138" name="Google Shape;138;gbfe607e2f1_0_1322:notes"/>
+          <p:cNvSpPr txBox="1"/>
           <p:nvPr>
-            <p:ph type="body" idx="1"/>
+            <p:ph idx="1" type="body"/>
           </p:nvPr>
         </p:nvSpPr>
         <p:spPr>
@@ -1111,20 +1081,23 @@
           </a:prstGeom>
         </p:spPr>
         <p:txBody>
-          <a:bodyPr spcFirstLastPara="1" wrap="square" lIns="91425" tIns="91425" rIns="91425" bIns="91425" anchor="t" anchorCtr="0">
+          <a:bodyPr anchorCtr="0" anchor="t" bIns="91425" lIns="91425" spcFirstLastPara="1" rIns="91425" wrap="square" tIns="91425">
             <a:noAutofit/>
           </a:bodyPr>
           <a:lstStyle/>
           <a:p>
-            <a:pPr marL="0" lvl="0" indent="0" algn="l" rtl="0">
-              <a:spcBef>
-                <a:spcPts val="0"/>
-              </a:spcBef>
-              <a:spcAft>
-                <a:spcPts val="0"/>
-              </a:spcAft>
-              <a:buNone/>
-            </a:pPr>
+            <a:pPr indent="0" lvl="0" marL="0" rtl="0" algn="l">
+              <a:spcBef>
+                <a:spcPts val="0"/>
+              </a:spcBef>
+              <a:spcAft>
+                <a:spcPts val="0"/>
+              </a:spcAft>
+              <a:buNone/>
+            </a:pPr>
+            <a:r>
+              <a:t/>
+            </a:r>
             <a:endParaRPr/>
           </a:p>
         </p:txBody>
@@ -1138,11 +1111,11 @@
 </file>
 
 <file path=ppt/notesSlides/notesSlide13.xml><?xml version="1.0" encoding="utf-8"?>
-<p:notes xmlns:a="http://schemas.openxmlformats.org/drawingml/2006/main" xmlns:r="http://schemas.openxmlformats.org/officeDocument/2006/relationships" xmlns:p="http://schemas.openxmlformats.org/presentationml/2006/main" showMasterSp="0" showMasterPhAnim="0">
+<p:notes xmlns:a="http://schemas.openxmlformats.org/drawingml/2006/main" xmlns:r="http://schemas.openxmlformats.org/officeDocument/2006/relationships" xmlns:mc="http://schemas.openxmlformats.org/markup-compatibility/2006" xmlns:mv="urn:schemas-microsoft-com:mac:vml" xmlns:p="http://schemas.openxmlformats.org/presentationml/2006/main" xmlns:c="http://schemas.openxmlformats.org/drawingml/2006/chart" xmlns:dgm="http://schemas.openxmlformats.org/drawingml/2006/diagram" xmlns:o="urn:schemas-microsoft-com:office:office" xmlns:v="urn:schemas-microsoft-com:vml" xmlns:pvml="urn:schemas-microsoft-com:office:powerpoint" xmlns:com="http://schemas.openxmlformats.org/drawingml/2006/compatibility" xmlns:p14="http://schemas.microsoft.com/office/powerpoint/2010/main" xmlns:p15="http://schemas.microsoft.com/office/powerpoint/2012/main" xmlns:ahyp="http://schemas.microsoft.com/office/drawing/2018/hyperlinkcolor" showMasterPhAnim="0" showMasterSp="0">
   <p:cSld>
     <p:spTree>
       <p:nvGrpSpPr>
-        <p:cNvPr id="1" name="Shape 144"/>
+        <p:cNvPr id="143" name="Shape 143"/>
         <p:cNvGrpSpPr/>
         <p:nvPr/>
       </p:nvGrpSpPr>
@@ -1156,12 +1129,10 @@
       </p:grpSpPr>
       <p:sp>
         <p:nvSpPr>
-          <p:cNvPr id="145" name="Google Shape;145;gbfe607e2f1_0_1289:notes"/>
-          <p:cNvSpPr>
-            <a:spLocks noGrp="1" noRot="1" noChangeAspect="1"/>
-          </p:cNvSpPr>
+          <p:cNvPr id="144" name="Google Shape;144;gbfe607e2f1_0_1281:notes"/>
+          <p:cNvSpPr/>
           <p:nvPr>
-            <p:ph type="sldImg" idx="2"/>
+            <p:ph idx="2" type="sldImg"/>
           </p:nvPr>
         </p:nvSpPr>
         <p:spPr>
@@ -1170,13 +1141,9 @@
             <a:ext cx="6096000" cy="3429000"/>
           </a:xfrm>
           <a:custGeom>
-            <a:avLst/>
-            <a:gdLst/>
-            <a:ahLst/>
-            <a:cxnLst/>
-            <a:rect l="l" t="t" r="r" b="b"/>
+            <a:rect b="b" l="l" r="r" t="t"/>
             <a:pathLst>
-              <a:path w="120000" h="120000" extrusionOk="0">
+              <a:path extrusionOk="0" h="120000" w="120000">
                 <a:moveTo>
                   <a:pt x="0" y="0"/>
                 </a:moveTo>
@@ -1197,12 +1164,10 @@
       </p:sp>
       <p:sp>
         <p:nvSpPr>
-          <p:cNvPr id="146" name="Google Shape;146;gbfe607e2f1_0_1289:notes"/>
-          <p:cNvSpPr txBox="1">
-            <a:spLocks noGrp="1"/>
-          </p:cNvSpPr>
+          <p:cNvPr id="145" name="Google Shape;145;gbfe607e2f1_0_1281:notes"/>
+          <p:cNvSpPr txBox="1"/>
           <p:nvPr>
-            <p:ph type="body" idx="1"/>
+            <p:ph idx="1" type="body"/>
           </p:nvPr>
         </p:nvSpPr>
         <p:spPr>
@@ -1215,20 +1180,23 @@
           </a:prstGeom>
         </p:spPr>
         <p:txBody>
-          <a:bodyPr spcFirstLastPara="1" wrap="square" lIns="91425" tIns="91425" rIns="91425" bIns="91425" anchor="t" anchorCtr="0">
+          <a:bodyPr anchorCtr="0" anchor="t" bIns="91425" lIns="91425" spcFirstLastPara="1" rIns="91425" wrap="square" tIns="91425">
             <a:noAutofit/>
           </a:bodyPr>
           <a:lstStyle/>
           <a:p>
-            <a:pPr marL="0" lvl="0" indent="0" algn="l" rtl="0">
-              <a:spcBef>
-                <a:spcPts val="0"/>
-              </a:spcBef>
-              <a:spcAft>
-                <a:spcPts val="0"/>
-              </a:spcAft>
-              <a:buNone/>
-            </a:pPr>
+            <a:pPr indent="0" lvl="0" marL="0" rtl="0" algn="l">
+              <a:spcBef>
+                <a:spcPts val="0"/>
+              </a:spcBef>
+              <a:spcAft>
+                <a:spcPts val="0"/>
+              </a:spcAft>
+              <a:buNone/>
+            </a:pPr>
+            <a:r>
+              <a:t/>
+            </a:r>
             <a:endParaRPr/>
           </a:p>
         </p:txBody>
@@ -1242,11 +1210,11 @@
 </file>
 
 <file path=ppt/notesSlides/notesSlide14.xml><?xml version="1.0" encoding="utf-8"?>
-<p:notes xmlns:a="http://schemas.openxmlformats.org/drawingml/2006/main" xmlns:r="http://schemas.openxmlformats.org/officeDocument/2006/relationships" xmlns:p="http://schemas.openxmlformats.org/presentationml/2006/main" showMasterSp="0" showMasterPhAnim="0">
+<p:notes xmlns:a="http://schemas.openxmlformats.org/drawingml/2006/main" xmlns:r="http://schemas.openxmlformats.org/officeDocument/2006/relationships" xmlns:mc="http://schemas.openxmlformats.org/markup-compatibility/2006" xmlns:mv="urn:schemas-microsoft-com:mac:vml" xmlns:p="http://schemas.openxmlformats.org/presentationml/2006/main" xmlns:c="http://schemas.openxmlformats.org/drawingml/2006/chart" xmlns:dgm="http://schemas.openxmlformats.org/drawingml/2006/diagram" xmlns:o="urn:schemas-microsoft-com:office:office" xmlns:v="urn:schemas-microsoft-com:vml" xmlns:pvml="urn:schemas-microsoft-com:office:powerpoint" xmlns:com="http://schemas.openxmlformats.org/drawingml/2006/compatibility" xmlns:p14="http://schemas.microsoft.com/office/powerpoint/2010/main" xmlns:p15="http://schemas.microsoft.com/office/powerpoint/2012/main" xmlns:ahyp="http://schemas.microsoft.com/office/drawing/2018/hyperlinkcolor" showMasterPhAnim="0" showMasterSp="0">
   <p:cSld>
     <p:spTree>
       <p:nvGrpSpPr>
-        <p:cNvPr id="1" name="Shape 152"/>
+        <p:cNvPr id="151" name="Shape 151"/>
         <p:cNvGrpSpPr/>
         <p:nvPr/>
       </p:nvGrpSpPr>
@@ -1260,12 +1228,10 @@
       </p:grpSpPr>
       <p:sp>
         <p:nvSpPr>
-          <p:cNvPr id="153" name="Google Shape;153;gbfe607e2f1_0_1302:notes"/>
-          <p:cNvSpPr>
-            <a:spLocks noGrp="1" noRot="1" noChangeAspect="1"/>
-          </p:cNvSpPr>
+          <p:cNvPr id="152" name="Google Shape;152;gbfe607e2f1_0_1289:notes"/>
+          <p:cNvSpPr/>
           <p:nvPr>
-            <p:ph type="sldImg" idx="2"/>
+            <p:ph idx="2" type="sldImg"/>
           </p:nvPr>
         </p:nvSpPr>
         <p:spPr>
@@ -1274,13 +1240,9 @@
             <a:ext cx="6096000" cy="3429000"/>
           </a:xfrm>
           <a:custGeom>
-            <a:avLst/>
-            <a:gdLst/>
-            <a:ahLst/>
-            <a:cxnLst/>
-            <a:rect l="l" t="t" r="r" b="b"/>
+            <a:rect b="b" l="l" r="r" t="t"/>
             <a:pathLst>
-              <a:path w="120000" h="120000" extrusionOk="0">
+              <a:path extrusionOk="0" h="120000" w="120000">
                 <a:moveTo>
                   <a:pt x="0" y="0"/>
                 </a:moveTo>
@@ -1301,12 +1263,10 @@
       </p:sp>
       <p:sp>
         <p:nvSpPr>
-          <p:cNvPr id="154" name="Google Shape;154;gbfe607e2f1_0_1302:notes"/>
-          <p:cNvSpPr txBox="1">
-            <a:spLocks noGrp="1"/>
-          </p:cNvSpPr>
+          <p:cNvPr id="153" name="Google Shape;153;gbfe607e2f1_0_1289:notes"/>
+          <p:cNvSpPr txBox="1"/>
           <p:nvPr>
-            <p:ph type="body" idx="1"/>
+            <p:ph idx="1" type="body"/>
           </p:nvPr>
         </p:nvSpPr>
         <p:spPr>
@@ -1319,20 +1279,23 @@
           </a:prstGeom>
         </p:spPr>
         <p:txBody>
-          <a:bodyPr spcFirstLastPara="1" wrap="square" lIns="91425" tIns="91425" rIns="91425" bIns="91425" anchor="t" anchorCtr="0">
+          <a:bodyPr anchorCtr="0" anchor="t" bIns="91425" lIns="91425" spcFirstLastPara="1" rIns="91425" wrap="square" tIns="91425">
             <a:noAutofit/>
           </a:bodyPr>
           <a:lstStyle/>
           <a:p>
-            <a:pPr marL="0" lvl="0" indent="0" algn="l" rtl="0">
-              <a:spcBef>
-                <a:spcPts val="0"/>
-              </a:spcBef>
-              <a:spcAft>
-                <a:spcPts val="0"/>
-              </a:spcAft>
-              <a:buNone/>
-            </a:pPr>
+            <a:pPr indent="0" lvl="0" marL="0" rtl="0" algn="l">
+              <a:spcBef>
+                <a:spcPts val="0"/>
+              </a:spcBef>
+              <a:spcAft>
+                <a:spcPts val="0"/>
+              </a:spcAft>
+              <a:buNone/>
+            </a:pPr>
+            <a:r>
+              <a:t/>
+            </a:r>
             <a:endParaRPr/>
           </a:p>
         </p:txBody>
@@ -1345,12 +1308,12 @@
 </p:notes>
 </file>
 
-<file path=ppt/notesSlides/notesSlide2.xml><?xml version="1.0" encoding="utf-8"?>
-<p:notes xmlns:a="http://schemas.openxmlformats.org/drawingml/2006/main" xmlns:r="http://schemas.openxmlformats.org/officeDocument/2006/relationships" xmlns:p="http://schemas.openxmlformats.org/presentationml/2006/main" showMasterSp="0" showMasterPhAnim="0">
+<file path=ppt/notesSlides/notesSlide15.xml><?xml version="1.0" encoding="utf-8"?>
+<p:notes xmlns:a="http://schemas.openxmlformats.org/drawingml/2006/main" xmlns:r="http://schemas.openxmlformats.org/officeDocument/2006/relationships" xmlns:mc="http://schemas.openxmlformats.org/markup-compatibility/2006" xmlns:mv="urn:schemas-microsoft-com:mac:vml" xmlns:p="http://schemas.openxmlformats.org/presentationml/2006/main" xmlns:c="http://schemas.openxmlformats.org/drawingml/2006/chart" xmlns:dgm="http://schemas.openxmlformats.org/drawingml/2006/diagram" xmlns:o="urn:schemas-microsoft-com:office:office" xmlns:v="urn:schemas-microsoft-com:vml" xmlns:pvml="urn:schemas-microsoft-com:office:powerpoint" xmlns:com="http://schemas.openxmlformats.org/drawingml/2006/compatibility" xmlns:p14="http://schemas.microsoft.com/office/powerpoint/2010/main" xmlns:p15="http://schemas.microsoft.com/office/powerpoint/2012/main" xmlns:ahyp="http://schemas.microsoft.com/office/drawing/2018/hyperlinkcolor" showMasterPhAnim="0" showMasterSp="0">
   <p:cSld>
     <p:spTree>
       <p:nvGrpSpPr>
-        <p:cNvPr id="1" name="Shape 62"/>
+        <p:cNvPr id="159" name="Shape 159"/>
         <p:cNvGrpSpPr/>
         <p:nvPr/>
       </p:nvGrpSpPr>
@@ -1364,12 +1327,10 @@
       </p:grpSpPr>
       <p:sp>
         <p:nvSpPr>
-          <p:cNvPr id="63" name="Google Shape;63;gbfe607e2f1_0_0:notes"/>
-          <p:cNvSpPr>
-            <a:spLocks noGrp="1" noRot="1" noChangeAspect="1"/>
-          </p:cNvSpPr>
+          <p:cNvPr id="160" name="Google Shape;160;gbfe607e2f1_0_1302:notes"/>
+          <p:cNvSpPr/>
           <p:nvPr>
-            <p:ph type="sldImg" idx="2"/>
+            <p:ph idx="2" type="sldImg"/>
           </p:nvPr>
         </p:nvSpPr>
         <p:spPr>
@@ -1378,13 +1339,9 @@
             <a:ext cx="6096000" cy="3429000"/>
           </a:xfrm>
           <a:custGeom>
-            <a:avLst/>
-            <a:gdLst/>
-            <a:ahLst/>
-            <a:cxnLst/>
-            <a:rect l="l" t="t" r="r" b="b"/>
+            <a:rect b="b" l="l" r="r" t="t"/>
             <a:pathLst>
-              <a:path w="120000" h="120000" extrusionOk="0">
+              <a:path extrusionOk="0" h="120000" w="120000">
                 <a:moveTo>
                   <a:pt x="0" y="0"/>
                 </a:moveTo>
@@ -1405,12 +1362,10 @@
       </p:sp>
       <p:sp>
         <p:nvSpPr>
-          <p:cNvPr id="64" name="Google Shape;64;gbfe607e2f1_0_0:notes"/>
-          <p:cNvSpPr txBox="1">
-            <a:spLocks noGrp="1"/>
-          </p:cNvSpPr>
+          <p:cNvPr id="161" name="Google Shape;161;gbfe607e2f1_0_1302:notes"/>
+          <p:cNvSpPr txBox="1"/>
           <p:nvPr>
-            <p:ph type="body" idx="1"/>
+            <p:ph idx="1" type="body"/>
           </p:nvPr>
         </p:nvSpPr>
         <p:spPr>
@@ -1423,20 +1378,23 @@
           </a:prstGeom>
         </p:spPr>
         <p:txBody>
-          <a:bodyPr spcFirstLastPara="1" wrap="square" lIns="91425" tIns="91425" rIns="91425" bIns="91425" anchor="t" anchorCtr="0">
+          <a:bodyPr anchorCtr="0" anchor="t" bIns="91425" lIns="91425" spcFirstLastPara="1" rIns="91425" wrap="square" tIns="91425">
             <a:noAutofit/>
           </a:bodyPr>
           <a:lstStyle/>
           <a:p>
-            <a:pPr marL="0" lvl="0" indent="0" algn="l" rtl="0">
-              <a:spcBef>
-                <a:spcPts val="0"/>
-              </a:spcBef>
-              <a:spcAft>
-                <a:spcPts val="0"/>
-              </a:spcAft>
-              <a:buNone/>
-            </a:pPr>
+            <a:pPr indent="0" lvl="0" marL="0" rtl="0" algn="l">
+              <a:spcBef>
+                <a:spcPts val="0"/>
+              </a:spcBef>
+              <a:spcAft>
+                <a:spcPts val="0"/>
+              </a:spcAft>
+              <a:buNone/>
+            </a:pPr>
+            <a:r>
+              <a:t/>
+            </a:r>
             <a:endParaRPr/>
           </a:p>
         </p:txBody>
@@ -1449,12 +1407,12 @@
 </p:notes>
 </file>
 
-<file path=ppt/notesSlides/notesSlide3.xml><?xml version="1.0" encoding="utf-8"?>
-<p:notes xmlns:a="http://schemas.openxmlformats.org/drawingml/2006/main" xmlns:r="http://schemas.openxmlformats.org/officeDocument/2006/relationships" xmlns:p="http://schemas.openxmlformats.org/presentationml/2006/main" showMasterSp="0" showMasterPhAnim="0">
+<file path=ppt/notesSlides/notesSlide2.xml><?xml version="1.0" encoding="utf-8"?>
+<p:notes xmlns:a="http://schemas.openxmlformats.org/drawingml/2006/main" xmlns:r="http://schemas.openxmlformats.org/officeDocument/2006/relationships" xmlns:mc="http://schemas.openxmlformats.org/markup-compatibility/2006" xmlns:mv="urn:schemas-microsoft-com:mac:vml" xmlns:p="http://schemas.openxmlformats.org/presentationml/2006/main" xmlns:c="http://schemas.openxmlformats.org/drawingml/2006/chart" xmlns:dgm="http://schemas.openxmlformats.org/drawingml/2006/diagram" xmlns:o="urn:schemas-microsoft-com:office:office" xmlns:v="urn:schemas-microsoft-com:vml" xmlns:pvml="urn:schemas-microsoft-com:office:powerpoint" xmlns:com="http://schemas.openxmlformats.org/drawingml/2006/compatibility" xmlns:p14="http://schemas.microsoft.com/office/powerpoint/2010/main" xmlns:p15="http://schemas.microsoft.com/office/powerpoint/2012/main" xmlns:ahyp="http://schemas.microsoft.com/office/drawing/2018/hyperlinkcolor" showMasterPhAnim="0" showMasterSp="0">
   <p:cSld>
     <p:spTree>
       <p:nvGrpSpPr>
-        <p:cNvPr id="1" name="Shape 69"/>
+        <p:cNvPr id="62" name="Shape 62"/>
         <p:cNvGrpSpPr/>
         <p:nvPr/>
       </p:nvGrpSpPr>
@@ -1468,12 +1426,10 @@
       </p:grpSpPr>
       <p:sp>
         <p:nvSpPr>
-          <p:cNvPr id="70" name="Google Shape;70;gbfe607e2f1_0_1250:notes"/>
-          <p:cNvSpPr>
-            <a:spLocks noGrp="1" noRot="1" noChangeAspect="1"/>
-          </p:cNvSpPr>
+          <p:cNvPr id="63" name="Google Shape;63;gbfe607e2f1_0_0:notes"/>
+          <p:cNvSpPr/>
           <p:nvPr>
-            <p:ph type="sldImg" idx="2"/>
+            <p:ph idx="2" type="sldImg"/>
           </p:nvPr>
         </p:nvSpPr>
         <p:spPr>
@@ -1482,13 +1438,9 @@
             <a:ext cx="6096000" cy="3429000"/>
           </a:xfrm>
           <a:custGeom>
-            <a:avLst/>
-            <a:gdLst/>
-            <a:ahLst/>
-            <a:cxnLst/>
-            <a:rect l="l" t="t" r="r" b="b"/>
+            <a:rect b="b" l="l" r="r" t="t"/>
             <a:pathLst>
-              <a:path w="120000" h="120000" extrusionOk="0">
+              <a:path extrusionOk="0" h="120000" w="120000">
                 <a:moveTo>
                   <a:pt x="0" y="0"/>
                 </a:moveTo>
@@ -1509,12 +1461,10 @@
       </p:sp>
       <p:sp>
         <p:nvSpPr>
-          <p:cNvPr id="71" name="Google Shape;71;gbfe607e2f1_0_1250:notes"/>
-          <p:cNvSpPr txBox="1">
-            <a:spLocks noGrp="1"/>
-          </p:cNvSpPr>
+          <p:cNvPr id="64" name="Google Shape;64;gbfe607e2f1_0_0:notes"/>
+          <p:cNvSpPr txBox="1"/>
           <p:nvPr>
-            <p:ph type="body" idx="1"/>
+            <p:ph idx="1" type="body"/>
           </p:nvPr>
         </p:nvSpPr>
         <p:spPr>
@@ -1527,20 +1477,23 @@
           </a:prstGeom>
         </p:spPr>
         <p:txBody>
-          <a:bodyPr spcFirstLastPara="1" wrap="square" lIns="91425" tIns="91425" rIns="91425" bIns="91425" anchor="t" anchorCtr="0">
+          <a:bodyPr anchorCtr="0" anchor="t" bIns="91425" lIns="91425" spcFirstLastPara="1" rIns="91425" wrap="square" tIns="91425">
             <a:noAutofit/>
           </a:bodyPr>
           <a:lstStyle/>
           <a:p>
-            <a:pPr marL="0" lvl="0" indent="0" algn="l" rtl="0">
-              <a:spcBef>
-                <a:spcPts val="0"/>
-              </a:spcBef>
-              <a:spcAft>
-                <a:spcPts val="0"/>
-              </a:spcAft>
-              <a:buNone/>
-            </a:pPr>
+            <a:pPr indent="0" lvl="0" marL="0" rtl="0" algn="l">
+              <a:spcBef>
+                <a:spcPts val="0"/>
+              </a:spcBef>
+              <a:spcAft>
+                <a:spcPts val="0"/>
+              </a:spcAft>
+              <a:buNone/>
+            </a:pPr>
+            <a:r>
+              <a:t/>
+            </a:r>
             <a:endParaRPr/>
           </a:p>
         </p:txBody>
@@ -1553,12 +1506,12 @@
 </p:notes>
 </file>
 
-<file path=ppt/notesSlides/notesSlide4.xml><?xml version="1.0" encoding="utf-8"?>
-<p:notes xmlns:a="http://schemas.openxmlformats.org/drawingml/2006/main" xmlns:r="http://schemas.openxmlformats.org/officeDocument/2006/relationships" xmlns:p="http://schemas.openxmlformats.org/presentationml/2006/main" showMasterSp="0" showMasterPhAnim="0">
+<file path=ppt/notesSlides/notesSlide3.xml><?xml version="1.0" encoding="utf-8"?>
+<p:notes xmlns:a="http://schemas.openxmlformats.org/drawingml/2006/main" xmlns:r="http://schemas.openxmlformats.org/officeDocument/2006/relationships" xmlns:mc="http://schemas.openxmlformats.org/markup-compatibility/2006" xmlns:mv="urn:schemas-microsoft-com:mac:vml" xmlns:p="http://schemas.openxmlformats.org/presentationml/2006/main" xmlns:c="http://schemas.openxmlformats.org/drawingml/2006/chart" xmlns:dgm="http://schemas.openxmlformats.org/drawingml/2006/diagram" xmlns:o="urn:schemas-microsoft-com:office:office" xmlns:v="urn:schemas-microsoft-com:vml" xmlns:pvml="urn:schemas-microsoft-com:office:powerpoint" xmlns:com="http://schemas.openxmlformats.org/drawingml/2006/compatibility" xmlns:p14="http://schemas.microsoft.com/office/powerpoint/2010/main" xmlns:p15="http://schemas.microsoft.com/office/powerpoint/2012/main" xmlns:ahyp="http://schemas.microsoft.com/office/drawing/2018/hyperlinkcolor" showMasterPhAnim="0" showMasterSp="0">
   <p:cSld>
     <p:spTree>
       <p:nvGrpSpPr>
-        <p:cNvPr id="1" name="Shape 76"/>
+        <p:cNvPr id="70" name="Shape 70"/>
         <p:cNvGrpSpPr/>
         <p:nvPr/>
       </p:nvGrpSpPr>
@@ -1572,12 +1525,10 @@
       </p:grpSpPr>
       <p:sp>
         <p:nvSpPr>
-          <p:cNvPr id="77" name="Google Shape;77;gbfe607e2f1_0_1215:notes"/>
-          <p:cNvSpPr>
-            <a:spLocks noGrp="1" noRot="1" noChangeAspect="1"/>
-          </p:cNvSpPr>
+          <p:cNvPr id="71" name="Google Shape;71;gbfe607e2f1_0_1250:notes"/>
+          <p:cNvSpPr/>
           <p:nvPr>
-            <p:ph type="sldImg" idx="2"/>
+            <p:ph idx="2" type="sldImg"/>
           </p:nvPr>
         </p:nvSpPr>
         <p:spPr>
@@ -1586,13 +1537,9 @@
             <a:ext cx="6096000" cy="3429000"/>
           </a:xfrm>
           <a:custGeom>
-            <a:avLst/>
-            <a:gdLst/>
-            <a:ahLst/>
-            <a:cxnLst/>
-            <a:rect l="l" t="t" r="r" b="b"/>
+            <a:rect b="b" l="l" r="r" t="t"/>
             <a:pathLst>
-              <a:path w="120000" h="120000" extrusionOk="0">
+              <a:path extrusionOk="0" h="120000" w="120000">
                 <a:moveTo>
                   <a:pt x="0" y="0"/>
                 </a:moveTo>
@@ -1613,12 +1560,10 @@
       </p:sp>
       <p:sp>
         <p:nvSpPr>
-          <p:cNvPr id="78" name="Google Shape;78;gbfe607e2f1_0_1215:notes"/>
-          <p:cNvSpPr txBox="1">
-            <a:spLocks noGrp="1"/>
-          </p:cNvSpPr>
+          <p:cNvPr id="72" name="Google Shape;72;gbfe607e2f1_0_1250:notes"/>
+          <p:cNvSpPr txBox="1"/>
           <p:nvPr>
-            <p:ph type="body" idx="1"/>
+            <p:ph idx="1" type="body"/>
           </p:nvPr>
         </p:nvSpPr>
         <p:spPr>
@@ -1631,20 +1576,23 @@
           </a:prstGeom>
         </p:spPr>
         <p:txBody>
-          <a:bodyPr spcFirstLastPara="1" wrap="square" lIns="91425" tIns="91425" rIns="91425" bIns="91425" anchor="t" anchorCtr="0">
+          <a:bodyPr anchorCtr="0" anchor="t" bIns="91425" lIns="91425" spcFirstLastPara="1" rIns="91425" wrap="square" tIns="91425">
             <a:noAutofit/>
           </a:bodyPr>
           <a:lstStyle/>
           <a:p>
-            <a:pPr marL="0" lvl="0" indent="0" algn="l" rtl="0">
-              <a:spcBef>
-                <a:spcPts val="0"/>
-              </a:spcBef>
-              <a:spcAft>
-                <a:spcPts val="0"/>
-              </a:spcAft>
-              <a:buNone/>
-            </a:pPr>
+            <a:pPr indent="0" lvl="0" marL="0" rtl="0" algn="l">
+              <a:spcBef>
+                <a:spcPts val="0"/>
+              </a:spcBef>
+              <a:spcAft>
+                <a:spcPts val="0"/>
+              </a:spcAft>
+              <a:buNone/>
+            </a:pPr>
+            <a:r>
+              <a:t/>
+            </a:r>
             <a:endParaRPr/>
           </a:p>
         </p:txBody>
@@ -1657,12 +1605,12 @@
 </p:notes>
 </file>
 
-<file path=ppt/notesSlides/notesSlide5.xml><?xml version="1.0" encoding="utf-8"?>
-<p:notes xmlns:a="http://schemas.openxmlformats.org/drawingml/2006/main" xmlns:r="http://schemas.openxmlformats.org/officeDocument/2006/relationships" xmlns:p="http://schemas.openxmlformats.org/presentationml/2006/main" showMasterSp="0" showMasterPhAnim="0">
+<file path=ppt/notesSlides/notesSlide4.xml><?xml version="1.0" encoding="utf-8"?>
+<p:notes xmlns:a="http://schemas.openxmlformats.org/drawingml/2006/main" xmlns:r="http://schemas.openxmlformats.org/officeDocument/2006/relationships" xmlns:mc="http://schemas.openxmlformats.org/markup-compatibility/2006" xmlns:mv="urn:schemas-microsoft-com:mac:vml" xmlns:p="http://schemas.openxmlformats.org/presentationml/2006/main" xmlns:c="http://schemas.openxmlformats.org/drawingml/2006/chart" xmlns:dgm="http://schemas.openxmlformats.org/drawingml/2006/diagram" xmlns:o="urn:schemas-microsoft-com:office:office" xmlns:v="urn:schemas-microsoft-com:vml" xmlns:pvml="urn:schemas-microsoft-com:office:powerpoint" xmlns:com="http://schemas.openxmlformats.org/drawingml/2006/compatibility" xmlns:p14="http://schemas.microsoft.com/office/powerpoint/2010/main" xmlns:p15="http://schemas.microsoft.com/office/powerpoint/2012/main" xmlns:ahyp="http://schemas.microsoft.com/office/drawing/2018/hyperlinkcolor" showMasterPhAnim="0" showMasterSp="0">
   <p:cSld>
     <p:spTree>
       <p:nvGrpSpPr>
-        <p:cNvPr id="1" name="Shape 84"/>
+        <p:cNvPr id="77" name="Shape 77"/>
         <p:cNvGrpSpPr/>
         <p:nvPr/>
       </p:nvGrpSpPr>
@@ -1676,12 +1624,10 @@
       </p:grpSpPr>
       <p:sp>
         <p:nvSpPr>
-          <p:cNvPr id="85" name="Google Shape;85;gbfe607e2f1_0_1172:notes"/>
-          <p:cNvSpPr>
-            <a:spLocks noGrp="1" noRot="1" noChangeAspect="1"/>
-          </p:cNvSpPr>
+          <p:cNvPr id="78" name="Google Shape;78;gbfe607e2f1_0_1215:notes"/>
+          <p:cNvSpPr/>
           <p:nvPr>
-            <p:ph type="sldImg" idx="2"/>
+            <p:ph idx="2" type="sldImg"/>
           </p:nvPr>
         </p:nvSpPr>
         <p:spPr>
@@ -1690,13 +1636,9 @@
             <a:ext cx="6096000" cy="3429000"/>
           </a:xfrm>
           <a:custGeom>
-            <a:avLst/>
-            <a:gdLst/>
-            <a:ahLst/>
-            <a:cxnLst/>
-            <a:rect l="l" t="t" r="r" b="b"/>
+            <a:rect b="b" l="l" r="r" t="t"/>
             <a:pathLst>
-              <a:path w="120000" h="120000" extrusionOk="0">
+              <a:path extrusionOk="0" h="120000" w="120000">
                 <a:moveTo>
                   <a:pt x="0" y="0"/>
                 </a:moveTo>
@@ -1717,12 +1659,10 @@
       </p:sp>
       <p:sp>
         <p:nvSpPr>
-          <p:cNvPr id="86" name="Google Shape;86;gbfe607e2f1_0_1172:notes"/>
-          <p:cNvSpPr txBox="1">
-            <a:spLocks noGrp="1"/>
-          </p:cNvSpPr>
+          <p:cNvPr id="79" name="Google Shape;79;gbfe607e2f1_0_1215:notes"/>
+          <p:cNvSpPr txBox="1"/>
           <p:nvPr>
-            <p:ph type="body" idx="1"/>
+            <p:ph idx="1" type="body"/>
           </p:nvPr>
         </p:nvSpPr>
         <p:spPr>
@@ -1735,20 +1675,23 @@
           </a:prstGeom>
         </p:spPr>
         <p:txBody>
-          <a:bodyPr spcFirstLastPara="1" wrap="square" lIns="91425" tIns="91425" rIns="91425" bIns="91425" anchor="t" anchorCtr="0">
+          <a:bodyPr anchorCtr="0" anchor="t" bIns="91425" lIns="91425" spcFirstLastPara="1" rIns="91425" wrap="square" tIns="91425">
             <a:noAutofit/>
           </a:bodyPr>
           <a:lstStyle/>
           <a:p>
-            <a:pPr marL="0" lvl="0" indent="0" algn="l" rtl="0">
-              <a:spcBef>
-                <a:spcPts val="0"/>
-              </a:spcBef>
-              <a:spcAft>
-                <a:spcPts val="0"/>
-              </a:spcAft>
-              <a:buNone/>
-            </a:pPr>
+            <a:pPr indent="0" lvl="0" marL="0" rtl="0" algn="l">
+              <a:spcBef>
+                <a:spcPts val="0"/>
+              </a:spcBef>
+              <a:spcAft>
+                <a:spcPts val="0"/>
+              </a:spcAft>
+              <a:buNone/>
+            </a:pPr>
+            <a:r>
+              <a:t/>
+            </a:r>
             <a:endParaRPr/>
           </a:p>
         </p:txBody>
@@ -1761,12 +1704,12 @@
 </p:notes>
 </file>
 
-<file path=ppt/notesSlides/notesSlide6.xml><?xml version="1.0" encoding="utf-8"?>
-<p:notes xmlns:a="http://schemas.openxmlformats.org/drawingml/2006/main" xmlns:r="http://schemas.openxmlformats.org/officeDocument/2006/relationships" xmlns:p="http://schemas.openxmlformats.org/presentationml/2006/main" showMasterSp="0" showMasterPhAnim="0">
+<file path=ppt/notesSlides/notesSlide5.xml><?xml version="1.0" encoding="utf-8"?>
+<p:notes xmlns:a="http://schemas.openxmlformats.org/drawingml/2006/main" xmlns:r="http://schemas.openxmlformats.org/officeDocument/2006/relationships" xmlns:mc="http://schemas.openxmlformats.org/markup-compatibility/2006" xmlns:mv="urn:schemas-microsoft-com:mac:vml" xmlns:p="http://schemas.openxmlformats.org/presentationml/2006/main" xmlns:c="http://schemas.openxmlformats.org/drawingml/2006/chart" xmlns:dgm="http://schemas.openxmlformats.org/drawingml/2006/diagram" xmlns:o="urn:schemas-microsoft-com:office:office" xmlns:v="urn:schemas-microsoft-com:vml" xmlns:pvml="urn:schemas-microsoft-com:office:powerpoint" xmlns:com="http://schemas.openxmlformats.org/drawingml/2006/compatibility" xmlns:p14="http://schemas.microsoft.com/office/powerpoint/2010/main" xmlns:p15="http://schemas.microsoft.com/office/powerpoint/2012/main" xmlns:ahyp="http://schemas.microsoft.com/office/drawing/2018/hyperlinkcolor" showMasterPhAnim="0" showMasterSp="0">
   <p:cSld>
     <p:spTree>
       <p:nvGrpSpPr>
-        <p:cNvPr id="1" name="Shape 93"/>
+        <p:cNvPr id="85" name="Shape 85"/>
         <p:cNvGrpSpPr/>
         <p:nvPr/>
       </p:nvGrpSpPr>
@@ -1780,12 +1723,10 @@
       </p:grpSpPr>
       <p:sp>
         <p:nvSpPr>
-          <p:cNvPr id="94" name="Google Shape;94;gbfe607e2f1_0_1273:notes"/>
-          <p:cNvSpPr>
-            <a:spLocks noGrp="1" noRot="1" noChangeAspect="1"/>
-          </p:cNvSpPr>
+          <p:cNvPr id="86" name="Google Shape;86;gbfe607e2f1_0_1172:notes"/>
+          <p:cNvSpPr/>
           <p:nvPr>
-            <p:ph type="sldImg" idx="2"/>
+            <p:ph idx="2" type="sldImg"/>
           </p:nvPr>
         </p:nvSpPr>
         <p:spPr>
@@ -1794,13 +1735,9 @@
             <a:ext cx="6096000" cy="3429000"/>
           </a:xfrm>
           <a:custGeom>
-            <a:avLst/>
-            <a:gdLst/>
-            <a:ahLst/>
-            <a:cxnLst/>
-            <a:rect l="l" t="t" r="r" b="b"/>
+            <a:rect b="b" l="l" r="r" t="t"/>
             <a:pathLst>
-              <a:path w="120000" h="120000" extrusionOk="0">
+              <a:path extrusionOk="0" h="120000" w="120000">
                 <a:moveTo>
                   <a:pt x="0" y="0"/>
                 </a:moveTo>
@@ -1821,12 +1758,10 @@
       </p:sp>
       <p:sp>
         <p:nvSpPr>
-          <p:cNvPr id="95" name="Google Shape;95;gbfe607e2f1_0_1273:notes"/>
-          <p:cNvSpPr txBox="1">
-            <a:spLocks noGrp="1"/>
-          </p:cNvSpPr>
+          <p:cNvPr id="87" name="Google Shape;87;gbfe607e2f1_0_1172:notes"/>
+          <p:cNvSpPr txBox="1"/>
           <p:nvPr>
-            <p:ph type="body" idx="1"/>
+            <p:ph idx="1" type="body"/>
           </p:nvPr>
         </p:nvSpPr>
         <p:spPr>
@@ -1839,20 +1774,23 @@
           </a:prstGeom>
         </p:spPr>
         <p:txBody>
-          <a:bodyPr spcFirstLastPara="1" wrap="square" lIns="91425" tIns="91425" rIns="91425" bIns="91425" anchor="t" anchorCtr="0">
+          <a:bodyPr anchorCtr="0" anchor="t" bIns="91425" lIns="91425" spcFirstLastPara="1" rIns="91425" wrap="square" tIns="91425">
             <a:noAutofit/>
           </a:bodyPr>
           <a:lstStyle/>
           <a:p>
-            <a:pPr marL="0" lvl="0" indent="0" algn="l" rtl="0">
-              <a:spcBef>
-                <a:spcPts val="0"/>
-              </a:spcBef>
-              <a:spcAft>
-                <a:spcPts val="0"/>
-              </a:spcAft>
-              <a:buNone/>
-            </a:pPr>
+            <a:pPr indent="0" lvl="0" marL="0" rtl="0" algn="l">
+              <a:spcBef>
+                <a:spcPts val="0"/>
+              </a:spcBef>
+              <a:spcAft>
+                <a:spcPts val="0"/>
+              </a:spcAft>
+              <a:buNone/>
+            </a:pPr>
+            <a:r>
+              <a:t/>
+            </a:r>
             <a:endParaRPr/>
           </a:p>
         </p:txBody>
@@ -1865,12 +1803,12 @@
 </p:notes>
 </file>
 
-<file path=ppt/notesSlides/notesSlide7.xml><?xml version="1.0" encoding="utf-8"?>
-<p:notes xmlns:a="http://schemas.openxmlformats.org/drawingml/2006/main" xmlns:r="http://schemas.openxmlformats.org/officeDocument/2006/relationships" xmlns:p="http://schemas.openxmlformats.org/presentationml/2006/main" showMasterSp="0" showMasterPhAnim="0">
+<file path=ppt/notesSlides/notesSlide6.xml><?xml version="1.0" encoding="utf-8"?>
+<p:notes xmlns:a="http://schemas.openxmlformats.org/drawingml/2006/main" xmlns:r="http://schemas.openxmlformats.org/officeDocument/2006/relationships" xmlns:mc="http://schemas.openxmlformats.org/markup-compatibility/2006" xmlns:mv="urn:schemas-microsoft-com:mac:vml" xmlns:p="http://schemas.openxmlformats.org/presentationml/2006/main" xmlns:c="http://schemas.openxmlformats.org/drawingml/2006/chart" xmlns:dgm="http://schemas.openxmlformats.org/drawingml/2006/diagram" xmlns:o="urn:schemas-microsoft-com:office:office" xmlns:v="urn:schemas-microsoft-com:vml" xmlns:pvml="urn:schemas-microsoft-com:office:powerpoint" xmlns:com="http://schemas.openxmlformats.org/drawingml/2006/compatibility" xmlns:p14="http://schemas.microsoft.com/office/powerpoint/2010/main" xmlns:p15="http://schemas.microsoft.com/office/powerpoint/2012/main" xmlns:ahyp="http://schemas.microsoft.com/office/drawing/2018/hyperlinkcolor" showMasterPhAnim="0" showMasterSp="0">
   <p:cSld>
     <p:spTree>
       <p:nvGrpSpPr>
-        <p:cNvPr id="1" name="Shape 102"/>
+        <p:cNvPr id="94" name="Shape 94"/>
         <p:cNvGrpSpPr/>
         <p:nvPr/>
       </p:nvGrpSpPr>
@@ -1884,12 +1822,10 @@
       </p:grpSpPr>
       <p:sp>
         <p:nvSpPr>
-          <p:cNvPr id="103" name="Google Shape;103;gbfe607e2f1_0_1263:notes"/>
-          <p:cNvSpPr>
-            <a:spLocks noGrp="1" noRot="1" noChangeAspect="1"/>
-          </p:cNvSpPr>
+          <p:cNvPr id="95" name="Google Shape;95;gbfe607e2f1_0_1273:notes"/>
+          <p:cNvSpPr/>
           <p:nvPr>
-            <p:ph type="sldImg" idx="2"/>
+            <p:ph idx="2" type="sldImg"/>
           </p:nvPr>
         </p:nvSpPr>
         <p:spPr>
@@ -1898,13 +1834,9 @@
             <a:ext cx="6096000" cy="3429000"/>
           </a:xfrm>
           <a:custGeom>
-            <a:avLst/>
-            <a:gdLst/>
-            <a:ahLst/>
-            <a:cxnLst/>
-            <a:rect l="l" t="t" r="r" b="b"/>
+            <a:rect b="b" l="l" r="r" t="t"/>
             <a:pathLst>
-              <a:path w="120000" h="120000" extrusionOk="0">
+              <a:path extrusionOk="0" h="120000" w="120000">
                 <a:moveTo>
                   <a:pt x="0" y="0"/>
                 </a:moveTo>
@@ -1925,12 +1857,10 @@
       </p:sp>
       <p:sp>
         <p:nvSpPr>
-          <p:cNvPr id="104" name="Google Shape;104;gbfe607e2f1_0_1263:notes"/>
-          <p:cNvSpPr txBox="1">
-            <a:spLocks noGrp="1"/>
-          </p:cNvSpPr>
+          <p:cNvPr id="96" name="Google Shape;96;gbfe607e2f1_0_1273:notes"/>
+          <p:cNvSpPr txBox="1"/>
           <p:nvPr>
-            <p:ph type="body" idx="1"/>
+            <p:ph idx="1" type="body"/>
           </p:nvPr>
         </p:nvSpPr>
         <p:spPr>
@@ -1943,20 +1873,23 @@
           </a:prstGeom>
         </p:spPr>
         <p:txBody>
-          <a:bodyPr spcFirstLastPara="1" wrap="square" lIns="91425" tIns="91425" rIns="91425" bIns="91425" anchor="t" anchorCtr="0">
+          <a:bodyPr anchorCtr="0" anchor="t" bIns="91425" lIns="91425" spcFirstLastPara="1" rIns="91425" wrap="square" tIns="91425">
             <a:noAutofit/>
           </a:bodyPr>
           <a:lstStyle/>
           <a:p>
-            <a:pPr marL="0" lvl="0" indent="0" algn="l" rtl="0">
-              <a:spcBef>
-                <a:spcPts val="0"/>
-              </a:spcBef>
-              <a:spcAft>
-                <a:spcPts val="0"/>
-              </a:spcAft>
-              <a:buNone/>
-            </a:pPr>
+            <a:pPr indent="0" lvl="0" marL="0" rtl="0" algn="l">
+              <a:spcBef>
+                <a:spcPts val="0"/>
+              </a:spcBef>
+              <a:spcAft>
+                <a:spcPts val="0"/>
+              </a:spcAft>
+              <a:buNone/>
+            </a:pPr>
+            <a:r>
+              <a:t/>
+            </a:r>
             <a:endParaRPr/>
           </a:p>
         </p:txBody>
@@ -1969,12 +1902,12 @@
 </p:notes>
 </file>
 
-<file path=ppt/notesSlides/notesSlide8.xml><?xml version="1.0" encoding="utf-8"?>
-<p:notes xmlns:a="http://schemas.openxmlformats.org/drawingml/2006/main" xmlns:r="http://schemas.openxmlformats.org/officeDocument/2006/relationships" xmlns:p="http://schemas.openxmlformats.org/presentationml/2006/main" showMasterSp="0" showMasterPhAnim="0">
+<file path=ppt/notesSlides/notesSlide7.xml><?xml version="1.0" encoding="utf-8"?>
+<p:notes xmlns:a="http://schemas.openxmlformats.org/drawingml/2006/main" xmlns:r="http://schemas.openxmlformats.org/officeDocument/2006/relationships" xmlns:mc="http://schemas.openxmlformats.org/markup-compatibility/2006" xmlns:mv="urn:schemas-microsoft-com:mac:vml" xmlns:p="http://schemas.openxmlformats.org/presentationml/2006/main" xmlns:c="http://schemas.openxmlformats.org/drawingml/2006/chart" xmlns:dgm="http://schemas.openxmlformats.org/drawingml/2006/diagram" xmlns:o="urn:schemas-microsoft-com:office:office" xmlns:v="urn:schemas-microsoft-com:vml" xmlns:pvml="urn:schemas-microsoft-com:office:powerpoint" xmlns:com="http://schemas.openxmlformats.org/drawingml/2006/compatibility" xmlns:p14="http://schemas.microsoft.com/office/powerpoint/2010/main" xmlns:p15="http://schemas.microsoft.com/office/powerpoint/2012/main" xmlns:ahyp="http://schemas.microsoft.com/office/drawing/2018/hyperlinkcolor" showMasterPhAnim="0" showMasterSp="0">
   <p:cSld>
     <p:spTree>
       <p:nvGrpSpPr>
-        <p:cNvPr id="1" name="Shape 109"/>
+        <p:cNvPr id="103" name="Shape 103"/>
         <p:cNvGrpSpPr/>
         <p:nvPr/>
       </p:nvGrpSpPr>
@@ -1988,12 +1921,10 @@
       </p:grpSpPr>
       <p:sp>
         <p:nvSpPr>
-          <p:cNvPr id="110" name="Google Shape;110;gbfe607e2f1_0_1313:notes"/>
-          <p:cNvSpPr>
-            <a:spLocks noGrp="1" noRot="1" noChangeAspect="1"/>
-          </p:cNvSpPr>
+          <p:cNvPr id="104" name="Google Shape;104;gbfe607e2f1_0_1263:notes"/>
+          <p:cNvSpPr/>
           <p:nvPr>
-            <p:ph type="sldImg" idx="2"/>
+            <p:ph idx="2" type="sldImg"/>
           </p:nvPr>
         </p:nvSpPr>
         <p:spPr>
@@ -2002,13 +1933,9 @@
             <a:ext cx="6096000" cy="3429000"/>
           </a:xfrm>
           <a:custGeom>
-            <a:avLst/>
-            <a:gdLst/>
-            <a:ahLst/>
-            <a:cxnLst/>
-            <a:rect l="l" t="t" r="r" b="b"/>
+            <a:rect b="b" l="l" r="r" t="t"/>
             <a:pathLst>
-              <a:path w="120000" h="120000" extrusionOk="0">
+              <a:path extrusionOk="0" h="120000" w="120000">
                 <a:moveTo>
                   <a:pt x="0" y="0"/>
                 </a:moveTo>
@@ -2029,12 +1956,10 @@
       </p:sp>
       <p:sp>
         <p:nvSpPr>
-          <p:cNvPr id="111" name="Google Shape;111;gbfe607e2f1_0_1313:notes"/>
-          <p:cNvSpPr txBox="1">
-            <a:spLocks noGrp="1"/>
-          </p:cNvSpPr>
+          <p:cNvPr id="105" name="Google Shape;105;gbfe607e2f1_0_1263:notes"/>
+          <p:cNvSpPr txBox="1"/>
           <p:nvPr>
-            <p:ph type="body" idx="1"/>
+            <p:ph idx="1" type="body"/>
           </p:nvPr>
         </p:nvSpPr>
         <p:spPr>
@@ -2047,20 +1972,23 @@
           </a:prstGeom>
         </p:spPr>
         <p:txBody>
-          <a:bodyPr spcFirstLastPara="1" wrap="square" lIns="91425" tIns="91425" rIns="91425" bIns="91425" anchor="t" anchorCtr="0">
+          <a:bodyPr anchorCtr="0" anchor="t" bIns="91425" lIns="91425" spcFirstLastPara="1" rIns="91425" wrap="square" tIns="91425">
             <a:noAutofit/>
           </a:bodyPr>
           <a:lstStyle/>
           <a:p>
-            <a:pPr marL="0" lvl="0" indent="0" algn="l" rtl="0">
-              <a:spcBef>
-                <a:spcPts val="0"/>
-              </a:spcBef>
-              <a:spcAft>
-                <a:spcPts val="0"/>
-              </a:spcAft>
-              <a:buNone/>
-            </a:pPr>
+            <a:pPr indent="0" lvl="0" marL="0" rtl="0" algn="l">
+              <a:spcBef>
+                <a:spcPts val="0"/>
+              </a:spcBef>
+              <a:spcAft>
+                <a:spcPts val="0"/>
+              </a:spcAft>
+              <a:buNone/>
+            </a:pPr>
+            <a:r>
+              <a:t/>
+            </a:r>
             <a:endParaRPr/>
           </a:p>
         </p:txBody>
@@ -2073,12 +2001,12 @@
 </p:notes>
 </file>
 
-<file path=ppt/notesSlides/notesSlide9.xml><?xml version="1.0" encoding="utf-8"?>
-<p:notes xmlns:a="http://schemas.openxmlformats.org/drawingml/2006/main" xmlns:r="http://schemas.openxmlformats.org/officeDocument/2006/relationships" xmlns:p="http://schemas.openxmlformats.org/presentationml/2006/main" showMasterSp="0" showMasterPhAnim="0">
+<file path=ppt/notesSlides/notesSlide8.xml><?xml version="1.0" encoding="utf-8"?>
+<p:notes xmlns:a="http://schemas.openxmlformats.org/drawingml/2006/main" xmlns:r="http://schemas.openxmlformats.org/officeDocument/2006/relationships" xmlns:mc="http://schemas.openxmlformats.org/markup-compatibility/2006" xmlns:mv="urn:schemas-microsoft-com:mac:vml" xmlns:p="http://schemas.openxmlformats.org/presentationml/2006/main" xmlns:c="http://schemas.openxmlformats.org/drawingml/2006/chart" xmlns:dgm="http://schemas.openxmlformats.org/drawingml/2006/diagram" xmlns:o="urn:schemas-microsoft-com:office:office" xmlns:v="urn:schemas-microsoft-com:vml" xmlns:pvml="urn:schemas-microsoft-com:office:powerpoint" xmlns:com="http://schemas.openxmlformats.org/drawingml/2006/compatibility" xmlns:p14="http://schemas.microsoft.com/office/powerpoint/2010/main" xmlns:p15="http://schemas.microsoft.com/office/powerpoint/2012/main" xmlns:ahyp="http://schemas.microsoft.com/office/drawing/2018/hyperlinkcolor" showMasterPhAnim="0" showMasterSp="0">
   <p:cSld>
     <p:spTree>
       <p:nvGrpSpPr>
-        <p:cNvPr id="1" name="Shape 115"/>
+        <p:cNvPr id="111" name="Shape 111"/>
         <p:cNvGrpSpPr/>
         <p:nvPr/>
       </p:nvGrpSpPr>
@@ -2092,12 +2020,10 @@
       </p:grpSpPr>
       <p:sp>
         <p:nvSpPr>
-          <p:cNvPr id="116" name="Google Shape;116;gbfe607e2f1_0_1179:notes"/>
-          <p:cNvSpPr>
-            <a:spLocks noGrp="1" noRot="1" noChangeAspect="1"/>
-          </p:cNvSpPr>
+          <p:cNvPr id="112" name="Google Shape;112;gbfe607e2f1_0_1334:notes"/>
+          <p:cNvSpPr/>
           <p:nvPr>
-            <p:ph type="sldImg" idx="2"/>
+            <p:ph idx="2" type="sldImg"/>
           </p:nvPr>
         </p:nvSpPr>
         <p:spPr>
@@ -2106,13 +2032,9 @@
             <a:ext cx="6096000" cy="3429000"/>
           </a:xfrm>
           <a:custGeom>
-            <a:avLst/>
-            <a:gdLst/>
-            <a:ahLst/>
-            <a:cxnLst/>
-            <a:rect l="l" t="t" r="r" b="b"/>
+            <a:rect b="b" l="l" r="r" t="t"/>
             <a:pathLst>
-              <a:path w="120000" h="120000" extrusionOk="0">
+              <a:path extrusionOk="0" h="120000" w="120000">
                 <a:moveTo>
                   <a:pt x="0" y="0"/>
                 </a:moveTo>
@@ -2133,12 +2055,10 @@
       </p:sp>
       <p:sp>
         <p:nvSpPr>
-          <p:cNvPr id="117" name="Google Shape;117;gbfe607e2f1_0_1179:notes"/>
-          <p:cNvSpPr txBox="1">
-            <a:spLocks noGrp="1"/>
-          </p:cNvSpPr>
+          <p:cNvPr id="113" name="Google Shape;113;gbfe607e2f1_0_1334:notes"/>
+          <p:cNvSpPr txBox="1"/>
           <p:nvPr>
-            <p:ph type="body" idx="1"/>
+            <p:ph idx="1" type="body"/>
           </p:nvPr>
         </p:nvSpPr>
         <p:spPr>
@@ -2151,20 +2071,122 @@
           </a:prstGeom>
         </p:spPr>
         <p:txBody>
-          <a:bodyPr spcFirstLastPara="1" wrap="square" lIns="91425" tIns="91425" rIns="91425" bIns="91425" anchor="t" anchorCtr="0">
+          <a:bodyPr anchorCtr="0" anchor="t" bIns="91425" lIns="91425" spcFirstLastPara="1" rIns="91425" wrap="square" tIns="91425">
             <a:noAutofit/>
           </a:bodyPr>
           <a:lstStyle/>
           <a:p>
-            <a:pPr marL="0" lvl="0" indent="0" algn="l" rtl="0">
-              <a:spcBef>
-                <a:spcPts val="0"/>
-              </a:spcBef>
-              <a:spcAft>
-                <a:spcPts val="0"/>
-              </a:spcAft>
-              <a:buNone/>
-            </a:pPr>
+            <a:pPr indent="0" lvl="0" marL="0" rtl="0" algn="l">
+              <a:spcBef>
+                <a:spcPts val="0"/>
+              </a:spcBef>
+              <a:spcAft>
+                <a:spcPts val="0"/>
+              </a:spcAft>
+              <a:buNone/>
+            </a:pPr>
+            <a:r>
+              <a:t/>
+            </a:r>
+            <a:endParaRPr/>
+          </a:p>
+        </p:txBody>
+      </p:sp>
+    </p:spTree>
+  </p:cSld>
+  <p:clrMapOvr>
+    <a:masterClrMapping/>
+  </p:clrMapOvr>
+</p:notes>
+</file>
+
+<file path=ppt/notesSlides/notesSlide9.xml><?xml version="1.0" encoding="utf-8"?>
+<p:notes xmlns:a="http://schemas.openxmlformats.org/drawingml/2006/main" xmlns:r="http://schemas.openxmlformats.org/officeDocument/2006/relationships" xmlns:mc="http://schemas.openxmlformats.org/markup-compatibility/2006" xmlns:mv="urn:schemas-microsoft-com:mac:vml" xmlns:p="http://schemas.openxmlformats.org/presentationml/2006/main" xmlns:c="http://schemas.openxmlformats.org/drawingml/2006/chart" xmlns:dgm="http://schemas.openxmlformats.org/drawingml/2006/diagram" xmlns:o="urn:schemas-microsoft-com:office:office" xmlns:v="urn:schemas-microsoft-com:vml" xmlns:pvml="urn:schemas-microsoft-com:office:powerpoint" xmlns:com="http://schemas.openxmlformats.org/drawingml/2006/compatibility" xmlns:p14="http://schemas.microsoft.com/office/powerpoint/2010/main" xmlns:p15="http://schemas.microsoft.com/office/powerpoint/2012/main" xmlns:ahyp="http://schemas.microsoft.com/office/drawing/2018/hyperlinkcolor" showMasterPhAnim="0" showMasterSp="0">
+  <p:cSld>
+    <p:spTree>
+      <p:nvGrpSpPr>
+        <p:cNvPr id="116" name="Shape 116"/>
+        <p:cNvGrpSpPr/>
+        <p:nvPr/>
+      </p:nvGrpSpPr>
+      <p:grpSpPr>
+        <a:xfrm>
+          <a:off x="0" y="0"/>
+          <a:ext cx="0" cy="0"/>
+          <a:chOff x="0" y="0"/>
+          <a:chExt cx="0" cy="0"/>
+        </a:xfrm>
+      </p:grpSpPr>
+      <p:sp>
+        <p:nvSpPr>
+          <p:cNvPr id="117" name="Google Shape;117;gbfe607e2f1_0_1313:notes"/>
+          <p:cNvSpPr/>
+          <p:nvPr>
+            <p:ph idx="2" type="sldImg"/>
+          </p:nvPr>
+        </p:nvSpPr>
+        <p:spPr>
+          <a:xfrm>
+            <a:off x="381300" y="685800"/>
+            <a:ext cx="6096000" cy="3429000"/>
+          </a:xfrm>
+          <a:custGeom>
+            <a:rect b="b" l="l" r="r" t="t"/>
+            <a:pathLst>
+              <a:path extrusionOk="0" h="120000" w="120000">
+                <a:moveTo>
+                  <a:pt x="0" y="0"/>
+                </a:moveTo>
+                <a:lnTo>
+                  <a:pt x="120000" y="0"/>
+                </a:lnTo>
+                <a:lnTo>
+                  <a:pt x="120000" y="120000"/>
+                </a:lnTo>
+                <a:lnTo>
+                  <a:pt x="0" y="120000"/>
+                </a:lnTo>
+                <a:close/>
+              </a:path>
+            </a:pathLst>
+          </a:custGeom>
+        </p:spPr>
+      </p:sp>
+      <p:sp>
+        <p:nvSpPr>
+          <p:cNvPr id="118" name="Google Shape;118;gbfe607e2f1_0_1313:notes"/>
+          <p:cNvSpPr txBox="1"/>
+          <p:nvPr>
+            <p:ph idx="1" type="body"/>
+          </p:nvPr>
+        </p:nvSpPr>
+        <p:spPr>
+          <a:xfrm>
+            <a:off x="685800" y="4343400"/>
+            <a:ext cx="5486400" cy="4114800"/>
+          </a:xfrm>
+          <a:prstGeom prst="rect">
+            <a:avLst/>
+          </a:prstGeom>
+        </p:spPr>
+        <p:txBody>
+          <a:bodyPr anchorCtr="0" anchor="t" bIns="91425" lIns="91425" spcFirstLastPara="1" rIns="91425" wrap="square" tIns="91425">
+            <a:noAutofit/>
+          </a:bodyPr>
+          <a:lstStyle/>
+          <a:p>
+            <a:pPr indent="0" lvl="0" marL="0" rtl="0" algn="l">
+              <a:spcBef>
+                <a:spcPts val="0"/>
+              </a:spcBef>
+              <a:spcAft>
+                <a:spcPts val="0"/>
+              </a:spcAft>
+              <a:buNone/>
+            </a:pPr>
+            <a:r>
+              <a:t/>
+            </a:r>
             <a:endParaRPr/>
           </a:p>
         </p:txBody>
@@ -2178,11 +2200,11 @@
 </file>
 
 <file path=ppt/slideLayouts/slideLayout1.xml><?xml version="1.0" encoding="utf-8"?>
-<p:sldLayout xmlns:a="http://schemas.openxmlformats.org/drawingml/2006/main" xmlns:r="http://schemas.openxmlformats.org/officeDocument/2006/relationships" xmlns:p="http://schemas.openxmlformats.org/presentationml/2006/main" matchingName="Title slide" type="title">
+<p:sldLayout xmlns:a="http://schemas.openxmlformats.org/drawingml/2006/main" xmlns:r="http://schemas.openxmlformats.org/officeDocument/2006/relationships" xmlns:mc="http://schemas.openxmlformats.org/markup-compatibility/2006" xmlns:mv="urn:schemas-microsoft-com:mac:vml" xmlns:p="http://schemas.openxmlformats.org/presentationml/2006/main" xmlns:c="http://schemas.openxmlformats.org/drawingml/2006/chart" xmlns:dgm="http://schemas.openxmlformats.org/drawingml/2006/diagram" xmlns:o="urn:schemas-microsoft-com:office:office" xmlns:v="urn:schemas-microsoft-com:vml" xmlns:pvml="urn:schemas-microsoft-com:office:powerpoint" xmlns:com="http://schemas.openxmlformats.org/drawingml/2006/compatibility" xmlns:p14="http://schemas.microsoft.com/office/powerpoint/2010/main" xmlns:p15="http://schemas.microsoft.com/office/powerpoint/2012/main" xmlns:ahyp="http://schemas.microsoft.com/office/drawing/2018/hyperlinkcolor" matchingName="Title slide" type="title">
   <p:cSld name="TITLE">
     <p:spTree>
       <p:nvGrpSpPr>
-        <p:cNvPr id="1" name="Shape 9"/>
+        <p:cNvPr id="9" name="Shape 9"/>
         <p:cNvGrpSpPr/>
         <p:nvPr/>
       </p:nvGrpSpPr>
@@ -2197,9 +2219,7 @@
       <p:sp>
         <p:nvSpPr>
           <p:cNvPr id="10" name="Google Shape;10;p2"/>
-          <p:cNvSpPr txBox="1">
-            <a:spLocks noGrp="1"/>
-          </p:cNvSpPr>
+          <p:cNvSpPr txBox="1"/>
           <p:nvPr>
             <p:ph type="ctrTitle"/>
           </p:nvPr>
@@ -2214,7 +2234,7 @@
           </a:prstGeom>
         </p:spPr>
         <p:txBody>
-          <a:bodyPr spcFirstLastPara="1" wrap="square" lIns="91425" tIns="91425" rIns="91425" bIns="91425" anchor="b" anchorCtr="0">
+          <a:bodyPr anchorCtr="0" anchor="b" bIns="91425" lIns="91425" spcFirstLastPara="1" rIns="91425" wrap="square" tIns="91425">
             <a:normAutofit/>
           </a:bodyPr>
           <a:lstStyle>
@@ -2318,19 +2338,15 @@
               <a:defRPr sz="5200"/>
             </a:lvl9pPr>
           </a:lstStyle>
-          <a:p>
-            <a:endParaRPr/>
-          </a:p>
+          <a:p/>
         </p:txBody>
       </p:sp>
       <p:sp>
         <p:nvSpPr>
           <p:cNvPr id="11" name="Google Shape;11;p2"/>
-          <p:cNvSpPr txBox="1">
-            <a:spLocks noGrp="1"/>
-          </p:cNvSpPr>
+          <p:cNvSpPr txBox="1"/>
           <p:nvPr>
-            <p:ph type="subTitle" idx="1"/>
+            <p:ph idx="1" type="subTitle"/>
           </p:nvPr>
         </p:nvSpPr>
         <p:spPr>
@@ -2343,7 +2359,7 @@
           </a:prstGeom>
         </p:spPr>
         <p:txBody>
-          <a:bodyPr spcFirstLastPara="1" wrap="square" lIns="91425" tIns="91425" rIns="91425" bIns="91425" anchor="t" anchorCtr="0">
+          <a:bodyPr anchorCtr="0" anchor="t" bIns="91425" lIns="91425" spcFirstLastPara="1" rIns="91425" wrap="square" tIns="91425">
             <a:normAutofit/>
           </a:bodyPr>
           <a:lstStyle>
@@ -2474,19 +2490,15 @@
               <a:defRPr sz="2800"/>
             </a:lvl9pPr>
           </a:lstStyle>
-          <a:p>
-            <a:endParaRPr/>
-          </a:p>
+          <a:p/>
         </p:txBody>
       </p:sp>
       <p:sp>
         <p:nvSpPr>
           <p:cNvPr id="12" name="Google Shape;12;p2"/>
-          <p:cNvSpPr txBox="1">
-            <a:spLocks noGrp="1"/>
-          </p:cNvSpPr>
+          <p:cNvSpPr txBox="1"/>
           <p:nvPr>
-            <p:ph type="sldNum" idx="12"/>
+            <p:ph idx="12" type="sldNum"/>
           </p:nvPr>
         </p:nvSpPr>
         <p:spPr>
@@ -2499,7 +2511,7 @@
           </a:prstGeom>
         </p:spPr>
         <p:txBody>
-          <a:bodyPr spcFirstLastPara="1" wrap="square" lIns="91425" tIns="91425" rIns="91425" bIns="91425" anchor="ctr" anchorCtr="0">
+          <a:bodyPr anchorCtr="0" anchor="ctr" bIns="91425" lIns="91425" spcFirstLastPara="1" rIns="91425" wrap="square" tIns="91425">
             <a:normAutofit/>
           </a:bodyPr>
           <a:lstStyle>
@@ -2541,7 +2553,7 @@
             </a:lvl9pPr>
           </a:lstStyle>
           <a:p>
-            <a:pPr marL="0" lvl="0" indent="0" algn="r" rtl="0">
+            <a:pPr indent="0" lvl="0" marL="0" rtl="0" algn="r">
               <a:spcBef>
                 <a:spcPts val="0"/>
               </a:spcBef>
@@ -2567,11 +2579,11 @@
 </file>
 
 <file path=ppt/slideLayouts/slideLayout10.xml><?xml version="1.0" encoding="utf-8"?>
-<p:sldLayout xmlns:a="http://schemas.openxmlformats.org/drawingml/2006/main" xmlns:r="http://schemas.openxmlformats.org/officeDocument/2006/relationships" xmlns:p="http://schemas.openxmlformats.org/presentationml/2006/main" matchingName="Big number">
+<p:sldLayout xmlns:a="http://schemas.openxmlformats.org/drawingml/2006/main" xmlns:r="http://schemas.openxmlformats.org/officeDocument/2006/relationships" xmlns:mc="http://schemas.openxmlformats.org/markup-compatibility/2006" xmlns:mv="urn:schemas-microsoft-com:mac:vml" xmlns:p="http://schemas.openxmlformats.org/presentationml/2006/main" xmlns:c="http://schemas.openxmlformats.org/drawingml/2006/chart" xmlns:dgm="http://schemas.openxmlformats.org/drawingml/2006/diagram" xmlns:o="urn:schemas-microsoft-com:office:office" xmlns:v="urn:schemas-microsoft-com:vml" xmlns:pvml="urn:schemas-microsoft-com:office:powerpoint" xmlns:com="http://schemas.openxmlformats.org/drawingml/2006/compatibility" xmlns:p14="http://schemas.microsoft.com/office/powerpoint/2010/main" xmlns:p15="http://schemas.microsoft.com/office/powerpoint/2012/main" xmlns:ahyp="http://schemas.microsoft.com/office/drawing/2018/hyperlinkcolor" matchingName="Big number">
   <p:cSld name="BIG_NUMBER">
     <p:spTree>
       <p:nvGrpSpPr>
-        <p:cNvPr id="1" name="Shape 44"/>
+        <p:cNvPr id="44" name="Shape 44"/>
         <p:cNvGrpSpPr/>
         <p:nvPr/>
       </p:nvGrpSpPr>
@@ -2586,11 +2598,9 @@
       <p:sp>
         <p:nvSpPr>
           <p:cNvPr id="45" name="Google Shape;45;p11"/>
-          <p:cNvSpPr txBox="1">
-            <a:spLocks noGrp="1"/>
-          </p:cNvSpPr>
+          <p:cNvSpPr txBox="1"/>
           <p:nvPr>
-            <p:ph type="title" hasCustomPrompt="1"/>
+            <p:ph hasCustomPrompt="1" type="title"/>
           </p:nvPr>
         </p:nvSpPr>
         <p:spPr>
@@ -2603,7 +2613,7 @@
           </a:prstGeom>
         </p:spPr>
         <p:txBody>
-          <a:bodyPr spcFirstLastPara="1" wrap="square" lIns="91425" tIns="91425" rIns="91425" bIns="91425" anchor="b" anchorCtr="0">
+          <a:bodyPr anchorCtr="0" anchor="b" bIns="91425" lIns="91425" spcFirstLastPara="1" rIns="91425" wrap="square" tIns="91425">
             <a:normAutofit/>
           </a:bodyPr>
           <a:lstStyle>
@@ -2717,11 +2727,9 @@
       <p:sp>
         <p:nvSpPr>
           <p:cNvPr id="46" name="Google Shape;46;p11"/>
-          <p:cNvSpPr txBox="1">
-            <a:spLocks noGrp="1"/>
-          </p:cNvSpPr>
+          <p:cNvSpPr txBox="1"/>
           <p:nvPr>
-            <p:ph type="body" idx="1"/>
+            <p:ph idx="1" type="body"/>
           </p:nvPr>
         </p:nvSpPr>
         <p:spPr>
@@ -2734,11 +2742,11 @@
           </a:prstGeom>
         </p:spPr>
         <p:txBody>
-          <a:bodyPr spcFirstLastPara="1" wrap="square" lIns="91425" tIns="91425" rIns="91425" bIns="91425" anchor="t" anchorCtr="0">
+          <a:bodyPr anchorCtr="0" anchor="t" bIns="91425" lIns="91425" spcFirstLastPara="1" rIns="91425" wrap="square" tIns="91425">
             <a:normAutofit/>
           </a:bodyPr>
           <a:lstStyle>
-            <a:lvl1pPr marL="457200" lvl="0" indent="-342900" algn="ctr">
+            <a:lvl1pPr indent="-342900" lvl="0" marL="457200" algn="ctr">
               <a:spcBef>
                 <a:spcPts val="0"/>
               </a:spcBef>
@@ -2749,7 +2757,7 @@
               <a:buChar char="●"/>
               <a:defRPr/>
             </a:lvl1pPr>
-            <a:lvl2pPr marL="914400" lvl="1" indent="-317500" algn="ctr">
+            <a:lvl2pPr indent="-317500" lvl="1" marL="914400" algn="ctr">
               <a:spcBef>
                 <a:spcPts val="0"/>
               </a:spcBef>
@@ -2760,7 +2768,7 @@
               <a:buChar char="○"/>
               <a:defRPr/>
             </a:lvl2pPr>
-            <a:lvl3pPr marL="1371600" lvl="2" indent="-317500" algn="ctr">
+            <a:lvl3pPr indent="-317500" lvl="2" marL="1371600" algn="ctr">
               <a:spcBef>
                 <a:spcPts val="0"/>
               </a:spcBef>
@@ -2771,7 +2779,7 @@
               <a:buChar char="■"/>
               <a:defRPr/>
             </a:lvl3pPr>
-            <a:lvl4pPr marL="1828800" lvl="3" indent="-317500" algn="ctr">
+            <a:lvl4pPr indent="-317500" lvl="3" marL="1828800" algn="ctr">
               <a:spcBef>
                 <a:spcPts val="0"/>
               </a:spcBef>
@@ -2782,7 +2790,7 @@
               <a:buChar char="●"/>
               <a:defRPr/>
             </a:lvl4pPr>
-            <a:lvl5pPr marL="2286000" lvl="4" indent="-317500" algn="ctr">
+            <a:lvl5pPr indent="-317500" lvl="4" marL="2286000" algn="ctr">
               <a:spcBef>
                 <a:spcPts val="0"/>
               </a:spcBef>
@@ -2793,7 +2801,7 @@
               <a:buChar char="○"/>
               <a:defRPr/>
             </a:lvl5pPr>
-            <a:lvl6pPr marL="2743200" lvl="5" indent="-317500" algn="ctr">
+            <a:lvl6pPr indent="-317500" lvl="5" marL="2743200" algn="ctr">
               <a:spcBef>
                 <a:spcPts val="0"/>
               </a:spcBef>
@@ -2804,7 +2812,7 @@
               <a:buChar char="■"/>
               <a:defRPr/>
             </a:lvl6pPr>
-            <a:lvl7pPr marL="3200400" lvl="6" indent="-317500" algn="ctr">
+            <a:lvl7pPr indent="-317500" lvl="6" marL="3200400" algn="ctr">
               <a:spcBef>
                 <a:spcPts val="0"/>
               </a:spcBef>
@@ -2815,7 +2823,7 @@
               <a:buChar char="●"/>
               <a:defRPr/>
             </a:lvl7pPr>
-            <a:lvl8pPr marL="3657600" lvl="7" indent="-317500" algn="ctr">
+            <a:lvl8pPr indent="-317500" lvl="7" marL="3657600" algn="ctr">
               <a:spcBef>
                 <a:spcPts val="0"/>
               </a:spcBef>
@@ -2826,7 +2834,7 @@
               <a:buChar char="○"/>
               <a:defRPr/>
             </a:lvl8pPr>
-            <a:lvl9pPr marL="4114800" lvl="8" indent="-317500" algn="ctr">
+            <a:lvl9pPr indent="-317500" lvl="8" marL="4114800" algn="ctr">
               <a:spcBef>
                 <a:spcPts val="0"/>
               </a:spcBef>
@@ -2838,19 +2846,15 @@
               <a:defRPr/>
             </a:lvl9pPr>
           </a:lstStyle>
-          <a:p>
-            <a:endParaRPr/>
-          </a:p>
+          <a:p/>
         </p:txBody>
       </p:sp>
       <p:sp>
         <p:nvSpPr>
           <p:cNvPr id="47" name="Google Shape;47;p11"/>
-          <p:cNvSpPr txBox="1">
-            <a:spLocks noGrp="1"/>
-          </p:cNvSpPr>
+          <p:cNvSpPr txBox="1"/>
           <p:nvPr>
-            <p:ph type="sldNum" idx="12"/>
+            <p:ph idx="12" type="sldNum"/>
           </p:nvPr>
         </p:nvSpPr>
         <p:spPr>
@@ -2863,7 +2867,7 @@
           </a:prstGeom>
         </p:spPr>
         <p:txBody>
-          <a:bodyPr spcFirstLastPara="1" wrap="square" lIns="91425" tIns="91425" rIns="91425" bIns="91425" anchor="ctr" anchorCtr="0">
+          <a:bodyPr anchorCtr="0" anchor="ctr" bIns="91425" lIns="91425" spcFirstLastPara="1" rIns="91425" wrap="square" tIns="91425">
             <a:normAutofit/>
           </a:bodyPr>
           <a:lstStyle>
@@ -2905,7 +2909,7 @@
             </a:lvl9pPr>
           </a:lstStyle>
           <a:p>
-            <a:pPr marL="0" lvl="0" indent="0" algn="r" rtl="0">
+            <a:pPr indent="0" lvl="0" marL="0" rtl="0" algn="r">
               <a:spcBef>
                 <a:spcPts val="0"/>
               </a:spcBef>
@@ -2931,11 +2935,11 @@
 </file>
 
 <file path=ppt/slideLayouts/slideLayout11.xml><?xml version="1.0" encoding="utf-8"?>
-<p:sldLayout xmlns:a="http://schemas.openxmlformats.org/drawingml/2006/main" xmlns:r="http://schemas.openxmlformats.org/officeDocument/2006/relationships" xmlns:p="http://schemas.openxmlformats.org/presentationml/2006/main" matchingName="Blank" type="blank">
+<p:sldLayout xmlns:a="http://schemas.openxmlformats.org/drawingml/2006/main" xmlns:r="http://schemas.openxmlformats.org/officeDocument/2006/relationships" xmlns:mc="http://schemas.openxmlformats.org/markup-compatibility/2006" xmlns:mv="urn:schemas-microsoft-com:mac:vml" xmlns:p="http://schemas.openxmlformats.org/presentationml/2006/main" xmlns:c="http://schemas.openxmlformats.org/drawingml/2006/chart" xmlns:dgm="http://schemas.openxmlformats.org/drawingml/2006/diagram" xmlns:o="urn:schemas-microsoft-com:office:office" xmlns:v="urn:schemas-microsoft-com:vml" xmlns:pvml="urn:schemas-microsoft-com:office:powerpoint" xmlns:com="http://schemas.openxmlformats.org/drawingml/2006/compatibility" xmlns:p14="http://schemas.microsoft.com/office/powerpoint/2010/main" xmlns:p15="http://schemas.microsoft.com/office/powerpoint/2012/main" xmlns:ahyp="http://schemas.microsoft.com/office/drawing/2018/hyperlinkcolor" matchingName="Blank" type="blank">
   <p:cSld name="BLANK">
     <p:spTree>
       <p:nvGrpSpPr>
-        <p:cNvPr id="1" name="Shape 48"/>
+        <p:cNvPr id="48" name="Shape 48"/>
         <p:cNvGrpSpPr/>
         <p:nvPr/>
       </p:nvGrpSpPr>
@@ -2950,11 +2954,9 @@
       <p:sp>
         <p:nvSpPr>
           <p:cNvPr id="49" name="Google Shape;49;p12"/>
-          <p:cNvSpPr txBox="1">
-            <a:spLocks noGrp="1"/>
-          </p:cNvSpPr>
+          <p:cNvSpPr txBox="1"/>
           <p:nvPr>
-            <p:ph type="sldNum" idx="12"/>
+            <p:ph idx="12" type="sldNum"/>
           </p:nvPr>
         </p:nvSpPr>
         <p:spPr>
@@ -2967,7 +2969,7 @@
           </a:prstGeom>
         </p:spPr>
         <p:txBody>
-          <a:bodyPr spcFirstLastPara="1" wrap="square" lIns="91425" tIns="91425" rIns="91425" bIns="91425" anchor="ctr" anchorCtr="0">
+          <a:bodyPr anchorCtr="0" anchor="ctr" bIns="91425" lIns="91425" spcFirstLastPara="1" rIns="91425" wrap="square" tIns="91425">
             <a:normAutofit/>
           </a:bodyPr>
           <a:lstStyle>
@@ -3009,7 +3011,7 @@
             </a:lvl9pPr>
           </a:lstStyle>
           <a:p>
-            <a:pPr marL="0" lvl="0" indent="0" algn="r" rtl="0">
+            <a:pPr indent="0" lvl="0" marL="0" rtl="0" algn="r">
               <a:spcBef>
                 <a:spcPts val="0"/>
               </a:spcBef>
@@ -3035,11 +3037,11 @@
 </file>
 
 <file path=ppt/slideLayouts/slideLayout2.xml><?xml version="1.0" encoding="utf-8"?>
-<p:sldLayout xmlns:a="http://schemas.openxmlformats.org/drawingml/2006/main" xmlns:r="http://schemas.openxmlformats.org/officeDocument/2006/relationships" xmlns:p="http://schemas.openxmlformats.org/presentationml/2006/main" matchingName="Section header" type="secHead">
+<p:sldLayout xmlns:a="http://schemas.openxmlformats.org/drawingml/2006/main" xmlns:r="http://schemas.openxmlformats.org/officeDocument/2006/relationships" xmlns:mc="http://schemas.openxmlformats.org/markup-compatibility/2006" xmlns:mv="urn:schemas-microsoft-com:mac:vml" xmlns:p="http://schemas.openxmlformats.org/presentationml/2006/main" xmlns:c="http://schemas.openxmlformats.org/drawingml/2006/chart" xmlns:dgm="http://schemas.openxmlformats.org/drawingml/2006/diagram" xmlns:o="urn:schemas-microsoft-com:office:office" xmlns:v="urn:schemas-microsoft-com:vml" xmlns:pvml="urn:schemas-microsoft-com:office:powerpoint" xmlns:com="http://schemas.openxmlformats.org/drawingml/2006/compatibility" xmlns:p14="http://schemas.microsoft.com/office/powerpoint/2010/main" xmlns:p15="http://schemas.microsoft.com/office/powerpoint/2012/main" xmlns:ahyp="http://schemas.microsoft.com/office/drawing/2018/hyperlinkcolor" matchingName="Section header" type="secHead">
   <p:cSld name="SECTION_HEADER">
     <p:spTree>
       <p:nvGrpSpPr>
-        <p:cNvPr id="1" name="Shape 13"/>
+        <p:cNvPr id="13" name="Shape 13"/>
         <p:cNvGrpSpPr/>
         <p:nvPr/>
       </p:nvGrpSpPr>
@@ -3054,9 +3056,7 @@
       <p:sp>
         <p:nvSpPr>
           <p:cNvPr id="14" name="Google Shape;14;p3"/>
-          <p:cNvSpPr txBox="1">
-            <a:spLocks noGrp="1"/>
-          </p:cNvSpPr>
+          <p:cNvSpPr txBox="1"/>
           <p:nvPr>
             <p:ph type="title"/>
           </p:nvPr>
@@ -3071,7 +3071,7 @@
           </a:prstGeom>
         </p:spPr>
         <p:txBody>
-          <a:bodyPr spcFirstLastPara="1" wrap="square" lIns="91425" tIns="91425" rIns="91425" bIns="91425" anchor="ctr" anchorCtr="0">
+          <a:bodyPr anchorCtr="0" anchor="ctr" bIns="91425" lIns="91425" spcFirstLastPara="1" rIns="91425" wrap="square" tIns="91425">
             <a:normAutofit/>
           </a:bodyPr>
           <a:lstStyle>
@@ -3175,19 +3175,15 @@
               <a:defRPr sz="3600"/>
             </a:lvl9pPr>
           </a:lstStyle>
-          <a:p>
-            <a:endParaRPr/>
-          </a:p>
+          <a:p/>
         </p:txBody>
       </p:sp>
       <p:sp>
         <p:nvSpPr>
           <p:cNvPr id="15" name="Google Shape;15;p3"/>
-          <p:cNvSpPr txBox="1">
-            <a:spLocks noGrp="1"/>
-          </p:cNvSpPr>
+          <p:cNvSpPr txBox="1"/>
           <p:nvPr>
-            <p:ph type="sldNum" idx="12"/>
+            <p:ph idx="12" type="sldNum"/>
           </p:nvPr>
         </p:nvSpPr>
         <p:spPr>
@@ -3200,7 +3196,7 @@
           </a:prstGeom>
         </p:spPr>
         <p:txBody>
-          <a:bodyPr spcFirstLastPara="1" wrap="square" lIns="91425" tIns="91425" rIns="91425" bIns="91425" anchor="ctr" anchorCtr="0">
+          <a:bodyPr anchorCtr="0" anchor="ctr" bIns="91425" lIns="91425" spcFirstLastPara="1" rIns="91425" wrap="square" tIns="91425">
             <a:normAutofit/>
           </a:bodyPr>
           <a:lstStyle>
@@ -3242,7 +3238,7 @@
             </a:lvl9pPr>
           </a:lstStyle>
           <a:p>
-            <a:pPr marL="0" lvl="0" indent="0" algn="r" rtl="0">
+            <a:pPr indent="0" lvl="0" marL="0" rtl="0" algn="r">
               <a:spcBef>
                 <a:spcPts val="0"/>
               </a:spcBef>
@@ -3268,11 +3264,11 @@
 </file>
 
 <file path=ppt/slideLayouts/slideLayout3.xml><?xml version="1.0" encoding="utf-8"?>
-<p:sldLayout xmlns:a="http://schemas.openxmlformats.org/drawingml/2006/main" xmlns:r="http://schemas.openxmlformats.org/officeDocument/2006/relationships" xmlns:p="http://schemas.openxmlformats.org/presentationml/2006/main" matchingName="Title and body" type="tx">
+<p:sldLayout xmlns:a="http://schemas.openxmlformats.org/drawingml/2006/main" xmlns:r="http://schemas.openxmlformats.org/officeDocument/2006/relationships" xmlns:mc="http://schemas.openxmlformats.org/markup-compatibility/2006" xmlns:mv="urn:schemas-microsoft-com:mac:vml" xmlns:p="http://schemas.openxmlformats.org/presentationml/2006/main" xmlns:c="http://schemas.openxmlformats.org/drawingml/2006/chart" xmlns:dgm="http://schemas.openxmlformats.org/drawingml/2006/diagram" xmlns:o="urn:schemas-microsoft-com:office:office" xmlns:v="urn:schemas-microsoft-com:vml" xmlns:pvml="urn:schemas-microsoft-com:office:powerpoint" xmlns:com="http://schemas.openxmlformats.org/drawingml/2006/compatibility" xmlns:p14="http://schemas.microsoft.com/office/powerpoint/2010/main" xmlns:p15="http://schemas.microsoft.com/office/powerpoint/2012/main" xmlns:ahyp="http://schemas.microsoft.com/office/drawing/2018/hyperlinkcolor" matchingName="Title and body" type="tx">
   <p:cSld name="TITLE_AND_BODY">
     <p:spTree>
       <p:nvGrpSpPr>
-        <p:cNvPr id="1" name="Shape 16"/>
+        <p:cNvPr id="16" name="Shape 16"/>
         <p:cNvGrpSpPr/>
         <p:nvPr/>
       </p:nvGrpSpPr>
@@ -3287,9 +3283,7 @@
       <p:sp>
         <p:nvSpPr>
           <p:cNvPr id="17" name="Google Shape;17;p4"/>
-          <p:cNvSpPr txBox="1">
-            <a:spLocks noGrp="1"/>
-          </p:cNvSpPr>
+          <p:cNvSpPr txBox="1"/>
           <p:nvPr>
             <p:ph type="title"/>
           </p:nvPr>
@@ -3304,7 +3298,7 @@
           </a:prstGeom>
         </p:spPr>
         <p:txBody>
-          <a:bodyPr spcFirstLastPara="1" wrap="square" lIns="91425" tIns="91425" rIns="91425" bIns="91425" anchor="t" anchorCtr="0">
+          <a:bodyPr anchorCtr="0" anchor="t" bIns="91425" lIns="91425" spcFirstLastPara="1" rIns="91425" wrap="square" tIns="91425">
             <a:normAutofit/>
           </a:bodyPr>
           <a:lstStyle>
@@ -3408,19 +3402,15 @@
               <a:defRPr/>
             </a:lvl9pPr>
           </a:lstStyle>
-          <a:p>
-            <a:endParaRPr/>
-          </a:p>
+          <a:p/>
         </p:txBody>
       </p:sp>
       <p:sp>
         <p:nvSpPr>
           <p:cNvPr id="18" name="Google Shape;18;p4"/>
-          <p:cNvSpPr txBox="1">
-            <a:spLocks noGrp="1"/>
-          </p:cNvSpPr>
+          <p:cNvSpPr txBox="1"/>
           <p:nvPr>
-            <p:ph type="body" idx="1"/>
+            <p:ph idx="1" type="body"/>
           </p:nvPr>
         </p:nvSpPr>
         <p:spPr>
@@ -3433,11 +3423,11 @@
           </a:prstGeom>
         </p:spPr>
         <p:txBody>
-          <a:bodyPr spcFirstLastPara="1" wrap="square" lIns="91425" tIns="91425" rIns="91425" bIns="91425" anchor="t" anchorCtr="0">
+          <a:bodyPr anchorCtr="0" anchor="t" bIns="91425" lIns="91425" spcFirstLastPara="1" rIns="91425" wrap="square" tIns="91425">
             <a:normAutofit/>
           </a:bodyPr>
           <a:lstStyle>
-            <a:lvl1pPr marL="457200" lvl="0" indent="-342900">
+            <a:lvl1pPr indent="-342900" lvl="0" marL="457200">
               <a:spcBef>
                 <a:spcPts val="0"/>
               </a:spcBef>
@@ -3448,7 +3438,7 @@
               <a:buChar char="●"/>
               <a:defRPr/>
             </a:lvl1pPr>
-            <a:lvl2pPr marL="914400" lvl="1" indent="-317500">
+            <a:lvl2pPr indent="-317500" lvl="1" marL="914400">
               <a:spcBef>
                 <a:spcPts val="0"/>
               </a:spcBef>
@@ -3459,7 +3449,7 @@
               <a:buChar char="○"/>
               <a:defRPr/>
             </a:lvl2pPr>
-            <a:lvl3pPr marL="1371600" lvl="2" indent="-317500">
+            <a:lvl3pPr indent="-317500" lvl="2" marL="1371600">
               <a:spcBef>
                 <a:spcPts val="0"/>
               </a:spcBef>
@@ -3470,7 +3460,7 @@
               <a:buChar char="■"/>
               <a:defRPr/>
             </a:lvl3pPr>
-            <a:lvl4pPr marL="1828800" lvl="3" indent="-317500">
+            <a:lvl4pPr indent="-317500" lvl="3" marL="1828800">
               <a:spcBef>
                 <a:spcPts val="0"/>
               </a:spcBef>
@@ -3481,7 +3471,7 @@
               <a:buChar char="●"/>
               <a:defRPr/>
             </a:lvl4pPr>
-            <a:lvl5pPr marL="2286000" lvl="4" indent="-317500">
+            <a:lvl5pPr indent="-317500" lvl="4" marL="2286000">
               <a:spcBef>
                 <a:spcPts val="0"/>
               </a:spcBef>
@@ -3492,7 +3482,7 @@
               <a:buChar char="○"/>
               <a:defRPr/>
             </a:lvl5pPr>
-            <a:lvl6pPr marL="2743200" lvl="5" indent="-317500">
+            <a:lvl6pPr indent="-317500" lvl="5" marL="2743200">
               <a:spcBef>
                 <a:spcPts val="0"/>
               </a:spcBef>
@@ -3503,7 +3493,7 @@
               <a:buChar char="■"/>
               <a:defRPr/>
             </a:lvl6pPr>
-            <a:lvl7pPr marL="3200400" lvl="6" indent="-317500">
+            <a:lvl7pPr indent="-317500" lvl="6" marL="3200400">
               <a:spcBef>
                 <a:spcPts val="0"/>
               </a:spcBef>
@@ -3514,7 +3504,7 @@
               <a:buChar char="●"/>
               <a:defRPr/>
             </a:lvl7pPr>
-            <a:lvl8pPr marL="3657600" lvl="7" indent="-317500">
+            <a:lvl8pPr indent="-317500" lvl="7" marL="3657600">
               <a:spcBef>
                 <a:spcPts val="0"/>
               </a:spcBef>
@@ -3525,7 +3515,7 @@
               <a:buChar char="○"/>
               <a:defRPr/>
             </a:lvl8pPr>
-            <a:lvl9pPr marL="4114800" lvl="8" indent="-317500">
+            <a:lvl9pPr indent="-317500" lvl="8" marL="4114800">
               <a:spcBef>
                 <a:spcPts val="0"/>
               </a:spcBef>
@@ -3537,19 +3527,15 @@
               <a:defRPr/>
             </a:lvl9pPr>
           </a:lstStyle>
-          <a:p>
-            <a:endParaRPr/>
-          </a:p>
+          <a:p/>
         </p:txBody>
       </p:sp>
       <p:sp>
         <p:nvSpPr>
           <p:cNvPr id="19" name="Google Shape;19;p4"/>
-          <p:cNvSpPr txBox="1">
-            <a:spLocks noGrp="1"/>
-          </p:cNvSpPr>
+          <p:cNvSpPr txBox="1"/>
           <p:nvPr>
-            <p:ph type="sldNum" idx="12"/>
+            <p:ph idx="12" type="sldNum"/>
           </p:nvPr>
         </p:nvSpPr>
         <p:spPr>
@@ -3562,7 +3548,7 @@
           </a:prstGeom>
         </p:spPr>
         <p:txBody>
-          <a:bodyPr spcFirstLastPara="1" wrap="square" lIns="91425" tIns="91425" rIns="91425" bIns="91425" anchor="ctr" anchorCtr="0">
+          <a:bodyPr anchorCtr="0" anchor="ctr" bIns="91425" lIns="91425" spcFirstLastPara="1" rIns="91425" wrap="square" tIns="91425">
             <a:normAutofit/>
           </a:bodyPr>
           <a:lstStyle>
@@ -3604,7 +3590,7 @@
             </a:lvl9pPr>
           </a:lstStyle>
           <a:p>
-            <a:pPr marL="0" lvl="0" indent="0" algn="r" rtl="0">
+            <a:pPr indent="0" lvl="0" marL="0" rtl="0" algn="r">
               <a:spcBef>
                 <a:spcPts val="0"/>
               </a:spcBef>
@@ -3630,11 +3616,11 @@
 </file>
 
 <file path=ppt/slideLayouts/slideLayout4.xml><?xml version="1.0" encoding="utf-8"?>
-<p:sldLayout xmlns:a="http://schemas.openxmlformats.org/drawingml/2006/main" xmlns:r="http://schemas.openxmlformats.org/officeDocument/2006/relationships" xmlns:p="http://schemas.openxmlformats.org/presentationml/2006/main" matchingName="Title and two columns" type="twoColTx">
+<p:sldLayout xmlns:a="http://schemas.openxmlformats.org/drawingml/2006/main" xmlns:r="http://schemas.openxmlformats.org/officeDocument/2006/relationships" xmlns:mc="http://schemas.openxmlformats.org/markup-compatibility/2006" xmlns:mv="urn:schemas-microsoft-com:mac:vml" xmlns:p="http://schemas.openxmlformats.org/presentationml/2006/main" xmlns:c="http://schemas.openxmlformats.org/drawingml/2006/chart" xmlns:dgm="http://schemas.openxmlformats.org/drawingml/2006/diagram" xmlns:o="urn:schemas-microsoft-com:office:office" xmlns:v="urn:schemas-microsoft-com:vml" xmlns:pvml="urn:schemas-microsoft-com:office:powerpoint" xmlns:com="http://schemas.openxmlformats.org/drawingml/2006/compatibility" xmlns:p14="http://schemas.microsoft.com/office/powerpoint/2010/main" xmlns:p15="http://schemas.microsoft.com/office/powerpoint/2012/main" xmlns:ahyp="http://schemas.microsoft.com/office/drawing/2018/hyperlinkcolor" matchingName="Title and two columns" type="twoColTx">
   <p:cSld name="TITLE_AND_TWO_COLUMNS">
     <p:spTree>
       <p:nvGrpSpPr>
-        <p:cNvPr id="1" name="Shape 20"/>
+        <p:cNvPr id="20" name="Shape 20"/>
         <p:cNvGrpSpPr/>
         <p:nvPr/>
       </p:nvGrpSpPr>
@@ -3649,9 +3635,7 @@
       <p:sp>
         <p:nvSpPr>
           <p:cNvPr id="21" name="Google Shape;21;p5"/>
-          <p:cNvSpPr txBox="1">
-            <a:spLocks noGrp="1"/>
-          </p:cNvSpPr>
+          <p:cNvSpPr txBox="1"/>
           <p:nvPr>
             <p:ph type="title"/>
           </p:nvPr>
@@ -3666,7 +3650,7 @@
           </a:prstGeom>
         </p:spPr>
         <p:txBody>
-          <a:bodyPr spcFirstLastPara="1" wrap="square" lIns="91425" tIns="91425" rIns="91425" bIns="91425" anchor="t" anchorCtr="0">
+          <a:bodyPr anchorCtr="0" anchor="t" bIns="91425" lIns="91425" spcFirstLastPara="1" rIns="91425" wrap="square" tIns="91425">
             <a:normAutofit/>
           </a:bodyPr>
           <a:lstStyle>
@@ -3770,19 +3754,15 @@
               <a:defRPr/>
             </a:lvl9pPr>
           </a:lstStyle>
-          <a:p>
-            <a:endParaRPr/>
-          </a:p>
+          <a:p/>
         </p:txBody>
       </p:sp>
       <p:sp>
         <p:nvSpPr>
           <p:cNvPr id="22" name="Google Shape;22;p5"/>
-          <p:cNvSpPr txBox="1">
-            <a:spLocks noGrp="1"/>
-          </p:cNvSpPr>
+          <p:cNvSpPr txBox="1"/>
           <p:nvPr>
-            <p:ph type="body" idx="1"/>
+            <p:ph idx="1" type="body"/>
           </p:nvPr>
         </p:nvSpPr>
         <p:spPr>
@@ -3795,11 +3775,11 @@
           </a:prstGeom>
         </p:spPr>
         <p:txBody>
-          <a:bodyPr spcFirstLastPara="1" wrap="square" lIns="91425" tIns="91425" rIns="91425" bIns="91425" anchor="t" anchorCtr="0">
+          <a:bodyPr anchorCtr="0" anchor="t" bIns="91425" lIns="91425" spcFirstLastPara="1" rIns="91425" wrap="square" tIns="91425">
             <a:normAutofit/>
           </a:bodyPr>
           <a:lstStyle>
-            <a:lvl1pPr marL="457200" lvl="0" indent="-317500">
+            <a:lvl1pPr indent="-317500" lvl="0" marL="457200">
               <a:spcBef>
                 <a:spcPts val="0"/>
               </a:spcBef>
@@ -3810,7 +3790,7 @@
               <a:buChar char="●"/>
               <a:defRPr sz="1400"/>
             </a:lvl1pPr>
-            <a:lvl2pPr marL="914400" lvl="1" indent="-304800">
+            <a:lvl2pPr indent="-304800" lvl="1" marL="914400">
               <a:spcBef>
                 <a:spcPts val="0"/>
               </a:spcBef>
@@ -3821,7 +3801,7 @@
               <a:buChar char="○"/>
               <a:defRPr sz="1200"/>
             </a:lvl2pPr>
-            <a:lvl3pPr marL="1371600" lvl="2" indent="-304800">
+            <a:lvl3pPr indent="-304800" lvl="2" marL="1371600">
               <a:spcBef>
                 <a:spcPts val="0"/>
               </a:spcBef>
@@ -3832,7 +3812,7 @@
               <a:buChar char="■"/>
               <a:defRPr sz="1200"/>
             </a:lvl3pPr>
-            <a:lvl4pPr marL="1828800" lvl="3" indent="-304800">
+            <a:lvl4pPr indent="-304800" lvl="3" marL="1828800">
               <a:spcBef>
                 <a:spcPts val="0"/>
               </a:spcBef>
@@ -3843,7 +3823,7 @@
               <a:buChar char="●"/>
               <a:defRPr sz="1200"/>
             </a:lvl4pPr>
-            <a:lvl5pPr marL="2286000" lvl="4" indent="-304800">
+            <a:lvl5pPr indent="-304800" lvl="4" marL="2286000">
               <a:spcBef>
                 <a:spcPts val="0"/>
               </a:spcBef>
@@ -3854,7 +3834,7 @@
               <a:buChar char="○"/>
               <a:defRPr sz="1200"/>
             </a:lvl5pPr>
-            <a:lvl6pPr marL="2743200" lvl="5" indent="-304800">
+            <a:lvl6pPr indent="-304800" lvl="5" marL="2743200">
               <a:spcBef>
                 <a:spcPts val="0"/>
               </a:spcBef>
@@ -3865,7 +3845,7 @@
               <a:buChar char="■"/>
               <a:defRPr sz="1200"/>
             </a:lvl6pPr>
-            <a:lvl7pPr marL="3200400" lvl="6" indent="-304800">
+            <a:lvl7pPr indent="-304800" lvl="6" marL="3200400">
               <a:spcBef>
                 <a:spcPts val="0"/>
               </a:spcBef>
@@ -3876,7 +3856,7 @@
               <a:buChar char="●"/>
               <a:defRPr sz="1200"/>
             </a:lvl7pPr>
-            <a:lvl8pPr marL="3657600" lvl="7" indent="-304800">
+            <a:lvl8pPr indent="-304800" lvl="7" marL="3657600">
               <a:spcBef>
                 <a:spcPts val="0"/>
               </a:spcBef>
@@ -3887,7 +3867,7 @@
               <a:buChar char="○"/>
               <a:defRPr sz="1200"/>
             </a:lvl8pPr>
-            <a:lvl9pPr marL="4114800" lvl="8" indent="-304800">
+            <a:lvl9pPr indent="-304800" lvl="8" marL="4114800">
               <a:spcBef>
                 <a:spcPts val="0"/>
               </a:spcBef>
@@ -3899,19 +3879,15 @@
               <a:defRPr sz="1200"/>
             </a:lvl9pPr>
           </a:lstStyle>
-          <a:p>
-            <a:endParaRPr/>
-          </a:p>
+          <a:p/>
         </p:txBody>
       </p:sp>
       <p:sp>
         <p:nvSpPr>
           <p:cNvPr id="23" name="Google Shape;23;p5"/>
-          <p:cNvSpPr txBox="1">
-            <a:spLocks noGrp="1"/>
-          </p:cNvSpPr>
+          <p:cNvSpPr txBox="1"/>
           <p:nvPr>
-            <p:ph type="body" idx="2"/>
+            <p:ph idx="2" type="body"/>
           </p:nvPr>
         </p:nvSpPr>
         <p:spPr>
@@ -3924,11 +3900,11 @@
           </a:prstGeom>
         </p:spPr>
         <p:txBody>
-          <a:bodyPr spcFirstLastPara="1" wrap="square" lIns="91425" tIns="91425" rIns="91425" bIns="91425" anchor="t" anchorCtr="0">
+          <a:bodyPr anchorCtr="0" anchor="t" bIns="91425" lIns="91425" spcFirstLastPara="1" rIns="91425" wrap="square" tIns="91425">
             <a:normAutofit/>
           </a:bodyPr>
           <a:lstStyle>
-            <a:lvl1pPr marL="457200" lvl="0" indent="-317500">
+            <a:lvl1pPr indent="-317500" lvl="0" marL="457200">
               <a:spcBef>
                 <a:spcPts val="0"/>
               </a:spcBef>
@@ -3939,7 +3915,7 @@
               <a:buChar char="●"/>
               <a:defRPr sz="1400"/>
             </a:lvl1pPr>
-            <a:lvl2pPr marL="914400" lvl="1" indent="-304800">
+            <a:lvl2pPr indent="-304800" lvl="1" marL="914400">
               <a:spcBef>
                 <a:spcPts val="0"/>
               </a:spcBef>
@@ -3950,7 +3926,7 @@
               <a:buChar char="○"/>
               <a:defRPr sz="1200"/>
             </a:lvl2pPr>
-            <a:lvl3pPr marL="1371600" lvl="2" indent="-304800">
+            <a:lvl3pPr indent="-304800" lvl="2" marL="1371600">
               <a:spcBef>
                 <a:spcPts val="0"/>
               </a:spcBef>
@@ -3961,7 +3937,7 @@
               <a:buChar char="■"/>
               <a:defRPr sz="1200"/>
             </a:lvl3pPr>
-            <a:lvl4pPr marL="1828800" lvl="3" indent="-304800">
+            <a:lvl4pPr indent="-304800" lvl="3" marL="1828800">
               <a:spcBef>
                 <a:spcPts val="0"/>
               </a:spcBef>
@@ -3972,7 +3948,7 @@
               <a:buChar char="●"/>
               <a:defRPr sz="1200"/>
             </a:lvl4pPr>
-            <a:lvl5pPr marL="2286000" lvl="4" indent="-304800">
+            <a:lvl5pPr indent="-304800" lvl="4" marL="2286000">
               <a:spcBef>
                 <a:spcPts val="0"/>
               </a:spcBef>
@@ -3983,7 +3959,7 @@
               <a:buChar char="○"/>
               <a:defRPr sz="1200"/>
             </a:lvl5pPr>
-            <a:lvl6pPr marL="2743200" lvl="5" indent="-304800">
+            <a:lvl6pPr indent="-304800" lvl="5" marL="2743200">
               <a:spcBef>
                 <a:spcPts val="0"/>
               </a:spcBef>
@@ -3994,7 +3970,7 @@
               <a:buChar char="■"/>
               <a:defRPr sz="1200"/>
             </a:lvl6pPr>
-            <a:lvl7pPr marL="3200400" lvl="6" indent="-304800">
+            <a:lvl7pPr indent="-304800" lvl="6" marL="3200400">
               <a:spcBef>
                 <a:spcPts val="0"/>
               </a:spcBef>
@@ -4005,7 +3981,7 @@
               <a:buChar char="●"/>
               <a:defRPr sz="1200"/>
             </a:lvl7pPr>
-            <a:lvl8pPr marL="3657600" lvl="7" indent="-304800">
+            <a:lvl8pPr indent="-304800" lvl="7" marL="3657600">
               <a:spcBef>
                 <a:spcPts val="0"/>
               </a:spcBef>
@@ -4016,7 +3992,7 @@
               <a:buChar char="○"/>
               <a:defRPr sz="1200"/>
             </a:lvl8pPr>
-            <a:lvl9pPr marL="4114800" lvl="8" indent="-304800">
+            <a:lvl9pPr indent="-304800" lvl="8" marL="4114800">
               <a:spcBef>
                 <a:spcPts val="0"/>
               </a:spcBef>
@@ -4028,19 +4004,15 @@
               <a:defRPr sz="1200"/>
             </a:lvl9pPr>
           </a:lstStyle>
-          <a:p>
-            <a:endParaRPr/>
-          </a:p>
+          <a:p/>
         </p:txBody>
       </p:sp>
       <p:sp>
         <p:nvSpPr>
           <p:cNvPr id="24" name="Google Shape;24;p5"/>
-          <p:cNvSpPr txBox="1">
-            <a:spLocks noGrp="1"/>
-          </p:cNvSpPr>
+          <p:cNvSpPr txBox="1"/>
           <p:nvPr>
-            <p:ph type="sldNum" idx="12"/>
+            <p:ph idx="12" type="sldNum"/>
           </p:nvPr>
         </p:nvSpPr>
         <p:spPr>
@@ -4053,7 +4025,7 @@
           </a:prstGeom>
         </p:spPr>
         <p:txBody>
-          <a:bodyPr spcFirstLastPara="1" wrap="square" lIns="91425" tIns="91425" rIns="91425" bIns="91425" anchor="ctr" anchorCtr="0">
+          <a:bodyPr anchorCtr="0" anchor="ctr" bIns="91425" lIns="91425" spcFirstLastPara="1" rIns="91425" wrap="square" tIns="91425">
             <a:normAutofit/>
           </a:bodyPr>
           <a:lstStyle>
@@ -4095,7 +4067,7 @@
             </a:lvl9pPr>
           </a:lstStyle>
           <a:p>
-            <a:pPr marL="0" lvl="0" indent="0" algn="r" rtl="0">
+            <a:pPr indent="0" lvl="0" marL="0" rtl="0" algn="r">
               <a:spcBef>
                 <a:spcPts val="0"/>
               </a:spcBef>
@@ -4121,11 +4093,11 @@
 </file>
 
 <file path=ppt/slideLayouts/slideLayout5.xml><?xml version="1.0" encoding="utf-8"?>
-<p:sldLayout xmlns:a="http://schemas.openxmlformats.org/drawingml/2006/main" xmlns:r="http://schemas.openxmlformats.org/officeDocument/2006/relationships" xmlns:p="http://schemas.openxmlformats.org/presentationml/2006/main" matchingName="Title only" type="titleOnly">
+<p:sldLayout xmlns:a="http://schemas.openxmlformats.org/drawingml/2006/main" xmlns:r="http://schemas.openxmlformats.org/officeDocument/2006/relationships" xmlns:mc="http://schemas.openxmlformats.org/markup-compatibility/2006" xmlns:mv="urn:schemas-microsoft-com:mac:vml" xmlns:p="http://schemas.openxmlformats.org/presentationml/2006/main" xmlns:c="http://schemas.openxmlformats.org/drawingml/2006/chart" xmlns:dgm="http://schemas.openxmlformats.org/drawingml/2006/diagram" xmlns:o="urn:schemas-microsoft-com:office:office" xmlns:v="urn:schemas-microsoft-com:vml" xmlns:pvml="urn:schemas-microsoft-com:office:powerpoint" xmlns:com="http://schemas.openxmlformats.org/drawingml/2006/compatibility" xmlns:p14="http://schemas.microsoft.com/office/powerpoint/2010/main" xmlns:p15="http://schemas.microsoft.com/office/powerpoint/2012/main" xmlns:ahyp="http://schemas.microsoft.com/office/drawing/2018/hyperlinkcolor" matchingName="Title only" type="titleOnly">
   <p:cSld name="TITLE_ONLY">
     <p:spTree>
       <p:nvGrpSpPr>
-        <p:cNvPr id="1" name="Shape 25"/>
+        <p:cNvPr id="25" name="Shape 25"/>
         <p:cNvGrpSpPr/>
         <p:nvPr/>
       </p:nvGrpSpPr>
@@ -4140,9 +4112,7 @@
       <p:sp>
         <p:nvSpPr>
           <p:cNvPr id="26" name="Google Shape;26;p6"/>
-          <p:cNvSpPr txBox="1">
-            <a:spLocks noGrp="1"/>
-          </p:cNvSpPr>
+          <p:cNvSpPr txBox="1"/>
           <p:nvPr>
             <p:ph type="title"/>
           </p:nvPr>
@@ -4157,7 +4127,7 @@
           </a:prstGeom>
         </p:spPr>
         <p:txBody>
-          <a:bodyPr spcFirstLastPara="1" wrap="square" lIns="91425" tIns="91425" rIns="91425" bIns="91425" anchor="t" anchorCtr="0">
+          <a:bodyPr anchorCtr="0" anchor="t" bIns="91425" lIns="91425" spcFirstLastPara="1" rIns="91425" wrap="square" tIns="91425">
             <a:normAutofit/>
           </a:bodyPr>
           <a:lstStyle>
@@ -4261,19 +4231,15 @@
               <a:defRPr/>
             </a:lvl9pPr>
           </a:lstStyle>
-          <a:p>
-            <a:endParaRPr/>
-          </a:p>
+          <a:p/>
         </p:txBody>
       </p:sp>
       <p:sp>
         <p:nvSpPr>
           <p:cNvPr id="27" name="Google Shape;27;p6"/>
-          <p:cNvSpPr txBox="1">
-            <a:spLocks noGrp="1"/>
-          </p:cNvSpPr>
+          <p:cNvSpPr txBox="1"/>
           <p:nvPr>
-            <p:ph type="sldNum" idx="12"/>
+            <p:ph idx="12" type="sldNum"/>
           </p:nvPr>
         </p:nvSpPr>
         <p:spPr>
@@ -4286,7 +4252,7 @@
           </a:prstGeom>
         </p:spPr>
         <p:txBody>
-          <a:bodyPr spcFirstLastPara="1" wrap="square" lIns="91425" tIns="91425" rIns="91425" bIns="91425" anchor="ctr" anchorCtr="0">
+          <a:bodyPr anchorCtr="0" anchor="ctr" bIns="91425" lIns="91425" spcFirstLastPara="1" rIns="91425" wrap="square" tIns="91425">
             <a:normAutofit/>
           </a:bodyPr>
           <a:lstStyle>
@@ -4328,7 +4294,7 @@
             </a:lvl9pPr>
           </a:lstStyle>
           <a:p>
-            <a:pPr marL="0" lvl="0" indent="0" algn="r" rtl="0">
+            <a:pPr indent="0" lvl="0" marL="0" rtl="0" algn="r">
               <a:spcBef>
                 <a:spcPts val="0"/>
               </a:spcBef>
@@ -4354,11 +4320,11 @@
 </file>
 
 <file path=ppt/slideLayouts/slideLayout6.xml><?xml version="1.0" encoding="utf-8"?>
-<p:sldLayout xmlns:a="http://schemas.openxmlformats.org/drawingml/2006/main" xmlns:r="http://schemas.openxmlformats.org/officeDocument/2006/relationships" xmlns:p="http://schemas.openxmlformats.org/presentationml/2006/main" matchingName="One column text">
+<p:sldLayout xmlns:a="http://schemas.openxmlformats.org/drawingml/2006/main" xmlns:r="http://schemas.openxmlformats.org/officeDocument/2006/relationships" xmlns:mc="http://schemas.openxmlformats.org/markup-compatibility/2006" xmlns:mv="urn:schemas-microsoft-com:mac:vml" xmlns:p="http://schemas.openxmlformats.org/presentationml/2006/main" xmlns:c="http://schemas.openxmlformats.org/drawingml/2006/chart" xmlns:dgm="http://schemas.openxmlformats.org/drawingml/2006/diagram" xmlns:o="urn:schemas-microsoft-com:office:office" xmlns:v="urn:schemas-microsoft-com:vml" xmlns:pvml="urn:schemas-microsoft-com:office:powerpoint" xmlns:com="http://schemas.openxmlformats.org/drawingml/2006/compatibility" xmlns:p14="http://schemas.microsoft.com/office/powerpoint/2010/main" xmlns:p15="http://schemas.microsoft.com/office/powerpoint/2012/main" xmlns:ahyp="http://schemas.microsoft.com/office/drawing/2018/hyperlinkcolor" matchingName="One column text">
   <p:cSld name="ONE_COLUMN_TEXT">
     <p:spTree>
       <p:nvGrpSpPr>
-        <p:cNvPr id="1" name="Shape 28"/>
+        <p:cNvPr id="28" name="Shape 28"/>
         <p:cNvGrpSpPr/>
         <p:nvPr/>
       </p:nvGrpSpPr>
@@ -4373,9 +4339,7 @@
       <p:sp>
         <p:nvSpPr>
           <p:cNvPr id="29" name="Google Shape;29;p7"/>
-          <p:cNvSpPr txBox="1">
-            <a:spLocks noGrp="1"/>
-          </p:cNvSpPr>
+          <p:cNvSpPr txBox="1"/>
           <p:nvPr>
             <p:ph type="title"/>
           </p:nvPr>
@@ -4390,7 +4354,7 @@
           </a:prstGeom>
         </p:spPr>
         <p:txBody>
-          <a:bodyPr spcFirstLastPara="1" wrap="square" lIns="91425" tIns="91425" rIns="91425" bIns="91425" anchor="b" anchorCtr="0">
+          <a:bodyPr anchorCtr="0" anchor="b" bIns="91425" lIns="91425" spcFirstLastPara="1" rIns="91425" wrap="square" tIns="91425">
             <a:normAutofit/>
           </a:bodyPr>
           <a:lstStyle>
@@ -4494,19 +4458,15 @@
               <a:defRPr sz="2400"/>
             </a:lvl9pPr>
           </a:lstStyle>
-          <a:p>
-            <a:endParaRPr/>
-          </a:p>
+          <a:p/>
         </p:txBody>
       </p:sp>
       <p:sp>
         <p:nvSpPr>
           <p:cNvPr id="30" name="Google Shape;30;p7"/>
-          <p:cNvSpPr txBox="1">
-            <a:spLocks noGrp="1"/>
-          </p:cNvSpPr>
+          <p:cNvSpPr txBox="1"/>
           <p:nvPr>
-            <p:ph type="body" idx="1"/>
+            <p:ph idx="1" type="body"/>
           </p:nvPr>
         </p:nvSpPr>
         <p:spPr>
@@ -4519,11 +4479,11 @@
           </a:prstGeom>
         </p:spPr>
         <p:txBody>
-          <a:bodyPr spcFirstLastPara="1" wrap="square" lIns="91425" tIns="91425" rIns="91425" bIns="91425" anchor="t" anchorCtr="0">
+          <a:bodyPr anchorCtr="0" anchor="t" bIns="91425" lIns="91425" spcFirstLastPara="1" rIns="91425" wrap="square" tIns="91425">
             <a:normAutofit/>
           </a:bodyPr>
           <a:lstStyle>
-            <a:lvl1pPr marL="457200" lvl="0" indent="-304800">
+            <a:lvl1pPr indent="-304800" lvl="0" marL="457200">
               <a:spcBef>
                 <a:spcPts val="0"/>
               </a:spcBef>
@@ -4534,7 +4494,7 @@
               <a:buChar char="●"/>
               <a:defRPr sz="1200"/>
             </a:lvl1pPr>
-            <a:lvl2pPr marL="914400" lvl="1" indent="-304800">
+            <a:lvl2pPr indent="-304800" lvl="1" marL="914400">
               <a:spcBef>
                 <a:spcPts val="0"/>
               </a:spcBef>
@@ -4545,7 +4505,7 @@
               <a:buChar char="○"/>
               <a:defRPr sz="1200"/>
             </a:lvl2pPr>
-            <a:lvl3pPr marL="1371600" lvl="2" indent="-304800">
+            <a:lvl3pPr indent="-304800" lvl="2" marL="1371600">
               <a:spcBef>
                 <a:spcPts val="0"/>
               </a:spcBef>
@@ -4556,7 +4516,7 @@
               <a:buChar char="■"/>
               <a:defRPr sz="1200"/>
             </a:lvl3pPr>
-            <a:lvl4pPr marL="1828800" lvl="3" indent="-304800">
+            <a:lvl4pPr indent="-304800" lvl="3" marL="1828800">
               <a:spcBef>
                 <a:spcPts val="0"/>
               </a:spcBef>
@@ -4567,7 +4527,7 @@
               <a:buChar char="●"/>
               <a:defRPr sz="1200"/>
             </a:lvl4pPr>
-            <a:lvl5pPr marL="2286000" lvl="4" indent="-304800">
+            <a:lvl5pPr indent="-304800" lvl="4" marL="2286000">
               <a:spcBef>
                 <a:spcPts val="0"/>
               </a:spcBef>
@@ -4578,7 +4538,7 @@
               <a:buChar char="○"/>
               <a:defRPr sz="1200"/>
             </a:lvl5pPr>
-            <a:lvl6pPr marL="2743200" lvl="5" indent="-304800">
+            <a:lvl6pPr indent="-304800" lvl="5" marL="2743200">
               <a:spcBef>
                 <a:spcPts val="0"/>
               </a:spcBef>
@@ -4589,7 +4549,7 @@
               <a:buChar char="■"/>
               <a:defRPr sz="1200"/>
             </a:lvl6pPr>
-            <a:lvl7pPr marL="3200400" lvl="6" indent="-304800">
+            <a:lvl7pPr indent="-304800" lvl="6" marL="3200400">
               <a:spcBef>
                 <a:spcPts val="0"/>
               </a:spcBef>
@@ -4600,7 +4560,7 @@
               <a:buChar char="●"/>
               <a:defRPr sz="1200"/>
             </a:lvl7pPr>
-            <a:lvl8pPr marL="3657600" lvl="7" indent="-304800">
+            <a:lvl8pPr indent="-304800" lvl="7" marL="3657600">
               <a:spcBef>
                 <a:spcPts val="0"/>
               </a:spcBef>
@@ -4611,7 +4571,7 @@
               <a:buChar char="○"/>
               <a:defRPr sz="1200"/>
             </a:lvl8pPr>
-            <a:lvl9pPr marL="4114800" lvl="8" indent="-304800">
+            <a:lvl9pPr indent="-304800" lvl="8" marL="4114800">
               <a:spcBef>
                 <a:spcPts val="0"/>
               </a:spcBef>
@@ -4623,19 +4583,15 @@
               <a:defRPr sz="1200"/>
             </a:lvl9pPr>
           </a:lstStyle>
-          <a:p>
-            <a:endParaRPr/>
-          </a:p>
+          <a:p/>
         </p:txBody>
       </p:sp>
       <p:sp>
         <p:nvSpPr>
           <p:cNvPr id="31" name="Google Shape;31;p7"/>
-          <p:cNvSpPr txBox="1">
-            <a:spLocks noGrp="1"/>
-          </p:cNvSpPr>
+          <p:cNvSpPr txBox="1"/>
           <p:nvPr>
-            <p:ph type="sldNum" idx="12"/>
+            <p:ph idx="12" type="sldNum"/>
           </p:nvPr>
         </p:nvSpPr>
         <p:spPr>
@@ -4648,7 +4604,7 @@
           </a:prstGeom>
         </p:spPr>
         <p:txBody>
-          <a:bodyPr spcFirstLastPara="1" wrap="square" lIns="91425" tIns="91425" rIns="91425" bIns="91425" anchor="ctr" anchorCtr="0">
+          <a:bodyPr anchorCtr="0" anchor="ctr" bIns="91425" lIns="91425" spcFirstLastPara="1" rIns="91425" wrap="square" tIns="91425">
             <a:normAutofit/>
           </a:bodyPr>
           <a:lstStyle>
@@ -4690,7 +4646,7 @@
             </a:lvl9pPr>
           </a:lstStyle>
           <a:p>
-            <a:pPr marL="0" lvl="0" indent="0" algn="r" rtl="0">
+            <a:pPr indent="0" lvl="0" marL="0" rtl="0" algn="r">
               <a:spcBef>
                 <a:spcPts val="0"/>
               </a:spcBef>
@@ -4716,11 +4672,11 @@
 </file>
 
 <file path=ppt/slideLayouts/slideLayout7.xml><?xml version="1.0" encoding="utf-8"?>
-<p:sldLayout xmlns:a="http://schemas.openxmlformats.org/drawingml/2006/main" xmlns:r="http://schemas.openxmlformats.org/officeDocument/2006/relationships" xmlns:p="http://schemas.openxmlformats.org/presentationml/2006/main" matchingName="Main point">
+<p:sldLayout xmlns:a="http://schemas.openxmlformats.org/drawingml/2006/main" xmlns:r="http://schemas.openxmlformats.org/officeDocument/2006/relationships" xmlns:mc="http://schemas.openxmlformats.org/markup-compatibility/2006" xmlns:mv="urn:schemas-microsoft-com:mac:vml" xmlns:p="http://schemas.openxmlformats.org/presentationml/2006/main" xmlns:c="http://schemas.openxmlformats.org/drawingml/2006/chart" xmlns:dgm="http://schemas.openxmlformats.org/drawingml/2006/diagram" xmlns:o="urn:schemas-microsoft-com:office:office" xmlns:v="urn:schemas-microsoft-com:vml" xmlns:pvml="urn:schemas-microsoft-com:office:powerpoint" xmlns:com="http://schemas.openxmlformats.org/drawingml/2006/compatibility" xmlns:p14="http://schemas.microsoft.com/office/powerpoint/2010/main" xmlns:p15="http://schemas.microsoft.com/office/powerpoint/2012/main" xmlns:ahyp="http://schemas.microsoft.com/office/drawing/2018/hyperlinkcolor" matchingName="Main point">
   <p:cSld name="MAIN_POINT">
     <p:spTree>
       <p:nvGrpSpPr>
-        <p:cNvPr id="1" name="Shape 32"/>
+        <p:cNvPr id="32" name="Shape 32"/>
         <p:cNvGrpSpPr/>
         <p:nvPr/>
       </p:nvGrpSpPr>
@@ -4735,9 +4691,7 @@
       <p:sp>
         <p:nvSpPr>
           <p:cNvPr id="33" name="Google Shape;33;p8"/>
-          <p:cNvSpPr txBox="1">
-            <a:spLocks noGrp="1"/>
-          </p:cNvSpPr>
+          <p:cNvSpPr txBox="1"/>
           <p:nvPr>
             <p:ph type="title"/>
           </p:nvPr>
@@ -4752,7 +4706,7 @@
           </a:prstGeom>
         </p:spPr>
         <p:txBody>
-          <a:bodyPr spcFirstLastPara="1" wrap="square" lIns="91425" tIns="91425" rIns="91425" bIns="91425" anchor="ctr" anchorCtr="0">
+          <a:bodyPr anchorCtr="0" anchor="ctr" bIns="91425" lIns="91425" spcFirstLastPara="1" rIns="91425" wrap="square" tIns="91425">
             <a:normAutofit/>
           </a:bodyPr>
           <a:lstStyle>
@@ -4856,19 +4810,15 @@
               <a:defRPr sz="4800"/>
             </a:lvl9pPr>
           </a:lstStyle>
-          <a:p>
-            <a:endParaRPr/>
-          </a:p>
+          <a:p/>
         </p:txBody>
       </p:sp>
       <p:sp>
         <p:nvSpPr>
           <p:cNvPr id="34" name="Google Shape;34;p8"/>
-          <p:cNvSpPr txBox="1">
-            <a:spLocks noGrp="1"/>
-          </p:cNvSpPr>
+          <p:cNvSpPr txBox="1"/>
           <p:nvPr>
-            <p:ph type="sldNum" idx="12"/>
+            <p:ph idx="12" type="sldNum"/>
           </p:nvPr>
         </p:nvSpPr>
         <p:spPr>
@@ -4881,7 +4831,7 @@
           </a:prstGeom>
         </p:spPr>
         <p:txBody>
-          <a:bodyPr spcFirstLastPara="1" wrap="square" lIns="91425" tIns="91425" rIns="91425" bIns="91425" anchor="ctr" anchorCtr="0">
+          <a:bodyPr anchorCtr="0" anchor="ctr" bIns="91425" lIns="91425" spcFirstLastPara="1" rIns="91425" wrap="square" tIns="91425">
             <a:normAutofit/>
           </a:bodyPr>
           <a:lstStyle>
@@ -4923,7 +4873,7 @@
             </a:lvl9pPr>
           </a:lstStyle>
           <a:p>
-            <a:pPr marL="0" lvl="0" indent="0" algn="r" rtl="0">
+            <a:pPr indent="0" lvl="0" marL="0" rtl="0" algn="r">
               <a:spcBef>
                 <a:spcPts val="0"/>
               </a:spcBef>
@@ -4949,11 +4899,11 @@
 </file>
 
 <file path=ppt/slideLayouts/slideLayout8.xml><?xml version="1.0" encoding="utf-8"?>
-<p:sldLayout xmlns:a="http://schemas.openxmlformats.org/drawingml/2006/main" xmlns:r="http://schemas.openxmlformats.org/officeDocument/2006/relationships" xmlns:p="http://schemas.openxmlformats.org/presentationml/2006/main" matchingName="Section title and description">
+<p:sldLayout xmlns:a="http://schemas.openxmlformats.org/drawingml/2006/main" xmlns:r="http://schemas.openxmlformats.org/officeDocument/2006/relationships" xmlns:mc="http://schemas.openxmlformats.org/markup-compatibility/2006" xmlns:mv="urn:schemas-microsoft-com:mac:vml" xmlns:p="http://schemas.openxmlformats.org/presentationml/2006/main" xmlns:c="http://schemas.openxmlformats.org/drawingml/2006/chart" xmlns:dgm="http://schemas.openxmlformats.org/drawingml/2006/diagram" xmlns:o="urn:schemas-microsoft-com:office:office" xmlns:v="urn:schemas-microsoft-com:vml" xmlns:pvml="urn:schemas-microsoft-com:office:powerpoint" xmlns:com="http://schemas.openxmlformats.org/drawingml/2006/compatibility" xmlns:p14="http://schemas.microsoft.com/office/powerpoint/2010/main" xmlns:p15="http://schemas.microsoft.com/office/powerpoint/2012/main" xmlns:ahyp="http://schemas.microsoft.com/office/drawing/2018/hyperlinkcolor" matchingName="Section title and description">
   <p:cSld name="SECTION_TITLE_AND_DESCRIPTION">
     <p:spTree>
       <p:nvGrpSpPr>
-        <p:cNvPr id="1" name="Shape 35"/>
+        <p:cNvPr id="35" name="Shape 35"/>
         <p:cNvGrpSpPr/>
         <p:nvPr/>
       </p:nvGrpSpPr>
@@ -4987,20 +4937,23 @@
           </a:ln>
         </p:spPr>
         <p:txBody>
-          <a:bodyPr spcFirstLastPara="1" wrap="square" lIns="91425" tIns="91425" rIns="91425" bIns="91425" anchor="ctr" anchorCtr="0">
+          <a:bodyPr anchorCtr="0" anchor="ctr" bIns="91425" lIns="91425" spcFirstLastPara="1" rIns="91425" wrap="square" tIns="91425">
             <a:noAutofit/>
           </a:bodyPr>
           <a:lstStyle/>
           <a:p>
-            <a:pPr marL="0" lvl="0" indent="0" algn="l" rtl="0">
-              <a:spcBef>
-                <a:spcPts val="0"/>
-              </a:spcBef>
-              <a:spcAft>
-                <a:spcPts val="0"/>
-              </a:spcAft>
-              <a:buNone/>
-            </a:pPr>
+            <a:pPr indent="0" lvl="0" marL="0" rtl="0" algn="l">
+              <a:spcBef>
+                <a:spcPts val="0"/>
+              </a:spcBef>
+              <a:spcAft>
+                <a:spcPts val="0"/>
+              </a:spcAft>
+              <a:buNone/>
+            </a:pPr>
+            <a:r>
+              <a:t/>
+            </a:r>
             <a:endParaRPr/>
           </a:p>
         </p:txBody>
@@ -5008,9 +4961,7 @@
       <p:sp>
         <p:nvSpPr>
           <p:cNvPr id="37" name="Google Shape;37;p9"/>
-          <p:cNvSpPr txBox="1">
-            <a:spLocks noGrp="1"/>
-          </p:cNvSpPr>
+          <p:cNvSpPr txBox="1"/>
           <p:nvPr>
             <p:ph type="title"/>
           </p:nvPr>
@@ -5025,7 +4976,7 @@
           </a:prstGeom>
         </p:spPr>
         <p:txBody>
-          <a:bodyPr spcFirstLastPara="1" wrap="square" lIns="91425" tIns="91425" rIns="91425" bIns="91425" anchor="b" anchorCtr="0">
+          <a:bodyPr anchorCtr="0" anchor="b" bIns="91425" lIns="91425" spcFirstLastPara="1" rIns="91425" wrap="square" tIns="91425">
             <a:normAutofit/>
           </a:bodyPr>
           <a:lstStyle>
@@ -5129,19 +5080,15 @@
               <a:defRPr sz="4200"/>
             </a:lvl9pPr>
           </a:lstStyle>
-          <a:p>
-            <a:endParaRPr/>
-          </a:p>
+          <a:p/>
         </p:txBody>
       </p:sp>
       <p:sp>
         <p:nvSpPr>
           <p:cNvPr id="38" name="Google Shape;38;p9"/>
-          <p:cNvSpPr txBox="1">
-            <a:spLocks noGrp="1"/>
-          </p:cNvSpPr>
+          <p:cNvSpPr txBox="1"/>
           <p:nvPr>
-            <p:ph type="subTitle" idx="1"/>
+            <p:ph idx="1" type="subTitle"/>
           </p:nvPr>
         </p:nvSpPr>
         <p:spPr>
@@ -5154,7 +5101,7 @@
           </a:prstGeom>
         </p:spPr>
         <p:txBody>
-          <a:bodyPr spcFirstLastPara="1" wrap="square" lIns="91425" tIns="91425" rIns="91425" bIns="91425" anchor="t" anchorCtr="0">
+          <a:bodyPr anchorCtr="0" anchor="t" bIns="91425" lIns="91425" spcFirstLastPara="1" rIns="91425" wrap="square" tIns="91425">
             <a:normAutofit/>
           </a:bodyPr>
           <a:lstStyle>
@@ -5285,19 +5232,15 @@
               <a:defRPr sz="2100"/>
             </a:lvl9pPr>
           </a:lstStyle>
-          <a:p>
-            <a:endParaRPr/>
-          </a:p>
+          <a:p/>
         </p:txBody>
       </p:sp>
       <p:sp>
         <p:nvSpPr>
           <p:cNvPr id="39" name="Google Shape;39;p9"/>
-          <p:cNvSpPr txBox="1">
-            <a:spLocks noGrp="1"/>
-          </p:cNvSpPr>
+          <p:cNvSpPr txBox="1"/>
           <p:nvPr>
-            <p:ph type="body" idx="2"/>
+            <p:ph idx="2" type="body"/>
           </p:nvPr>
         </p:nvSpPr>
         <p:spPr>
@@ -5310,11 +5253,11 @@
           </a:prstGeom>
         </p:spPr>
         <p:txBody>
-          <a:bodyPr spcFirstLastPara="1" wrap="square" lIns="91425" tIns="91425" rIns="91425" bIns="91425" anchor="ctr" anchorCtr="0">
+          <a:bodyPr anchorCtr="0" anchor="ctr" bIns="91425" lIns="91425" spcFirstLastPara="1" rIns="91425" wrap="square" tIns="91425">
             <a:normAutofit/>
           </a:bodyPr>
           <a:lstStyle>
-            <a:lvl1pPr marL="457200" lvl="0" indent="-342900">
+            <a:lvl1pPr indent="-342900" lvl="0" marL="457200">
               <a:spcBef>
                 <a:spcPts val="0"/>
               </a:spcBef>
@@ -5325,7 +5268,7 @@
               <a:buChar char="●"/>
               <a:defRPr/>
             </a:lvl1pPr>
-            <a:lvl2pPr marL="914400" lvl="1" indent="-317500">
+            <a:lvl2pPr indent="-317500" lvl="1" marL="914400">
               <a:spcBef>
                 <a:spcPts val="0"/>
               </a:spcBef>
@@ -5336,7 +5279,7 @@
               <a:buChar char="○"/>
               <a:defRPr/>
             </a:lvl2pPr>
-            <a:lvl3pPr marL="1371600" lvl="2" indent="-317500">
+            <a:lvl3pPr indent="-317500" lvl="2" marL="1371600">
               <a:spcBef>
                 <a:spcPts val="0"/>
               </a:spcBef>
@@ -5347,7 +5290,7 @@
               <a:buChar char="■"/>
               <a:defRPr/>
             </a:lvl3pPr>
-            <a:lvl4pPr marL="1828800" lvl="3" indent="-317500">
+            <a:lvl4pPr indent="-317500" lvl="3" marL="1828800">
               <a:spcBef>
                 <a:spcPts val="0"/>
               </a:spcBef>
@@ -5358,7 +5301,7 @@
               <a:buChar char="●"/>
               <a:defRPr/>
             </a:lvl4pPr>
-            <a:lvl5pPr marL="2286000" lvl="4" indent="-317500">
+            <a:lvl5pPr indent="-317500" lvl="4" marL="2286000">
               <a:spcBef>
                 <a:spcPts val="0"/>
               </a:spcBef>
@@ -5369,7 +5312,7 @@
               <a:buChar char="○"/>
               <a:defRPr/>
             </a:lvl5pPr>
-            <a:lvl6pPr marL="2743200" lvl="5" indent="-317500">
+            <a:lvl6pPr indent="-317500" lvl="5" marL="2743200">
               <a:spcBef>
                 <a:spcPts val="0"/>
               </a:spcBef>
@@ -5380,7 +5323,7 @@
               <a:buChar char="■"/>
               <a:defRPr/>
             </a:lvl6pPr>
-            <a:lvl7pPr marL="3200400" lvl="6" indent="-317500">
+            <a:lvl7pPr indent="-317500" lvl="6" marL="3200400">
               <a:spcBef>
                 <a:spcPts val="0"/>
               </a:spcBef>
@@ -5391,7 +5334,7 @@
               <a:buChar char="●"/>
               <a:defRPr/>
             </a:lvl7pPr>
-            <a:lvl8pPr marL="3657600" lvl="7" indent="-317500">
+            <a:lvl8pPr indent="-317500" lvl="7" marL="3657600">
               <a:spcBef>
                 <a:spcPts val="0"/>
               </a:spcBef>
@@ -5402,7 +5345,7 @@
               <a:buChar char="○"/>
               <a:defRPr/>
             </a:lvl8pPr>
-            <a:lvl9pPr marL="4114800" lvl="8" indent="-317500">
+            <a:lvl9pPr indent="-317500" lvl="8" marL="4114800">
               <a:spcBef>
                 <a:spcPts val="0"/>
               </a:spcBef>
@@ -5414,19 +5357,15 @@
               <a:defRPr/>
             </a:lvl9pPr>
           </a:lstStyle>
-          <a:p>
-            <a:endParaRPr/>
-          </a:p>
+          <a:p/>
         </p:txBody>
       </p:sp>
       <p:sp>
         <p:nvSpPr>
           <p:cNvPr id="40" name="Google Shape;40;p9"/>
-          <p:cNvSpPr txBox="1">
-            <a:spLocks noGrp="1"/>
-          </p:cNvSpPr>
+          <p:cNvSpPr txBox="1"/>
           <p:nvPr>
-            <p:ph type="sldNum" idx="12"/>
+            <p:ph idx="12" type="sldNum"/>
           </p:nvPr>
         </p:nvSpPr>
         <p:spPr>
@@ -5439,7 +5378,7 @@
           </a:prstGeom>
         </p:spPr>
         <p:txBody>
-          <a:bodyPr spcFirstLastPara="1" wrap="square" lIns="91425" tIns="91425" rIns="91425" bIns="91425" anchor="ctr" anchorCtr="0">
+          <a:bodyPr anchorCtr="0" anchor="ctr" bIns="91425" lIns="91425" spcFirstLastPara="1" rIns="91425" wrap="square" tIns="91425">
             <a:normAutofit/>
           </a:bodyPr>
           <a:lstStyle>
@@ -5481,7 +5420,7 @@
             </a:lvl9pPr>
           </a:lstStyle>
           <a:p>
-            <a:pPr marL="0" lvl="0" indent="0" algn="r" rtl="0">
+            <a:pPr indent="0" lvl="0" marL="0" rtl="0" algn="r">
               <a:spcBef>
                 <a:spcPts val="0"/>
               </a:spcBef>
@@ -5507,11 +5446,11 @@
 </file>
 
 <file path=ppt/slideLayouts/slideLayout9.xml><?xml version="1.0" encoding="utf-8"?>
-<p:sldLayout xmlns:a="http://schemas.openxmlformats.org/drawingml/2006/main" xmlns:r="http://schemas.openxmlformats.org/officeDocument/2006/relationships" xmlns:p="http://schemas.openxmlformats.org/presentationml/2006/main" matchingName="Caption">
+<p:sldLayout xmlns:a="http://schemas.openxmlformats.org/drawingml/2006/main" xmlns:r="http://schemas.openxmlformats.org/officeDocument/2006/relationships" xmlns:mc="http://schemas.openxmlformats.org/markup-compatibility/2006" xmlns:mv="urn:schemas-microsoft-com:mac:vml" xmlns:p="http://schemas.openxmlformats.org/presentationml/2006/main" xmlns:c="http://schemas.openxmlformats.org/drawingml/2006/chart" xmlns:dgm="http://schemas.openxmlformats.org/drawingml/2006/diagram" xmlns:o="urn:schemas-microsoft-com:office:office" xmlns:v="urn:schemas-microsoft-com:vml" xmlns:pvml="urn:schemas-microsoft-com:office:powerpoint" xmlns:com="http://schemas.openxmlformats.org/drawingml/2006/compatibility" xmlns:p14="http://schemas.microsoft.com/office/powerpoint/2010/main" xmlns:p15="http://schemas.microsoft.com/office/powerpoint/2012/main" xmlns:ahyp="http://schemas.microsoft.com/office/drawing/2018/hyperlinkcolor" matchingName="Caption">
   <p:cSld name="CAPTION_ONLY">
     <p:spTree>
       <p:nvGrpSpPr>
-        <p:cNvPr id="1" name="Shape 41"/>
+        <p:cNvPr id="41" name="Shape 41"/>
         <p:cNvGrpSpPr/>
         <p:nvPr/>
       </p:nvGrpSpPr>
@@ -5526,11 +5465,9 @@
       <p:sp>
         <p:nvSpPr>
           <p:cNvPr id="42" name="Google Shape;42;p10"/>
-          <p:cNvSpPr txBox="1">
-            <a:spLocks noGrp="1"/>
-          </p:cNvSpPr>
+          <p:cNvSpPr txBox="1"/>
           <p:nvPr>
-            <p:ph type="body" idx="1"/>
+            <p:ph idx="1" type="body"/>
           </p:nvPr>
         </p:nvSpPr>
         <p:spPr>
@@ -5543,11 +5480,11 @@
           </a:prstGeom>
         </p:spPr>
         <p:txBody>
-          <a:bodyPr spcFirstLastPara="1" wrap="square" lIns="91425" tIns="91425" rIns="91425" bIns="91425" anchor="ctr" anchorCtr="0">
+          <a:bodyPr anchorCtr="0" anchor="ctr" bIns="91425" lIns="91425" spcFirstLastPara="1" rIns="91425" wrap="square" tIns="91425">
             <a:normAutofit/>
           </a:bodyPr>
           <a:lstStyle>
-            <a:lvl1pPr marL="457200" lvl="0" indent="-228600">
+            <a:lvl1pPr indent="-228600" lvl="0" marL="457200">
               <a:lnSpc>
                 <a:spcPct val="100000"/>
               </a:lnSpc>
@@ -5562,19 +5499,15 @@
               <a:defRPr/>
             </a:lvl1pPr>
           </a:lstStyle>
-          <a:p>
-            <a:endParaRPr/>
-          </a:p>
+          <a:p/>
         </p:txBody>
       </p:sp>
       <p:sp>
         <p:nvSpPr>
           <p:cNvPr id="43" name="Google Shape;43;p10"/>
-          <p:cNvSpPr txBox="1">
-            <a:spLocks noGrp="1"/>
-          </p:cNvSpPr>
+          <p:cNvSpPr txBox="1"/>
           <p:nvPr>
-            <p:ph type="sldNum" idx="12"/>
+            <p:ph idx="12" type="sldNum"/>
           </p:nvPr>
         </p:nvSpPr>
         <p:spPr>
@@ -5587,7 +5520,7 @@
           </a:prstGeom>
         </p:spPr>
         <p:txBody>
-          <a:bodyPr spcFirstLastPara="1" wrap="square" lIns="91425" tIns="91425" rIns="91425" bIns="91425" anchor="ctr" anchorCtr="0">
+          <a:bodyPr anchorCtr="0" anchor="ctr" bIns="91425" lIns="91425" spcFirstLastPara="1" rIns="91425" wrap="square" tIns="91425">
             <a:normAutofit/>
           </a:bodyPr>
           <a:lstStyle>
@@ -5629,7 +5562,7 @@
             </a:lvl9pPr>
           </a:lstStyle>
           <a:p>
-            <a:pPr marL="0" lvl="0" indent="0" algn="r" rtl="0">
+            <a:pPr indent="0" lvl="0" marL="0" rtl="0" algn="r">
               <a:spcBef>
                 <a:spcPts val="0"/>
               </a:spcBef>
@@ -5655,19 +5588,18 @@
 </file>
 
 <file path=ppt/slideMasters/slideMaster1.xml><?xml version="1.0" encoding="utf-8"?>
-<p:sldMaster xmlns:a="http://schemas.openxmlformats.org/drawingml/2006/main" xmlns:r="http://schemas.openxmlformats.org/officeDocument/2006/relationships" xmlns:p="http://schemas.openxmlformats.org/presentationml/2006/main">
+<p:sldMaster xmlns:a="http://schemas.openxmlformats.org/drawingml/2006/main" xmlns:r="http://schemas.openxmlformats.org/officeDocument/2006/relationships" xmlns:mc="http://schemas.openxmlformats.org/markup-compatibility/2006" xmlns:mv="urn:schemas-microsoft-com:mac:vml" xmlns:p="http://schemas.openxmlformats.org/presentationml/2006/main" xmlns:c="http://schemas.openxmlformats.org/drawingml/2006/chart" xmlns:dgm="http://schemas.openxmlformats.org/drawingml/2006/diagram" xmlns:o="urn:schemas-microsoft-com:office:office" xmlns:v="urn:schemas-microsoft-com:vml" xmlns:pvml="urn:schemas-microsoft-com:office:powerpoint" xmlns:com="http://schemas.openxmlformats.org/drawingml/2006/compatibility" xmlns:p14="http://schemas.microsoft.com/office/powerpoint/2010/main" xmlns:p15="http://schemas.microsoft.com/office/powerpoint/2012/main" xmlns:ahyp="http://schemas.microsoft.com/office/drawing/2018/hyperlinkcolor">
   <p:cSld name="simple-light-2">
     <p:bg>
       <p:bgPr>
         <a:solidFill>
           <a:schemeClr val="lt1"/>
         </a:solidFill>
-        <a:effectLst/>
       </p:bgPr>
     </p:bg>
     <p:spTree>
       <p:nvGrpSpPr>
-        <p:cNvPr id="1" name="Shape 5"/>
+        <p:cNvPr id="5" name="Shape 5"/>
         <p:cNvGrpSpPr/>
         <p:nvPr/>
       </p:nvGrpSpPr>
@@ -5682,9 +5614,7 @@
       <p:sp>
         <p:nvSpPr>
           <p:cNvPr id="6" name="Google Shape;6;p1"/>
-          <p:cNvSpPr txBox="1">
-            <a:spLocks noGrp="1"/>
-          </p:cNvSpPr>
+          <p:cNvSpPr txBox="1"/>
           <p:nvPr>
             <p:ph type="title"/>
           </p:nvPr>
@@ -5703,7 +5633,7 @@
           </a:ln>
         </p:spPr>
         <p:txBody>
-          <a:bodyPr spcFirstLastPara="1" wrap="square" lIns="91425" tIns="91425" rIns="91425" bIns="91425" anchor="t" anchorCtr="0">
+          <a:bodyPr anchorCtr="0" anchor="t" bIns="91425" lIns="91425" spcFirstLastPara="1" rIns="91425" wrap="square" tIns="91425">
             <a:normAutofit/>
           </a:bodyPr>
           <a:lstStyle>
@@ -5870,19 +5800,15 @@
               </a:defRPr>
             </a:lvl9pPr>
           </a:lstStyle>
-          <a:p>
-            <a:endParaRPr/>
-          </a:p>
+          <a:p/>
         </p:txBody>
       </p:sp>
       <p:sp>
         <p:nvSpPr>
           <p:cNvPr id="7" name="Google Shape;7;p1"/>
-          <p:cNvSpPr txBox="1">
-            <a:spLocks noGrp="1"/>
-          </p:cNvSpPr>
+          <p:cNvSpPr txBox="1"/>
           <p:nvPr>
-            <p:ph type="body" idx="1"/>
+            <p:ph idx="1" type="body"/>
           </p:nvPr>
         </p:nvSpPr>
         <p:spPr>
@@ -5899,11 +5825,11 @@
           </a:ln>
         </p:spPr>
         <p:txBody>
-          <a:bodyPr spcFirstLastPara="1" wrap="square" lIns="91425" tIns="91425" rIns="91425" bIns="91425" anchor="t" anchorCtr="0">
+          <a:bodyPr anchorCtr="0" anchor="t" bIns="91425" lIns="91425" spcFirstLastPara="1" rIns="91425" wrap="square" tIns="91425">
             <a:normAutofit/>
           </a:bodyPr>
           <a:lstStyle>
-            <a:lvl1pPr marL="457200" lvl="0" indent="-342900">
+            <a:lvl1pPr indent="-342900" lvl="0" marL="457200">
               <a:lnSpc>
                 <a:spcPct val="115000"/>
               </a:lnSpc>
@@ -5924,7 +5850,7 @@
                 </a:solidFill>
               </a:defRPr>
             </a:lvl1pPr>
-            <a:lvl2pPr marL="914400" lvl="1" indent="-317500">
+            <a:lvl2pPr indent="-317500" lvl="1" marL="914400">
               <a:lnSpc>
                 <a:spcPct val="115000"/>
               </a:lnSpc>
@@ -5945,7 +5871,7 @@
                 </a:solidFill>
               </a:defRPr>
             </a:lvl2pPr>
-            <a:lvl3pPr marL="1371600" lvl="2" indent="-317500">
+            <a:lvl3pPr indent="-317500" lvl="2" marL="1371600">
               <a:lnSpc>
                 <a:spcPct val="115000"/>
               </a:lnSpc>
@@ -5966,7 +5892,7 @@
                 </a:solidFill>
               </a:defRPr>
             </a:lvl3pPr>
-            <a:lvl4pPr marL="1828800" lvl="3" indent="-317500">
+            <a:lvl4pPr indent="-317500" lvl="3" marL="1828800">
               <a:lnSpc>
                 <a:spcPct val="115000"/>
               </a:lnSpc>
@@ -5987,7 +5913,7 @@
                 </a:solidFill>
               </a:defRPr>
             </a:lvl4pPr>
-            <a:lvl5pPr marL="2286000" lvl="4" indent="-317500">
+            <a:lvl5pPr indent="-317500" lvl="4" marL="2286000">
               <a:lnSpc>
                 <a:spcPct val="115000"/>
               </a:lnSpc>
@@ -6008,7 +5934,7 @@
                 </a:solidFill>
               </a:defRPr>
             </a:lvl5pPr>
-            <a:lvl6pPr marL="2743200" lvl="5" indent="-317500">
+            <a:lvl6pPr indent="-317500" lvl="5" marL="2743200">
               <a:lnSpc>
                 <a:spcPct val="115000"/>
               </a:lnSpc>
@@ -6029,7 +5955,7 @@
                 </a:solidFill>
               </a:defRPr>
             </a:lvl6pPr>
-            <a:lvl7pPr marL="3200400" lvl="6" indent="-317500">
+            <a:lvl7pPr indent="-317500" lvl="6" marL="3200400">
               <a:lnSpc>
                 <a:spcPct val="115000"/>
               </a:lnSpc>
@@ -6050,7 +5976,7 @@
                 </a:solidFill>
               </a:defRPr>
             </a:lvl7pPr>
-            <a:lvl8pPr marL="3657600" lvl="7" indent="-317500">
+            <a:lvl8pPr indent="-317500" lvl="7" marL="3657600">
               <a:lnSpc>
                 <a:spcPct val="115000"/>
               </a:lnSpc>
@@ -6071,7 +5997,7 @@
                 </a:solidFill>
               </a:defRPr>
             </a:lvl8pPr>
-            <a:lvl9pPr marL="4114800" lvl="8" indent="-317500">
+            <a:lvl9pPr indent="-317500" lvl="8" marL="4114800">
               <a:lnSpc>
                 <a:spcPct val="115000"/>
               </a:lnSpc>
@@ -6093,19 +6019,15 @@
               </a:defRPr>
             </a:lvl9pPr>
           </a:lstStyle>
-          <a:p>
-            <a:endParaRPr/>
-          </a:p>
+          <a:p/>
         </p:txBody>
       </p:sp>
       <p:sp>
         <p:nvSpPr>
           <p:cNvPr id="8" name="Google Shape;8;p1"/>
-          <p:cNvSpPr txBox="1">
-            <a:spLocks noGrp="1"/>
-          </p:cNvSpPr>
+          <p:cNvSpPr txBox="1"/>
           <p:nvPr>
-            <p:ph type="sldNum" idx="12"/>
+            <p:ph idx="12" type="sldNum"/>
           </p:nvPr>
         </p:nvSpPr>
         <p:spPr>
@@ -6122,7 +6044,7 @@
           </a:ln>
         </p:spPr>
         <p:txBody>
-          <a:bodyPr spcFirstLastPara="1" wrap="square" lIns="91425" tIns="91425" rIns="91425" bIns="91425" anchor="ctr" anchorCtr="0">
+          <a:bodyPr anchorCtr="0" anchor="ctr" bIns="91425" lIns="91425" spcFirstLastPara="1" rIns="91425" wrap="square" tIns="91425">
             <a:normAutofit/>
           </a:bodyPr>
           <a:lstStyle>
@@ -6200,7 +6122,7 @@
             </a:lvl9pPr>
           </a:lstStyle>
           <a:p>
-            <a:pPr marL="0" lvl="0" indent="0" algn="r" rtl="0">
+            <a:pPr indent="0" lvl="0" marL="0" rtl="0" algn="r">
               <a:spcBef>
                 <a:spcPts val="0"/>
               </a:spcBef>
@@ -6219,7 +6141,7 @@
       </p:sp>
     </p:spTree>
   </p:cSld>
-  <p:clrMap bg1="lt1" tx1="dk1" bg2="dk2" tx2="lt2" accent1="accent1" accent2="accent2" accent3="accent3" accent4="accent4" accent5="accent5" accent6="accent6" hlink="hlink" folHlink="folHlink"/>
+  <p:clrMap accent1="accent1" accent2="accent2" accent3="accent3" accent4="accent4" accent5="accent5" accent6="accent6" bg1="lt1" bg2="dk2" tx1="dk1" tx2="lt2" folHlink="folHlink" hlink="hlink"/>
   <p:sldLayoutIdLst>
     <p:sldLayoutId id="2147483648" r:id="rId1"/>
     <p:sldLayoutId id="2147483649" r:id="rId2"/>
@@ -6233,10 +6155,10 @@
     <p:sldLayoutId id="2147483657" r:id="rId10"/>
     <p:sldLayoutId id="2147483658" r:id="rId11"/>
   </p:sldLayoutIdLst>
-  <p:hf sldNum="0" hdr="0" ftr="0" dt="0"/>
+  <p:hf dt="0" ftr="0" hdr="0" sldNum="0"/>
   <p:txStyles>
     <p:titleStyle>
-      <a:defPPr marR="0" lvl="0" algn="l" rtl="0">
+      <a:defPPr lvl="0" marR="0" rtl="0" algn="l">
         <a:lnSpc>
           <a:spcPct val="100000"/>
         </a:lnSpc>
@@ -6247,7 +6169,7 @@
           <a:spcPts val="0"/>
         </a:spcAft>
       </a:defPPr>
-      <a:lvl1pPr marR="0" lvl="0" algn="l" rtl="0">
+      <a:lvl1pPr lvl="0" marR="0" rtl="0" algn="l">
         <a:lnSpc>
           <a:spcPct val="100000"/>
         </a:lnSpc>
@@ -6261,7 +6183,7 @@
           <a:srgbClr val="000000"/>
         </a:buClr>
         <a:buFont typeface="Arial"/>
-        <a:defRPr sz="1400" b="0" i="0" u="none" strike="noStrike" cap="none">
+        <a:defRPr b="0" i="0" sz="1400" u="none" cap="none" strike="noStrike">
           <a:solidFill>
             <a:srgbClr val="000000"/>
           </a:solidFill>
@@ -6271,7 +6193,7 @@
           <a:sym typeface="Arial"/>
         </a:defRPr>
       </a:lvl1pPr>
-      <a:lvl2pPr marR="0" lvl="1" algn="l" rtl="0">
+      <a:lvl2pPr lvl="1" marR="0" rtl="0" algn="l">
         <a:lnSpc>
           <a:spcPct val="100000"/>
         </a:lnSpc>
@@ -6285,7 +6207,7 @@
           <a:srgbClr val="000000"/>
         </a:buClr>
         <a:buFont typeface="Arial"/>
-        <a:defRPr sz="1400" b="0" i="0" u="none" strike="noStrike" cap="none">
+        <a:defRPr b="0" i="0" sz="1400" u="none" cap="none" strike="noStrike">
           <a:solidFill>
             <a:srgbClr val="000000"/>
           </a:solidFill>
@@ -6295,7 +6217,7 @@
           <a:sym typeface="Arial"/>
         </a:defRPr>
       </a:lvl2pPr>
-      <a:lvl3pPr marR="0" lvl="2" algn="l" rtl="0">
+      <a:lvl3pPr lvl="2" marR="0" rtl="0" algn="l">
         <a:lnSpc>
           <a:spcPct val="100000"/>
         </a:lnSpc>
@@ -6309,7 +6231,7 @@
           <a:srgbClr val="000000"/>
         </a:buClr>
         <a:buFont typeface="Arial"/>
-        <a:defRPr sz="1400" b="0" i="0" u="none" strike="noStrike" cap="none">
+        <a:defRPr b="0" i="0" sz="1400" u="none" cap="none" strike="noStrike">
           <a:solidFill>
             <a:srgbClr val="000000"/>
           </a:solidFill>
@@ -6319,7 +6241,7 @@
           <a:sym typeface="Arial"/>
         </a:defRPr>
       </a:lvl3pPr>
-      <a:lvl4pPr marR="0" lvl="3" algn="l" rtl="0">
+      <a:lvl4pPr lvl="3" marR="0" rtl="0" algn="l">
         <a:lnSpc>
           <a:spcPct val="100000"/>
         </a:lnSpc>
@@ -6333,7 +6255,7 @@
           <a:srgbClr val="000000"/>
         </a:buClr>
         <a:buFont typeface="Arial"/>
-        <a:defRPr sz="1400" b="0" i="0" u="none" strike="noStrike" cap="none">
+        <a:defRPr b="0" i="0" sz="1400" u="none" cap="none" strike="noStrike">
           <a:solidFill>
             <a:srgbClr val="000000"/>
           </a:solidFill>
@@ -6343,7 +6265,7 @@
           <a:sym typeface="Arial"/>
         </a:defRPr>
       </a:lvl4pPr>
-      <a:lvl5pPr marR="0" lvl="4" algn="l" rtl="0">
+      <a:lvl5pPr lvl="4" marR="0" rtl="0" algn="l">
         <a:lnSpc>
           <a:spcPct val="100000"/>
         </a:lnSpc>
@@ -6357,7 +6279,7 @@
           <a:srgbClr val="000000"/>
         </a:buClr>
         <a:buFont typeface="Arial"/>
-        <a:defRPr sz="1400" b="0" i="0" u="none" strike="noStrike" cap="none">
+        <a:defRPr b="0" i="0" sz="1400" u="none" cap="none" strike="noStrike">
           <a:solidFill>
             <a:srgbClr val="000000"/>
           </a:solidFill>
@@ -6367,7 +6289,7 @@
           <a:sym typeface="Arial"/>
         </a:defRPr>
       </a:lvl5pPr>
-      <a:lvl6pPr marR="0" lvl="5" algn="l" rtl="0">
+      <a:lvl6pPr lvl="5" marR="0" rtl="0" algn="l">
         <a:lnSpc>
           <a:spcPct val="100000"/>
         </a:lnSpc>
@@ -6381,7 +6303,7 @@
           <a:srgbClr val="000000"/>
         </a:buClr>
         <a:buFont typeface="Arial"/>
-        <a:defRPr sz="1400" b="0" i="0" u="none" strike="noStrike" cap="none">
+        <a:defRPr b="0" i="0" sz="1400" u="none" cap="none" strike="noStrike">
           <a:solidFill>
             <a:srgbClr val="000000"/>
           </a:solidFill>
@@ -6391,7 +6313,7 @@
           <a:sym typeface="Arial"/>
         </a:defRPr>
       </a:lvl6pPr>
-      <a:lvl7pPr marR="0" lvl="6" algn="l" rtl="0">
+      <a:lvl7pPr lvl="6" marR="0" rtl="0" algn="l">
         <a:lnSpc>
           <a:spcPct val="100000"/>
         </a:lnSpc>
@@ -6405,7 +6327,7 @@
           <a:srgbClr val="000000"/>
         </a:buClr>
         <a:buFont typeface="Arial"/>
-        <a:defRPr sz="1400" b="0" i="0" u="none" strike="noStrike" cap="none">
+        <a:defRPr b="0" i="0" sz="1400" u="none" cap="none" strike="noStrike">
           <a:solidFill>
             <a:srgbClr val="000000"/>
           </a:solidFill>
@@ -6415,7 +6337,7 @@
           <a:sym typeface="Arial"/>
         </a:defRPr>
       </a:lvl7pPr>
-      <a:lvl8pPr marR="0" lvl="7" algn="l" rtl="0">
+      <a:lvl8pPr lvl="7" marR="0" rtl="0" algn="l">
         <a:lnSpc>
           <a:spcPct val="100000"/>
         </a:lnSpc>
@@ -6429,7 +6351,7 @@
           <a:srgbClr val="000000"/>
         </a:buClr>
         <a:buFont typeface="Arial"/>
-        <a:defRPr sz="1400" b="0" i="0" u="none" strike="noStrike" cap="none">
+        <a:defRPr b="0" i="0" sz="1400" u="none" cap="none" strike="noStrike">
           <a:solidFill>
             <a:srgbClr val="000000"/>
           </a:solidFill>
@@ -6439,7 +6361,7 @@
           <a:sym typeface="Arial"/>
         </a:defRPr>
       </a:lvl8pPr>
-      <a:lvl9pPr marR="0" lvl="8" algn="l" rtl="0">
+      <a:lvl9pPr lvl="8" marR="0" rtl="0" algn="l">
         <a:lnSpc>
           <a:spcPct val="100000"/>
         </a:lnSpc>
@@ -6453,7 +6375,7 @@
           <a:srgbClr val="000000"/>
         </a:buClr>
         <a:buFont typeface="Arial"/>
-        <a:defRPr sz="1400" b="0" i="0" u="none" strike="noStrike" cap="none">
+        <a:defRPr b="0" i="0" sz="1400" u="none" cap="none" strike="noStrike">
           <a:solidFill>
             <a:srgbClr val="000000"/>
           </a:solidFill>
@@ -6465,7 +6387,7 @@
       </a:lvl9pPr>
     </p:titleStyle>
     <p:bodyStyle>
-      <a:defPPr marR="0" lvl="0" algn="l" rtl="0">
+      <a:defPPr lvl="0" marR="0" rtl="0" algn="l">
         <a:lnSpc>
           <a:spcPct val="100000"/>
         </a:lnSpc>
@@ -6476,7 +6398,7 @@
           <a:spcPts val="0"/>
         </a:spcAft>
       </a:defPPr>
-      <a:lvl1pPr marR="0" lvl="0" algn="l" rtl="0">
+      <a:lvl1pPr lvl="0" marR="0" rtl="0" algn="l">
         <a:lnSpc>
           <a:spcPct val="100000"/>
         </a:lnSpc>
@@ -6490,7 +6412,7 @@
           <a:srgbClr val="000000"/>
         </a:buClr>
         <a:buFont typeface="Arial"/>
-        <a:defRPr sz="1400" b="0" i="0" u="none" strike="noStrike" cap="none">
+        <a:defRPr b="0" i="0" sz="1400" u="none" cap="none" strike="noStrike">
           <a:solidFill>
             <a:srgbClr val="000000"/>
           </a:solidFill>
@@ -6500,7 +6422,7 @@
           <a:sym typeface="Arial"/>
         </a:defRPr>
       </a:lvl1pPr>
-      <a:lvl2pPr marR="0" lvl="1" algn="l" rtl="0">
+      <a:lvl2pPr lvl="1" marR="0" rtl="0" algn="l">
         <a:lnSpc>
           <a:spcPct val="100000"/>
         </a:lnSpc>
@@ -6514,7 +6436,7 @@
           <a:srgbClr val="000000"/>
         </a:buClr>
         <a:buFont typeface="Arial"/>
-        <a:defRPr sz="1400" b="0" i="0" u="none" strike="noStrike" cap="none">
+        <a:defRPr b="0" i="0" sz="1400" u="none" cap="none" strike="noStrike">
           <a:solidFill>
             <a:srgbClr val="000000"/>
           </a:solidFill>
@@ -6524,7 +6446,7 @@
           <a:sym typeface="Arial"/>
         </a:defRPr>
       </a:lvl2pPr>
-      <a:lvl3pPr marR="0" lvl="2" algn="l" rtl="0">
+      <a:lvl3pPr lvl="2" marR="0" rtl="0" algn="l">
         <a:lnSpc>
           <a:spcPct val="100000"/>
         </a:lnSpc>
@@ -6538,7 +6460,7 @@
           <a:srgbClr val="000000"/>
         </a:buClr>
         <a:buFont typeface="Arial"/>
-        <a:defRPr sz="1400" b="0" i="0" u="none" strike="noStrike" cap="none">
+        <a:defRPr b="0" i="0" sz="1400" u="none" cap="none" strike="noStrike">
           <a:solidFill>
             <a:srgbClr val="000000"/>
           </a:solidFill>
@@ -6548,7 +6470,7 @@
           <a:sym typeface="Arial"/>
         </a:defRPr>
       </a:lvl3pPr>
-      <a:lvl4pPr marR="0" lvl="3" algn="l" rtl="0">
+      <a:lvl4pPr lvl="3" marR="0" rtl="0" algn="l">
         <a:lnSpc>
           <a:spcPct val="100000"/>
         </a:lnSpc>
@@ -6562,7 +6484,7 @@
           <a:srgbClr val="000000"/>
         </a:buClr>
         <a:buFont typeface="Arial"/>
-        <a:defRPr sz="1400" b="0" i="0" u="none" strike="noStrike" cap="none">
+        <a:defRPr b="0" i="0" sz="1400" u="none" cap="none" strike="noStrike">
           <a:solidFill>
             <a:srgbClr val="000000"/>
           </a:solidFill>
@@ -6572,7 +6494,7 @@
           <a:sym typeface="Arial"/>
         </a:defRPr>
       </a:lvl4pPr>
-      <a:lvl5pPr marR="0" lvl="4" algn="l" rtl="0">
+      <a:lvl5pPr lvl="4" marR="0" rtl="0" algn="l">
         <a:lnSpc>
           <a:spcPct val="100000"/>
         </a:lnSpc>
@@ -6586,7 +6508,7 @@
           <a:srgbClr val="000000"/>
         </a:buClr>
         <a:buFont typeface="Arial"/>
-        <a:defRPr sz="1400" b="0" i="0" u="none" strike="noStrike" cap="none">
+        <a:defRPr b="0" i="0" sz="1400" u="none" cap="none" strike="noStrike">
           <a:solidFill>
             <a:srgbClr val="000000"/>
           </a:solidFill>
@@ -6596,7 +6518,7 @@
           <a:sym typeface="Arial"/>
         </a:defRPr>
       </a:lvl5pPr>
-      <a:lvl6pPr marR="0" lvl="5" algn="l" rtl="0">
+      <a:lvl6pPr lvl="5" marR="0" rtl="0" algn="l">
         <a:lnSpc>
           <a:spcPct val="100000"/>
         </a:lnSpc>
@@ -6610,7 +6532,7 @@
           <a:srgbClr val="000000"/>
         </a:buClr>
         <a:buFont typeface="Arial"/>
-        <a:defRPr sz="1400" b="0" i="0" u="none" strike="noStrike" cap="none">
+        <a:defRPr b="0" i="0" sz="1400" u="none" cap="none" strike="noStrike">
           <a:solidFill>
             <a:srgbClr val="000000"/>
           </a:solidFill>
@@ -6620,7 +6542,7 @@
           <a:sym typeface="Arial"/>
         </a:defRPr>
       </a:lvl6pPr>
-      <a:lvl7pPr marR="0" lvl="6" algn="l" rtl="0">
+      <a:lvl7pPr lvl="6" marR="0" rtl="0" algn="l">
         <a:lnSpc>
           <a:spcPct val="100000"/>
         </a:lnSpc>
@@ -6634,7 +6556,7 @@
           <a:srgbClr val="000000"/>
         </a:buClr>
         <a:buFont typeface="Arial"/>
-        <a:defRPr sz="1400" b="0" i="0" u="none" strike="noStrike" cap="none">
+        <a:defRPr b="0" i="0" sz="1400" u="none" cap="none" strike="noStrike">
           <a:solidFill>
             <a:srgbClr val="000000"/>
           </a:solidFill>
@@ -6644,7 +6566,7 @@
           <a:sym typeface="Arial"/>
         </a:defRPr>
       </a:lvl7pPr>
-      <a:lvl8pPr marR="0" lvl="7" algn="l" rtl="0">
+      <a:lvl8pPr lvl="7" marR="0" rtl="0" algn="l">
         <a:lnSpc>
           <a:spcPct val="100000"/>
         </a:lnSpc>
@@ -6658,7 +6580,7 @@
           <a:srgbClr val="000000"/>
         </a:buClr>
         <a:buFont typeface="Arial"/>
-        <a:defRPr sz="1400" b="0" i="0" u="none" strike="noStrike" cap="none">
+        <a:defRPr b="0" i="0" sz="1400" u="none" cap="none" strike="noStrike">
           <a:solidFill>
             <a:srgbClr val="000000"/>
           </a:solidFill>
@@ -6668,7 +6590,7 @@
           <a:sym typeface="Arial"/>
         </a:defRPr>
       </a:lvl8pPr>
-      <a:lvl9pPr marR="0" lvl="8" algn="l" rtl="0">
+      <a:lvl9pPr lvl="8" marR="0" rtl="0" algn="l">
         <a:lnSpc>
           <a:spcPct val="100000"/>
         </a:lnSpc>
@@ -6682,7 +6604,7 @@
           <a:srgbClr val="000000"/>
         </a:buClr>
         <a:buFont typeface="Arial"/>
-        <a:defRPr sz="1400" b="0" i="0" u="none" strike="noStrike" cap="none">
+        <a:defRPr b="0" i="0" sz="1400" u="none" cap="none" strike="noStrike">
           <a:solidFill>
             <a:srgbClr val="000000"/>
           </a:solidFill>
@@ -6694,7 +6616,7 @@
       </a:lvl9pPr>
     </p:bodyStyle>
     <p:otherStyle>
-      <a:defPPr marR="0" lvl="0" algn="l" rtl="0">
+      <a:defPPr lvl="0" marR="0" rtl="0" algn="l">
         <a:lnSpc>
           <a:spcPct val="100000"/>
         </a:lnSpc>
@@ -6705,7 +6627,7 @@
           <a:spcPts val="0"/>
         </a:spcAft>
       </a:defPPr>
-      <a:lvl1pPr marR="0" lvl="0" algn="l" rtl="0">
+      <a:lvl1pPr lvl="0" marR="0" rtl="0" algn="l">
         <a:lnSpc>
           <a:spcPct val="100000"/>
         </a:lnSpc>
@@ -6719,7 +6641,7 @@
           <a:srgbClr val="000000"/>
         </a:buClr>
         <a:buFont typeface="Arial"/>
-        <a:defRPr sz="1400" b="0" i="0" u="none" strike="noStrike" cap="none">
+        <a:defRPr b="0" i="0" sz="1400" u="none" cap="none" strike="noStrike">
           <a:solidFill>
             <a:srgbClr val="000000"/>
           </a:solidFill>
@@ -6729,7 +6651,7 @@
           <a:sym typeface="Arial"/>
         </a:defRPr>
       </a:lvl1pPr>
-      <a:lvl2pPr marR="0" lvl="1" algn="l" rtl="0">
+      <a:lvl2pPr lvl="1" marR="0" rtl="0" algn="l">
         <a:lnSpc>
           <a:spcPct val="100000"/>
         </a:lnSpc>
@@ -6743,7 +6665,7 @@
           <a:srgbClr val="000000"/>
         </a:buClr>
         <a:buFont typeface="Arial"/>
-        <a:defRPr sz="1400" b="0" i="0" u="none" strike="noStrike" cap="none">
+        <a:defRPr b="0" i="0" sz="1400" u="none" cap="none" strike="noStrike">
           <a:solidFill>
             <a:srgbClr val="000000"/>
           </a:solidFill>
@@ -6753,7 +6675,7 @@
           <a:sym typeface="Arial"/>
         </a:defRPr>
       </a:lvl2pPr>
-      <a:lvl3pPr marR="0" lvl="2" algn="l" rtl="0">
+      <a:lvl3pPr lvl="2" marR="0" rtl="0" algn="l">
         <a:lnSpc>
           <a:spcPct val="100000"/>
         </a:lnSpc>
@@ -6767,7 +6689,7 @@
           <a:srgbClr val="000000"/>
         </a:buClr>
         <a:buFont typeface="Arial"/>
-        <a:defRPr sz="1400" b="0" i="0" u="none" strike="noStrike" cap="none">
+        <a:defRPr b="0" i="0" sz="1400" u="none" cap="none" strike="noStrike">
           <a:solidFill>
             <a:srgbClr val="000000"/>
           </a:solidFill>
@@ -6777,7 +6699,7 @@
           <a:sym typeface="Arial"/>
         </a:defRPr>
       </a:lvl3pPr>
-      <a:lvl4pPr marR="0" lvl="3" algn="l" rtl="0">
+      <a:lvl4pPr lvl="3" marR="0" rtl="0" algn="l">
         <a:lnSpc>
           <a:spcPct val="100000"/>
         </a:lnSpc>
@@ -6791,7 +6713,7 @@
           <a:srgbClr val="000000"/>
         </a:buClr>
         <a:buFont typeface="Arial"/>
-        <a:defRPr sz="1400" b="0" i="0" u="none" strike="noStrike" cap="none">
+        <a:defRPr b="0" i="0" sz="1400" u="none" cap="none" strike="noStrike">
           <a:solidFill>
             <a:srgbClr val="000000"/>
           </a:solidFill>
@@ -6801,7 +6723,7 @@
           <a:sym typeface="Arial"/>
         </a:defRPr>
       </a:lvl4pPr>
-      <a:lvl5pPr marR="0" lvl="4" algn="l" rtl="0">
+      <a:lvl5pPr lvl="4" marR="0" rtl="0" algn="l">
         <a:lnSpc>
           <a:spcPct val="100000"/>
         </a:lnSpc>
@@ -6815,7 +6737,7 @@
           <a:srgbClr val="000000"/>
         </a:buClr>
         <a:buFont typeface="Arial"/>
-        <a:defRPr sz="1400" b="0" i="0" u="none" strike="noStrike" cap="none">
+        <a:defRPr b="0" i="0" sz="1400" u="none" cap="none" strike="noStrike">
           <a:solidFill>
             <a:srgbClr val="000000"/>
           </a:solidFill>
@@ -6825,7 +6747,7 @@
           <a:sym typeface="Arial"/>
         </a:defRPr>
       </a:lvl5pPr>
-      <a:lvl6pPr marR="0" lvl="5" algn="l" rtl="0">
+      <a:lvl6pPr lvl="5" marR="0" rtl="0" algn="l">
         <a:lnSpc>
           <a:spcPct val="100000"/>
         </a:lnSpc>
@@ -6839,7 +6761,7 @@
           <a:srgbClr val="000000"/>
         </a:buClr>
         <a:buFont typeface="Arial"/>
-        <a:defRPr sz="1400" b="0" i="0" u="none" strike="noStrike" cap="none">
+        <a:defRPr b="0" i="0" sz="1400" u="none" cap="none" strike="noStrike">
           <a:solidFill>
             <a:srgbClr val="000000"/>
           </a:solidFill>
@@ -6849,7 +6771,7 @@
           <a:sym typeface="Arial"/>
         </a:defRPr>
       </a:lvl6pPr>
-      <a:lvl7pPr marR="0" lvl="6" algn="l" rtl="0">
+      <a:lvl7pPr lvl="6" marR="0" rtl="0" algn="l">
         <a:lnSpc>
           <a:spcPct val="100000"/>
         </a:lnSpc>
@@ -6863,7 +6785,7 @@
           <a:srgbClr val="000000"/>
         </a:buClr>
         <a:buFont typeface="Arial"/>
-        <a:defRPr sz="1400" b="0" i="0" u="none" strike="noStrike" cap="none">
+        <a:defRPr b="0" i="0" sz="1400" u="none" cap="none" strike="noStrike">
           <a:solidFill>
             <a:srgbClr val="000000"/>
           </a:solidFill>
@@ -6873,7 +6795,7 @@
           <a:sym typeface="Arial"/>
         </a:defRPr>
       </a:lvl7pPr>
-      <a:lvl8pPr marR="0" lvl="7" algn="l" rtl="0">
+      <a:lvl8pPr lvl="7" marR="0" rtl="0" algn="l">
         <a:lnSpc>
           <a:spcPct val="100000"/>
         </a:lnSpc>
@@ -6887,7 +6809,7 @@
           <a:srgbClr val="000000"/>
         </a:buClr>
         <a:buFont typeface="Arial"/>
-        <a:defRPr sz="1400" b="0" i="0" u="none" strike="noStrike" cap="none">
+        <a:defRPr b="0" i="0" sz="1400" u="none" cap="none" strike="noStrike">
           <a:solidFill>
             <a:srgbClr val="000000"/>
           </a:solidFill>
@@ -6897,7 +6819,7 @@
           <a:sym typeface="Arial"/>
         </a:defRPr>
       </a:lvl8pPr>
-      <a:lvl9pPr marR="0" lvl="8" algn="l" rtl="0">
+      <a:lvl9pPr lvl="8" marR="0" rtl="0" algn="l">
         <a:lnSpc>
           <a:spcPct val="100000"/>
         </a:lnSpc>
@@ -6911,7 +6833,7 @@
           <a:srgbClr val="000000"/>
         </a:buClr>
         <a:buFont typeface="Arial"/>
-        <a:defRPr sz="1400" b="0" i="0" u="none" strike="noStrike" cap="none">
+        <a:defRPr b="0" i="0" sz="1400" u="none" cap="none" strike="noStrike">
           <a:solidFill>
             <a:srgbClr val="000000"/>
           </a:solidFill>
@@ -6927,11 +6849,11 @@
 </file>
 
 <file path=ppt/slides/slide1.xml><?xml version="1.0" encoding="utf-8"?>
-<p:sld xmlns:a="http://schemas.openxmlformats.org/drawingml/2006/main" xmlns:r="http://schemas.openxmlformats.org/officeDocument/2006/relationships" xmlns:p="http://schemas.openxmlformats.org/presentationml/2006/main">
+<p:sld xmlns:a="http://schemas.openxmlformats.org/drawingml/2006/main" xmlns:r="http://schemas.openxmlformats.org/officeDocument/2006/relationships" xmlns:mc="http://schemas.openxmlformats.org/markup-compatibility/2006" xmlns:mv="urn:schemas-microsoft-com:mac:vml" xmlns:p="http://schemas.openxmlformats.org/presentationml/2006/main" xmlns:c="http://schemas.openxmlformats.org/drawingml/2006/chart" xmlns:dgm="http://schemas.openxmlformats.org/drawingml/2006/diagram" xmlns:o="urn:schemas-microsoft-com:office:office" xmlns:v="urn:schemas-microsoft-com:vml" xmlns:pvml="urn:schemas-microsoft-com:office:powerpoint" xmlns:com="http://schemas.openxmlformats.org/drawingml/2006/compatibility" xmlns:p14="http://schemas.microsoft.com/office/powerpoint/2010/main" xmlns:p15="http://schemas.microsoft.com/office/powerpoint/2012/main" xmlns:ahyp="http://schemas.microsoft.com/office/drawing/2018/hyperlinkcolor">
   <p:cSld>
     <p:spTree>
       <p:nvGrpSpPr>
-        <p:cNvPr id="1" name="Shape 53"/>
+        <p:cNvPr id="53" name="Shape 53"/>
         <p:cNvGrpSpPr/>
         <p:nvPr/>
       </p:nvGrpSpPr>
@@ -6946,9 +6868,7 @@
       <p:sp>
         <p:nvSpPr>
           <p:cNvPr id="54" name="Google Shape;54;p13"/>
-          <p:cNvSpPr txBox="1">
-            <a:spLocks noGrp="1"/>
-          </p:cNvSpPr>
+          <p:cNvSpPr txBox="1"/>
           <p:nvPr>
             <p:ph type="ctrTitle"/>
           </p:nvPr>
@@ -6963,20 +6883,23 @@
           </a:prstGeom>
         </p:spPr>
         <p:txBody>
-          <a:bodyPr spcFirstLastPara="1" wrap="square" lIns="91425" tIns="91425" rIns="91425" bIns="91425" anchor="b" anchorCtr="0">
+          <a:bodyPr anchorCtr="0" anchor="b" bIns="91425" lIns="91425" spcFirstLastPara="1" rIns="91425" wrap="square" tIns="91425">
             <a:normAutofit/>
           </a:bodyPr>
           <a:lstStyle/>
           <a:p>
-            <a:pPr marL="0" lvl="0" indent="0" algn="ctr" rtl="0">
-              <a:spcBef>
-                <a:spcPts val="0"/>
-              </a:spcBef>
-              <a:spcAft>
-                <a:spcPts val="0"/>
-              </a:spcAft>
-              <a:buNone/>
-            </a:pPr>
+            <a:pPr indent="0" lvl="0" marL="0" rtl="0" algn="ctr">
+              <a:spcBef>
+                <a:spcPts val="0"/>
+              </a:spcBef>
+              <a:spcAft>
+                <a:spcPts val="0"/>
+              </a:spcAft>
+              <a:buNone/>
+            </a:pPr>
+            <a:r>
+              <a:t/>
+            </a:r>
             <a:endParaRPr/>
           </a:p>
         </p:txBody>
@@ -6998,31 +6921,34 @@
           <a:solidFill>
             <a:srgbClr val="CFE2F3"/>
           </a:solidFill>
-          <a:ln w="9525" cap="flat" cmpd="sng">
+          <a:ln cap="flat" cmpd="sng" w="9525">
             <a:solidFill>
               <a:srgbClr val="CFE2F3"/>
             </a:solidFill>
             <a:prstDash val="solid"/>
             <a:round/>
-            <a:headEnd type="none" w="sm" len="sm"/>
-            <a:tailEnd type="none" w="sm" len="sm"/>
+            <a:headEnd len="sm" w="sm" type="none"/>
+            <a:tailEnd len="sm" w="sm" type="none"/>
           </a:ln>
         </p:spPr>
         <p:txBody>
-          <a:bodyPr spcFirstLastPara="1" wrap="square" lIns="91425" tIns="91425" rIns="91425" bIns="91425" anchor="ctr" anchorCtr="0">
+          <a:bodyPr anchorCtr="0" anchor="ctr" bIns="91425" lIns="91425" spcFirstLastPara="1" rIns="91425" wrap="square" tIns="91425">
             <a:noAutofit/>
           </a:bodyPr>
           <a:lstStyle/>
           <a:p>
-            <a:pPr marL="0" lvl="0" indent="0" algn="l" rtl="0">
-              <a:spcBef>
-                <a:spcPts val="0"/>
-              </a:spcBef>
-              <a:spcAft>
-                <a:spcPts val="0"/>
-              </a:spcAft>
-              <a:buNone/>
-            </a:pPr>
+            <a:pPr indent="0" lvl="0" marL="0" rtl="0" algn="l">
+              <a:spcBef>
+                <a:spcPts val="0"/>
+              </a:spcBef>
+              <a:spcAft>
+                <a:spcPts val="0"/>
+              </a:spcAft>
+              <a:buNone/>
+            </a:pPr>
+            <a:r>
+              <a:t/>
+            </a:r>
             <a:endParaRPr/>
           </a:p>
         </p:txBody>
@@ -7075,20 +7001,23 @@
           </a:ln>
         </p:spPr>
         <p:txBody>
-          <a:bodyPr spcFirstLastPara="1" wrap="square" lIns="91425" tIns="91425" rIns="91425" bIns="91425" anchor="t" anchorCtr="0">
+          <a:bodyPr anchorCtr="0" anchor="t" bIns="91425" lIns="91425" spcFirstLastPara="1" rIns="91425" wrap="square" tIns="91425">
             <a:spAutoFit/>
           </a:bodyPr>
           <a:lstStyle/>
           <a:p>
-            <a:pPr marL="0" lvl="0" indent="0" algn="l" rtl="0">
-              <a:spcBef>
-                <a:spcPts val="0"/>
-              </a:spcBef>
-              <a:spcAft>
-                <a:spcPts val="0"/>
-              </a:spcAft>
-              <a:buNone/>
-            </a:pPr>
+            <a:pPr indent="0" lvl="0" marL="0" rtl="0" algn="l">
+              <a:spcBef>
+                <a:spcPts val="0"/>
+              </a:spcBef>
+              <a:spcAft>
+                <a:spcPts val="0"/>
+              </a:spcAft>
+              <a:buNone/>
+            </a:pPr>
+            <a:r>
+              <a:t/>
+            </a:r>
             <a:endParaRPr/>
           </a:p>
         </p:txBody>
@@ -7113,22 +7042,22 @@
           </a:ln>
         </p:spPr>
         <p:txBody>
-          <a:bodyPr spcFirstLastPara="1" wrap="square" lIns="91425" tIns="91425" rIns="91425" bIns="91425" anchor="t" anchorCtr="0">
+          <a:bodyPr anchorCtr="0" anchor="t" bIns="91425" lIns="91425" spcFirstLastPara="1" rIns="91425" wrap="square" tIns="91425">
             <a:spAutoFit/>
           </a:bodyPr>
           <a:lstStyle/>
           <a:p>
-            <a:pPr marL="0" lvl="0" indent="0" algn="r" rtl="0">
-              <a:spcBef>
-                <a:spcPts val="0"/>
-              </a:spcBef>
-              <a:spcAft>
-                <a:spcPts val="0"/>
-              </a:spcAft>
-              <a:buNone/>
-            </a:pPr>
-            <a:r>
-              <a:rPr lang="en" sz="3000" b="1">
+            <a:pPr indent="0" lvl="0" marL="0" rtl="0" algn="r">
+              <a:spcBef>
+                <a:spcPts val="0"/>
+              </a:spcBef>
+              <a:spcAft>
+                <a:spcPts val="0"/>
+              </a:spcAft>
+              <a:buNone/>
+            </a:pPr>
+            <a:r>
+              <a:rPr b="1" lang="en" sz="3000">
                 <a:latin typeface="Comfortaa"/>
                 <a:ea typeface="Comfortaa"/>
                 <a:cs typeface="Comfortaa"/>
@@ -7136,7 +7065,7 @@
               </a:rPr>
               <a:t>Discovering Health Trends in Recipe Data</a:t>
             </a:r>
-            <a:endParaRPr sz="3000" b="1">
+            <a:endParaRPr b="1" sz="3000">
               <a:latin typeface="Comfortaa"/>
               <a:ea typeface="Comfortaa"/>
               <a:cs typeface="Comfortaa"/>
@@ -7165,22 +7094,22 @@
           </a:ln>
         </p:spPr>
         <p:txBody>
-          <a:bodyPr spcFirstLastPara="1" wrap="square" lIns="91425" tIns="91425" rIns="91425" bIns="91425" anchor="t" anchorCtr="0">
+          <a:bodyPr anchorCtr="0" anchor="t" bIns="91425" lIns="91425" spcFirstLastPara="1" rIns="91425" wrap="square" tIns="91425">
             <a:spAutoFit/>
           </a:bodyPr>
           <a:lstStyle/>
           <a:p>
-            <a:pPr marL="0" lvl="0" indent="0" algn="l" rtl="0">
-              <a:spcBef>
-                <a:spcPts val="0"/>
-              </a:spcBef>
-              <a:spcAft>
-                <a:spcPts val="0"/>
-              </a:spcAft>
-              <a:buNone/>
-            </a:pPr>
-            <a:r>
-              <a:rPr lang="en" b="1">
+            <a:pPr indent="0" lvl="0" marL="0" rtl="0" algn="l">
+              <a:spcBef>
+                <a:spcPts val="0"/>
+              </a:spcBef>
+              <a:spcAft>
+                <a:spcPts val="0"/>
+              </a:spcAft>
+              <a:buNone/>
+            </a:pPr>
+            <a:r>
+              <a:rPr b="1" lang="en">
                 <a:latin typeface="Comfortaa"/>
                 <a:ea typeface="Comfortaa"/>
                 <a:cs typeface="Comfortaa"/>
@@ -7196,15 +7125,18 @@
             </a:endParaRPr>
           </a:p>
           <a:p>
-            <a:pPr marL="0" lvl="0" indent="0" algn="l" rtl="0">
-              <a:spcBef>
-                <a:spcPts val="0"/>
-              </a:spcBef>
-              <a:spcAft>
-                <a:spcPts val="0"/>
-              </a:spcAft>
-              <a:buNone/>
-            </a:pPr>
+            <a:pPr indent="0" lvl="0" marL="0" rtl="0" algn="l">
+              <a:spcBef>
+                <a:spcPts val="0"/>
+              </a:spcBef>
+              <a:spcAft>
+                <a:spcPts val="0"/>
+              </a:spcAft>
+              <a:buNone/>
+            </a:pPr>
+            <a:r>
+              <a:t/>
+            </a:r>
             <a:endParaRPr b="1">
               <a:latin typeface="Comfortaa"/>
               <a:ea typeface="Comfortaa"/>
@@ -7213,17 +7145,17 @@
             </a:endParaRPr>
           </a:p>
           <a:p>
-            <a:pPr marL="0" lvl="0" indent="0" algn="l" rtl="0">
-              <a:spcBef>
-                <a:spcPts val="0"/>
-              </a:spcBef>
-              <a:spcAft>
-                <a:spcPts val="0"/>
-              </a:spcAft>
-              <a:buNone/>
-            </a:pPr>
-            <a:r>
-              <a:rPr lang="en" b="1">
+            <a:pPr indent="0" lvl="0" marL="0" rtl="0" algn="l">
+              <a:spcBef>
+                <a:spcPts val="0"/>
+              </a:spcBef>
+              <a:spcAft>
+                <a:spcPts val="0"/>
+              </a:spcAft>
+              <a:buNone/>
+            </a:pPr>
+            <a:r>
+              <a:rPr b="1" lang="en">
                 <a:latin typeface="Comfortaa"/>
                 <a:ea typeface="Comfortaa"/>
                 <a:cs typeface="Comfortaa"/>
@@ -7257,31 +7189,34 @@
           <a:solidFill>
             <a:srgbClr val="CFE2F3"/>
           </a:solidFill>
-          <a:ln w="9525" cap="flat" cmpd="sng">
+          <a:ln cap="flat" cmpd="sng" w="9525">
             <a:solidFill>
               <a:srgbClr val="CFE2F3"/>
             </a:solidFill>
             <a:prstDash val="solid"/>
             <a:round/>
-            <a:headEnd type="none" w="sm" len="sm"/>
-            <a:tailEnd type="none" w="sm" len="sm"/>
+            <a:headEnd len="sm" w="sm" type="none"/>
+            <a:tailEnd len="sm" w="sm" type="none"/>
           </a:ln>
         </p:spPr>
         <p:txBody>
-          <a:bodyPr spcFirstLastPara="1" wrap="square" lIns="91425" tIns="91425" rIns="91425" bIns="91425" anchor="ctr" anchorCtr="0">
+          <a:bodyPr anchorCtr="0" anchor="ctr" bIns="91425" lIns="91425" spcFirstLastPara="1" rIns="91425" wrap="square" tIns="91425">
             <a:noAutofit/>
           </a:bodyPr>
           <a:lstStyle/>
           <a:p>
-            <a:pPr marL="0" lvl="0" indent="0" algn="l" rtl="0">
-              <a:spcBef>
-                <a:spcPts val="0"/>
-              </a:spcBef>
-              <a:spcAft>
-                <a:spcPts val="0"/>
-              </a:spcAft>
-              <a:buNone/>
-            </a:pPr>
+            <a:pPr indent="0" lvl="0" marL="0" rtl="0" algn="l">
+              <a:spcBef>
+                <a:spcPts val="0"/>
+              </a:spcBef>
+              <a:spcAft>
+                <a:spcPts val="0"/>
+              </a:spcAft>
+              <a:buNone/>
+            </a:pPr>
+            <a:r>
+              <a:t/>
+            </a:r>
             <a:endParaRPr/>
           </a:p>
         </p:txBody>
@@ -7296,7 +7231,7 @@
           <a:blip r:embed="rId4">
             <a:alphaModFix/>
           </a:blip>
-          <a:srcRect t="49817" b="33070"/>
+          <a:srcRect b="33070" l="0" r="0" t="49817"/>
           <a:stretch/>
         </p:blipFill>
         <p:spPr>
@@ -7322,11 +7257,11 @@
 </file>
 
 <file path=ppt/slides/slide10.xml><?xml version="1.0" encoding="utf-8"?>
-<p:sld xmlns:a="http://schemas.openxmlformats.org/drawingml/2006/main" xmlns:r="http://schemas.openxmlformats.org/officeDocument/2006/relationships" xmlns:p="http://schemas.openxmlformats.org/presentationml/2006/main">
+<p:sld xmlns:a="http://schemas.openxmlformats.org/drawingml/2006/main" xmlns:r="http://schemas.openxmlformats.org/officeDocument/2006/relationships" xmlns:mc="http://schemas.openxmlformats.org/markup-compatibility/2006" xmlns:mv="urn:schemas-microsoft-com:mac:vml" xmlns:p="http://schemas.openxmlformats.org/presentationml/2006/main" xmlns:c="http://schemas.openxmlformats.org/drawingml/2006/chart" xmlns:dgm="http://schemas.openxmlformats.org/drawingml/2006/diagram" xmlns:o="urn:schemas-microsoft-com:office:office" xmlns:v="urn:schemas-microsoft-com:vml" xmlns:pvml="urn:schemas-microsoft-com:office:powerpoint" xmlns:com="http://schemas.openxmlformats.org/drawingml/2006/compatibility" xmlns:p14="http://schemas.microsoft.com/office/powerpoint/2010/main" xmlns:p15="http://schemas.microsoft.com/office/powerpoint/2012/main" xmlns:ahyp="http://schemas.microsoft.com/office/drawing/2018/hyperlinkcolor">
   <p:cSld>
     <p:spTree>
       <p:nvGrpSpPr>
-        <p:cNvPr id="1" name="Shape 125"/>
+        <p:cNvPr id="125" name="Shape 125"/>
         <p:cNvGrpSpPr/>
         <p:nvPr/>
       </p:nvGrpSpPr>
@@ -7341,9 +7276,7 @@
       <p:sp>
         <p:nvSpPr>
           <p:cNvPr id="126" name="Google Shape;126;p22"/>
-          <p:cNvSpPr txBox="1">
-            <a:spLocks noGrp="1"/>
-          </p:cNvSpPr>
+          <p:cNvSpPr txBox="1"/>
           <p:nvPr>
             <p:ph type="title"/>
           </p:nvPr>
@@ -7358,12 +7291,12 @@
           </a:prstGeom>
         </p:spPr>
         <p:txBody>
-          <a:bodyPr spcFirstLastPara="1" wrap="square" lIns="91425" tIns="91425" rIns="91425" bIns="91425" anchor="t" anchorCtr="0">
+          <a:bodyPr anchorCtr="0" anchor="t" bIns="91425" lIns="91425" spcFirstLastPara="1" rIns="91425" wrap="square" tIns="91425">
             <a:normAutofit fontScale="90000"/>
           </a:bodyPr>
           <a:lstStyle/>
           <a:p>
-            <a:pPr marL="0" lvl="0" indent="0" algn="l" rtl="0">
+            <a:pPr indent="0" lvl="0" marL="0" rtl="0" algn="l">
               <a:spcBef>
                 <a:spcPts val="0"/>
               </a:spcBef>
@@ -7379,7 +7312,7 @@
                 <a:cs typeface="Comfortaa"/>
                 <a:sym typeface="Comfortaa"/>
               </a:rPr>
-              <a:t>Mean Recipe Nutrition Over Time</a:t>
+              <a:t>Recommended Daily Nutrition vs. Allrecipes</a:t>
             </a:r>
             <a:endParaRPr>
               <a:latin typeface="Comfortaa"/>
@@ -7407,31 +7340,34 @@
           <a:solidFill>
             <a:srgbClr val="CFE2F3"/>
           </a:solidFill>
-          <a:ln w="9525" cap="flat" cmpd="sng">
+          <a:ln cap="flat" cmpd="sng" w="9525">
             <a:solidFill>
               <a:srgbClr val="CFE2F3"/>
             </a:solidFill>
             <a:prstDash val="solid"/>
             <a:round/>
-            <a:headEnd type="none" w="sm" len="sm"/>
-            <a:tailEnd type="none" w="sm" len="sm"/>
+            <a:headEnd len="sm" w="sm" type="none"/>
+            <a:tailEnd len="sm" w="sm" type="none"/>
           </a:ln>
         </p:spPr>
         <p:txBody>
-          <a:bodyPr spcFirstLastPara="1" wrap="square" lIns="91425" tIns="91425" rIns="91425" bIns="91425" anchor="ctr" anchorCtr="0">
+          <a:bodyPr anchorCtr="0" anchor="ctr" bIns="91425" lIns="91425" spcFirstLastPara="1" rIns="91425" wrap="square" tIns="91425">
             <a:noAutofit/>
           </a:bodyPr>
           <a:lstStyle/>
           <a:p>
-            <a:pPr marL="0" lvl="0" indent="0" algn="l" rtl="0">
-              <a:spcBef>
-                <a:spcPts val="0"/>
-              </a:spcBef>
-              <a:spcAft>
-                <a:spcPts val="0"/>
-              </a:spcAft>
-              <a:buNone/>
-            </a:pPr>
+            <a:pPr indent="0" lvl="0" marL="0" rtl="0" algn="l">
+              <a:spcBef>
+                <a:spcPts val="0"/>
+              </a:spcBef>
+              <a:spcAft>
+                <a:spcPts val="0"/>
+              </a:spcAft>
+              <a:buNone/>
+            </a:pPr>
+            <a:r>
+              <a:t/>
+            </a:r>
             <a:endParaRPr/>
           </a:p>
         </p:txBody>
@@ -7442,18 +7378,17 @@
           <p:cNvPicPr preferRelativeResize="0"/>
           <p:nvPr/>
         </p:nvPicPr>
-        <p:blipFill>
+        <p:blipFill rotWithShape="1">
           <a:blip r:embed="rId3">
             <a:alphaModFix/>
           </a:blip>
-          <a:stretch>
-            <a:fillRect/>
-          </a:stretch>
+          <a:srcRect b="22672" l="0" r="0" t="16787"/>
+          <a:stretch/>
         </p:blipFill>
         <p:spPr>
           <a:xfrm>
-            <a:off x="858350" y="892825"/>
-            <a:ext cx="7289051" cy="4165176"/>
+            <a:off x="733350" y="1208800"/>
+            <a:ext cx="7757200" cy="3287324"/>
           </a:xfrm>
           <a:prstGeom prst="rect">
             <a:avLst/>
@@ -7473,11 +7408,11 @@
 </file>
 
 <file path=ppt/slides/slide11.xml><?xml version="1.0" encoding="utf-8"?>
-<p:sld xmlns:a="http://schemas.openxmlformats.org/drawingml/2006/main" xmlns:r="http://schemas.openxmlformats.org/officeDocument/2006/relationships" xmlns:p="http://schemas.openxmlformats.org/presentationml/2006/main">
+<p:sld xmlns:a="http://schemas.openxmlformats.org/drawingml/2006/main" xmlns:r="http://schemas.openxmlformats.org/officeDocument/2006/relationships" xmlns:mc="http://schemas.openxmlformats.org/markup-compatibility/2006" xmlns:mv="urn:schemas-microsoft-com:mac:vml" xmlns:p="http://schemas.openxmlformats.org/presentationml/2006/main" xmlns:c="http://schemas.openxmlformats.org/drawingml/2006/chart" xmlns:dgm="http://schemas.openxmlformats.org/drawingml/2006/diagram" xmlns:o="urn:schemas-microsoft-com:office:office" xmlns:v="urn:schemas-microsoft-com:vml" xmlns:pvml="urn:schemas-microsoft-com:office:powerpoint" xmlns:com="http://schemas.openxmlformats.org/drawingml/2006/compatibility" xmlns:p14="http://schemas.microsoft.com/office/powerpoint/2010/main" xmlns:p15="http://schemas.microsoft.com/office/powerpoint/2012/main" xmlns:ahyp="http://schemas.microsoft.com/office/drawing/2018/hyperlinkcolor">
   <p:cSld>
     <p:spTree>
       <p:nvGrpSpPr>
-        <p:cNvPr id="1" name="Shape 132"/>
+        <p:cNvPr id="132" name="Shape 132"/>
         <p:cNvGrpSpPr/>
         <p:nvPr/>
       </p:nvGrpSpPr>
@@ -7492,9 +7427,7 @@
       <p:sp>
         <p:nvSpPr>
           <p:cNvPr id="133" name="Google Shape;133;p23"/>
-          <p:cNvSpPr txBox="1">
-            <a:spLocks noGrp="1"/>
-          </p:cNvSpPr>
+          <p:cNvSpPr txBox="1"/>
           <p:nvPr>
             <p:ph type="title"/>
           </p:nvPr>
@@ -7509,12 +7442,12 @@
           </a:prstGeom>
         </p:spPr>
         <p:txBody>
-          <a:bodyPr spcFirstLastPara="1" wrap="square" lIns="91425" tIns="91425" rIns="91425" bIns="91425" anchor="t" anchorCtr="0">
+          <a:bodyPr anchorCtr="0" anchor="t" bIns="91425" lIns="91425" spcFirstLastPara="1" rIns="91425" wrap="square" tIns="91425">
             <a:normAutofit fontScale="90000"/>
           </a:bodyPr>
           <a:lstStyle/>
           <a:p>
-            <a:pPr marL="0" lvl="0" indent="0" algn="l" rtl="0">
+            <a:pPr indent="0" lvl="0" marL="0" rtl="0" algn="l">
               <a:spcBef>
                 <a:spcPts val="0"/>
               </a:spcBef>
@@ -7558,31 +7491,34 @@
           <a:solidFill>
             <a:srgbClr val="CFE2F3"/>
           </a:solidFill>
-          <a:ln w="9525" cap="flat" cmpd="sng">
+          <a:ln cap="flat" cmpd="sng" w="9525">
             <a:solidFill>
               <a:srgbClr val="CFE2F3"/>
             </a:solidFill>
             <a:prstDash val="solid"/>
             <a:round/>
-            <a:headEnd type="none" w="sm" len="sm"/>
-            <a:tailEnd type="none" w="sm" len="sm"/>
+            <a:headEnd len="sm" w="sm" type="none"/>
+            <a:tailEnd len="sm" w="sm" type="none"/>
           </a:ln>
         </p:spPr>
         <p:txBody>
-          <a:bodyPr spcFirstLastPara="1" wrap="square" lIns="91425" tIns="91425" rIns="91425" bIns="91425" anchor="ctr" anchorCtr="0">
+          <a:bodyPr anchorCtr="0" anchor="ctr" bIns="91425" lIns="91425" spcFirstLastPara="1" rIns="91425" wrap="square" tIns="91425">
             <a:noAutofit/>
           </a:bodyPr>
           <a:lstStyle/>
           <a:p>
-            <a:pPr marL="0" lvl="0" indent="0" algn="l" rtl="0">
-              <a:spcBef>
-                <a:spcPts val="0"/>
-              </a:spcBef>
-              <a:spcAft>
-                <a:spcPts val="0"/>
-              </a:spcAft>
-              <a:buNone/>
-            </a:pPr>
+            <a:pPr indent="0" lvl="0" marL="0" rtl="0" algn="l">
+              <a:spcBef>
+                <a:spcPts val="0"/>
+              </a:spcBef>
+              <a:spcAft>
+                <a:spcPts val="0"/>
+              </a:spcAft>
+              <a:buNone/>
+            </a:pPr>
+            <a:r>
+              <a:t/>
+            </a:r>
             <a:endParaRPr/>
           </a:p>
         </p:txBody>
@@ -7603,8 +7539,8 @@
         </p:blipFill>
         <p:spPr>
           <a:xfrm>
-            <a:off x="871069" y="851300"/>
-            <a:ext cx="7244608" cy="4139774"/>
+            <a:off x="858350" y="892825"/>
+            <a:ext cx="7289051" cy="4165176"/>
           </a:xfrm>
           <a:prstGeom prst="rect">
             <a:avLst/>
@@ -7624,11 +7560,11 @@
 </file>
 
 <file path=ppt/slides/slide12.xml><?xml version="1.0" encoding="utf-8"?>
-<p:sld xmlns:a="http://schemas.openxmlformats.org/drawingml/2006/main" xmlns:r="http://schemas.openxmlformats.org/officeDocument/2006/relationships" xmlns:p="http://schemas.openxmlformats.org/presentationml/2006/main">
+<p:sld xmlns:a="http://schemas.openxmlformats.org/drawingml/2006/main" xmlns:r="http://schemas.openxmlformats.org/officeDocument/2006/relationships" xmlns:mc="http://schemas.openxmlformats.org/markup-compatibility/2006" xmlns:mv="urn:schemas-microsoft-com:mac:vml" xmlns:p="http://schemas.openxmlformats.org/presentationml/2006/main" xmlns:c="http://schemas.openxmlformats.org/drawingml/2006/chart" xmlns:dgm="http://schemas.openxmlformats.org/drawingml/2006/diagram" xmlns:o="urn:schemas-microsoft-com:office:office" xmlns:v="urn:schemas-microsoft-com:vml" xmlns:pvml="urn:schemas-microsoft-com:office:powerpoint" xmlns:com="http://schemas.openxmlformats.org/drawingml/2006/compatibility" xmlns:p14="http://schemas.microsoft.com/office/powerpoint/2010/main" xmlns:p15="http://schemas.microsoft.com/office/powerpoint/2012/main" xmlns:ahyp="http://schemas.microsoft.com/office/drawing/2018/hyperlinkcolor">
   <p:cSld>
     <p:spTree>
       <p:nvGrpSpPr>
-        <p:cNvPr id="1" name="Shape 139"/>
+        <p:cNvPr id="139" name="Shape 139"/>
         <p:cNvGrpSpPr/>
         <p:nvPr/>
       </p:nvGrpSpPr>
@@ -7643,9 +7579,7 @@
       <p:sp>
         <p:nvSpPr>
           <p:cNvPr id="140" name="Google Shape;140;p24"/>
-          <p:cNvSpPr txBox="1">
-            <a:spLocks noGrp="1"/>
-          </p:cNvSpPr>
+          <p:cNvSpPr txBox="1"/>
           <p:nvPr>
             <p:ph type="title"/>
           </p:nvPr>
@@ -7660,12 +7594,12 @@
           </a:prstGeom>
         </p:spPr>
         <p:txBody>
-          <a:bodyPr spcFirstLastPara="1" wrap="square" lIns="91425" tIns="91425" rIns="91425" bIns="91425" anchor="t" anchorCtr="0">
+          <a:bodyPr anchorCtr="0" anchor="t" bIns="91425" lIns="91425" spcFirstLastPara="1" rIns="91425" wrap="square" tIns="91425">
             <a:normAutofit fontScale="90000"/>
           </a:bodyPr>
           <a:lstStyle/>
           <a:p>
-            <a:pPr marL="0" lvl="0" indent="0" algn="l" rtl="0">
+            <a:pPr indent="0" lvl="0" marL="0" rtl="0" algn="l">
               <a:spcBef>
                 <a:spcPts val="0"/>
               </a:spcBef>
@@ -7681,7 +7615,7 @@
                 <a:cs typeface="Comfortaa"/>
                 <a:sym typeface="Comfortaa"/>
               </a:rPr>
-              <a:t>Hypothesis Testing</a:t>
+              <a:t>Mean Recipe Nutrition Over Time</a:t>
             </a:r>
             <a:endParaRPr>
               <a:latin typeface="Comfortaa"/>
@@ -7709,310 +7643,41 @@
           <a:solidFill>
             <a:srgbClr val="CFE2F3"/>
           </a:solidFill>
-          <a:ln w="9525" cap="flat" cmpd="sng">
+          <a:ln cap="flat" cmpd="sng" w="9525">
             <a:solidFill>
               <a:srgbClr val="CFE2F3"/>
             </a:solidFill>
             <a:prstDash val="solid"/>
             <a:round/>
-            <a:headEnd type="none" w="sm" len="sm"/>
-            <a:tailEnd type="none" w="sm" len="sm"/>
+            <a:headEnd len="sm" w="sm" type="none"/>
+            <a:tailEnd len="sm" w="sm" type="none"/>
           </a:ln>
         </p:spPr>
         <p:txBody>
-          <a:bodyPr spcFirstLastPara="1" wrap="square" lIns="91425" tIns="91425" rIns="91425" bIns="91425" anchor="ctr" anchorCtr="0">
+          <a:bodyPr anchorCtr="0" anchor="ctr" bIns="91425" lIns="91425" spcFirstLastPara="1" rIns="91425" wrap="square" tIns="91425">
             <a:noAutofit/>
           </a:bodyPr>
           <a:lstStyle/>
           <a:p>
-            <a:pPr marL="0" lvl="0" indent="0" algn="l" rtl="0">
-              <a:spcBef>
-                <a:spcPts val="0"/>
-              </a:spcBef>
-              <a:spcAft>
-                <a:spcPts val="0"/>
-              </a:spcAft>
-              <a:buNone/>
-            </a:pPr>
-            <a:endParaRPr/>
-          </a:p>
-        </p:txBody>
-      </p:sp>
-      <p:sp>
-        <p:nvSpPr>
-          <p:cNvPr id="142" name="Google Shape;142;p24"/>
-          <p:cNvSpPr txBox="1"/>
-          <p:nvPr/>
-        </p:nvSpPr>
-        <p:spPr>
-          <a:xfrm>
-            <a:off x="5162725" y="469925"/>
-            <a:ext cx="3891900" cy="4602300"/>
-          </a:xfrm>
-          <a:prstGeom prst="rect">
-            <a:avLst/>
-          </a:prstGeom>
-          <a:noFill/>
-          <a:ln>
-            <a:noFill/>
-          </a:ln>
-        </p:spPr>
-        <p:txBody>
-          <a:bodyPr spcFirstLastPara="1" wrap="square" lIns="91425" tIns="91425" rIns="91425" bIns="91425" anchor="t" anchorCtr="0">
-            <a:spAutoFit/>
-          </a:bodyPr>
-          <a:lstStyle/>
-          <a:p>
-            <a:pPr marL="457200" lvl="0" indent="-311150" algn="l" rtl="0">
-              <a:spcBef>
-                <a:spcPts val="0"/>
-              </a:spcBef>
-              <a:spcAft>
-                <a:spcPts val="0"/>
-              </a:spcAft>
-              <a:buSzPts val="1300"/>
-              <a:buChar char="●"/>
-            </a:pPr>
-            <a:r>
-              <a:rPr lang="en" sz="1300"/>
-              <a:t>H0: The recipe category does not influence the saturated fat calories to total calories ratio </a:t>
-            </a:r>
-            <a:endParaRPr sz="1300"/>
-          </a:p>
-          <a:p>
-            <a:pPr marL="457200" lvl="0" indent="0" algn="l" rtl="0">
-              <a:spcBef>
-                <a:spcPts val="0"/>
-              </a:spcBef>
-              <a:spcAft>
-                <a:spcPts val="0"/>
-              </a:spcAft>
-              <a:buNone/>
-            </a:pPr>
-            <a:endParaRPr sz="1300"/>
-          </a:p>
-          <a:p>
-            <a:pPr marL="457200" lvl="0" indent="-311150" algn="l" rtl="0">
-              <a:spcBef>
-                <a:spcPts val="0"/>
-              </a:spcBef>
-              <a:spcAft>
-                <a:spcPts val="0"/>
-              </a:spcAft>
-              <a:buSzPts val="1300"/>
-              <a:buChar char="●"/>
-            </a:pPr>
-            <a:r>
-              <a:rPr lang="en" sz="1300"/>
-              <a:t>HA: That the recipes in the 'Seafood' category will have a different saturated fat calories to total calories ratio than the 'Chicken’' category</a:t>
-            </a:r>
-            <a:endParaRPr sz="1300"/>
-          </a:p>
-          <a:p>
-            <a:pPr marL="457200" lvl="0" indent="0" algn="l" rtl="0">
-              <a:spcBef>
-                <a:spcPts val="0"/>
-              </a:spcBef>
-              <a:spcAft>
-                <a:spcPts val="0"/>
-              </a:spcAft>
-              <a:buNone/>
-            </a:pPr>
-            <a:endParaRPr sz="1300"/>
-          </a:p>
-          <a:p>
-            <a:pPr marL="457200" lvl="0" indent="-311150" algn="l" rtl="0">
-              <a:spcBef>
-                <a:spcPts val="0"/>
-              </a:spcBef>
-              <a:spcAft>
-                <a:spcPts val="0"/>
-              </a:spcAft>
-              <a:buSzPts val="1300"/>
-              <a:buChar char="●"/>
-            </a:pPr>
-            <a:r>
-              <a:rPr lang="en" sz="1300">
-                <a:solidFill>
-                  <a:schemeClr val="dk1"/>
-                </a:solidFill>
-              </a:rPr>
-              <a:t>2-tailed t-test, alpha = 0.05</a:t>
-            </a:r>
-            <a:endParaRPr sz="1300"/>
-          </a:p>
-          <a:p>
-            <a:pPr marL="457200" lvl="0" indent="0" algn="l" rtl="0">
-              <a:spcBef>
-                <a:spcPts val="0"/>
-              </a:spcBef>
-              <a:spcAft>
-                <a:spcPts val="0"/>
-              </a:spcAft>
-              <a:buNone/>
-            </a:pPr>
-            <a:endParaRPr sz="1300"/>
-          </a:p>
-          <a:p>
-            <a:pPr marL="457200" lvl="0" indent="-311150" algn="l" rtl="0">
-              <a:spcBef>
-                <a:spcPts val="0"/>
-              </a:spcBef>
-              <a:spcAft>
-                <a:spcPts val="0"/>
-              </a:spcAft>
-              <a:buSzPts val="1300"/>
-              <a:buChar char="●"/>
-            </a:pPr>
-            <a:r>
-              <a:rPr lang="en" sz="1300"/>
-              <a:t>Seafood Category:</a:t>
-            </a:r>
-            <a:endParaRPr sz="1300"/>
-          </a:p>
-          <a:p>
-            <a:pPr marL="914400" lvl="1" indent="-311150" algn="l" rtl="0">
-              <a:spcBef>
-                <a:spcPts val="0"/>
-              </a:spcBef>
-              <a:spcAft>
-                <a:spcPts val="0"/>
-              </a:spcAft>
-              <a:buSzPts val="1300"/>
-              <a:buChar char="○"/>
-            </a:pPr>
-            <a:r>
-              <a:rPr lang="en" sz="1300"/>
-              <a:t>Mean = 0.152</a:t>
-            </a:r>
-            <a:endParaRPr sz="1300"/>
-          </a:p>
-          <a:p>
-            <a:pPr marL="914400" lvl="1" indent="-311150" algn="l" rtl="0">
-              <a:spcBef>
-                <a:spcPts val="0"/>
-              </a:spcBef>
-              <a:spcAft>
-                <a:spcPts val="0"/>
-              </a:spcAft>
-              <a:buSzPts val="1300"/>
-              <a:buChar char="○"/>
-            </a:pPr>
-            <a:r>
-              <a:rPr lang="en" sz="1300"/>
-              <a:t>Var = 0.013</a:t>
-            </a:r>
-            <a:endParaRPr sz="1300"/>
-          </a:p>
-          <a:p>
-            <a:pPr marL="914400" lvl="0" indent="0" algn="l" rtl="0">
-              <a:spcBef>
-                <a:spcPts val="0"/>
-              </a:spcBef>
-              <a:spcAft>
-                <a:spcPts val="0"/>
-              </a:spcAft>
-              <a:buNone/>
-            </a:pPr>
-            <a:endParaRPr sz="1300"/>
-          </a:p>
-          <a:p>
-            <a:pPr marL="457200" lvl="0" indent="-311150" algn="l" rtl="0">
-              <a:spcBef>
-                <a:spcPts val="0"/>
-              </a:spcBef>
-              <a:spcAft>
-                <a:spcPts val="0"/>
-              </a:spcAft>
-              <a:buSzPts val="1300"/>
-              <a:buChar char="●"/>
-            </a:pPr>
-            <a:r>
-              <a:rPr lang="en" sz="1300"/>
-              <a:t>Chicken Category:</a:t>
-            </a:r>
-            <a:endParaRPr sz="1300"/>
-          </a:p>
-          <a:p>
-            <a:pPr marL="914400" lvl="1" indent="-311150" algn="l" rtl="0">
-              <a:spcBef>
-                <a:spcPts val="0"/>
-              </a:spcBef>
-              <a:spcAft>
-                <a:spcPts val="0"/>
-              </a:spcAft>
-              <a:buSzPts val="1300"/>
-              <a:buChar char="○"/>
-            </a:pPr>
-            <a:r>
-              <a:rPr lang="en" sz="1300"/>
-              <a:t>Mean = 0.146</a:t>
-            </a:r>
-            <a:endParaRPr sz="1300"/>
-          </a:p>
-          <a:p>
-            <a:pPr marL="914400" lvl="1" indent="-311150" algn="l" rtl="0">
-              <a:spcBef>
-                <a:spcPts val="0"/>
-              </a:spcBef>
-              <a:spcAft>
-                <a:spcPts val="0"/>
-              </a:spcAft>
-              <a:buSzPts val="1300"/>
-              <a:buChar char="○"/>
-            </a:pPr>
-            <a:r>
-              <a:rPr lang="en" sz="1300"/>
-              <a:t>Var = 0.008</a:t>
-            </a:r>
-            <a:endParaRPr sz="1300"/>
-          </a:p>
-          <a:p>
-            <a:pPr marL="914400" lvl="0" indent="0" algn="l" rtl="0">
-              <a:spcBef>
-                <a:spcPts val="0"/>
-              </a:spcBef>
-              <a:spcAft>
-                <a:spcPts val="0"/>
-              </a:spcAft>
-              <a:buNone/>
-            </a:pPr>
-            <a:endParaRPr sz="1300"/>
-          </a:p>
-          <a:p>
-            <a:pPr marL="457200" lvl="0" indent="-311150" algn="l" rtl="0">
-              <a:spcBef>
-                <a:spcPts val="0"/>
-              </a:spcBef>
-              <a:spcAft>
-                <a:spcPts val="0"/>
-              </a:spcAft>
-              <a:buSzPts val="1300"/>
-              <a:buChar char="●"/>
-            </a:pPr>
-            <a:r>
-              <a:rPr lang="en" sz="1300"/>
-              <a:t>The p-value is 0.115, so we cannot reject the null hypothesis</a:t>
-            </a:r>
-            <a:endParaRPr sz="1300"/>
-          </a:p>
-          <a:p>
-            <a:pPr marL="914400" lvl="0" indent="0" algn="l" rtl="0">
-              <a:spcBef>
-                <a:spcPts val="0"/>
-              </a:spcBef>
-              <a:spcAft>
-                <a:spcPts val="0"/>
-              </a:spcAft>
-              <a:buNone/>
-            </a:pPr>
+            <a:pPr indent="0" lvl="0" marL="0" rtl="0" algn="l">
+              <a:spcBef>
+                <a:spcPts val="0"/>
+              </a:spcBef>
+              <a:spcAft>
+                <a:spcPts val="0"/>
+              </a:spcAft>
+              <a:buNone/>
+            </a:pPr>
+            <a:r>
+              <a:t/>
+            </a:r>
             <a:endParaRPr/>
           </a:p>
         </p:txBody>
       </p:sp>
       <p:pic>
         <p:nvPicPr>
-          <p:cNvPr id="143" name="Google Shape;143;p24"/>
+          <p:cNvPr id="142" name="Google Shape;142;p24"/>
           <p:cNvPicPr preferRelativeResize="0"/>
           <p:nvPr/>
         </p:nvPicPr>
@@ -8026,8 +7691,8 @@
         </p:blipFill>
         <p:spPr>
           <a:xfrm>
-            <a:off x="272425" y="1158763"/>
-            <a:ext cx="4800600" cy="3648075"/>
+            <a:off x="871069" y="851300"/>
+            <a:ext cx="7244608" cy="4139774"/>
           </a:xfrm>
           <a:prstGeom prst="rect">
             <a:avLst/>
@@ -8047,11 +7712,11 @@
 </file>
 
 <file path=ppt/slides/slide13.xml><?xml version="1.0" encoding="utf-8"?>
-<p:sld xmlns:a="http://schemas.openxmlformats.org/drawingml/2006/main" xmlns:r="http://schemas.openxmlformats.org/officeDocument/2006/relationships" xmlns:p="http://schemas.openxmlformats.org/presentationml/2006/main">
+<p:sld xmlns:a="http://schemas.openxmlformats.org/drawingml/2006/main" xmlns:r="http://schemas.openxmlformats.org/officeDocument/2006/relationships" xmlns:mc="http://schemas.openxmlformats.org/markup-compatibility/2006" xmlns:mv="urn:schemas-microsoft-com:mac:vml" xmlns:p="http://schemas.openxmlformats.org/presentationml/2006/main" xmlns:c="http://schemas.openxmlformats.org/drawingml/2006/chart" xmlns:dgm="http://schemas.openxmlformats.org/drawingml/2006/diagram" xmlns:o="urn:schemas-microsoft-com:office:office" xmlns:v="urn:schemas-microsoft-com:vml" xmlns:pvml="urn:schemas-microsoft-com:office:powerpoint" xmlns:com="http://schemas.openxmlformats.org/drawingml/2006/compatibility" xmlns:p14="http://schemas.microsoft.com/office/powerpoint/2010/main" xmlns:p15="http://schemas.microsoft.com/office/powerpoint/2012/main" xmlns:ahyp="http://schemas.microsoft.com/office/drawing/2018/hyperlinkcolor">
   <p:cSld>
     <p:spTree>
       <p:nvGrpSpPr>
-        <p:cNvPr id="1" name="Shape 147"/>
+        <p:cNvPr id="146" name="Shape 146"/>
         <p:cNvGrpSpPr/>
         <p:nvPr/>
       </p:nvGrpSpPr>
@@ -8065,10 +7730,8 @@
       </p:grpSpPr>
       <p:sp>
         <p:nvSpPr>
-          <p:cNvPr id="148" name="Google Shape;148;p25"/>
-          <p:cNvSpPr txBox="1">
-            <a:spLocks noGrp="1"/>
-          </p:cNvSpPr>
+          <p:cNvPr id="147" name="Google Shape;147;p25"/>
+          <p:cNvSpPr txBox="1"/>
           <p:nvPr>
             <p:ph type="title"/>
           </p:nvPr>
@@ -8083,12 +7746,12 @@
           </a:prstGeom>
         </p:spPr>
         <p:txBody>
-          <a:bodyPr spcFirstLastPara="1" wrap="square" lIns="91425" tIns="91425" rIns="91425" bIns="91425" anchor="t" anchorCtr="0">
+          <a:bodyPr anchorCtr="0" anchor="t" bIns="91425" lIns="91425" spcFirstLastPara="1" rIns="91425" wrap="square" tIns="91425">
             <a:normAutofit fontScale="90000"/>
           </a:bodyPr>
           <a:lstStyle/>
           <a:p>
-            <a:pPr marL="0" lvl="0" indent="0" algn="l" rtl="0">
+            <a:pPr indent="0" lvl="0" marL="0" rtl="0" algn="l">
               <a:spcBef>
                 <a:spcPts val="0"/>
               </a:spcBef>
@@ -8117,7 +7780,7 @@
       </p:sp>
       <p:sp>
         <p:nvSpPr>
-          <p:cNvPr id="149" name="Google Shape;149;p25"/>
+          <p:cNvPr id="148" name="Google Shape;148;p25"/>
           <p:cNvSpPr/>
           <p:nvPr/>
         </p:nvSpPr>
@@ -8132,45 +7795,48 @@
           <a:solidFill>
             <a:srgbClr val="CFE2F3"/>
           </a:solidFill>
-          <a:ln w="9525" cap="flat" cmpd="sng">
+          <a:ln cap="flat" cmpd="sng" w="9525">
             <a:solidFill>
               <a:srgbClr val="CFE2F3"/>
             </a:solidFill>
             <a:prstDash val="solid"/>
             <a:round/>
-            <a:headEnd type="none" w="sm" len="sm"/>
-            <a:tailEnd type="none" w="sm" len="sm"/>
+            <a:headEnd len="sm" w="sm" type="none"/>
+            <a:tailEnd len="sm" w="sm" type="none"/>
           </a:ln>
         </p:spPr>
         <p:txBody>
-          <a:bodyPr spcFirstLastPara="1" wrap="square" lIns="91425" tIns="91425" rIns="91425" bIns="91425" anchor="ctr" anchorCtr="0">
+          <a:bodyPr anchorCtr="0" anchor="ctr" bIns="91425" lIns="91425" spcFirstLastPara="1" rIns="91425" wrap="square" tIns="91425">
             <a:noAutofit/>
           </a:bodyPr>
           <a:lstStyle/>
           <a:p>
-            <a:pPr marL="0" lvl="0" indent="0" algn="l" rtl="0">
-              <a:spcBef>
-                <a:spcPts val="0"/>
-              </a:spcBef>
-              <a:spcAft>
-                <a:spcPts val="0"/>
-              </a:spcAft>
-              <a:buNone/>
-            </a:pPr>
+            <a:pPr indent="0" lvl="0" marL="0" rtl="0" algn="l">
+              <a:spcBef>
+                <a:spcPts val="0"/>
+              </a:spcBef>
+              <a:spcAft>
+                <a:spcPts val="0"/>
+              </a:spcAft>
+              <a:buNone/>
+            </a:pPr>
+            <a:r>
+              <a:t/>
+            </a:r>
             <a:endParaRPr/>
           </a:p>
         </p:txBody>
       </p:sp>
       <p:sp>
         <p:nvSpPr>
-          <p:cNvPr id="150" name="Google Shape;150;p25"/>
+          <p:cNvPr id="149" name="Google Shape;149;p25"/>
           <p:cNvSpPr txBox="1"/>
           <p:nvPr/>
         </p:nvSpPr>
         <p:spPr>
           <a:xfrm>
             <a:off x="5162725" y="469925"/>
-            <a:ext cx="3891900" cy="4202100"/>
+            <a:ext cx="3891900" cy="4602300"/>
           </a:xfrm>
           <a:prstGeom prst="rect">
             <a:avLst/>
@@ -8181,12 +7847,12 @@
           </a:ln>
         </p:spPr>
         <p:txBody>
-          <a:bodyPr spcFirstLastPara="1" wrap="square" lIns="91425" tIns="91425" rIns="91425" bIns="91425" anchor="t" anchorCtr="0">
+          <a:bodyPr anchorCtr="0" anchor="t" bIns="91425" lIns="91425" spcFirstLastPara="1" rIns="91425" wrap="square" tIns="91425">
             <a:spAutoFit/>
           </a:bodyPr>
           <a:lstStyle/>
           <a:p>
-            <a:pPr marL="457200" lvl="0" indent="-311150" algn="l" rtl="0">
+            <a:pPr indent="-311150" lvl="0" marL="457200" rtl="0" algn="l">
               <a:spcBef>
                 <a:spcPts val="0"/>
               </a:spcBef>
@@ -8198,24 +7864,27 @@
             </a:pPr>
             <a:r>
               <a:rPr lang="en" sz="1300"/>
-              <a:t>H0: The recipe category does not influence the fiber to calories ratio </a:t>
+              <a:t>H0: The recipe category does not influence the saturated fat calories to total calories ratio </a:t>
             </a:r>
             <a:endParaRPr sz="1300"/>
           </a:p>
           <a:p>
-            <a:pPr marL="457200" lvl="0" indent="0" algn="l" rtl="0">
-              <a:spcBef>
-                <a:spcPts val="0"/>
-              </a:spcBef>
-              <a:spcAft>
-                <a:spcPts val="0"/>
-              </a:spcAft>
-              <a:buNone/>
-            </a:pPr>
+            <a:pPr indent="0" lvl="0" marL="457200" rtl="0" algn="l">
+              <a:spcBef>
+                <a:spcPts val="0"/>
+              </a:spcBef>
+              <a:spcAft>
+                <a:spcPts val="0"/>
+              </a:spcAft>
+              <a:buNone/>
+            </a:pPr>
+            <a:r>
+              <a:t/>
+            </a:r>
             <a:endParaRPr sz="1300"/>
           </a:p>
           <a:p>
-            <a:pPr marL="457200" lvl="0" indent="-311150" algn="l" rtl="0">
+            <a:pPr indent="-311150" lvl="0" marL="457200" rtl="0" algn="l">
               <a:spcBef>
                 <a:spcPts val="0"/>
               </a:spcBef>
@@ -8227,24 +7896,27 @@
             </a:pPr>
             <a:r>
               <a:rPr lang="en" sz="1300"/>
-              <a:t>HA: That the recipes in the 'Main Dish' category will have a different fiber to calories ratio than the 'Vegetarian' category</a:t>
+              <a:t>HA: That the recipes in the 'Seafood' category will have a different saturated fat calories to total calories ratio than the 'Chicken’' category</a:t>
             </a:r>
             <a:endParaRPr sz="1300"/>
           </a:p>
           <a:p>
-            <a:pPr marL="457200" lvl="0" indent="0" algn="l" rtl="0">
-              <a:spcBef>
-                <a:spcPts val="0"/>
-              </a:spcBef>
-              <a:spcAft>
-                <a:spcPts val="0"/>
-              </a:spcAft>
-              <a:buNone/>
-            </a:pPr>
+            <a:pPr indent="0" lvl="0" marL="457200" rtl="0" algn="l">
+              <a:spcBef>
+                <a:spcPts val="0"/>
+              </a:spcBef>
+              <a:spcAft>
+                <a:spcPts val="0"/>
+              </a:spcAft>
+              <a:buNone/>
+            </a:pPr>
+            <a:r>
+              <a:t/>
+            </a:r>
             <a:endParaRPr sz="1300"/>
           </a:p>
           <a:p>
-            <a:pPr marL="457200" lvl="0" indent="-311150" algn="l" rtl="0">
+            <a:pPr indent="-311150" lvl="0" marL="457200" rtl="0" algn="l">
               <a:spcBef>
                 <a:spcPts val="0"/>
               </a:spcBef>
@@ -8265,19 +7937,22 @@
             <a:endParaRPr sz="1300"/>
           </a:p>
           <a:p>
-            <a:pPr marL="457200" lvl="0" indent="0" algn="l" rtl="0">
-              <a:spcBef>
-                <a:spcPts val="0"/>
-              </a:spcBef>
-              <a:spcAft>
-                <a:spcPts val="0"/>
-              </a:spcAft>
-              <a:buNone/>
-            </a:pPr>
+            <a:pPr indent="0" lvl="0" marL="457200" rtl="0" algn="l">
+              <a:spcBef>
+                <a:spcPts val="0"/>
+              </a:spcBef>
+              <a:spcAft>
+                <a:spcPts val="0"/>
+              </a:spcAft>
+              <a:buNone/>
+            </a:pPr>
+            <a:r>
+              <a:t/>
+            </a:r>
             <a:endParaRPr sz="1300"/>
           </a:p>
           <a:p>
-            <a:pPr marL="457200" lvl="0" indent="-311150" algn="l" rtl="0">
+            <a:pPr indent="-311150" lvl="0" marL="457200" rtl="0" algn="l">
               <a:spcBef>
                 <a:spcPts val="0"/>
               </a:spcBef>
@@ -8289,12 +7964,12 @@
             </a:pPr>
             <a:r>
               <a:rPr lang="en" sz="1300"/>
-              <a:t>Main Dish Category:</a:t>
+              <a:t>Seafood Category:</a:t>
             </a:r>
             <a:endParaRPr sz="1300"/>
           </a:p>
           <a:p>
-            <a:pPr marL="914400" lvl="1" indent="-311150" algn="l" rtl="0">
+            <a:pPr indent="-311150" lvl="1" marL="914400" rtl="0" algn="l">
               <a:spcBef>
                 <a:spcPts val="0"/>
               </a:spcBef>
@@ -8306,12 +7981,12 @@
             </a:pPr>
             <a:r>
               <a:rPr lang="en" sz="1300"/>
-              <a:t>Mean = 0.008</a:t>
+              <a:t>Mean = 0.152</a:t>
             </a:r>
             <a:endParaRPr sz="1300"/>
           </a:p>
           <a:p>
-            <a:pPr marL="914400" lvl="1" indent="-311150" algn="l" rtl="0">
+            <a:pPr indent="-311150" lvl="1" marL="914400" rtl="0" algn="l">
               <a:spcBef>
                 <a:spcPts val="0"/>
               </a:spcBef>
@@ -8323,24 +7998,27 @@
             </a:pPr>
             <a:r>
               <a:rPr lang="en" sz="1300"/>
-              <a:t>Var = 0.000055</a:t>
+              <a:t>Var = 0.013</a:t>
             </a:r>
             <a:endParaRPr sz="1300"/>
           </a:p>
           <a:p>
-            <a:pPr marL="914400" lvl="0" indent="0" algn="l" rtl="0">
-              <a:spcBef>
-                <a:spcPts val="0"/>
-              </a:spcBef>
-              <a:spcAft>
-                <a:spcPts val="0"/>
-              </a:spcAft>
-              <a:buNone/>
-            </a:pPr>
+            <a:pPr indent="0" lvl="0" marL="914400" rtl="0" algn="l">
+              <a:spcBef>
+                <a:spcPts val="0"/>
+              </a:spcBef>
+              <a:spcAft>
+                <a:spcPts val="0"/>
+              </a:spcAft>
+              <a:buNone/>
+            </a:pPr>
+            <a:r>
+              <a:t/>
+            </a:r>
             <a:endParaRPr sz="1300"/>
           </a:p>
           <a:p>
-            <a:pPr marL="457200" lvl="0" indent="-311150" algn="l" rtl="0">
+            <a:pPr indent="-311150" lvl="0" marL="457200" rtl="0" algn="l">
               <a:spcBef>
                 <a:spcPts val="0"/>
               </a:spcBef>
@@ -8352,12 +8030,12 @@
             </a:pPr>
             <a:r>
               <a:rPr lang="en" sz="1300"/>
-              <a:t>Vegetarian Category:</a:t>
+              <a:t>Chicken Category:</a:t>
             </a:r>
             <a:endParaRPr sz="1300"/>
           </a:p>
           <a:p>
-            <a:pPr marL="914400" lvl="1" indent="-311150" algn="l" rtl="0">
+            <a:pPr indent="-311150" lvl="1" marL="914400" rtl="0" algn="l">
               <a:spcBef>
                 <a:spcPts val="0"/>
               </a:spcBef>
@@ -8369,12 +8047,12 @@
             </a:pPr>
             <a:r>
               <a:rPr lang="en" sz="1300"/>
-              <a:t>Mean = 0.021</a:t>
+              <a:t>Mean = 0.146</a:t>
             </a:r>
             <a:endParaRPr sz="1300"/>
           </a:p>
           <a:p>
-            <a:pPr marL="914400" lvl="1" indent="-311150" algn="l" rtl="0">
+            <a:pPr indent="-311150" lvl="1" marL="914400" rtl="0" algn="l">
               <a:spcBef>
                 <a:spcPts val="0"/>
               </a:spcBef>
@@ -8386,24 +8064,27 @@
             </a:pPr>
             <a:r>
               <a:rPr lang="en" sz="1300"/>
-              <a:t>Var = 0.000263</a:t>
+              <a:t>Var = 0.008</a:t>
             </a:r>
             <a:endParaRPr sz="1300"/>
           </a:p>
           <a:p>
-            <a:pPr marL="914400" lvl="0" indent="0" algn="l" rtl="0">
-              <a:spcBef>
-                <a:spcPts val="0"/>
-              </a:spcBef>
-              <a:spcAft>
-                <a:spcPts val="0"/>
-              </a:spcAft>
-              <a:buNone/>
-            </a:pPr>
+            <a:pPr indent="0" lvl="0" marL="914400" rtl="0" algn="l">
+              <a:spcBef>
+                <a:spcPts val="0"/>
+              </a:spcBef>
+              <a:spcAft>
+                <a:spcPts val="0"/>
+              </a:spcAft>
+              <a:buNone/>
+            </a:pPr>
+            <a:r>
+              <a:t/>
+            </a:r>
             <a:endParaRPr sz="1300"/>
           </a:p>
           <a:p>
-            <a:pPr marL="457200" lvl="0" indent="-311150" algn="l" rtl="0">
+            <a:pPr indent="-311150" lvl="0" marL="457200" rtl="0" algn="l">
               <a:spcBef>
                 <a:spcPts val="0"/>
               </a:spcBef>
@@ -8415,27 +8096,30 @@
             </a:pPr>
             <a:r>
               <a:rPr lang="en" sz="1300"/>
-              <a:t>The p-value is 0.0, so we reject the null hypothesis</a:t>
+              <a:t>The p-value is 0.115, so we cannot reject the null hypothesis</a:t>
             </a:r>
             <a:endParaRPr sz="1300"/>
           </a:p>
           <a:p>
-            <a:pPr marL="914400" lvl="0" indent="0" algn="l" rtl="0">
-              <a:spcBef>
-                <a:spcPts val="0"/>
-              </a:spcBef>
-              <a:spcAft>
-                <a:spcPts val="0"/>
-              </a:spcAft>
-              <a:buNone/>
-            </a:pPr>
+            <a:pPr indent="0" lvl="0" marL="914400" rtl="0" algn="l">
+              <a:spcBef>
+                <a:spcPts val="0"/>
+              </a:spcBef>
+              <a:spcAft>
+                <a:spcPts val="0"/>
+              </a:spcAft>
+              <a:buNone/>
+            </a:pPr>
+            <a:r>
+              <a:t/>
+            </a:r>
             <a:endParaRPr/>
           </a:p>
         </p:txBody>
       </p:sp>
       <p:pic>
         <p:nvPicPr>
-          <p:cNvPr id="151" name="Google Shape;151;p25"/>
+          <p:cNvPr id="150" name="Google Shape;150;p25"/>
           <p:cNvPicPr preferRelativeResize="0"/>
           <p:nvPr/>
         </p:nvPicPr>
@@ -8449,8 +8133,8 @@
         </p:blipFill>
         <p:spPr>
           <a:xfrm>
-            <a:off x="77900" y="921275"/>
-            <a:ext cx="5084826" cy="3813626"/>
+            <a:off x="272425" y="1158763"/>
+            <a:ext cx="4800600" cy="3648075"/>
           </a:xfrm>
           <a:prstGeom prst="rect">
             <a:avLst/>
@@ -8470,11 +8154,453 @@
 </file>
 
 <file path=ppt/slides/slide14.xml><?xml version="1.0" encoding="utf-8"?>
-<p:sld xmlns:a="http://schemas.openxmlformats.org/drawingml/2006/main" xmlns:r="http://schemas.openxmlformats.org/officeDocument/2006/relationships" xmlns:p="http://schemas.openxmlformats.org/presentationml/2006/main">
+<p:sld xmlns:a="http://schemas.openxmlformats.org/drawingml/2006/main" xmlns:r="http://schemas.openxmlformats.org/officeDocument/2006/relationships" xmlns:mc="http://schemas.openxmlformats.org/markup-compatibility/2006" xmlns:mv="urn:schemas-microsoft-com:mac:vml" xmlns:p="http://schemas.openxmlformats.org/presentationml/2006/main" xmlns:c="http://schemas.openxmlformats.org/drawingml/2006/chart" xmlns:dgm="http://schemas.openxmlformats.org/drawingml/2006/diagram" xmlns:o="urn:schemas-microsoft-com:office:office" xmlns:v="urn:schemas-microsoft-com:vml" xmlns:pvml="urn:schemas-microsoft-com:office:powerpoint" xmlns:com="http://schemas.openxmlformats.org/drawingml/2006/compatibility" xmlns:p14="http://schemas.microsoft.com/office/powerpoint/2010/main" xmlns:p15="http://schemas.microsoft.com/office/powerpoint/2012/main" xmlns:ahyp="http://schemas.microsoft.com/office/drawing/2018/hyperlinkcolor">
   <p:cSld>
     <p:spTree>
       <p:nvGrpSpPr>
-        <p:cNvPr id="1" name="Shape 155"/>
+        <p:cNvPr id="154" name="Shape 154"/>
+        <p:cNvGrpSpPr/>
+        <p:nvPr/>
+      </p:nvGrpSpPr>
+      <p:grpSpPr>
+        <a:xfrm>
+          <a:off x="0" y="0"/>
+          <a:ext cx="0" cy="0"/>
+          <a:chOff x="0" y="0"/>
+          <a:chExt cx="0" cy="0"/>
+        </a:xfrm>
+      </p:grpSpPr>
+      <p:sp>
+        <p:nvSpPr>
+          <p:cNvPr id="155" name="Google Shape;155;p26"/>
+          <p:cNvSpPr txBox="1"/>
+          <p:nvPr>
+            <p:ph type="title"/>
+          </p:nvPr>
+        </p:nvSpPr>
+        <p:spPr>
+          <a:xfrm>
+            <a:off x="311700" y="278600"/>
+            <a:ext cx="8520600" cy="572700"/>
+          </a:xfrm>
+          <a:prstGeom prst="rect">
+            <a:avLst/>
+          </a:prstGeom>
+        </p:spPr>
+        <p:txBody>
+          <a:bodyPr anchorCtr="0" anchor="t" bIns="91425" lIns="91425" spcFirstLastPara="1" rIns="91425" wrap="square" tIns="91425">
+            <a:normAutofit fontScale="90000"/>
+          </a:bodyPr>
+          <a:lstStyle/>
+          <a:p>
+            <a:pPr indent="0" lvl="0" marL="0" rtl="0" algn="l">
+              <a:spcBef>
+                <a:spcPts val="0"/>
+              </a:spcBef>
+              <a:spcAft>
+                <a:spcPts val="0"/>
+              </a:spcAft>
+              <a:buNone/>
+            </a:pPr>
+            <a:r>
+              <a:rPr lang="en">
+                <a:latin typeface="Comfortaa"/>
+                <a:ea typeface="Comfortaa"/>
+                <a:cs typeface="Comfortaa"/>
+                <a:sym typeface="Comfortaa"/>
+              </a:rPr>
+              <a:t>Hypothesis Testing</a:t>
+            </a:r>
+            <a:endParaRPr>
+              <a:latin typeface="Comfortaa"/>
+              <a:ea typeface="Comfortaa"/>
+              <a:cs typeface="Comfortaa"/>
+              <a:sym typeface="Comfortaa"/>
+            </a:endParaRPr>
+          </a:p>
+        </p:txBody>
+      </p:sp>
+      <p:sp>
+        <p:nvSpPr>
+          <p:cNvPr id="156" name="Google Shape;156;p26"/>
+          <p:cNvSpPr/>
+          <p:nvPr/>
+        </p:nvSpPr>
+        <p:spPr>
+          <a:xfrm>
+            <a:off x="249626" y="278600"/>
+            <a:ext cx="22800" cy="572700"/>
+          </a:xfrm>
+          <a:prstGeom prst="rect">
+            <a:avLst/>
+          </a:prstGeom>
+          <a:solidFill>
+            <a:srgbClr val="CFE2F3"/>
+          </a:solidFill>
+          <a:ln cap="flat" cmpd="sng" w="9525">
+            <a:solidFill>
+              <a:srgbClr val="CFE2F3"/>
+            </a:solidFill>
+            <a:prstDash val="solid"/>
+            <a:round/>
+            <a:headEnd len="sm" w="sm" type="none"/>
+            <a:tailEnd len="sm" w="sm" type="none"/>
+          </a:ln>
+        </p:spPr>
+        <p:txBody>
+          <a:bodyPr anchorCtr="0" anchor="ctr" bIns="91425" lIns="91425" spcFirstLastPara="1" rIns="91425" wrap="square" tIns="91425">
+            <a:noAutofit/>
+          </a:bodyPr>
+          <a:lstStyle/>
+          <a:p>
+            <a:pPr indent="0" lvl="0" marL="0" rtl="0" algn="l">
+              <a:spcBef>
+                <a:spcPts val="0"/>
+              </a:spcBef>
+              <a:spcAft>
+                <a:spcPts val="0"/>
+              </a:spcAft>
+              <a:buNone/>
+            </a:pPr>
+            <a:r>
+              <a:t/>
+            </a:r>
+            <a:endParaRPr/>
+          </a:p>
+        </p:txBody>
+      </p:sp>
+      <p:sp>
+        <p:nvSpPr>
+          <p:cNvPr id="157" name="Google Shape;157;p26"/>
+          <p:cNvSpPr txBox="1"/>
+          <p:nvPr/>
+        </p:nvSpPr>
+        <p:spPr>
+          <a:xfrm>
+            <a:off x="5162725" y="469925"/>
+            <a:ext cx="3891900" cy="4202100"/>
+          </a:xfrm>
+          <a:prstGeom prst="rect">
+            <a:avLst/>
+          </a:prstGeom>
+          <a:noFill/>
+          <a:ln>
+            <a:noFill/>
+          </a:ln>
+        </p:spPr>
+        <p:txBody>
+          <a:bodyPr anchorCtr="0" anchor="t" bIns="91425" lIns="91425" spcFirstLastPara="1" rIns="91425" wrap="square" tIns="91425">
+            <a:spAutoFit/>
+          </a:bodyPr>
+          <a:lstStyle/>
+          <a:p>
+            <a:pPr indent="-311150" lvl="0" marL="457200" rtl="0" algn="l">
+              <a:spcBef>
+                <a:spcPts val="0"/>
+              </a:spcBef>
+              <a:spcAft>
+                <a:spcPts val="0"/>
+              </a:spcAft>
+              <a:buSzPts val="1300"/>
+              <a:buChar char="●"/>
+            </a:pPr>
+            <a:r>
+              <a:rPr lang="en" sz="1300"/>
+              <a:t>H0: The recipe category does not influence the fiber to calories ratio </a:t>
+            </a:r>
+            <a:endParaRPr sz="1300"/>
+          </a:p>
+          <a:p>
+            <a:pPr indent="0" lvl="0" marL="457200" rtl="0" algn="l">
+              <a:spcBef>
+                <a:spcPts val="0"/>
+              </a:spcBef>
+              <a:spcAft>
+                <a:spcPts val="0"/>
+              </a:spcAft>
+              <a:buNone/>
+            </a:pPr>
+            <a:r>
+              <a:t/>
+            </a:r>
+            <a:endParaRPr sz="1300"/>
+          </a:p>
+          <a:p>
+            <a:pPr indent="-311150" lvl="0" marL="457200" rtl="0" algn="l">
+              <a:spcBef>
+                <a:spcPts val="0"/>
+              </a:spcBef>
+              <a:spcAft>
+                <a:spcPts val="0"/>
+              </a:spcAft>
+              <a:buSzPts val="1300"/>
+              <a:buChar char="●"/>
+            </a:pPr>
+            <a:r>
+              <a:rPr lang="en" sz="1300"/>
+              <a:t>HA: That the recipes in the 'Main Dish' category will have a different fiber to calories ratio than the 'Vegetarian' category</a:t>
+            </a:r>
+            <a:endParaRPr sz="1300"/>
+          </a:p>
+          <a:p>
+            <a:pPr indent="0" lvl="0" marL="457200" rtl="0" algn="l">
+              <a:spcBef>
+                <a:spcPts val="0"/>
+              </a:spcBef>
+              <a:spcAft>
+                <a:spcPts val="0"/>
+              </a:spcAft>
+              <a:buNone/>
+            </a:pPr>
+            <a:r>
+              <a:t/>
+            </a:r>
+            <a:endParaRPr sz="1300"/>
+          </a:p>
+          <a:p>
+            <a:pPr indent="-311150" lvl="0" marL="457200" rtl="0" algn="l">
+              <a:spcBef>
+                <a:spcPts val="0"/>
+              </a:spcBef>
+              <a:spcAft>
+                <a:spcPts val="0"/>
+              </a:spcAft>
+              <a:buSzPts val="1300"/>
+              <a:buChar char="●"/>
+            </a:pPr>
+            <a:r>
+              <a:rPr lang="en" sz="1300">
+                <a:solidFill>
+                  <a:schemeClr val="dk1"/>
+                </a:solidFill>
+              </a:rPr>
+              <a:t>2-tailed t-test, alpha = 0.05</a:t>
+            </a:r>
+            <a:endParaRPr sz="1300"/>
+          </a:p>
+          <a:p>
+            <a:pPr indent="0" lvl="0" marL="457200" rtl="0" algn="l">
+              <a:spcBef>
+                <a:spcPts val="0"/>
+              </a:spcBef>
+              <a:spcAft>
+                <a:spcPts val="0"/>
+              </a:spcAft>
+              <a:buNone/>
+            </a:pPr>
+            <a:r>
+              <a:t/>
+            </a:r>
+            <a:endParaRPr sz="1300"/>
+          </a:p>
+          <a:p>
+            <a:pPr indent="-311150" lvl="0" marL="457200" rtl="0" algn="l">
+              <a:spcBef>
+                <a:spcPts val="0"/>
+              </a:spcBef>
+              <a:spcAft>
+                <a:spcPts val="0"/>
+              </a:spcAft>
+              <a:buSzPts val="1300"/>
+              <a:buChar char="●"/>
+            </a:pPr>
+            <a:r>
+              <a:rPr lang="en" sz="1300"/>
+              <a:t>Main Dish Category:</a:t>
+            </a:r>
+            <a:endParaRPr sz="1300"/>
+          </a:p>
+          <a:p>
+            <a:pPr indent="-311150" lvl="1" marL="914400" rtl="0" algn="l">
+              <a:spcBef>
+                <a:spcPts val="0"/>
+              </a:spcBef>
+              <a:spcAft>
+                <a:spcPts val="0"/>
+              </a:spcAft>
+              <a:buSzPts val="1300"/>
+              <a:buChar char="○"/>
+            </a:pPr>
+            <a:r>
+              <a:rPr lang="en" sz="1300"/>
+              <a:t>Mean = 0.008</a:t>
+            </a:r>
+            <a:endParaRPr sz="1300"/>
+          </a:p>
+          <a:p>
+            <a:pPr indent="-311150" lvl="1" marL="914400" rtl="0" algn="l">
+              <a:spcBef>
+                <a:spcPts val="0"/>
+              </a:spcBef>
+              <a:spcAft>
+                <a:spcPts val="0"/>
+              </a:spcAft>
+              <a:buSzPts val="1300"/>
+              <a:buChar char="○"/>
+            </a:pPr>
+            <a:r>
+              <a:rPr lang="en" sz="1300"/>
+              <a:t>Var = 0.000055</a:t>
+            </a:r>
+            <a:endParaRPr sz="1300"/>
+          </a:p>
+          <a:p>
+            <a:pPr indent="0" lvl="0" marL="914400" rtl="0" algn="l">
+              <a:spcBef>
+                <a:spcPts val="0"/>
+              </a:spcBef>
+              <a:spcAft>
+                <a:spcPts val="0"/>
+              </a:spcAft>
+              <a:buNone/>
+            </a:pPr>
+            <a:r>
+              <a:t/>
+            </a:r>
+            <a:endParaRPr sz="1300"/>
+          </a:p>
+          <a:p>
+            <a:pPr indent="-311150" lvl="0" marL="457200" rtl="0" algn="l">
+              <a:spcBef>
+                <a:spcPts val="0"/>
+              </a:spcBef>
+              <a:spcAft>
+                <a:spcPts val="0"/>
+              </a:spcAft>
+              <a:buSzPts val="1300"/>
+              <a:buChar char="●"/>
+            </a:pPr>
+            <a:r>
+              <a:rPr lang="en" sz="1300"/>
+              <a:t>Vegetarian Category:</a:t>
+            </a:r>
+            <a:endParaRPr sz="1300"/>
+          </a:p>
+          <a:p>
+            <a:pPr indent="-311150" lvl="1" marL="914400" rtl="0" algn="l">
+              <a:spcBef>
+                <a:spcPts val="0"/>
+              </a:spcBef>
+              <a:spcAft>
+                <a:spcPts val="0"/>
+              </a:spcAft>
+              <a:buSzPts val="1300"/>
+              <a:buChar char="○"/>
+            </a:pPr>
+            <a:r>
+              <a:rPr lang="en" sz="1300"/>
+              <a:t>Mean = 0.021</a:t>
+            </a:r>
+            <a:endParaRPr sz="1300"/>
+          </a:p>
+          <a:p>
+            <a:pPr indent="-311150" lvl="1" marL="914400" rtl="0" algn="l">
+              <a:spcBef>
+                <a:spcPts val="0"/>
+              </a:spcBef>
+              <a:spcAft>
+                <a:spcPts val="0"/>
+              </a:spcAft>
+              <a:buSzPts val="1300"/>
+              <a:buChar char="○"/>
+            </a:pPr>
+            <a:r>
+              <a:rPr lang="en" sz="1300"/>
+              <a:t>Var = 0.000263</a:t>
+            </a:r>
+            <a:endParaRPr sz="1300"/>
+          </a:p>
+          <a:p>
+            <a:pPr indent="0" lvl="0" marL="914400" rtl="0" algn="l">
+              <a:spcBef>
+                <a:spcPts val="0"/>
+              </a:spcBef>
+              <a:spcAft>
+                <a:spcPts val="0"/>
+              </a:spcAft>
+              <a:buNone/>
+            </a:pPr>
+            <a:r>
+              <a:t/>
+            </a:r>
+            <a:endParaRPr sz="1300"/>
+          </a:p>
+          <a:p>
+            <a:pPr indent="-311150" lvl="0" marL="457200" rtl="0" algn="l">
+              <a:spcBef>
+                <a:spcPts val="0"/>
+              </a:spcBef>
+              <a:spcAft>
+                <a:spcPts val="0"/>
+              </a:spcAft>
+              <a:buSzPts val="1300"/>
+              <a:buChar char="●"/>
+            </a:pPr>
+            <a:r>
+              <a:rPr lang="en" sz="1300"/>
+              <a:t>The p-value is 0.0, so we reject the null hypothesis</a:t>
+            </a:r>
+            <a:endParaRPr sz="1300"/>
+          </a:p>
+          <a:p>
+            <a:pPr indent="0" lvl="0" marL="914400" rtl="0" algn="l">
+              <a:spcBef>
+                <a:spcPts val="0"/>
+              </a:spcBef>
+              <a:spcAft>
+                <a:spcPts val="0"/>
+              </a:spcAft>
+              <a:buNone/>
+            </a:pPr>
+            <a:r>
+              <a:t/>
+            </a:r>
+            <a:endParaRPr/>
+          </a:p>
+        </p:txBody>
+      </p:sp>
+      <p:pic>
+        <p:nvPicPr>
+          <p:cNvPr id="158" name="Google Shape;158;p26"/>
+          <p:cNvPicPr preferRelativeResize="0"/>
+          <p:nvPr/>
+        </p:nvPicPr>
+        <p:blipFill>
+          <a:blip r:embed="rId3">
+            <a:alphaModFix/>
+          </a:blip>
+          <a:stretch>
+            <a:fillRect/>
+          </a:stretch>
+        </p:blipFill>
+        <p:spPr>
+          <a:xfrm>
+            <a:off x="77900" y="921275"/>
+            <a:ext cx="5084826" cy="3813626"/>
+          </a:xfrm>
+          <a:prstGeom prst="rect">
+            <a:avLst/>
+          </a:prstGeom>
+          <a:noFill/>
+          <a:ln>
+            <a:noFill/>
+          </a:ln>
+        </p:spPr>
+      </p:pic>
+    </p:spTree>
+  </p:cSld>
+  <p:clrMapOvr>
+    <a:masterClrMapping/>
+  </p:clrMapOvr>
+</p:sld>
+</file>
+
+<file path=ppt/slides/slide15.xml><?xml version="1.0" encoding="utf-8"?>
+<p:sld xmlns:a="http://schemas.openxmlformats.org/drawingml/2006/main" xmlns:r="http://schemas.openxmlformats.org/officeDocument/2006/relationships" xmlns:mc="http://schemas.openxmlformats.org/markup-compatibility/2006" xmlns:mv="urn:schemas-microsoft-com:mac:vml" xmlns:p="http://schemas.openxmlformats.org/presentationml/2006/main" xmlns:c="http://schemas.openxmlformats.org/drawingml/2006/chart" xmlns:dgm="http://schemas.openxmlformats.org/drawingml/2006/diagram" xmlns:o="urn:schemas-microsoft-com:office:office" xmlns:v="urn:schemas-microsoft-com:vml" xmlns:pvml="urn:schemas-microsoft-com:office:powerpoint" xmlns:com="http://schemas.openxmlformats.org/drawingml/2006/compatibility" xmlns:p14="http://schemas.microsoft.com/office/powerpoint/2010/main" xmlns:p15="http://schemas.microsoft.com/office/powerpoint/2012/main" xmlns:ahyp="http://schemas.microsoft.com/office/drawing/2018/hyperlinkcolor">
+  <p:cSld>
+    <p:spTree>
+      <p:nvGrpSpPr>
+        <p:cNvPr id="162" name="Shape 162"/>
         <p:cNvGrpSpPr/>
         <p:nvPr/>
       </p:nvGrpSpPr>
@@ -8488,7 +8614,7 @@
       </p:grpSpPr>
       <p:pic>
         <p:nvPicPr>
-          <p:cNvPr id="156" name="Google Shape;156;p26"/>
+          <p:cNvPr id="163" name="Google Shape;163;p27"/>
           <p:cNvPicPr preferRelativeResize="0"/>
           <p:nvPr/>
         </p:nvPicPr>
@@ -8496,7 +8622,7 @@
           <a:blip r:embed="rId3">
             <a:alphaModFix/>
           </a:blip>
-          <a:srcRect l="5681" r="8104"/>
+          <a:srcRect b="0" l="5681" r="8104" t="0"/>
           <a:stretch/>
         </p:blipFill>
         <p:spPr>
@@ -8522,11 +8648,11 @@
 </file>
 
 <file path=ppt/slides/slide2.xml><?xml version="1.0" encoding="utf-8"?>
-<p:sld xmlns:a="http://schemas.openxmlformats.org/drawingml/2006/main" xmlns:r="http://schemas.openxmlformats.org/officeDocument/2006/relationships" xmlns:p="http://schemas.openxmlformats.org/presentationml/2006/main">
+<p:sld xmlns:a="http://schemas.openxmlformats.org/drawingml/2006/main" xmlns:r="http://schemas.openxmlformats.org/officeDocument/2006/relationships" xmlns:mc="http://schemas.openxmlformats.org/markup-compatibility/2006" xmlns:mv="urn:schemas-microsoft-com:mac:vml" xmlns:p="http://schemas.openxmlformats.org/presentationml/2006/main" xmlns:c="http://schemas.openxmlformats.org/drawingml/2006/chart" xmlns:dgm="http://schemas.openxmlformats.org/drawingml/2006/diagram" xmlns:o="urn:schemas-microsoft-com:office:office" xmlns:v="urn:schemas-microsoft-com:vml" xmlns:pvml="urn:schemas-microsoft-com:office:powerpoint" xmlns:com="http://schemas.openxmlformats.org/drawingml/2006/compatibility" xmlns:p14="http://schemas.microsoft.com/office/powerpoint/2010/main" xmlns:p15="http://schemas.microsoft.com/office/powerpoint/2012/main" xmlns:ahyp="http://schemas.microsoft.com/office/drawing/2018/hyperlinkcolor">
   <p:cSld>
     <p:spTree>
       <p:nvGrpSpPr>
-        <p:cNvPr id="1" name="Shape 65"/>
+        <p:cNvPr id="65" name="Shape 65"/>
         <p:cNvGrpSpPr/>
         <p:nvPr/>
       </p:nvGrpSpPr>
@@ -8541,9 +8667,7 @@
       <p:sp>
         <p:nvSpPr>
           <p:cNvPr id="66" name="Google Shape;66;p14"/>
-          <p:cNvSpPr txBox="1">
-            <a:spLocks noGrp="1"/>
-          </p:cNvSpPr>
+          <p:cNvSpPr txBox="1"/>
           <p:nvPr>
             <p:ph type="title"/>
           </p:nvPr>
@@ -8558,12 +8682,12 @@
           </a:prstGeom>
         </p:spPr>
         <p:txBody>
-          <a:bodyPr spcFirstLastPara="1" wrap="square" lIns="91425" tIns="91425" rIns="91425" bIns="91425" anchor="t" anchorCtr="0">
+          <a:bodyPr anchorCtr="0" anchor="t" bIns="91425" lIns="91425" spcFirstLastPara="1" rIns="91425" wrap="square" tIns="91425">
             <a:normAutofit fontScale="90000"/>
           </a:bodyPr>
           <a:lstStyle/>
           <a:p>
-            <a:pPr marL="0" lvl="0" indent="0" algn="l" rtl="0">
+            <a:pPr indent="0" lvl="0" marL="0" rtl="0" algn="l">
               <a:spcBef>
                 <a:spcPts val="0"/>
               </a:spcBef>
@@ -8607,31 +8731,34 @@
           <a:solidFill>
             <a:srgbClr val="CFE2F3"/>
           </a:solidFill>
-          <a:ln w="9525" cap="flat" cmpd="sng">
+          <a:ln cap="flat" cmpd="sng" w="9525">
             <a:solidFill>
               <a:srgbClr val="CFE2F3"/>
             </a:solidFill>
             <a:prstDash val="solid"/>
             <a:round/>
-            <a:headEnd type="none" w="sm" len="sm"/>
-            <a:tailEnd type="none" w="sm" len="sm"/>
+            <a:headEnd len="sm" w="sm" type="none"/>
+            <a:tailEnd len="sm" w="sm" type="none"/>
           </a:ln>
         </p:spPr>
         <p:txBody>
-          <a:bodyPr spcFirstLastPara="1" wrap="square" lIns="91425" tIns="91425" rIns="91425" bIns="91425" anchor="ctr" anchorCtr="0">
+          <a:bodyPr anchorCtr="0" anchor="ctr" bIns="91425" lIns="91425" spcFirstLastPara="1" rIns="91425" wrap="square" tIns="91425">
             <a:noAutofit/>
           </a:bodyPr>
           <a:lstStyle/>
           <a:p>
-            <a:pPr marL="0" lvl="0" indent="0" algn="l" rtl="0">
-              <a:spcBef>
-                <a:spcPts val="0"/>
-              </a:spcBef>
-              <a:spcAft>
-                <a:spcPts val="0"/>
-              </a:spcAft>
-              <a:buNone/>
-            </a:pPr>
+            <a:pPr indent="0" lvl="0" marL="0" rtl="0" algn="l">
+              <a:spcBef>
+                <a:spcPts val="0"/>
+              </a:spcBef>
+              <a:spcAft>
+                <a:spcPts val="0"/>
+              </a:spcAft>
+              <a:buNone/>
+            </a:pPr>
+            <a:r>
+              <a:t/>
+            </a:r>
             <a:endParaRPr/>
           </a:p>
         </p:txBody>
@@ -8645,7 +8772,7 @@
         <p:spPr>
           <a:xfrm>
             <a:off x="508575" y="1058675"/>
-            <a:ext cx="7960800" cy="3201600"/>
+            <a:ext cx="8286900" cy="2986200"/>
           </a:xfrm>
           <a:prstGeom prst="rect">
             <a:avLst/>
@@ -8656,12 +8783,12 @@
           </a:ln>
         </p:spPr>
         <p:txBody>
-          <a:bodyPr spcFirstLastPara="1" wrap="square" lIns="91425" tIns="91425" rIns="91425" bIns="91425" anchor="t" anchorCtr="0">
+          <a:bodyPr anchorCtr="0" anchor="t" bIns="91425" lIns="91425" spcFirstLastPara="1" rIns="91425" wrap="square" tIns="91425">
             <a:spAutoFit/>
           </a:bodyPr>
           <a:lstStyle/>
           <a:p>
-            <a:pPr marL="457200" lvl="0" indent="-317500" algn="l" rtl="0">
+            <a:pPr indent="-317500" lvl="0" marL="457200" rtl="0" algn="l">
               <a:spcBef>
                 <a:spcPts val="0"/>
               </a:spcBef>
@@ -8686,15 +8813,18 @@
             </a:endParaRPr>
           </a:p>
           <a:p>
-            <a:pPr marL="457200" lvl="0" indent="0" algn="l" rtl="0">
-              <a:spcBef>
-                <a:spcPts val="0"/>
-              </a:spcBef>
-              <a:spcAft>
-                <a:spcPts val="0"/>
-              </a:spcAft>
-              <a:buNone/>
-            </a:pPr>
+            <a:pPr indent="0" lvl="0" marL="457200" rtl="0" algn="l">
+              <a:spcBef>
+                <a:spcPts val="0"/>
+              </a:spcBef>
+              <a:spcAft>
+                <a:spcPts val="0"/>
+              </a:spcAft>
+              <a:buNone/>
+            </a:pPr>
+            <a:r>
+              <a:t/>
+            </a:r>
             <a:endParaRPr>
               <a:solidFill>
                 <a:schemeClr val="dk1"/>
@@ -8702,7 +8832,7 @@
             </a:endParaRPr>
           </a:p>
           <a:p>
-            <a:pPr marL="457200" lvl="0" indent="-317500" algn="l" rtl="0">
+            <a:pPr indent="-317500" lvl="0" marL="457200" rtl="0" algn="l">
               <a:spcBef>
                 <a:spcPts val="0"/>
               </a:spcBef>
@@ -8713,25 +8843,32 @@
               <a:buChar char="●"/>
             </a:pPr>
             <a:r>
+              <a:rPr b="1" lang="en"/>
+              <a:t>Goal: </a:t>
+            </a:r>
+            <a:r>
               <a:rPr lang="en"/>
-              <a:t>Goal: To determine if there are any health trends over time in recipes from Allrecipes.com, the largest and most viewed recipe website, and how they compare to recommended nutrition. </a:t>
+              <a:t>To determine if there are any health trends in recipes from Allrecipes.com, the largest and most viewed recipe website, and how they compare to recommended nutrition. </a:t>
             </a:r>
             <a:endParaRPr/>
           </a:p>
           <a:p>
-            <a:pPr marL="0" lvl="0" indent="0" algn="l" rtl="0">
-              <a:spcBef>
-                <a:spcPts val="0"/>
-              </a:spcBef>
-              <a:spcAft>
-                <a:spcPts val="0"/>
-              </a:spcAft>
-              <a:buNone/>
-            </a:pPr>
+            <a:pPr indent="0" lvl="0" marL="0" rtl="0" algn="l">
+              <a:spcBef>
+                <a:spcPts val="0"/>
+              </a:spcBef>
+              <a:spcAft>
+                <a:spcPts val="0"/>
+              </a:spcAft>
+              <a:buNone/>
+            </a:pPr>
+            <a:r>
+              <a:t/>
+            </a:r>
             <a:endParaRPr/>
           </a:p>
           <a:p>
-            <a:pPr marL="457200" lvl="0" indent="-317500" algn="l" rtl="0">
+            <a:pPr indent="-317500" lvl="0" marL="457200" rtl="0" algn="l">
               <a:spcBef>
                 <a:spcPts val="0"/>
               </a:spcBef>
@@ -8742,25 +8879,32 @@
               <a:buChar char="●"/>
             </a:pPr>
             <a:r>
+              <a:rPr b="1" lang="en"/>
+              <a:t>Data:</a:t>
+            </a:r>
+            <a:r>
               <a:rPr lang="en"/>
-              <a:t>Data: scraped recipe pages from Allrecipes.com</a:t>
+              <a:t> Recipe pages scraped from Allrecipes.com</a:t>
             </a:r>
             <a:endParaRPr/>
           </a:p>
           <a:p>
-            <a:pPr marL="457200" lvl="0" indent="0" algn="l" rtl="0">
-              <a:spcBef>
-                <a:spcPts val="0"/>
-              </a:spcBef>
-              <a:spcAft>
-                <a:spcPts val="0"/>
-              </a:spcAft>
-              <a:buNone/>
-            </a:pPr>
+            <a:pPr indent="0" lvl="0" marL="457200" rtl="0" algn="l">
+              <a:spcBef>
+                <a:spcPts val="0"/>
+              </a:spcBef>
+              <a:spcAft>
+                <a:spcPts val="0"/>
+              </a:spcAft>
+              <a:buNone/>
+            </a:pPr>
+            <a:r>
+              <a:t/>
+            </a:r>
             <a:endParaRPr/>
           </a:p>
           <a:p>
-            <a:pPr marL="914400" lvl="1" indent="-317500" algn="l" rtl="0">
+            <a:pPr indent="-317500" lvl="1" marL="914400" rtl="0" algn="l">
               <a:spcBef>
                 <a:spcPts val="0"/>
               </a:spcBef>
@@ -8777,7 +8921,7 @@
             <a:endParaRPr/>
           </a:p>
           <a:p>
-            <a:pPr marL="914400" lvl="1" indent="-317500" algn="l" rtl="0">
+            <a:pPr indent="-317500" lvl="1" marL="914400" rtl="0" algn="l">
               <a:spcBef>
                 <a:spcPts val="0"/>
               </a:spcBef>
@@ -8794,7 +8938,7 @@
             <a:endParaRPr/>
           </a:p>
           <a:p>
-            <a:pPr marL="914400" lvl="1" indent="-317500" algn="l" rtl="0">
+            <a:pPr indent="-317500" lvl="1" marL="914400" rtl="0" algn="l">
               <a:spcBef>
                 <a:spcPts val="0"/>
               </a:spcBef>
@@ -8806,32 +8950,87 @@
             </a:pPr>
             <a:r>
               <a:rPr lang="en"/>
-              <a:t>71 features (recipe name, ingredients, category, instructions, nutrition info, etc).</a:t>
+              <a:t>71 features per recipe (recipe name, ingredients, category, instructions, nutrition info, etc).</a:t>
             </a:r>
             <a:endParaRPr/>
           </a:p>
           <a:p>
-            <a:pPr marL="0" lvl="0" indent="0" algn="l" rtl="0">
-              <a:spcBef>
-                <a:spcPts val="0"/>
-              </a:spcBef>
-              <a:spcAft>
-                <a:spcPts val="0"/>
-              </a:spcAft>
-              <a:buNone/>
-            </a:pPr>
+            <a:pPr indent="0" lvl="0" marL="0" rtl="0" algn="l">
+              <a:spcBef>
+                <a:spcPts val="0"/>
+              </a:spcBef>
+              <a:spcAft>
+                <a:spcPts val="0"/>
+              </a:spcAft>
+              <a:buNone/>
+            </a:pPr>
+            <a:r>
+              <a:t/>
+            </a:r>
             <a:endParaRPr/>
           </a:p>
           <a:p>
-            <a:pPr marL="0" lvl="0" indent="0" algn="l" rtl="0">
-              <a:spcBef>
-                <a:spcPts val="0"/>
-              </a:spcBef>
-              <a:spcAft>
-                <a:spcPts val="0"/>
-              </a:spcAft>
-              <a:buNone/>
-            </a:pPr>
+            <a:pPr indent="0" lvl="0" marL="0" rtl="0" algn="l">
+              <a:spcBef>
+                <a:spcPts val="0"/>
+              </a:spcBef>
+              <a:spcAft>
+                <a:spcPts val="0"/>
+              </a:spcAft>
+              <a:buNone/>
+            </a:pPr>
+            <a:r>
+              <a:t/>
+            </a:r>
+            <a:endParaRPr/>
+          </a:p>
+        </p:txBody>
+      </p:sp>
+      <p:sp>
+        <p:nvSpPr>
+          <p:cNvPr id="69" name="Google Shape;69;p14"/>
+          <p:cNvSpPr/>
+          <p:nvPr/>
+        </p:nvSpPr>
+        <p:spPr>
+          <a:xfrm rot="5400000">
+            <a:off x="4576614" y="388850"/>
+            <a:ext cx="83100" cy="8031600"/>
+          </a:xfrm>
+          <a:prstGeom prst="rect">
+            <a:avLst/>
+          </a:prstGeom>
+          <a:solidFill>
+            <a:srgbClr val="CFE2F3"/>
+          </a:solidFill>
+          <a:ln cap="flat" cmpd="sng" w="9525">
+            <a:solidFill>
+              <a:srgbClr val="CFE2F3"/>
+            </a:solidFill>
+            <a:prstDash val="solid"/>
+            <a:round/>
+            <a:headEnd len="sm" w="sm" type="none"/>
+            <a:tailEnd len="sm" w="sm" type="none"/>
+          </a:ln>
+        </p:spPr>
+        <p:txBody>
+          <a:bodyPr anchorCtr="0" anchor="ctr" bIns="91425" lIns="91425" spcFirstLastPara="1" rIns="91425" wrap="square" tIns="91425">
+            <a:noAutofit/>
+          </a:bodyPr>
+          <a:lstStyle/>
+          <a:p>
+            <a:pPr indent="0" lvl="0" marL="0" rtl="0" algn="l">
+              <a:spcBef>
+                <a:spcPts val="0"/>
+              </a:spcBef>
+              <a:spcAft>
+                <a:spcPts val="0"/>
+              </a:spcAft>
+              <a:buNone/>
+            </a:pPr>
+            <a:r>
+              <a:t/>
+            </a:r>
             <a:endParaRPr/>
           </a:p>
         </p:txBody>
@@ -8845,11 +9044,11 @@
 </file>
 
 <file path=ppt/slides/slide3.xml><?xml version="1.0" encoding="utf-8"?>
-<p:sld xmlns:a="http://schemas.openxmlformats.org/drawingml/2006/main" xmlns:r="http://schemas.openxmlformats.org/officeDocument/2006/relationships" xmlns:p="http://schemas.openxmlformats.org/presentationml/2006/main">
+<p:sld xmlns:a="http://schemas.openxmlformats.org/drawingml/2006/main" xmlns:r="http://schemas.openxmlformats.org/officeDocument/2006/relationships" xmlns:mc="http://schemas.openxmlformats.org/markup-compatibility/2006" xmlns:mv="urn:schemas-microsoft-com:mac:vml" xmlns:p="http://schemas.openxmlformats.org/presentationml/2006/main" xmlns:c="http://schemas.openxmlformats.org/drawingml/2006/chart" xmlns:dgm="http://schemas.openxmlformats.org/drawingml/2006/diagram" xmlns:o="urn:schemas-microsoft-com:office:office" xmlns:v="urn:schemas-microsoft-com:vml" xmlns:pvml="urn:schemas-microsoft-com:office:powerpoint" xmlns:com="http://schemas.openxmlformats.org/drawingml/2006/compatibility" xmlns:p14="http://schemas.microsoft.com/office/powerpoint/2010/main" xmlns:p15="http://schemas.microsoft.com/office/powerpoint/2012/main" xmlns:ahyp="http://schemas.microsoft.com/office/drawing/2018/hyperlinkcolor">
   <p:cSld>
     <p:spTree>
       <p:nvGrpSpPr>
-        <p:cNvPr id="1" name="Shape 72"/>
+        <p:cNvPr id="73" name="Shape 73"/>
         <p:cNvGrpSpPr/>
         <p:nvPr/>
       </p:nvGrpSpPr>
@@ -8863,10 +9062,8 @@
       </p:grpSpPr>
       <p:sp>
         <p:nvSpPr>
-          <p:cNvPr id="73" name="Google Shape;73;p15"/>
-          <p:cNvSpPr txBox="1">
-            <a:spLocks noGrp="1"/>
-          </p:cNvSpPr>
+          <p:cNvPr id="74" name="Google Shape;74;p15"/>
+          <p:cNvSpPr txBox="1"/>
           <p:nvPr>
             <p:ph type="title"/>
           </p:nvPr>
@@ -8881,12 +9078,12 @@
           </a:prstGeom>
         </p:spPr>
         <p:txBody>
-          <a:bodyPr spcFirstLastPara="1" wrap="square" lIns="91425" tIns="91425" rIns="91425" bIns="91425" anchor="t" anchorCtr="0">
+          <a:bodyPr anchorCtr="0" anchor="t" bIns="91425" lIns="91425" spcFirstLastPara="1" rIns="91425" wrap="square" tIns="91425">
             <a:normAutofit fontScale="90000"/>
           </a:bodyPr>
           <a:lstStyle/>
           <a:p>
-            <a:pPr marL="0" lvl="0" indent="0" algn="l" rtl="0">
+            <a:pPr indent="0" lvl="0" marL="0" rtl="0" algn="l">
               <a:spcBef>
                 <a:spcPts val="0"/>
               </a:spcBef>
@@ -8915,7 +9112,7 @@
       </p:sp>
       <p:sp>
         <p:nvSpPr>
-          <p:cNvPr id="74" name="Google Shape;74;p15"/>
+          <p:cNvPr id="75" name="Google Shape;75;p15"/>
           <p:cNvSpPr/>
           <p:nvPr/>
         </p:nvSpPr>
@@ -8930,38 +9127,41 @@
           <a:solidFill>
             <a:srgbClr val="CFE2F3"/>
           </a:solidFill>
-          <a:ln w="9525" cap="flat" cmpd="sng">
+          <a:ln cap="flat" cmpd="sng" w="9525">
             <a:solidFill>
               <a:srgbClr val="CFE2F3"/>
             </a:solidFill>
             <a:prstDash val="solid"/>
             <a:round/>
-            <a:headEnd type="none" w="sm" len="sm"/>
-            <a:tailEnd type="none" w="sm" len="sm"/>
+            <a:headEnd len="sm" w="sm" type="none"/>
+            <a:tailEnd len="sm" w="sm" type="none"/>
           </a:ln>
         </p:spPr>
         <p:txBody>
-          <a:bodyPr spcFirstLastPara="1" wrap="square" lIns="91425" tIns="91425" rIns="91425" bIns="91425" anchor="ctr" anchorCtr="0">
+          <a:bodyPr anchorCtr="0" anchor="ctr" bIns="91425" lIns="91425" spcFirstLastPara="1" rIns="91425" wrap="square" tIns="91425">
             <a:noAutofit/>
           </a:bodyPr>
           <a:lstStyle/>
           <a:p>
-            <a:pPr marL="0" lvl="0" indent="0" algn="l" rtl="0">
-              <a:spcBef>
-                <a:spcPts val="0"/>
-              </a:spcBef>
-              <a:spcAft>
-                <a:spcPts val="0"/>
-              </a:spcAft>
-              <a:buNone/>
-            </a:pPr>
+            <a:pPr indent="0" lvl="0" marL="0" rtl="0" algn="l">
+              <a:spcBef>
+                <a:spcPts val="0"/>
+              </a:spcBef>
+              <a:spcAft>
+                <a:spcPts val="0"/>
+              </a:spcAft>
+              <a:buNone/>
+            </a:pPr>
+            <a:r>
+              <a:t/>
+            </a:r>
             <a:endParaRPr/>
           </a:p>
         </p:txBody>
       </p:sp>
       <p:pic>
         <p:nvPicPr>
-          <p:cNvPr id="75" name="Google Shape;75;p15"/>
+          <p:cNvPr id="76" name="Google Shape;76;p15"/>
           <p:cNvPicPr preferRelativeResize="0"/>
           <p:nvPr/>
         </p:nvPicPr>
@@ -8996,11 +9196,11 @@
 </file>
 
 <file path=ppt/slides/slide4.xml><?xml version="1.0" encoding="utf-8"?>
-<p:sld xmlns:a="http://schemas.openxmlformats.org/drawingml/2006/main" xmlns:r="http://schemas.openxmlformats.org/officeDocument/2006/relationships" xmlns:p="http://schemas.openxmlformats.org/presentationml/2006/main">
+<p:sld xmlns:a="http://schemas.openxmlformats.org/drawingml/2006/main" xmlns:r="http://schemas.openxmlformats.org/officeDocument/2006/relationships" xmlns:mc="http://schemas.openxmlformats.org/markup-compatibility/2006" xmlns:mv="urn:schemas-microsoft-com:mac:vml" xmlns:p="http://schemas.openxmlformats.org/presentationml/2006/main" xmlns:c="http://schemas.openxmlformats.org/drawingml/2006/chart" xmlns:dgm="http://schemas.openxmlformats.org/drawingml/2006/diagram" xmlns:o="urn:schemas-microsoft-com:office:office" xmlns:v="urn:schemas-microsoft-com:vml" xmlns:pvml="urn:schemas-microsoft-com:office:powerpoint" xmlns:com="http://schemas.openxmlformats.org/drawingml/2006/compatibility" xmlns:p14="http://schemas.microsoft.com/office/powerpoint/2010/main" xmlns:p15="http://schemas.microsoft.com/office/powerpoint/2012/main" xmlns:ahyp="http://schemas.microsoft.com/office/drawing/2018/hyperlinkcolor">
   <p:cSld>
     <p:spTree>
       <p:nvGrpSpPr>
-        <p:cNvPr id="1" name="Shape 79"/>
+        <p:cNvPr id="80" name="Shape 80"/>
         <p:cNvGrpSpPr/>
         <p:nvPr/>
       </p:nvGrpSpPr>
@@ -9014,10 +9214,8 @@
       </p:grpSpPr>
       <p:sp>
         <p:nvSpPr>
-          <p:cNvPr id="80" name="Google Shape;80;p16"/>
-          <p:cNvSpPr txBox="1">
-            <a:spLocks noGrp="1"/>
-          </p:cNvSpPr>
+          <p:cNvPr id="81" name="Google Shape;81;p16"/>
+          <p:cNvSpPr txBox="1"/>
           <p:nvPr>
             <p:ph type="title"/>
           </p:nvPr>
@@ -9032,12 +9230,12 @@
           </a:prstGeom>
         </p:spPr>
         <p:txBody>
-          <a:bodyPr spcFirstLastPara="1" wrap="square" lIns="91425" tIns="91425" rIns="91425" bIns="91425" anchor="t" anchorCtr="0">
+          <a:bodyPr anchorCtr="0" anchor="t" bIns="91425" lIns="91425" spcFirstLastPara="1" rIns="91425" wrap="square" tIns="91425">
             <a:normAutofit fontScale="90000"/>
           </a:bodyPr>
           <a:lstStyle/>
           <a:p>
-            <a:pPr marL="0" lvl="0" indent="0" algn="l" rtl="0">
+            <a:pPr indent="0" lvl="0" marL="0" rtl="0" algn="l">
               <a:spcBef>
                 <a:spcPts val="0"/>
               </a:spcBef>
@@ -9066,7 +9264,7 @@
       </p:sp>
       <p:sp>
         <p:nvSpPr>
-          <p:cNvPr id="81" name="Google Shape;81;p16"/>
+          <p:cNvPr id="82" name="Google Shape;82;p16"/>
           <p:cNvSpPr/>
           <p:nvPr/>
         </p:nvSpPr>
@@ -9081,38 +9279,41 @@
           <a:solidFill>
             <a:srgbClr val="CFE2F3"/>
           </a:solidFill>
-          <a:ln w="9525" cap="flat" cmpd="sng">
+          <a:ln cap="flat" cmpd="sng" w="9525">
             <a:solidFill>
               <a:srgbClr val="CFE2F3"/>
             </a:solidFill>
             <a:prstDash val="solid"/>
             <a:round/>
-            <a:headEnd type="none" w="sm" len="sm"/>
-            <a:tailEnd type="none" w="sm" len="sm"/>
+            <a:headEnd len="sm" w="sm" type="none"/>
+            <a:tailEnd len="sm" w="sm" type="none"/>
           </a:ln>
         </p:spPr>
         <p:txBody>
-          <a:bodyPr spcFirstLastPara="1" wrap="square" lIns="91425" tIns="91425" rIns="91425" bIns="91425" anchor="ctr" anchorCtr="0">
+          <a:bodyPr anchorCtr="0" anchor="ctr" bIns="91425" lIns="91425" spcFirstLastPara="1" rIns="91425" wrap="square" tIns="91425">
             <a:noAutofit/>
           </a:bodyPr>
           <a:lstStyle/>
           <a:p>
-            <a:pPr marL="0" lvl="0" indent="0" algn="l" rtl="0">
-              <a:spcBef>
-                <a:spcPts val="0"/>
-              </a:spcBef>
-              <a:spcAft>
-                <a:spcPts val="0"/>
-              </a:spcAft>
-              <a:buNone/>
-            </a:pPr>
+            <a:pPr indent="0" lvl="0" marL="0" rtl="0" algn="l">
+              <a:spcBef>
+                <a:spcPts val="0"/>
+              </a:spcBef>
+              <a:spcAft>
+                <a:spcPts val="0"/>
+              </a:spcAft>
+              <a:buNone/>
+            </a:pPr>
+            <a:r>
+              <a:t/>
+            </a:r>
             <a:endParaRPr/>
           </a:p>
         </p:txBody>
       </p:sp>
       <p:sp>
         <p:nvSpPr>
-          <p:cNvPr id="82" name="Google Shape;82;p16"/>
+          <p:cNvPr id="83" name="Google Shape;83;p16"/>
           <p:cNvSpPr txBox="1"/>
           <p:nvPr/>
         </p:nvSpPr>
@@ -9130,12 +9331,12 @@
           </a:ln>
         </p:spPr>
         <p:txBody>
-          <a:bodyPr spcFirstLastPara="1" wrap="square" lIns="91425" tIns="91425" rIns="91425" bIns="91425" anchor="t" anchorCtr="0">
+          <a:bodyPr anchorCtr="0" anchor="t" bIns="91425" lIns="91425" spcFirstLastPara="1" rIns="91425" wrap="square" tIns="91425">
             <a:spAutoFit/>
           </a:bodyPr>
           <a:lstStyle/>
           <a:p>
-            <a:pPr marL="0" lvl="0" indent="0" algn="l" rtl="0">
+            <a:pPr indent="0" lvl="0" marL="0" rtl="0" algn="l">
               <a:spcBef>
                 <a:spcPts val="0"/>
               </a:spcBef>
@@ -9151,19 +9352,22 @@
             <a:endParaRPr sz="1300"/>
           </a:p>
           <a:p>
-            <a:pPr marL="0" lvl="0" indent="0" algn="l" rtl="0">
-              <a:spcBef>
-                <a:spcPts val="0"/>
-              </a:spcBef>
-              <a:spcAft>
-                <a:spcPts val="0"/>
-              </a:spcAft>
-              <a:buNone/>
-            </a:pPr>
+            <a:pPr indent="0" lvl="0" marL="0" rtl="0" algn="l">
+              <a:spcBef>
+                <a:spcPts val="0"/>
+              </a:spcBef>
+              <a:spcAft>
+                <a:spcPts val="0"/>
+              </a:spcAft>
+              <a:buNone/>
+            </a:pPr>
+            <a:r>
+              <a:t/>
+            </a:r>
             <a:endParaRPr sz="1300"/>
           </a:p>
           <a:p>
-            <a:pPr marL="457200" lvl="0" indent="-311150" algn="l" rtl="0">
+            <a:pPr indent="-311150" lvl="0" marL="457200" rtl="0" algn="l">
               <a:spcBef>
                 <a:spcPts val="0"/>
               </a:spcBef>
@@ -9180,19 +9384,22 @@
             <a:endParaRPr sz="1300"/>
           </a:p>
           <a:p>
-            <a:pPr marL="1371600" lvl="0" indent="0" algn="l" rtl="0">
-              <a:spcBef>
-                <a:spcPts val="0"/>
-              </a:spcBef>
-              <a:spcAft>
-                <a:spcPts val="0"/>
-              </a:spcAft>
-              <a:buNone/>
-            </a:pPr>
+            <a:pPr indent="0" lvl="0" marL="1371600" rtl="0" algn="l">
+              <a:spcBef>
+                <a:spcPts val="0"/>
+              </a:spcBef>
+              <a:spcAft>
+                <a:spcPts val="0"/>
+              </a:spcAft>
+              <a:buNone/>
+            </a:pPr>
+            <a:r>
+              <a:t/>
+            </a:r>
             <a:endParaRPr sz="1300"/>
           </a:p>
           <a:p>
-            <a:pPr marL="457200" lvl="0" indent="-311150" algn="l" rtl="0">
+            <a:pPr indent="-311150" lvl="0" marL="457200" rtl="0" algn="l">
               <a:spcBef>
                 <a:spcPts val="0"/>
               </a:spcBef>
@@ -9209,19 +9416,22 @@
             <a:endParaRPr sz="1300"/>
           </a:p>
           <a:p>
-            <a:pPr marL="1371600" lvl="0" indent="0" algn="l" rtl="0">
-              <a:spcBef>
-                <a:spcPts val="0"/>
-              </a:spcBef>
-              <a:spcAft>
-                <a:spcPts val="0"/>
-              </a:spcAft>
-              <a:buNone/>
-            </a:pPr>
+            <a:pPr indent="0" lvl="0" marL="1371600" rtl="0" algn="l">
+              <a:spcBef>
+                <a:spcPts val="0"/>
+              </a:spcBef>
+              <a:spcAft>
+                <a:spcPts val="0"/>
+              </a:spcAft>
+              <a:buNone/>
+            </a:pPr>
+            <a:r>
+              <a:t/>
+            </a:r>
             <a:endParaRPr sz="1300"/>
           </a:p>
           <a:p>
-            <a:pPr marL="457200" lvl="0" indent="-311150" algn="l" rtl="0">
+            <a:pPr indent="-311150" lvl="0" marL="457200" rtl="0" algn="l">
               <a:spcBef>
                 <a:spcPts val="0"/>
               </a:spcBef>
@@ -9238,19 +9448,22 @@
             <a:endParaRPr sz="1300"/>
           </a:p>
           <a:p>
-            <a:pPr marL="1371600" lvl="0" indent="0" algn="l" rtl="0">
-              <a:spcBef>
-                <a:spcPts val="0"/>
-              </a:spcBef>
-              <a:spcAft>
-                <a:spcPts val="0"/>
-              </a:spcAft>
-              <a:buNone/>
-            </a:pPr>
+            <a:pPr indent="0" lvl="0" marL="1371600" rtl="0" algn="l">
+              <a:spcBef>
+                <a:spcPts val="0"/>
+              </a:spcBef>
+              <a:spcAft>
+                <a:spcPts val="0"/>
+              </a:spcAft>
+              <a:buNone/>
+            </a:pPr>
+            <a:r>
+              <a:t/>
+            </a:r>
             <a:endParaRPr sz="1300"/>
           </a:p>
           <a:p>
-            <a:pPr marL="457200" lvl="0" indent="-311150" algn="l" rtl="0">
+            <a:pPr indent="-311150" lvl="0" marL="457200" rtl="0" algn="l">
               <a:spcBef>
                 <a:spcPts val="0"/>
               </a:spcBef>
@@ -9270,22 +9483,21 @@
       </p:sp>
       <p:pic>
         <p:nvPicPr>
-          <p:cNvPr id="83" name="Google Shape;83;p16"/>
+          <p:cNvPr id="84" name="Google Shape;84;p16"/>
           <p:cNvPicPr preferRelativeResize="0"/>
           <p:nvPr/>
         </p:nvPicPr>
-        <p:blipFill>
+        <p:blipFill rotWithShape="1">
           <a:blip r:embed="rId3">
             <a:alphaModFix/>
           </a:blip>
-          <a:stretch>
-            <a:fillRect/>
-          </a:stretch>
+          <a:srcRect b="0" l="0" r="0" t="5864"/>
+          <a:stretch/>
         </p:blipFill>
         <p:spPr>
           <a:xfrm>
-            <a:off x="123550" y="1180725"/>
-            <a:ext cx="6391124" cy="3195550"/>
+            <a:off x="123550" y="1368200"/>
+            <a:ext cx="6391124" cy="3008074"/>
           </a:xfrm>
           <a:prstGeom prst="rect">
             <a:avLst/>
@@ -9305,11 +9517,11 @@
 </file>
 
 <file path=ppt/slides/slide5.xml><?xml version="1.0" encoding="utf-8"?>
-<p:sld xmlns:a="http://schemas.openxmlformats.org/drawingml/2006/main" xmlns:r="http://schemas.openxmlformats.org/officeDocument/2006/relationships" xmlns:p="http://schemas.openxmlformats.org/presentationml/2006/main">
+<p:sld xmlns:a="http://schemas.openxmlformats.org/drawingml/2006/main" xmlns:r="http://schemas.openxmlformats.org/officeDocument/2006/relationships" xmlns:mc="http://schemas.openxmlformats.org/markup-compatibility/2006" xmlns:mv="urn:schemas-microsoft-com:mac:vml" xmlns:p="http://schemas.openxmlformats.org/presentationml/2006/main" xmlns:c="http://schemas.openxmlformats.org/drawingml/2006/chart" xmlns:dgm="http://schemas.openxmlformats.org/drawingml/2006/diagram" xmlns:o="urn:schemas-microsoft-com:office:office" xmlns:v="urn:schemas-microsoft-com:vml" xmlns:pvml="urn:schemas-microsoft-com:office:powerpoint" xmlns:com="http://schemas.openxmlformats.org/drawingml/2006/compatibility" xmlns:p14="http://schemas.microsoft.com/office/powerpoint/2010/main" xmlns:p15="http://schemas.microsoft.com/office/powerpoint/2012/main" xmlns:ahyp="http://schemas.microsoft.com/office/drawing/2018/hyperlinkcolor">
   <p:cSld>
     <p:spTree>
       <p:nvGrpSpPr>
-        <p:cNvPr id="1" name="Shape 87"/>
+        <p:cNvPr id="88" name="Shape 88"/>
         <p:cNvGrpSpPr/>
         <p:nvPr/>
       </p:nvGrpSpPr>
@@ -9323,10 +9535,8 @@
       </p:grpSpPr>
       <p:sp>
         <p:nvSpPr>
-          <p:cNvPr id="88" name="Google Shape;88;p17"/>
-          <p:cNvSpPr txBox="1">
-            <a:spLocks noGrp="1"/>
-          </p:cNvSpPr>
+          <p:cNvPr id="89" name="Google Shape;89;p17"/>
+          <p:cNvSpPr txBox="1"/>
           <p:nvPr>
             <p:ph type="title"/>
           </p:nvPr>
@@ -9341,12 +9551,12 @@
           </a:prstGeom>
         </p:spPr>
         <p:txBody>
-          <a:bodyPr spcFirstLastPara="1" wrap="square" lIns="91425" tIns="91425" rIns="91425" bIns="91425" anchor="t" anchorCtr="0">
+          <a:bodyPr anchorCtr="0" anchor="t" bIns="91425" lIns="91425" spcFirstLastPara="1" rIns="91425" wrap="square" tIns="91425">
             <a:normAutofit fontScale="90000"/>
           </a:bodyPr>
           <a:lstStyle/>
           <a:p>
-            <a:pPr marL="0" lvl="0" indent="0" algn="l" rtl="0">
+            <a:pPr indent="0" lvl="0" marL="0" rtl="0" algn="l">
               <a:spcBef>
                 <a:spcPts val="0"/>
               </a:spcBef>
@@ -9375,7 +9585,7 @@
       </p:sp>
       <p:pic>
         <p:nvPicPr>
-          <p:cNvPr id="89" name="Google Shape;89;p17" title="Screen Recording 2021-02-24 at 8.52.21 AM.mov">
+          <p:cNvPr id="90" name="Google Shape;90;p17" title="Screen Recording 2021-02-24 at 8.52.21 AM.mov">
             <a:hlinkClick r:id="rId3"/>
           </p:cNvPr>
           <p:cNvPicPr preferRelativeResize="0"/>
@@ -9405,7 +9615,7 @@
       </p:pic>
       <p:sp>
         <p:nvSpPr>
-          <p:cNvPr id="90" name="Google Shape;90;p17"/>
+          <p:cNvPr id="91" name="Google Shape;91;p17"/>
           <p:cNvSpPr/>
           <p:nvPr/>
         </p:nvSpPr>
@@ -9420,38 +9630,41 @@
           <a:solidFill>
             <a:srgbClr val="CFE2F3"/>
           </a:solidFill>
-          <a:ln w="9525" cap="flat" cmpd="sng">
+          <a:ln cap="flat" cmpd="sng" w="9525">
             <a:solidFill>
               <a:srgbClr val="CFE2F3"/>
             </a:solidFill>
             <a:prstDash val="solid"/>
             <a:round/>
-            <a:headEnd type="none" w="sm" len="sm"/>
-            <a:tailEnd type="none" w="sm" len="sm"/>
+            <a:headEnd len="sm" w="sm" type="none"/>
+            <a:tailEnd len="sm" w="sm" type="none"/>
           </a:ln>
         </p:spPr>
         <p:txBody>
-          <a:bodyPr spcFirstLastPara="1" wrap="square" lIns="91425" tIns="91425" rIns="91425" bIns="91425" anchor="ctr" anchorCtr="0">
+          <a:bodyPr anchorCtr="0" anchor="ctr" bIns="91425" lIns="91425" spcFirstLastPara="1" rIns="91425" wrap="square" tIns="91425">
             <a:noAutofit/>
           </a:bodyPr>
           <a:lstStyle/>
           <a:p>
-            <a:pPr marL="0" lvl="0" indent="0" algn="l" rtl="0">
-              <a:spcBef>
-                <a:spcPts val="0"/>
-              </a:spcBef>
-              <a:spcAft>
-                <a:spcPts val="0"/>
-              </a:spcAft>
-              <a:buNone/>
-            </a:pPr>
+            <a:pPr indent="0" lvl="0" marL="0" rtl="0" algn="l">
+              <a:spcBef>
+                <a:spcPts val="0"/>
+              </a:spcBef>
+              <a:spcAft>
+                <a:spcPts val="0"/>
+              </a:spcAft>
+              <a:buNone/>
+            </a:pPr>
+            <a:r>
+              <a:t/>
+            </a:r>
             <a:endParaRPr/>
           </a:p>
         </p:txBody>
       </p:sp>
       <p:sp>
         <p:nvSpPr>
-          <p:cNvPr id="91" name="Google Shape;91;p17"/>
+          <p:cNvPr id="92" name="Google Shape;92;p17"/>
           <p:cNvSpPr/>
           <p:nvPr/>
         </p:nvSpPr>
@@ -9466,38 +9679,41 @@
           <a:solidFill>
             <a:srgbClr val="FFFFFF"/>
           </a:solidFill>
-          <a:ln w="9525" cap="flat" cmpd="sng">
+          <a:ln cap="flat" cmpd="sng" w="9525">
             <a:solidFill>
               <a:srgbClr val="FFFFFF"/>
             </a:solidFill>
             <a:prstDash val="solid"/>
             <a:round/>
-            <a:headEnd type="none" w="sm" len="sm"/>
-            <a:tailEnd type="none" w="sm" len="sm"/>
+            <a:headEnd len="sm" w="sm" type="none"/>
+            <a:tailEnd len="sm" w="sm" type="none"/>
           </a:ln>
         </p:spPr>
         <p:txBody>
-          <a:bodyPr spcFirstLastPara="1" wrap="square" lIns="91425" tIns="91425" rIns="91425" bIns="91425" anchor="ctr" anchorCtr="0">
+          <a:bodyPr anchorCtr="0" anchor="ctr" bIns="91425" lIns="91425" spcFirstLastPara="1" rIns="91425" wrap="square" tIns="91425">
             <a:noAutofit/>
           </a:bodyPr>
           <a:lstStyle/>
           <a:p>
-            <a:pPr marL="0" lvl="0" indent="0" algn="l" rtl="0">
-              <a:spcBef>
-                <a:spcPts val="0"/>
-              </a:spcBef>
-              <a:spcAft>
-                <a:spcPts val="0"/>
-              </a:spcAft>
-              <a:buNone/>
-            </a:pPr>
+            <a:pPr indent="0" lvl="0" marL="0" rtl="0" algn="l">
+              <a:spcBef>
+                <a:spcPts val="0"/>
+              </a:spcBef>
+              <a:spcAft>
+                <a:spcPts val="0"/>
+              </a:spcAft>
+              <a:buNone/>
+            </a:pPr>
+            <a:r>
+              <a:t/>
+            </a:r>
             <a:endParaRPr/>
           </a:p>
         </p:txBody>
       </p:sp>
       <p:sp>
         <p:nvSpPr>
-          <p:cNvPr id="92" name="Google Shape;92;p17"/>
+          <p:cNvPr id="93" name="Google Shape;93;p17"/>
           <p:cNvSpPr txBox="1"/>
           <p:nvPr/>
         </p:nvSpPr>
@@ -9515,12 +9731,12 @@
           </a:ln>
         </p:spPr>
         <p:txBody>
-          <a:bodyPr spcFirstLastPara="1" wrap="square" lIns="91425" tIns="91425" rIns="91425" bIns="91425" anchor="t" anchorCtr="0">
+          <a:bodyPr anchorCtr="0" anchor="t" bIns="91425" lIns="91425" spcFirstLastPara="1" rIns="91425" wrap="square" tIns="91425">
             <a:spAutoFit/>
           </a:bodyPr>
           <a:lstStyle/>
           <a:p>
-            <a:pPr marL="0" lvl="0" indent="0" algn="l" rtl="0">
+            <a:pPr indent="0" lvl="0" marL="0" rtl="0" algn="l">
               <a:spcBef>
                 <a:spcPts val="0"/>
               </a:spcBef>
@@ -9545,41 +9761,38 @@
   <p:timing>
     <p:tnLst>
       <p:par>
-        <p:cTn id="1" dur="indefinite" restart="never" nodeType="tmRoot">
+        <p:cTn dur="indefinite" nodeType="tmRoot" restart="never">
           <p:childTnLst>
             <p:seq concurrent="1" nextAc="seek">
-              <p:cTn id="2" dur="indefinite" nodeType="mainSeq">
+              <p:cTn dur="indefinite" id="2" nodeType="mainSeq">
                 <p:childTnLst>
                   <p:par>
-                    <p:cTn id="3" fill="hold">
+                    <p:cTn fill="hold">
                       <p:stCondLst>
                         <p:cond delay="indefinite"/>
-                        <p:cond evt="onBegin" delay="0">
-                          <p:tn val="2"/>
-                        </p:cond>
                       </p:stCondLst>
                       <p:childTnLst>
                         <p:par>
-                          <p:cTn id="4" fill="hold">
+                          <p:cTn fill="hold">
                             <p:stCondLst>
                               <p:cond delay="0"/>
                             </p:stCondLst>
                             <p:childTnLst>
                               <p:par>
-                                <p:cTn id="5" presetID="10" presetClass="entr" presetSubtype="0" fill="hold" nodeType="withEffect">
+                                <p:cTn fill="hold" nodeType="clickEffect" presetClass="entr" presetID="10" presetSubtype="0">
                                   <p:stCondLst>
                                     <p:cond delay="0"/>
                                   </p:stCondLst>
                                   <p:childTnLst>
                                     <p:set>
                                       <p:cBhvr>
-                                        <p:cTn id="6" dur="1" fill="hold">
+                                        <p:cTn dur="1" fill="hold">
                                           <p:stCondLst>
                                             <p:cond delay="0"/>
                                           </p:stCondLst>
                                         </p:cTn>
                                         <p:tgtEl>
-                                          <p:spTgt spid="89"/>
+                                          <p:spTgt spid="90"/>
                                         </p:tgtEl>
                                         <p:attrNameLst>
                                           <p:attrName>style.visibility</p:attrName>
@@ -9589,11 +9802,11 @@
                                         <p:strVal val="visible"/>
                                       </p:to>
                                     </p:set>
-                                    <p:animEffect transition="in" filter="fade">
+                                    <p:animEffect filter="fade" transition="in">
                                       <p:cBhvr>
-                                        <p:cTn id="7" dur="1000"/>
+                                        <p:cTn dur="1000"/>
                                         <p:tgtEl>
-                                          <p:spTgt spid="89"/>
+                                          <p:spTgt spid="90"/>
                                         </p:tgtEl>
                                       </p:cBhvr>
                                     </p:animEffect>
@@ -9609,14 +9822,14 @@
                 </p:childTnLst>
               </p:cTn>
               <p:prevCondLst>
-                <p:cond evt="onPrev" delay="0">
+                <p:cond evt="onPrev">
                   <p:tgtEl>
                     <p:sldTgt/>
                   </p:tgtEl>
                 </p:cond>
               </p:prevCondLst>
               <p:nextCondLst>
-                <p:cond evt="onNext" delay="0">
+                <p:cond evt="onNext">
                   <p:tgtEl>
                     <p:sldTgt/>
                   </p:tgtEl>
@@ -9632,11 +9845,11 @@
 </file>
 
 <file path=ppt/slides/slide6.xml><?xml version="1.0" encoding="utf-8"?>
-<p:sld xmlns:a="http://schemas.openxmlformats.org/drawingml/2006/main" xmlns:r="http://schemas.openxmlformats.org/officeDocument/2006/relationships" xmlns:p="http://schemas.openxmlformats.org/presentationml/2006/main">
+<p:sld xmlns:a="http://schemas.openxmlformats.org/drawingml/2006/main" xmlns:r="http://schemas.openxmlformats.org/officeDocument/2006/relationships" xmlns:mc="http://schemas.openxmlformats.org/markup-compatibility/2006" xmlns:mv="urn:schemas-microsoft-com:mac:vml" xmlns:p="http://schemas.openxmlformats.org/presentationml/2006/main" xmlns:c="http://schemas.openxmlformats.org/drawingml/2006/chart" xmlns:dgm="http://schemas.openxmlformats.org/drawingml/2006/diagram" xmlns:o="urn:schemas-microsoft-com:office:office" xmlns:v="urn:schemas-microsoft-com:vml" xmlns:pvml="urn:schemas-microsoft-com:office:powerpoint" xmlns:com="http://schemas.openxmlformats.org/drawingml/2006/compatibility" xmlns:p14="http://schemas.microsoft.com/office/powerpoint/2010/main" xmlns:p15="http://schemas.microsoft.com/office/powerpoint/2012/main" xmlns:ahyp="http://schemas.microsoft.com/office/drawing/2018/hyperlinkcolor">
   <p:cSld>
     <p:spTree>
       <p:nvGrpSpPr>
-        <p:cNvPr id="1" name="Shape 96"/>
+        <p:cNvPr id="97" name="Shape 97"/>
         <p:cNvGrpSpPr/>
         <p:nvPr/>
       </p:nvGrpSpPr>
@@ -9650,10 +9863,8 @@
       </p:grpSpPr>
       <p:sp>
         <p:nvSpPr>
-          <p:cNvPr id="97" name="Google Shape;97;p18"/>
-          <p:cNvSpPr txBox="1">
-            <a:spLocks noGrp="1"/>
-          </p:cNvSpPr>
+          <p:cNvPr id="98" name="Google Shape;98;p18"/>
+          <p:cNvSpPr txBox="1"/>
           <p:nvPr>
             <p:ph type="title"/>
           </p:nvPr>
@@ -9668,12 +9879,12 @@
           </a:prstGeom>
         </p:spPr>
         <p:txBody>
-          <a:bodyPr spcFirstLastPara="1" wrap="square" lIns="91425" tIns="91425" rIns="91425" bIns="91425" anchor="t" anchorCtr="0">
+          <a:bodyPr anchorCtr="0" anchor="t" bIns="91425" lIns="91425" spcFirstLastPara="1" rIns="91425" wrap="square" tIns="91425">
             <a:normAutofit fontScale="90000"/>
           </a:bodyPr>
           <a:lstStyle/>
           <a:p>
-            <a:pPr marL="0" lvl="0" indent="0" algn="l" rtl="0">
+            <a:pPr indent="0" lvl="0" marL="0" rtl="0" algn="l">
               <a:spcBef>
                 <a:spcPts val="0"/>
               </a:spcBef>
@@ -9702,7 +9913,7 @@
       </p:sp>
       <p:sp>
         <p:nvSpPr>
-          <p:cNvPr id="98" name="Google Shape;98;p18"/>
+          <p:cNvPr id="99" name="Google Shape;99;p18"/>
           <p:cNvSpPr/>
           <p:nvPr/>
         </p:nvSpPr>
@@ -9717,45 +9928,48 @@
           <a:solidFill>
             <a:srgbClr val="CFE2F3"/>
           </a:solidFill>
-          <a:ln w="9525" cap="flat" cmpd="sng">
+          <a:ln cap="flat" cmpd="sng" w="9525">
             <a:solidFill>
               <a:srgbClr val="CFE2F3"/>
             </a:solidFill>
             <a:prstDash val="solid"/>
             <a:round/>
-            <a:headEnd type="none" w="sm" len="sm"/>
-            <a:tailEnd type="none" w="sm" len="sm"/>
+            <a:headEnd len="sm" w="sm" type="none"/>
+            <a:tailEnd len="sm" w="sm" type="none"/>
           </a:ln>
         </p:spPr>
         <p:txBody>
-          <a:bodyPr spcFirstLastPara="1" wrap="square" lIns="91425" tIns="91425" rIns="91425" bIns="91425" anchor="ctr" anchorCtr="0">
+          <a:bodyPr anchorCtr="0" anchor="ctr" bIns="91425" lIns="91425" spcFirstLastPara="1" rIns="91425" wrap="square" tIns="91425">
             <a:noAutofit/>
           </a:bodyPr>
           <a:lstStyle/>
           <a:p>
-            <a:pPr marL="0" lvl="0" indent="0" algn="l" rtl="0">
-              <a:spcBef>
-                <a:spcPts val="0"/>
-              </a:spcBef>
-              <a:spcAft>
-                <a:spcPts val="0"/>
-              </a:spcAft>
-              <a:buNone/>
-            </a:pPr>
+            <a:pPr indent="0" lvl="0" marL="0" rtl="0" algn="l">
+              <a:spcBef>
+                <a:spcPts val="0"/>
+              </a:spcBef>
+              <a:spcAft>
+                <a:spcPts val="0"/>
+              </a:spcAft>
+              <a:buNone/>
+            </a:pPr>
+            <a:r>
+              <a:t/>
+            </a:r>
             <a:endParaRPr/>
           </a:p>
         </p:txBody>
       </p:sp>
       <p:sp>
         <p:nvSpPr>
-          <p:cNvPr id="99" name="Google Shape;99;p18"/>
+          <p:cNvPr id="100" name="Google Shape;100;p18"/>
           <p:cNvSpPr txBox="1"/>
           <p:nvPr/>
         </p:nvSpPr>
         <p:spPr>
           <a:xfrm>
-            <a:off x="5150525" y="482150"/>
-            <a:ext cx="3891900" cy="2601300"/>
+            <a:off x="5150525" y="924050"/>
+            <a:ext cx="3891900" cy="2277900"/>
           </a:xfrm>
           <a:prstGeom prst="rect">
             <a:avLst/>
@@ -9766,12 +9980,100 @@
           </a:ln>
         </p:spPr>
         <p:txBody>
-          <a:bodyPr spcFirstLastPara="1" wrap="square" lIns="91425" tIns="91425" rIns="91425" bIns="91425" anchor="t" anchorCtr="0">
+          <a:bodyPr anchorCtr="0" anchor="t" bIns="91425" lIns="91425" spcFirstLastPara="1" rIns="91425" wrap="square" tIns="91425">
             <a:spAutoFit/>
           </a:bodyPr>
           <a:lstStyle/>
           <a:p>
-            <a:pPr marL="457200" lvl="0" indent="-311150" algn="l" rtl="0">
+            <a:pPr indent="-304800" lvl="0" marL="457200" rtl="0" algn="l">
+              <a:spcBef>
+                <a:spcPts val="0"/>
+              </a:spcBef>
+              <a:spcAft>
+                <a:spcPts val="0"/>
+              </a:spcAft>
+              <a:buSzPts val="1200"/>
+              <a:buChar char="●"/>
+            </a:pPr>
+            <a:r>
+              <a:rPr b="1" lang="en" sz="1200"/>
+              <a:t>H</a:t>
+            </a:r>
+            <a:r>
+              <a:rPr b="1" baseline="-25000" lang="en" sz="1200"/>
+              <a:t>0</a:t>
+            </a:r>
+            <a:r>
+              <a:rPr b="1" lang="en" sz="1200"/>
+              <a:t>:</a:t>
+            </a:r>
+            <a:r>
+              <a:rPr lang="en" sz="1200"/>
+              <a:t> The recipe category does not influence the saturated fat calories to total calories ratio per serving</a:t>
+            </a:r>
+            <a:endParaRPr sz="1200"/>
+          </a:p>
+          <a:p>
+            <a:pPr indent="0" lvl="0" marL="457200" rtl="0" algn="l">
+              <a:spcBef>
+                <a:spcPts val="0"/>
+              </a:spcBef>
+              <a:spcAft>
+                <a:spcPts val="0"/>
+              </a:spcAft>
+              <a:buNone/>
+            </a:pPr>
+            <a:r>
+              <a:t/>
+            </a:r>
+            <a:endParaRPr sz="1200"/>
+          </a:p>
+          <a:p>
+            <a:pPr indent="-304800" lvl="0" marL="457200" rtl="0" algn="l">
+              <a:spcBef>
+                <a:spcPts val="0"/>
+              </a:spcBef>
+              <a:spcAft>
+                <a:spcPts val="0"/>
+              </a:spcAft>
+              <a:buSzPts val="1200"/>
+              <a:buChar char="●"/>
+            </a:pPr>
+            <a:r>
+              <a:rPr b="1" lang="en" sz="1200"/>
+              <a:t>H</a:t>
+            </a:r>
+            <a:r>
+              <a:rPr b="1" baseline="-25000" lang="en" sz="1200"/>
+              <a:t>A</a:t>
+            </a:r>
+            <a:r>
+              <a:rPr b="1" lang="en" sz="1200"/>
+              <a:t>:</a:t>
+            </a:r>
+            <a:r>
+              <a:rPr lang="en" sz="1200"/>
+              <a:t> That the recipes in the 'Asian' category will have a different saturated fat calories to total calories ratio than the 'European' category</a:t>
+            </a:r>
+            <a:endParaRPr sz="1200"/>
+          </a:p>
+          <a:p>
+            <a:pPr indent="0" lvl="0" marL="457200" rtl="0" algn="l">
+              <a:spcBef>
+                <a:spcPts val="0"/>
+              </a:spcBef>
+              <a:spcAft>
+                <a:spcPts val="0"/>
+              </a:spcAft>
+              <a:buNone/>
+            </a:pPr>
+            <a:r>
+              <a:t/>
+            </a:r>
+            <a:endParaRPr sz="1200"/>
+          </a:p>
+          <a:p>
+            <a:pPr indent="-311150" lvl="0" marL="457200" rtl="0" algn="l">
               <a:spcBef>
                 <a:spcPts val="0"/>
               </a:spcBef>
@@ -9782,98 +10084,65 @@
               <a:buChar char="●"/>
             </a:pPr>
             <a:r>
-              <a:rPr lang="en" sz="1300"/>
-              <a:t>H0: The recipe category does not influence the saturated fat calories to total calories ratio </a:t>
+              <a:rPr b="1" lang="en" sz="1200"/>
+              <a:t>2-tailed t-test, </a:t>
+            </a:r>
+            <a:r>
+              <a:rPr b="1" lang="en" sz="1250">
+                <a:solidFill>
+                  <a:srgbClr val="202124"/>
+                </a:solidFill>
+                <a:highlight>
+                  <a:srgbClr val="FFFFFF"/>
+                </a:highlight>
+                <a:latin typeface="Roboto"/>
+                <a:ea typeface="Roboto"/>
+                <a:cs typeface="Roboto"/>
+                <a:sym typeface="Roboto"/>
+              </a:rPr>
+              <a:t>α</a:t>
+            </a:r>
+            <a:r>
+              <a:rPr b="1" lang="en" sz="1200"/>
+              <a:t> = 0.05</a:t>
+            </a:r>
+            <a:endParaRPr b="1" sz="1200"/>
+          </a:p>
+          <a:p>
+            <a:pPr indent="0" lvl="0" marL="457200" rtl="0" algn="l">
+              <a:spcBef>
+                <a:spcPts val="0"/>
+              </a:spcBef>
+              <a:spcAft>
+                <a:spcPts val="0"/>
+              </a:spcAft>
+              <a:buNone/>
+            </a:pPr>
+            <a:r>
+              <a:t/>
             </a:r>
             <a:endParaRPr sz="1300"/>
           </a:p>
           <a:p>
-            <a:pPr marL="457200" lvl="0" indent="0" algn="l" rtl="0">
-              <a:spcBef>
-                <a:spcPts val="0"/>
-              </a:spcBef>
-              <a:spcAft>
-                <a:spcPts val="0"/>
-              </a:spcAft>
-              <a:buNone/>
-            </a:pPr>
-            <a:endParaRPr sz="1300"/>
-          </a:p>
-          <a:p>
-            <a:pPr marL="457200" lvl="0" indent="-311150" algn="l" rtl="0">
-              <a:spcBef>
-                <a:spcPts val="0"/>
-              </a:spcBef>
-              <a:spcAft>
-                <a:spcPts val="0"/>
-              </a:spcAft>
-              <a:buSzPts val="1300"/>
-              <a:buChar char="●"/>
-            </a:pPr>
-            <a:r>
-              <a:rPr lang="en" sz="1300"/>
-              <a:t>HA: That the recipes in the 'Asian' category will have a different saturated fat calories to total calories ratio than the 'European' category</a:t>
-            </a:r>
-            <a:endParaRPr sz="1300"/>
-          </a:p>
-          <a:p>
-            <a:pPr marL="457200" lvl="0" indent="0" algn="l" rtl="0">
-              <a:spcBef>
-                <a:spcPts val="0"/>
-              </a:spcBef>
-              <a:spcAft>
-                <a:spcPts val="0"/>
-              </a:spcAft>
-              <a:buNone/>
-            </a:pPr>
-            <a:endParaRPr sz="1300"/>
-          </a:p>
-          <a:p>
-            <a:pPr marL="457200" lvl="0" indent="-311150" algn="l" rtl="0">
-              <a:spcBef>
-                <a:spcPts val="0"/>
-              </a:spcBef>
-              <a:spcAft>
-                <a:spcPts val="0"/>
-              </a:spcAft>
-              <a:buSzPts val="1300"/>
-              <a:buChar char="●"/>
-            </a:pPr>
-            <a:r>
-              <a:rPr lang="en" sz="1300"/>
-              <a:t>2-tailed t-test, alpha = 0.05</a:t>
-            </a:r>
-            <a:endParaRPr sz="1300"/>
-          </a:p>
-          <a:p>
-            <a:pPr marL="457200" lvl="0" indent="0" algn="l" rtl="0">
-              <a:spcBef>
-                <a:spcPts val="0"/>
-              </a:spcBef>
-              <a:spcAft>
-                <a:spcPts val="0"/>
-              </a:spcAft>
-              <a:buNone/>
-            </a:pPr>
-            <a:endParaRPr sz="1300"/>
-          </a:p>
-          <a:p>
-            <a:pPr marL="914400" lvl="0" indent="0" algn="l" rtl="0">
-              <a:spcBef>
-                <a:spcPts val="0"/>
-              </a:spcBef>
-              <a:spcAft>
-                <a:spcPts val="0"/>
-              </a:spcAft>
-              <a:buNone/>
-            </a:pPr>
+            <a:pPr indent="0" lvl="0" marL="914400" rtl="0" algn="l">
+              <a:spcBef>
+                <a:spcPts val="0"/>
+              </a:spcBef>
+              <a:spcAft>
+                <a:spcPts val="0"/>
+              </a:spcAft>
+              <a:buNone/>
+            </a:pPr>
+            <a:r>
+              <a:t/>
+            </a:r>
             <a:endParaRPr/>
           </a:p>
         </p:txBody>
       </p:sp>
       <p:pic>
         <p:nvPicPr>
-          <p:cNvPr id="100" name="Google Shape;100;p18"/>
+          <p:cNvPr id="101" name="Google Shape;101;p18"/>
           <p:cNvPicPr preferRelativeResize="0"/>
           <p:nvPr/>
         </p:nvPicPr>
@@ -9881,7 +10150,7 @@
           <a:blip r:embed="rId3">
             <a:alphaModFix/>
           </a:blip>
-          <a:srcRect l="4623" t="10071" r="6794"/>
+          <a:srcRect b="0" l="4623" r="6794" t="10071"/>
           <a:stretch/>
         </p:blipFill>
         <p:spPr>
@@ -9900,14 +10169,14 @@
       </p:pic>
       <p:sp>
         <p:nvSpPr>
-          <p:cNvPr id="101" name="Google Shape;101;p18"/>
+          <p:cNvPr id="102" name="Google Shape;102;p18"/>
           <p:cNvSpPr txBox="1"/>
           <p:nvPr/>
         </p:nvSpPr>
         <p:spPr>
           <a:xfrm>
             <a:off x="5150525" y="2571750"/>
-            <a:ext cx="3891900" cy="2601300"/>
+            <a:ext cx="3891900" cy="2432100"/>
           </a:xfrm>
           <a:prstGeom prst="rect">
             <a:avLst/>
@@ -9918,175 +10187,199 @@
           </a:ln>
         </p:spPr>
         <p:txBody>
-          <a:bodyPr spcFirstLastPara="1" wrap="square" lIns="91425" tIns="91425" rIns="91425" bIns="91425" anchor="t" anchorCtr="0">
+          <a:bodyPr anchorCtr="0" anchor="t" bIns="91425" lIns="91425" spcFirstLastPara="1" rIns="91425" wrap="square" tIns="91425">
             <a:spAutoFit/>
           </a:bodyPr>
           <a:lstStyle/>
           <a:p>
-            <a:pPr marL="457200" lvl="0" indent="0" algn="l" rtl="0">
-              <a:spcBef>
-                <a:spcPts val="0"/>
-              </a:spcBef>
-              <a:spcAft>
-                <a:spcPts val="0"/>
-              </a:spcAft>
-              <a:buNone/>
-            </a:pPr>
-            <a:endParaRPr sz="1300"/>
-          </a:p>
-          <a:p>
-            <a:pPr marL="457200" lvl="0" indent="-311150" algn="l" rtl="0">
-              <a:spcBef>
-                <a:spcPts val="0"/>
-              </a:spcBef>
-              <a:spcAft>
-                <a:spcPts val="0"/>
-              </a:spcAft>
-              <a:buSzPts val="1300"/>
+            <a:pPr indent="0" lvl="0" marL="457200" rtl="0" algn="l">
+              <a:spcBef>
+                <a:spcPts val="0"/>
+              </a:spcBef>
+              <a:spcAft>
+                <a:spcPts val="0"/>
+              </a:spcAft>
+              <a:buNone/>
+            </a:pPr>
+            <a:r>
+              <a:t/>
+            </a:r>
+            <a:endParaRPr sz="1200"/>
+          </a:p>
+          <a:p>
+            <a:pPr indent="-304800" lvl="0" marL="457200" rtl="0" algn="l">
+              <a:spcBef>
+                <a:spcPts val="0"/>
+              </a:spcBef>
+              <a:spcAft>
+                <a:spcPts val="0"/>
+              </a:spcAft>
+              <a:buSzPts val="1200"/>
               <a:buChar char="●"/>
             </a:pPr>
             <a:r>
-              <a:rPr lang="en" sz="1300"/>
-              <a:t>Asian Category (1106 recipes):</a:t>
-            </a:r>
-            <a:endParaRPr sz="1300"/>
-          </a:p>
-          <a:p>
-            <a:pPr marL="914400" lvl="1" indent="-311150" algn="l" rtl="0">
-              <a:spcBef>
-                <a:spcPts val="0"/>
-              </a:spcBef>
-              <a:spcAft>
-                <a:spcPts val="0"/>
-              </a:spcAft>
-              <a:buSzPts val="1300"/>
+              <a:rPr b="1" lang="en" sz="1200"/>
+              <a:t>Asian</a:t>
+            </a:r>
+            <a:r>
+              <a:rPr lang="en" sz="1200"/>
+              <a:t> Category (1106 recipes):</a:t>
+            </a:r>
+            <a:endParaRPr sz="1200"/>
+          </a:p>
+          <a:p>
+            <a:pPr indent="-304800" lvl="1" marL="914400" rtl="0" algn="l">
+              <a:spcBef>
+                <a:spcPts val="0"/>
+              </a:spcBef>
+              <a:spcAft>
+                <a:spcPts val="0"/>
+              </a:spcAft>
+              <a:buSzPts val="1200"/>
               <a:buChar char="○"/>
             </a:pPr>
             <a:r>
-              <a:rPr lang="en" sz="1300"/>
+              <a:rPr lang="en" sz="1200"/>
               <a:t>Mean = 0.14</a:t>
             </a:r>
-            <a:endParaRPr sz="1300"/>
-          </a:p>
-          <a:p>
-            <a:pPr marL="914400" lvl="1" indent="-311150" algn="l" rtl="0">
-              <a:spcBef>
-                <a:spcPts val="0"/>
-              </a:spcBef>
-              <a:spcAft>
-                <a:spcPts val="0"/>
-              </a:spcAft>
-              <a:buSzPts val="1300"/>
+            <a:endParaRPr sz="1200"/>
+          </a:p>
+          <a:p>
+            <a:pPr indent="-304800" lvl="1" marL="914400" rtl="0" algn="l">
+              <a:spcBef>
+                <a:spcPts val="0"/>
+              </a:spcBef>
+              <a:spcAft>
+                <a:spcPts val="0"/>
+              </a:spcAft>
+              <a:buSzPts val="1200"/>
               <a:buChar char="○"/>
             </a:pPr>
             <a:r>
-              <a:rPr lang="en" sz="1300"/>
+              <a:rPr lang="en" sz="1200"/>
               <a:t>Var = 0.014</a:t>
             </a:r>
-            <a:endParaRPr sz="1300"/>
-          </a:p>
-          <a:p>
-            <a:pPr marL="914400" lvl="0" indent="0" algn="l" rtl="0">
-              <a:spcBef>
-                <a:spcPts val="0"/>
-              </a:spcBef>
-              <a:spcAft>
-                <a:spcPts val="0"/>
-              </a:spcAft>
-              <a:buNone/>
-            </a:pPr>
-            <a:endParaRPr sz="1300"/>
-          </a:p>
-          <a:p>
-            <a:pPr marL="457200" lvl="0" indent="-311150" algn="l" rtl="0">
-              <a:spcBef>
-                <a:spcPts val="0"/>
-              </a:spcBef>
-              <a:spcAft>
-                <a:spcPts val="0"/>
-              </a:spcAft>
-              <a:buSzPts val="1300"/>
+            <a:endParaRPr sz="1200"/>
+          </a:p>
+          <a:p>
+            <a:pPr indent="0" lvl="0" marL="914400" rtl="0" algn="l">
+              <a:spcBef>
+                <a:spcPts val="0"/>
+              </a:spcBef>
+              <a:spcAft>
+                <a:spcPts val="0"/>
+              </a:spcAft>
+              <a:buNone/>
+            </a:pPr>
+            <a:r>
+              <a:t/>
+            </a:r>
+            <a:endParaRPr sz="1200"/>
+          </a:p>
+          <a:p>
+            <a:pPr indent="-304800" lvl="0" marL="457200" rtl="0" algn="l">
+              <a:spcBef>
+                <a:spcPts val="0"/>
+              </a:spcBef>
+              <a:spcAft>
+                <a:spcPts val="0"/>
+              </a:spcAft>
+              <a:buSzPts val="1200"/>
               <a:buChar char="●"/>
             </a:pPr>
             <a:r>
-              <a:rPr lang="en" sz="1300"/>
-              <a:t>European Category (1598 recipes):</a:t>
-            </a:r>
-            <a:endParaRPr sz="1300"/>
-          </a:p>
-          <a:p>
-            <a:pPr marL="914400" lvl="1" indent="-311150" algn="l" rtl="0">
-              <a:spcBef>
-                <a:spcPts val="0"/>
-              </a:spcBef>
-              <a:spcAft>
-                <a:spcPts val="0"/>
-              </a:spcAft>
-              <a:buSzPts val="1300"/>
+              <a:rPr b="1" lang="en" sz="1200"/>
+              <a:t>European</a:t>
+            </a:r>
+            <a:r>
+              <a:rPr lang="en" sz="1200"/>
+              <a:t> Category (1598 recipes):</a:t>
+            </a:r>
+            <a:endParaRPr sz="1200"/>
+          </a:p>
+          <a:p>
+            <a:pPr indent="-304800" lvl="1" marL="914400" rtl="0" algn="l">
+              <a:spcBef>
+                <a:spcPts val="0"/>
+              </a:spcBef>
+              <a:spcAft>
+                <a:spcPts val="0"/>
+              </a:spcAft>
+              <a:buSzPts val="1200"/>
               <a:buChar char="○"/>
             </a:pPr>
             <a:r>
-              <a:rPr lang="en" sz="1300"/>
+              <a:rPr lang="en" sz="1200"/>
               <a:t>Mean = 0.18</a:t>
             </a:r>
-            <a:endParaRPr sz="1300"/>
-          </a:p>
-          <a:p>
-            <a:pPr marL="914400" lvl="1" indent="-311150" algn="l" rtl="0">
-              <a:spcBef>
-                <a:spcPts val="0"/>
-              </a:spcBef>
-              <a:spcAft>
-                <a:spcPts val="0"/>
-              </a:spcAft>
-              <a:buSzPts val="1300"/>
+            <a:endParaRPr sz="1200"/>
+          </a:p>
+          <a:p>
+            <a:pPr indent="-304800" lvl="1" marL="914400" rtl="0" algn="l">
+              <a:spcBef>
+                <a:spcPts val="0"/>
+              </a:spcBef>
+              <a:spcAft>
+                <a:spcPts val="0"/>
+              </a:spcAft>
+              <a:buSzPts val="1200"/>
               <a:buChar char="○"/>
             </a:pPr>
             <a:r>
-              <a:rPr lang="en" sz="1300"/>
+              <a:rPr lang="en" sz="1200"/>
               <a:t>Var = 0.009</a:t>
             </a:r>
-            <a:endParaRPr sz="1300"/>
-          </a:p>
-          <a:p>
-            <a:pPr marL="914400" lvl="0" indent="0" algn="l" rtl="0">
-              <a:spcBef>
-                <a:spcPts val="0"/>
-              </a:spcBef>
-              <a:spcAft>
-                <a:spcPts val="0"/>
-              </a:spcAft>
-              <a:buNone/>
-            </a:pPr>
-            <a:endParaRPr sz="1300"/>
-          </a:p>
-          <a:p>
-            <a:pPr marL="457200" lvl="0" indent="-311150" algn="l" rtl="0">
-              <a:spcBef>
-                <a:spcPts val="0"/>
-              </a:spcBef>
-              <a:spcAft>
-                <a:spcPts val="0"/>
-              </a:spcAft>
-              <a:buSzPts val="1300"/>
+            <a:endParaRPr sz="1200"/>
+          </a:p>
+          <a:p>
+            <a:pPr indent="0" lvl="0" marL="914400" rtl="0" algn="l">
+              <a:spcBef>
+                <a:spcPts val="0"/>
+              </a:spcBef>
+              <a:spcAft>
+                <a:spcPts val="0"/>
+              </a:spcAft>
+              <a:buNone/>
+            </a:pPr>
+            <a:r>
+              <a:t/>
+            </a:r>
+            <a:endParaRPr sz="1200"/>
+          </a:p>
+          <a:p>
+            <a:pPr indent="-304800" lvl="0" marL="457200" rtl="0" algn="l">
+              <a:spcBef>
+                <a:spcPts val="0"/>
+              </a:spcBef>
+              <a:spcAft>
+                <a:spcPts val="0"/>
+              </a:spcAft>
+              <a:buSzPts val="1200"/>
               <a:buChar char="●"/>
             </a:pPr>
             <a:r>
-              <a:rPr lang="en" sz="1300"/>
-              <a:t>The p-value is 0.0, so we reject the null hypothesis</a:t>
-            </a:r>
-            <a:endParaRPr sz="1300"/>
-          </a:p>
-          <a:p>
-            <a:pPr marL="914400" lvl="0" indent="0" algn="l" rtl="0">
-              <a:spcBef>
-                <a:spcPts val="0"/>
-              </a:spcBef>
-              <a:spcAft>
-                <a:spcPts val="0"/>
-              </a:spcAft>
-              <a:buNone/>
-            </a:pPr>
+              <a:rPr b="1" lang="en" sz="1200"/>
+              <a:t>The p-value is 3.24e-14</a:t>
+            </a:r>
+            <a:r>
+              <a:rPr lang="en" sz="1200"/>
+              <a:t>, so we reject the null hypothesis</a:t>
+            </a:r>
+            <a:endParaRPr sz="1200"/>
+          </a:p>
+          <a:p>
+            <a:pPr indent="0" lvl="0" marL="914400" rtl="0" algn="l">
+              <a:spcBef>
+                <a:spcPts val="0"/>
+              </a:spcBef>
+              <a:spcAft>
+                <a:spcPts val="0"/>
+              </a:spcAft>
+              <a:buNone/>
+            </a:pPr>
+            <a:r>
+              <a:t/>
+            </a:r>
             <a:endParaRPr/>
           </a:p>
         </p:txBody>
@@ -10099,77 +10392,32 @@
   <p:timing>
     <p:tnLst>
       <p:par>
-        <p:cTn id="1" dur="indefinite" restart="never" nodeType="tmRoot">
+        <p:cTn dur="indefinite" nodeType="tmRoot" restart="never">
           <p:childTnLst>
             <p:seq concurrent="1" nextAc="seek">
-              <p:cTn id="2" dur="indefinite" nodeType="mainSeq">
+              <p:cTn dur="indefinite" id="2" nodeType="mainSeq">
                 <p:childTnLst>
                   <p:par>
-                    <p:cTn id="3" fill="hold">
+                    <p:cTn fill="hold">
                       <p:stCondLst>
                         <p:cond delay="indefinite"/>
                       </p:stCondLst>
                       <p:childTnLst>
                         <p:par>
-                          <p:cTn id="4" fill="hold">
+                          <p:cTn fill="hold">
                             <p:stCondLst>
                               <p:cond delay="0"/>
                             </p:stCondLst>
                             <p:childTnLst>
                               <p:par>
-                                <p:cTn id="5" presetID="1" presetClass="entr" presetSubtype="0" fill="hold" nodeType="clickEffect">
+                                <p:cTn fill="hold" nodeType="clickEffect" presetClass="entr" presetID="1" presetSubtype="0">
                                   <p:stCondLst>
                                     <p:cond delay="0"/>
                                   </p:stCondLst>
                                   <p:childTnLst>
                                     <p:set>
                                       <p:cBhvr>
-                                        <p:cTn id="6" dur="1" fill="hold">
-                                          <p:stCondLst>
-                                            <p:cond delay="0"/>
-                                          </p:stCondLst>
-                                        </p:cTn>
-                                        <p:tgtEl>
-                                          <p:spTgt spid="99"/>
-                                        </p:tgtEl>
-                                        <p:attrNameLst>
-                                          <p:attrName>style.visibility</p:attrName>
-                                        </p:attrNameLst>
-                                      </p:cBhvr>
-                                      <p:to>
-                                        <p:strVal val="visible"/>
-                                      </p:to>
-                                    </p:set>
-                                  </p:childTnLst>
-                                </p:cTn>
-                              </p:par>
-                            </p:childTnLst>
-                          </p:cTn>
-                        </p:par>
-                      </p:childTnLst>
-                    </p:cTn>
-                  </p:par>
-                  <p:par>
-                    <p:cTn id="7" fill="hold">
-                      <p:stCondLst>
-                        <p:cond delay="indefinite"/>
-                      </p:stCondLst>
-                      <p:childTnLst>
-                        <p:par>
-                          <p:cTn id="8" fill="hold">
-                            <p:stCondLst>
-                              <p:cond delay="0"/>
-                            </p:stCondLst>
-                            <p:childTnLst>
-                              <p:par>
-                                <p:cTn id="9" presetID="1" presetClass="entr" presetSubtype="0" fill="hold" nodeType="clickEffect">
-                                  <p:stCondLst>
-                                    <p:cond delay="0"/>
-                                  </p:stCondLst>
-                                  <p:childTnLst>
-                                    <p:set>
-                                      <p:cBhvr>
-                                        <p:cTn id="10" dur="1" fill="hold">
+                                        <p:cTn dur="1" fill="hold">
                                           <p:stCondLst>
                                             <p:cond delay="0"/>
                                           </p:stCondLst>
@@ -10195,26 +10443,26 @@
                     </p:cTn>
                   </p:par>
                   <p:par>
-                    <p:cTn id="11" fill="hold">
+                    <p:cTn fill="hold">
                       <p:stCondLst>
                         <p:cond delay="indefinite"/>
                       </p:stCondLst>
                       <p:childTnLst>
                         <p:par>
-                          <p:cTn id="12" fill="hold">
+                          <p:cTn fill="hold">
                             <p:stCondLst>
                               <p:cond delay="0"/>
                             </p:stCondLst>
                             <p:childTnLst>
                               <p:par>
-                                <p:cTn id="13" presetID="1" presetClass="entr" presetSubtype="0" fill="hold" nodeType="clickEffect">
+                                <p:cTn fill="hold" nodeType="clickEffect" presetClass="entr" presetID="1" presetSubtype="0">
                                   <p:stCondLst>
                                     <p:cond delay="0"/>
                                   </p:stCondLst>
                                   <p:childTnLst>
                                     <p:set>
                                       <p:cBhvr>
-                                        <p:cTn id="14" dur="1" fill="hold">
+                                        <p:cTn dur="1" fill="hold">
                                           <p:stCondLst>
                                             <p:cond delay="0"/>
                                           </p:stCondLst>
@@ -10239,17 +10487,62 @@
                       </p:childTnLst>
                     </p:cTn>
                   </p:par>
+                  <p:par>
+                    <p:cTn fill="hold">
+                      <p:stCondLst>
+                        <p:cond delay="indefinite"/>
+                      </p:stCondLst>
+                      <p:childTnLst>
+                        <p:par>
+                          <p:cTn fill="hold">
+                            <p:stCondLst>
+                              <p:cond delay="0"/>
+                            </p:stCondLst>
+                            <p:childTnLst>
+                              <p:par>
+                                <p:cTn fill="hold" nodeType="clickEffect" presetClass="entr" presetID="1" presetSubtype="0">
+                                  <p:stCondLst>
+                                    <p:cond delay="0"/>
+                                  </p:stCondLst>
+                                  <p:childTnLst>
+                                    <p:set>
+                                      <p:cBhvr>
+                                        <p:cTn dur="1" fill="hold">
+                                          <p:stCondLst>
+                                            <p:cond delay="0"/>
+                                          </p:stCondLst>
+                                        </p:cTn>
+                                        <p:tgtEl>
+                                          <p:spTgt spid="102"/>
+                                        </p:tgtEl>
+                                        <p:attrNameLst>
+                                          <p:attrName>style.visibility</p:attrName>
+                                        </p:attrNameLst>
+                                      </p:cBhvr>
+                                      <p:to>
+                                        <p:strVal val="visible"/>
+                                      </p:to>
+                                    </p:set>
+                                  </p:childTnLst>
+                                </p:cTn>
+                              </p:par>
+                            </p:childTnLst>
+                          </p:cTn>
+                        </p:par>
+                      </p:childTnLst>
+                    </p:cTn>
+                  </p:par>
                 </p:childTnLst>
               </p:cTn>
               <p:prevCondLst>
-                <p:cond evt="onPrev" delay="0">
+                <p:cond evt="onPrev">
                   <p:tgtEl>
                     <p:sldTgt/>
                   </p:tgtEl>
                 </p:cond>
               </p:prevCondLst>
               <p:nextCondLst>
-                <p:cond evt="onNext" delay="0">
+                <p:cond evt="onNext">
                   <p:tgtEl>
                     <p:sldTgt/>
                   </p:tgtEl>
@@ -10265,11 +10558,11 @@
 </file>
 
 <file path=ppt/slides/slide7.xml><?xml version="1.0" encoding="utf-8"?>
-<p:sld xmlns:a="http://schemas.openxmlformats.org/drawingml/2006/main" xmlns:r="http://schemas.openxmlformats.org/officeDocument/2006/relationships" xmlns:p="http://schemas.openxmlformats.org/presentationml/2006/main">
+<p:sld xmlns:a="http://schemas.openxmlformats.org/drawingml/2006/main" xmlns:r="http://schemas.openxmlformats.org/officeDocument/2006/relationships" xmlns:mc="http://schemas.openxmlformats.org/markup-compatibility/2006" xmlns:mv="urn:schemas-microsoft-com:mac:vml" xmlns:p="http://schemas.openxmlformats.org/presentationml/2006/main" xmlns:c="http://schemas.openxmlformats.org/drawingml/2006/chart" xmlns:dgm="http://schemas.openxmlformats.org/drawingml/2006/diagram" xmlns:o="urn:schemas-microsoft-com:office:office" xmlns:v="urn:schemas-microsoft-com:vml" xmlns:pvml="urn:schemas-microsoft-com:office:powerpoint" xmlns:com="http://schemas.openxmlformats.org/drawingml/2006/compatibility" xmlns:p14="http://schemas.microsoft.com/office/powerpoint/2010/main" xmlns:p15="http://schemas.microsoft.com/office/powerpoint/2012/main" xmlns:ahyp="http://schemas.microsoft.com/office/drawing/2018/hyperlinkcolor">
   <p:cSld>
     <p:spTree>
       <p:nvGrpSpPr>
-        <p:cNvPr id="1" name="Shape 105"/>
+        <p:cNvPr id="106" name="Shape 106"/>
         <p:cNvGrpSpPr/>
         <p:nvPr/>
       </p:nvGrpSpPr>
@@ -10283,10 +10576,8 @@
       </p:grpSpPr>
       <p:sp>
         <p:nvSpPr>
-          <p:cNvPr id="106" name="Google Shape;106;p19"/>
-          <p:cNvSpPr txBox="1">
-            <a:spLocks noGrp="1"/>
-          </p:cNvSpPr>
+          <p:cNvPr id="107" name="Google Shape;107;p19"/>
+          <p:cNvSpPr txBox="1"/>
           <p:nvPr>
             <p:ph type="title"/>
           </p:nvPr>
@@ -10301,12 +10592,12 @@
           </a:prstGeom>
         </p:spPr>
         <p:txBody>
-          <a:bodyPr spcFirstLastPara="1" wrap="square" lIns="91425" tIns="91425" rIns="91425" bIns="91425" anchor="t" anchorCtr="0">
+          <a:bodyPr anchorCtr="0" anchor="t" bIns="91425" lIns="91425" spcFirstLastPara="1" rIns="91425" wrap="square" tIns="91425">
             <a:normAutofit fontScale="90000"/>
           </a:bodyPr>
           <a:lstStyle/>
           <a:p>
-            <a:pPr marL="0" lvl="0" indent="0" algn="l" rtl="0">
+            <a:pPr indent="0" lvl="0" marL="0" rtl="0" algn="l">
               <a:spcBef>
                 <a:spcPts val="0"/>
               </a:spcBef>
@@ -10335,7 +10626,7 @@
       </p:sp>
       <p:sp>
         <p:nvSpPr>
-          <p:cNvPr id="107" name="Google Shape;107;p19"/>
+          <p:cNvPr id="108" name="Google Shape;108;p19"/>
           <p:cNvSpPr/>
           <p:nvPr/>
         </p:nvSpPr>
@@ -10350,45 +10641,48 @@
           <a:solidFill>
             <a:srgbClr val="CFE2F3"/>
           </a:solidFill>
-          <a:ln w="9525" cap="flat" cmpd="sng">
+          <a:ln cap="flat" cmpd="sng" w="9525">
             <a:solidFill>
               <a:srgbClr val="CFE2F3"/>
             </a:solidFill>
             <a:prstDash val="solid"/>
             <a:round/>
-            <a:headEnd type="none" w="sm" len="sm"/>
-            <a:tailEnd type="none" w="sm" len="sm"/>
+            <a:headEnd len="sm" w="sm" type="none"/>
+            <a:tailEnd len="sm" w="sm" type="none"/>
           </a:ln>
         </p:spPr>
         <p:txBody>
-          <a:bodyPr spcFirstLastPara="1" wrap="square" lIns="91425" tIns="91425" rIns="91425" bIns="91425" anchor="ctr" anchorCtr="0">
+          <a:bodyPr anchorCtr="0" anchor="ctr" bIns="91425" lIns="91425" spcFirstLastPara="1" rIns="91425" wrap="square" tIns="91425">
             <a:noAutofit/>
           </a:bodyPr>
           <a:lstStyle/>
           <a:p>
-            <a:pPr marL="0" lvl="0" indent="0" algn="l" rtl="0">
-              <a:spcBef>
-                <a:spcPts val="0"/>
-              </a:spcBef>
-              <a:spcAft>
-                <a:spcPts val="0"/>
-              </a:spcAft>
-              <a:buNone/>
-            </a:pPr>
+            <a:pPr indent="0" lvl="0" marL="0" rtl="0" algn="l">
+              <a:spcBef>
+                <a:spcPts val="0"/>
+              </a:spcBef>
+              <a:spcAft>
+                <a:spcPts val="0"/>
+              </a:spcAft>
+              <a:buNone/>
+            </a:pPr>
+            <a:r>
+              <a:t/>
+            </a:r>
             <a:endParaRPr/>
           </a:p>
         </p:txBody>
       </p:sp>
       <p:sp>
         <p:nvSpPr>
-          <p:cNvPr id="108" name="Google Shape;108;p19"/>
+          <p:cNvPr id="109" name="Google Shape;109;p19"/>
           <p:cNvSpPr txBox="1"/>
           <p:nvPr/>
         </p:nvSpPr>
         <p:spPr>
           <a:xfrm>
             <a:off x="486500" y="1121900"/>
-            <a:ext cx="7565400" cy="1477500"/>
+            <a:ext cx="7565400" cy="2770500"/>
           </a:xfrm>
           <a:prstGeom prst="rect">
             <a:avLst/>
@@ -10399,12 +10693,12 @@
           </a:ln>
         </p:spPr>
         <p:txBody>
-          <a:bodyPr spcFirstLastPara="1" wrap="square" lIns="91425" tIns="91425" rIns="91425" bIns="91425" anchor="t" anchorCtr="0">
+          <a:bodyPr anchorCtr="0" anchor="t" bIns="91425" lIns="91425" spcFirstLastPara="1" rIns="91425" wrap="square" tIns="91425">
             <a:spAutoFit/>
           </a:bodyPr>
           <a:lstStyle/>
           <a:p>
-            <a:pPr marL="457200" lvl="0" indent="-317500" algn="l" rtl="0">
+            <a:pPr indent="-317500" lvl="0" marL="457200" rtl="0" algn="l">
               <a:spcBef>
                 <a:spcPts val="0"/>
               </a:spcBef>
@@ -10416,24 +10710,42 @@
             </a:pPr>
             <a:r>
               <a:rPr lang="en"/>
-              <a:t>People cooking from home to eat healthier should try to choose recipe options that are lower in fat and sugar and higher in fiber</a:t>
+              <a:t>Diet trends can be seen in recipe descriptions</a:t>
             </a:r>
             <a:endParaRPr/>
           </a:p>
           <a:p>
-            <a:pPr marL="457200" lvl="0" indent="0" algn="l" rtl="0">
-              <a:spcBef>
-                <a:spcPts val="0"/>
-              </a:spcBef>
-              <a:spcAft>
-                <a:spcPts val="0"/>
-              </a:spcAft>
-              <a:buNone/>
-            </a:pPr>
+            <a:pPr indent="0" lvl="0" marL="0" rtl="0" algn="l">
+              <a:spcBef>
+                <a:spcPts val="0"/>
+              </a:spcBef>
+              <a:spcAft>
+                <a:spcPts val="0"/>
+              </a:spcAft>
+              <a:buNone/>
+            </a:pPr>
+            <a:r>
+              <a:t/>
+            </a:r>
             <a:endParaRPr/>
           </a:p>
           <a:p>
-            <a:pPr marL="457200" lvl="0" indent="-317500" algn="l" rtl="0">
+            <a:pPr indent="0" lvl="0" marL="0" rtl="0" algn="l">
+              <a:spcBef>
+                <a:spcPts val="0"/>
+              </a:spcBef>
+              <a:spcAft>
+                <a:spcPts val="0"/>
+              </a:spcAft>
+              <a:buNone/>
+            </a:pPr>
+            <a:r>
+              <a:t/>
+            </a:r>
+            <a:endParaRPr/>
+          </a:p>
+          <a:p>
+            <a:pPr indent="-317500" lvl="0" marL="457200" rtl="0" algn="l">
               <a:spcBef>
                 <a:spcPts val="0"/>
               </a:spcBef>
@@ -10445,7 +10757,150 @@
             </a:pPr>
             <a:r>
               <a:rPr lang="en"/>
-              <a:t>An online business centered on health foods and recipes could use this dataset and hypothesis testing as a tool to improve the nutrition of their own recipe content and compare with recommended values</a:t>
+              <a:t>People cooking from home to eat healthier should try to choose recipe options that are lower in fat and sugar and higher in fiber</a:t>
+            </a:r>
+            <a:endParaRPr/>
+          </a:p>
+          <a:p>
+            <a:pPr indent="0" lvl="0" marL="0" rtl="0" algn="l">
+              <a:spcBef>
+                <a:spcPts val="0"/>
+              </a:spcBef>
+              <a:spcAft>
+                <a:spcPts val="0"/>
+              </a:spcAft>
+              <a:buNone/>
+            </a:pPr>
+            <a:r>
+              <a:t/>
+            </a:r>
+            <a:endParaRPr/>
+          </a:p>
+          <a:p>
+            <a:pPr indent="0" lvl="0" marL="0" rtl="0" algn="l">
+              <a:spcBef>
+                <a:spcPts val="0"/>
+              </a:spcBef>
+              <a:spcAft>
+                <a:spcPts val="0"/>
+              </a:spcAft>
+              <a:buNone/>
+            </a:pPr>
+            <a:r>
+              <a:t/>
+            </a:r>
+            <a:endParaRPr/>
+          </a:p>
+          <a:p>
+            <a:pPr indent="-317500" lvl="0" marL="457200" rtl="0" algn="l">
+              <a:spcBef>
+                <a:spcPts val="0"/>
+              </a:spcBef>
+              <a:spcAft>
+                <a:spcPts val="0"/>
+              </a:spcAft>
+              <a:buSzPts val="1400"/>
+              <a:buChar char="●"/>
+            </a:pPr>
+            <a:r>
+              <a:rPr lang="en"/>
+              <a:t>There is a decrease in proportion of dessert recipes over time</a:t>
+            </a:r>
+            <a:endParaRPr/>
+          </a:p>
+          <a:p>
+            <a:pPr indent="0" lvl="0" marL="0" rtl="0" algn="l">
+              <a:spcBef>
+                <a:spcPts val="0"/>
+              </a:spcBef>
+              <a:spcAft>
+                <a:spcPts val="0"/>
+              </a:spcAft>
+              <a:buNone/>
+            </a:pPr>
+            <a:r>
+              <a:t/>
+            </a:r>
+            <a:endParaRPr/>
+          </a:p>
+          <a:p>
+            <a:pPr indent="0" lvl="0" marL="457200" rtl="0" algn="l">
+              <a:spcBef>
+                <a:spcPts val="0"/>
+              </a:spcBef>
+              <a:spcAft>
+                <a:spcPts val="0"/>
+              </a:spcAft>
+              <a:buNone/>
+            </a:pPr>
+            <a:r>
+              <a:t/>
+            </a:r>
+            <a:endParaRPr/>
+          </a:p>
+          <a:p>
+            <a:pPr indent="-317500" lvl="0" marL="457200" rtl="0" algn="l">
+              <a:spcBef>
+                <a:spcPts val="0"/>
+              </a:spcBef>
+              <a:spcAft>
+                <a:spcPts val="0"/>
+              </a:spcAft>
+              <a:buSzPts val="1400"/>
+              <a:buChar char="●"/>
+            </a:pPr>
+            <a:r>
+              <a:rPr lang="en"/>
+              <a:t>Hypothesis testing of this dataset can be used to choose “healthier” options between recipe categories</a:t>
+            </a:r>
+            <a:endParaRPr/>
+          </a:p>
+        </p:txBody>
+      </p:sp>
+      <p:sp>
+        <p:nvSpPr>
+          <p:cNvPr id="110" name="Google Shape;110;p19"/>
+          <p:cNvSpPr/>
+          <p:nvPr/>
+        </p:nvSpPr>
+        <p:spPr>
+          <a:xfrm rot="5400000">
+            <a:off x="4576614" y="388850"/>
+            <a:ext cx="83100" cy="8031600"/>
+          </a:xfrm>
+          <a:prstGeom prst="rect">
+            <a:avLst/>
+          </a:prstGeom>
+          <a:solidFill>
+            <a:srgbClr val="CFE2F3"/>
+          </a:solidFill>
+          <a:ln cap="flat" cmpd="sng" w="9525">
+            <a:solidFill>
+              <a:srgbClr val="CFE2F3"/>
+            </a:solidFill>
+            <a:prstDash val="solid"/>
+            <a:round/>
+            <a:headEnd len="sm" w="sm" type="none"/>
+            <a:tailEnd len="sm" w="sm" type="none"/>
+          </a:ln>
+        </p:spPr>
+        <p:txBody>
+          <a:bodyPr anchorCtr="0" anchor="ctr" bIns="91425" lIns="91425" spcFirstLastPara="1" rIns="91425" wrap="square" tIns="91425">
+            <a:noAutofit/>
+          </a:bodyPr>
+          <a:lstStyle/>
+          <a:p>
+            <a:pPr indent="0" lvl="0" marL="0" rtl="0" algn="l">
+              <a:spcBef>
+                <a:spcPts val="0"/>
+              </a:spcBef>
+              <a:spcAft>
+                <a:spcPts val="0"/>
+              </a:spcAft>
+              <a:buNone/>
+            </a:pPr>
+            <a:r>
+              <a:t/>
             </a:r>
             <a:endParaRPr/>
           </a:p>
@@ -10460,11 +10915,18 @@
 </file>
 
 <file path=ppt/slides/slide8.xml><?xml version="1.0" encoding="utf-8"?>
-<p:sld xmlns:a="http://schemas.openxmlformats.org/drawingml/2006/main" xmlns:r="http://schemas.openxmlformats.org/officeDocument/2006/relationships" xmlns:p="http://schemas.openxmlformats.org/presentationml/2006/main">
+<p:sld xmlns:a="http://schemas.openxmlformats.org/drawingml/2006/main" xmlns:r="http://schemas.openxmlformats.org/officeDocument/2006/relationships" xmlns:mc="http://schemas.openxmlformats.org/markup-compatibility/2006" xmlns:mv="urn:schemas-microsoft-com:mac:vml" xmlns:p="http://schemas.openxmlformats.org/presentationml/2006/main" xmlns:c="http://schemas.openxmlformats.org/drawingml/2006/chart" xmlns:dgm="http://schemas.openxmlformats.org/drawingml/2006/diagram" xmlns:o="urn:schemas-microsoft-com:office:office" xmlns:v="urn:schemas-microsoft-com:vml" xmlns:pvml="urn:schemas-microsoft-com:office:powerpoint" xmlns:com="http://schemas.openxmlformats.org/drawingml/2006/compatibility" xmlns:p14="http://schemas.microsoft.com/office/powerpoint/2010/main" xmlns:p15="http://schemas.microsoft.com/office/powerpoint/2012/main" xmlns:ahyp="http://schemas.microsoft.com/office/drawing/2018/hyperlinkcolor">
   <p:cSld>
+    <p:bg>
+      <p:bgPr>
+        <a:solidFill>
+          <a:srgbClr val="CFE2F3"/>
+        </a:solidFill>
+      </p:bgPr>
+    </p:bg>
     <p:spTree>
       <p:nvGrpSpPr>
-        <p:cNvPr id="1" name="Shape 112"/>
+        <p:cNvPr id="114" name="Shape 114"/>
         <p:cNvGrpSpPr/>
         <p:nvPr/>
       </p:nvGrpSpPr>
@@ -10478,99 +10940,57 @@
       </p:grpSpPr>
       <p:sp>
         <p:nvSpPr>
-          <p:cNvPr id="113" name="Google Shape;113;p20"/>
-          <p:cNvSpPr txBox="1">
-            <a:spLocks noGrp="1"/>
-          </p:cNvSpPr>
+          <p:cNvPr id="115" name="Google Shape;115;p20"/>
+          <p:cNvSpPr txBox="1"/>
           <p:nvPr>
-            <p:ph type="title"/>
+            <p:ph idx="1" type="body"/>
           </p:nvPr>
         </p:nvSpPr>
         <p:spPr>
           <a:xfrm>
-            <a:off x="311700" y="278600"/>
-            <a:ext cx="8520600" cy="572700"/>
+            <a:off x="311700" y="1152475"/>
+            <a:ext cx="8520600" cy="3416400"/>
           </a:xfrm>
           <a:prstGeom prst="rect">
             <a:avLst/>
           </a:prstGeom>
         </p:spPr>
         <p:txBody>
-          <a:bodyPr spcFirstLastPara="1" wrap="square" lIns="91425" tIns="91425" rIns="91425" bIns="91425" anchor="t" anchorCtr="0">
-            <a:normAutofit fontScale="90000"/>
+          <a:bodyPr anchorCtr="0" anchor="t" bIns="91425" lIns="91425" spcFirstLastPara="1" rIns="91425" wrap="square" tIns="91425">
+            <a:normAutofit/>
           </a:bodyPr>
           <a:lstStyle/>
           <a:p>
-            <a:pPr marL="0" lvl="0" indent="0" algn="l" rtl="0">
-              <a:spcBef>
-                <a:spcPts val="0"/>
-              </a:spcBef>
-              <a:spcAft>
-                <a:spcPts val="0"/>
-              </a:spcAft>
-              <a:buNone/>
-            </a:pPr>
-            <a:r>
-              <a:rPr lang="en">
+            <a:pPr indent="0" lvl="0" marL="0" rtl="0" algn="l">
+              <a:spcBef>
+                <a:spcPts val="0"/>
+              </a:spcBef>
+              <a:spcAft>
+                <a:spcPts val="1200"/>
+              </a:spcAft>
+              <a:buNone/>
+            </a:pPr>
+            <a:r>
+              <a:rPr b="1" lang="en" sz="3200">
+                <a:solidFill>
+                  <a:srgbClr val="FFFFFF"/>
+                </a:solidFill>
                 <a:latin typeface="Comfortaa"/>
                 <a:ea typeface="Comfortaa"/>
                 <a:cs typeface="Comfortaa"/>
                 <a:sym typeface="Comfortaa"/>
               </a:rPr>
-              <a:t>Extra Slides</a:t>
-            </a:r>
-            <a:endParaRPr>
+              <a:t>Questions?</a:t>
+            </a:r>
+            <a:endParaRPr b="1" sz="3200">
+              <a:solidFill>
+                <a:srgbClr val="FFFFFF"/>
+              </a:solidFill>
               <a:latin typeface="Comfortaa"/>
               <a:ea typeface="Comfortaa"/>
               <a:cs typeface="Comfortaa"/>
               <a:sym typeface="Comfortaa"/>
             </a:endParaRPr>
-          </a:p>
-        </p:txBody>
-      </p:sp>
-      <p:sp>
-        <p:nvSpPr>
-          <p:cNvPr id="114" name="Google Shape;114;p20"/>
-          <p:cNvSpPr/>
-          <p:nvPr/>
-        </p:nvSpPr>
-        <p:spPr>
-          <a:xfrm>
-            <a:off x="249626" y="278600"/>
-            <a:ext cx="22800" cy="572700"/>
-          </a:xfrm>
-          <a:prstGeom prst="rect">
-            <a:avLst/>
-          </a:prstGeom>
-          <a:solidFill>
-            <a:srgbClr val="CFE2F3"/>
-          </a:solidFill>
-          <a:ln w="9525" cap="flat" cmpd="sng">
-            <a:solidFill>
-              <a:srgbClr val="CFE2F3"/>
-            </a:solidFill>
-            <a:prstDash val="solid"/>
-            <a:round/>
-            <a:headEnd type="none" w="sm" len="sm"/>
-            <a:tailEnd type="none" w="sm" len="sm"/>
-          </a:ln>
-        </p:spPr>
-        <p:txBody>
-          <a:bodyPr spcFirstLastPara="1" wrap="square" lIns="91425" tIns="91425" rIns="91425" bIns="91425" anchor="ctr" anchorCtr="0">
-            <a:noAutofit/>
-          </a:bodyPr>
-          <a:lstStyle/>
-          <a:p>
-            <a:pPr marL="0" lvl="0" indent="0" algn="l" rtl="0">
-              <a:spcBef>
-                <a:spcPts val="0"/>
-              </a:spcBef>
-              <a:spcAft>
-                <a:spcPts val="0"/>
-              </a:spcAft>
-              <a:buNone/>
-            </a:pPr>
-            <a:endParaRPr/>
           </a:p>
         </p:txBody>
       </p:sp>
@@ -10583,11 +11003,11 @@
 </file>
 
 <file path=ppt/slides/slide9.xml><?xml version="1.0" encoding="utf-8"?>
-<p:sld xmlns:a="http://schemas.openxmlformats.org/drawingml/2006/main" xmlns:r="http://schemas.openxmlformats.org/officeDocument/2006/relationships" xmlns:p="http://schemas.openxmlformats.org/presentationml/2006/main">
+<p:sld xmlns:a="http://schemas.openxmlformats.org/drawingml/2006/main" xmlns:r="http://schemas.openxmlformats.org/officeDocument/2006/relationships" xmlns:mc="http://schemas.openxmlformats.org/markup-compatibility/2006" xmlns:mv="urn:schemas-microsoft-com:mac:vml" xmlns:p="http://schemas.openxmlformats.org/presentationml/2006/main" xmlns:c="http://schemas.openxmlformats.org/drawingml/2006/chart" xmlns:dgm="http://schemas.openxmlformats.org/drawingml/2006/diagram" xmlns:o="urn:schemas-microsoft-com:office:office" xmlns:v="urn:schemas-microsoft-com:vml" xmlns:pvml="urn:schemas-microsoft-com:office:powerpoint" xmlns:com="http://schemas.openxmlformats.org/drawingml/2006/compatibility" xmlns:p14="http://schemas.microsoft.com/office/powerpoint/2010/main" xmlns:p15="http://schemas.microsoft.com/office/powerpoint/2012/main" xmlns:ahyp="http://schemas.microsoft.com/office/drawing/2018/hyperlinkcolor">
   <p:cSld>
     <p:spTree>
       <p:nvGrpSpPr>
-        <p:cNvPr id="1" name="Shape 118"/>
+        <p:cNvPr id="119" name="Shape 119"/>
         <p:cNvGrpSpPr/>
         <p:nvPr/>
       </p:nvGrpSpPr>
@@ -10601,10 +11021,8 @@
       </p:grpSpPr>
       <p:sp>
         <p:nvSpPr>
-          <p:cNvPr id="119" name="Google Shape;119;p21"/>
-          <p:cNvSpPr txBox="1">
-            <a:spLocks noGrp="1"/>
-          </p:cNvSpPr>
+          <p:cNvPr id="120" name="Google Shape;120;p21"/>
+          <p:cNvSpPr txBox="1"/>
           <p:nvPr>
             <p:ph type="title"/>
           </p:nvPr>
@@ -10619,12 +11037,12 @@
           </a:prstGeom>
         </p:spPr>
         <p:txBody>
-          <a:bodyPr spcFirstLastPara="1" wrap="square" lIns="91425" tIns="91425" rIns="91425" bIns="91425" anchor="t" anchorCtr="0">
+          <a:bodyPr anchorCtr="0" anchor="t" bIns="91425" lIns="91425" spcFirstLastPara="1" rIns="91425" wrap="square" tIns="91425">
             <a:normAutofit fontScale="90000"/>
           </a:bodyPr>
           <a:lstStyle/>
           <a:p>
-            <a:pPr marL="0" lvl="0" indent="0" algn="l" rtl="0">
+            <a:pPr indent="0" lvl="0" marL="0" rtl="0" algn="l">
               <a:spcBef>
                 <a:spcPts val="0"/>
               </a:spcBef>
@@ -10640,7 +11058,7 @@
                 <a:cs typeface="Comfortaa"/>
                 <a:sym typeface="Comfortaa"/>
               </a:rPr>
-              <a:t>Recommended Daily Nutrition vs. Allrecipes</a:t>
+              <a:t>Extra Slides</a:t>
             </a:r>
             <a:endParaRPr>
               <a:latin typeface="Comfortaa"/>
@@ -10653,7 +11071,7 @@
       </p:sp>
       <p:sp>
         <p:nvSpPr>
-          <p:cNvPr id="120" name="Google Shape;120;p21"/>
+          <p:cNvPr id="121" name="Google Shape;121;p21"/>
           <p:cNvSpPr/>
           <p:nvPr/>
         </p:nvSpPr>
@@ -10668,62 +11086,38 @@
           <a:solidFill>
             <a:srgbClr val="CFE2F3"/>
           </a:solidFill>
-          <a:ln w="9525" cap="flat" cmpd="sng">
+          <a:ln cap="flat" cmpd="sng" w="9525">
             <a:solidFill>
               <a:srgbClr val="CFE2F3"/>
             </a:solidFill>
             <a:prstDash val="solid"/>
             <a:round/>
-            <a:headEnd type="none" w="sm" len="sm"/>
-            <a:tailEnd type="none" w="sm" len="sm"/>
+            <a:headEnd len="sm" w="sm" type="none"/>
+            <a:tailEnd len="sm" w="sm" type="none"/>
           </a:ln>
         </p:spPr>
         <p:txBody>
-          <a:bodyPr spcFirstLastPara="1" wrap="square" lIns="91425" tIns="91425" rIns="91425" bIns="91425" anchor="ctr" anchorCtr="0">
+          <a:bodyPr anchorCtr="0" anchor="ctr" bIns="91425" lIns="91425" spcFirstLastPara="1" rIns="91425" wrap="square" tIns="91425">
             <a:noAutofit/>
           </a:bodyPr>
           <a:lstStyle/>
           <a:p>
-            <a:pPr marL="0" lvl="0" indent="0" algn="l" rtl="0">
-              <a:spcBef>
-                <a:spcPts val="0"/>
-              </a:spcBef>
-              <a:spcAft>
-                <a:spcPts val="0"/>
-              </a:spcAft>
-              <a:buNone/>
-            </a:pPr>
+            <a:pPr indent="0" lvl="0" marL="0" rtl="0" algn="l">
+              <a:spcBef>
+                <a:spcPts val="0"/>
+              </a:spcBef>
+              <a:spcAft>
+                <a:spcPts val="0"/>
+              </a:spcAft>
+              <a:buNone/>
+            </a:pPr>
+            <a:r>
+              <a:t/>
+            </a:r>
             <a:endParaRPr/>
           </a:p>
         </p:txBody>
       </p:sp>
-      <p:pic>
-        <p:nvPicPr>
-          <p:cNvPr id="121" name="Google Shape;121;p21"/>
-          <p:cNvPicPr preferRelativeResize="0"/>
-          <p:nvPr/>
-        </p:nvPicPr>
-        <p:blipFill rotWithShape="1">
-          <a:blip r:embed="rId3">
-            <a:alphaModFix/>
-          </a:blip>
-          <a:srcRect t="16787" b="22672"/>
-          <a:stretch/>
-        </p:blipFill>
-        <p:spPr>
-          <a:xfrm>
-            <a:off x="733350" y="1208800"/>
-            <a:ext cx="7757200" cy="3287324"/>
-          </a:xfrm>
-          <a:prstGeom prst="rect">
-            <a:avLst/>
-          </a:prstGeom>
-          <a:noFill/>
-          <a:ln>
-            <a:noFill/>
-          </a:ln>
-        </p:spPr>
-      </p:pic>
     </p:spTree>
   </p:cSld>
   <p:clrMapOvr>
@@ -10733,7 +11127,7 @@
 </file>
 
 <file path=ppt/theme/theme1.xml><?xml version="1.0" encoding="utf-8"?>
-<a:theme xmlns:a="http://schemas.openxmlformats.org/drawingml/2006/main" name="Simple Light">
+<a:theme xmlns:a="http://schemas.openxmlformats.org/drawingml/2006/main" xmlns:r="http://schemas.openxmlformats.org/officeDocument/2006/relationships" name="Simple Light">
   <a:themeElements>
     <a:clrScheme name="Simple Light">
       <a:dk1>
@@ -11008,13 +11402,11 @@
       </a:bgFillStyleLst>
     </a:fmtScheme>
   </a:themeElements>
-  <a:objectDefaults/>
-  <a:extraClrSchemeLst/>
 </a:theme>
 </file>
 
 <file path=ppt/theme/theme2.xml><?xml version="1.0" encoding="utf-8"?>
-<a:theme xmlns:a="http://schemas.openxmlformats.org/drawingml/2006/main">
+<a:theme xmlns:a="http://schemas.openxmlformats.org/drawingml/2006/main" xmlns:r="http://schemas.openxmlformats.org/officeDocument/2006/relationships">
   <a:themeElements>
     <a:clrScheme name="Default">
       <a:dk1>
@@ -11289,7 +11681,5 @@
       </a:bgFillStyleLst>
     </a:fmtScheme>
   </a:themeElements>
-  <a:objectDefaults/>
-  <a:extraClrSchemeLst/>
 </a:theme>
 </file>